--- a/NeurIPS 2020 Presentation - Short (5min).pptx
+++ b/NeurIPS 2020 Presentation - Short (5min).pptx
@@ -188,3987 +188,6 @@
     </pc:docChg>
   </pc:docChgLst>
   <pc:docChgLst>
-    <pc:chgData name="kaihua tang" userId="22376ffad72c4b64" providerId="LiveId" clId="{CE9B0419-8561-4196-9FDB-B85F086EC084}"/>
-    <pc:docChg chg="undo custSel addSld delSld modSld sldOrd modMainMaster addSection delSection modSection">
-      <pc:chgData name="kaihua tang" userId="22376ffad72c4b64" providerId="LiveId" clId="{CE9B0419-8561-4196-9FDB-B85F086EC084}" dt="2020-04-14T16:09:15.509" v="20372" actId="20577"/>
-      <pc:docMkLst>
-        <pc:docMk/>
-      </pc:docMkLst>
-      <pc:sldChg chg="modNotesTx">
-        <pc:chgData name="kaihua tang" userId="22376ffad72c4b64" providerId="LiveId" clId="{CE9B0419-8561-4196-9FDB-B85F086EC084}" dt="2020-04-13T11:56:50.679" v="4556" actId="20577"/>
-        <pc:sldMkLst>
-          <pc:docMk/>
-          <pc:sldMk cId="444411175" sldId="256"/>
-        </pc:sldMkLst>
-      </pc:sldChg>
-      <pc:sldChg chg="modSp modNotesTx">
-        <pc:chgData name="kaihua tang" userId="22376ffad72c4b64" providerId="LiveId" clId="{CE9B0419-8561-4196-9FDB-B85F086EC084}" dt="2020-04-14T14:02:27.229" v="18505" actId="20577"/>
-        <pc:sldMkLst>
-          <pc:docMk/>
-          <pc:sldMk cId="1953666123" sldId="257"/>
-        </pc:sldMkLst>
-        <pc:spChg chg="mod">
-          <ac:chgData name="kaihua tang" userId="22376ffad72c4b64" providerId="LiveId" clId="{CE9B0419-8561-4196-9FDB-B85F086EC084}" dt="2020-04-14T14:02:27.229" v="18505" actId="20577"/>
-          <ac:spMkLst>
-            <pc:docMk/>
-            <pc:sldMk cId="1953666123" sldId="257"/>
-            <ac:spMk id="3" creationId="{D86AC0E6-91D3-4E2C-BAE7-1FC17922CA5A}"/>
-          </ac:spMkLst>
-        </pc:spChg>
-      </pc:sldChg>
-      <pc:sldChg chg="modNotesTx">
-        <pc:chgData name="kaihua tang" userId="22376ffad72c4b64" providerId="LiveId" clId="{CE9B0419-8561-4196-9FDB-B85F086EC084}" dt="2020-04-14T06:17:11.352" v="17840" actId="20577"/>
-        <pc:sldMkLst>
-          <pc:docMk/>
-          <pc:sldMk cId="2205183595" sldId="258"/>
-        </pc:sldMkLst>
-      </pc:sldChg>
-      <pc:sldChg chg="addSp delSp modSp modAnim modNotesTx">
-        <pc:chgData name="kaihua tang" userId="22376ffad72c4b64" providerId="LiveId" clId="{CE9B0419-8561-4196-9FDB-B85F086EC084}" dt="2020-04-14T14:05:16.126" v="18624" actId="20577"/>
-        <pc:sldMkLst>
-          <pc:docMk/>
-          <pc:sldMk cId="3512615257" sldId="259"/>
-        </pc:sldMkLst>
-        <pc:spChg chg="mod">
-          <ac:chgData name="kaihua tang" userId="22376ffad72c4b64" providerId="LiveId" clId="{CE9B0419-8561-4196-9FDB-B85F086EC084}" dt="2020-04-13T12:18:54.318" v="5721" actId="1076"/>
-          <ac:spMkLst>
-            <pc:docMk/>
-            <pc:sldMk cId="3512615257" sldId="259"/>
-            <ac:spMk id="2" creationId="{873B113D-26DA-4C58-8318-49BF29EBE4B7}"/>
-          </ac:spMkLst>
-        </pc:spChg>
-        <pc:spChg chg="del">
-          <ac:chgData name="kaihua tang" userId="22376ffad72c4b64" providerId="LiveId" clId="{CE9B0419-8561-4196-9FDB-B85F086EC084}" dt="2020-04-11T11:46:17.241" v="66"/>
-          <ac:spMkLst>
-            <pc:docMk/>
-            <pc:sldMk cId="3512615257" sldId="259"/>
-            <ac:spMk id="3" creationId="{57A95E19-EBF3-4642-A22D-890E38D22E1A}"/>
-          </ac:spMkLst>
-        </pc:spChg>
-        <pc:spChg chg="add mod">
-          <ac:chgData name="kaihua tang" userId="22376ffad72c4b64" providerId="LiveId" clId="{CE9B0419-8561-4196-9FDB-B85F086EC084}" dt="2020-04-13T12:18:59.900" v="5744" actId="1037"/>
-          <ac:spMkLst>
-            <pc:docMk/>
-            <pc:sldMk cId="3512615257" sldId="259"/>
-            <ac:spMk id="6" creationId="{D0CE682D-DCF4-4917-BCD0-D2DF4AECED10}"/>
-          </ac:spMkLst>
-        </pc:spChg>
-        <pc:spChg chg="add mod">
-          <ac:chgData name="kaihua tang" userId="22376ffad72c4b64" providerId="LiveId" clId="{CE9B0419-8561-4196-9FDB-B85F086EC084}" dt="2020-04-13T12:18:49.447" v="5717" actId="1037"/>
-          <ac:spMkLst>
-            <pc:docMk/>
-            <pc:sldMk cId="3512615257" sldId="259"/>
-            <ac:spMk id="7" creationId="{9DA7ED49-F7B9-43AA-8E61-5AAA72C9AE15}"/>
-          </ac:spMkLst>
-        </pc:spChg>
-        <pc:spChg chg="add del mod">
-          <ac:chgData name="kaihua tang" userId="22376ffad72c4b64" providerId="LiveId" clId="{CE9B0419-8561-4196-9FDB-B85F086EC084}" dt="2020-04-11T11:53:40.529" v="149" actId="478"/>
-          <ac:spMkLst>
-            <pc:docMk/>
-            <pc:sldMk cId="3512615257" sldId="259"/>
-            <ac:spMk id="9" creationId="{325033E8-BE8D-43E7-8CAB-471DDDF4D2EA}"/>
-          </ac:spMkLst>
-        </pc:spChg>
-        <pc:spChg chg="add mod">
-          <ac:chgData name="kaihua tang" userId="22376ffad72c4b64" providerId="LiveId" clId="{CE9B0419-8561-4196-9FDB-B85F086EC084}" dt="2020-04-13T12:18:59.900" v="5744" actId="1037"/>
-          <ac:spMkLst>
-            <pc:docMk/>
-            <pc:sldMk cId="3512615257" sldId="259"/>
-            <ac:spMk id="11" creationId="{F94F60EF-93D9-40BB-AF42-88D6CFA7BD2A}"/>
-          </ac:spMkLst>
-        </pc:spChg>
-        <pc:spChg chg="add mod">
-          <ac:chgData name="kaihua tang" userId="22376ffad72c4b64" providerId="LiveId" clId="{CE9B0419-8561-4196-9FDB-B85F086EC084}" dt="2020-04-13T12:18:49.447" v="5717" actId="1037"/>
-          <ac:spMkLst>
-            <pc:docMk/>
-            <pc:sldMk cId="3512615257" sldId="259"/>
-            <ac:spMk id="12" creationId="{242A3BDF-8B56-4DB8-987C-345F3430DD8F}"/>
-          </ac:spMkLst>
-        </pc:spChg>
-        <pc:spChg chg="add del mod">
-          <ac:chgData name="kaihua tang" userId="22376ffad72c4b64" providerId="LiveId" clId="{CE9B0419-8561-4196-9FDB-B85F086EC084}" dt="2020-04-13T12:18:32.598" v="5677" actId="478"/>
-          <ac:spMkLst>
-            <pc:docMk/>
-            <pc:sldMk cId="3512615257" sldId="259"/>
-            <ac:spMk id="13" creationId="{7ED67BF1-B0C1-4ACC-92E7-4FADE43283B6}"/>
-          </ac:spMkLst>
-        </pc:spChg>
-        <pc:spChg chg="add mod">
-          <ac:chgData name="kaihua tang" userId="22376ffad72c4b64" providerId="LiveId" clId="{CE9B0419-8561-4196-9FDB-B85F086EC084}" dt="2020-04-13T12:19:12.871" v="5756" actId="403"/>
-          <ac:spMkLst>
-            <pc:docMk/>
-            <pc:sldMk cId="3512615257" sldId="259"/>
-            <ac:spMk id="14" creationId="{3D49262C-A62E-467D-AB71-36E0CBE834E5}"/>
-          </ac:spMkLst>
-        </pc:spChg>
-        <pc:spChg chg="add del mod">
-          <ac:chgData name="kaihua tang" userId="22376ffad72c4b64" providerId="LiveId" clId="{CE9B0419-8561-4196-9FDB-B85F086EC084}" dt="2020-04-11T12:15:15.057" v="174" actId="11529"/>
-          <ac:spMkLst>
-            <pc:docMk/>
-            <pc:sldMk cId="3512615257" sldId="259"/>
-            <ac:spMk id="16" creationId="{68F4F7C6-6677-4DF6-9984-72FA6F018048}"/>
-          </ac:spMkLst>
-        </pc:spChg>
-        <pc:spChg chg="add mod ord">
-          <ac:chgData name="kaihua tang" userId="22376ffad72c4b64" providerId="LiveId" clId="{CE9B0419-8561-4196-9FDB-B85F086EC084}" dt="2020-04-13T12:19:41.694" v="5762" actId="1076"/>
-          <ac:spMkLst>
-            <pc:docMk/>
-            <pc:sldMk cId="3512615257" sldId="259"/>
-            <ac:spMk id="17" creationId="{9CDB6B92-8A3B-48EF-BFA4-C09A5CE4DE63}"/>
-          </ac:spMkLst>
-        </pc:spChg>
-        <pc:picChg chg="add del mod modCrop">
-          <ac:chgData name="kaihua tang" userId="22376ffad72c4b64" providerId="LiveId" clId="{CE9B0419-8561-4196-9FDB-B85F086EC084}" dt="2020-04-11T11:53:05.162" v="142" actId="478"/>
-          <ac:picMkLst>
-            <pc:docMk/>
-            <pc:sldMk cId="3512615257" sldId="259"/>
-            <ac:picMk id="4" creationId="{82FE0E81-5F51-4AF7-A69E-A66F2DB99E00}"/>
-          </ac:picMkLst>
-        </pc:picChg>
-        <pc:picChg chg="add mod">
-          <ac:chgData name="kaihua tang" userId="22376ffad72c4b64" providerId="LiveId" clId="{CE9B0419-8561-4196-9FDB-B85F086EC084}" dt="2020-04-13T12:18:59.900" v="5744" actId="1037"/>
-          <ac:picMkLst>
-            <pc:docMk/>
-            <pc:sldMk cId="3512615257" sldId="259"/>
-            <ac:picMk id="5" creationId="{F1BDF3E4-FCF7-4F7F-A654-68D5950F70F5}"/>
-          </ac:picMkLst>
-        </pc:picChg>
-        <pc:picChg chg="add mod modCrop">
-          <ac:chgData name="kaihua tang" userId="22376ffad72c4b64" providerId="LiveId" clId="{CE9B0419-8561-4196-9FDB-B85F086EC084}" dt="2020-04-13T12:18:49.447" v="5717" actId="1037"/>
-          <ac:picMkLst>
-            <pc:docMk/>
-            <pc:sldMk cId="3512615257" sldId="259"/>
-            <ac:picMk id="10" creationId="{AB045DF3-C733-4CD9-A109-0FE6717C6616}"/>
-          </ac:picMkLst>
-        </pc:picChg>
-        <pc:picChg chg="add del mod">
-          <ac:chgData name="kaihua tang" userId="22376ffad72c4b64" providerId="LiveId" clId="{CE9B0419-8561-4196-9FDB-B85F086EC084}" dt="2020-04-11T12:14:55.030" v="172" actId="931"/>
-          <ac:picMkLst>
-            <pc:docMk/>
-            <pc:sldMk cId="3512615257" sldId="259"/>
-            <ac:picMk id="15" creationId="{DA14DA2C-A832-4355-A252-BCE62AA7B0B5}"/>
-          </ac:picMkLst>
-        </pc:picChg>
-      </pc:sldChg>
-      <pc:sldChg chg="modSp modNotesTx">
-        <pc:chgData name="kaihua tang" userId="22376ffad72c4b64" providerId="LiveId" clId="{CE9B0419-8561-4196-9FDB-B85F086EC084}" dt="2020-04-14T06:16:48.176" v="17833" actId="20577"/>
-        <pc:sldMkLst>
-          <pc:docMk/>
-          <pc:sldMk cId="3393823741" sldId="260"/>
-        </pc:sldMkLst>
-        <pc:spChg chg="mod">
-          <ac:chgData name="kaihua tang" userId="22376ffad72c4b64" providerId="LiveId" clId="{CE9B0419-8561-4196-9FDB-B85F086EC084}" dt="2020-04-14T06:16:48.176" v="17833" actId="20577"/>
-          <ac:spMkLst>
-            <pc:docMk/>
-            <pc:sldMk cId="3393823741" sldId="260"/>
-            <ac:spMk id="3" creationId="{81A7471C-682F-48E7-B9E5-1BB1AD058FE0}"/>
-          </ac:spMkLst>
-        </pc:spChg>
-      </pc:sldChg>
-      <pc:sldChg chg="addSp delSp modSp add modAnim modNotesTx">
-        <pc:chgData name="kaihua tang" userId="22376ffad72c4b64" providerId="LiveId" clId="{CE9B0419-8561-4196-9FDB-B85F086EC084}" dt="2020-04-14T14:19:13.861" v="18953" actId="20577"/>
-        <pc:sldMkLst>
-          <pc:docMk/>
-          <pc:sldMk cId="314416174" sldId="261"/>
-        </pc:sldMkLst>
-        <pc:spChg chg="mod">
-          <ac:chgData name="kaihua tang" userId="22376ffad72c4b64" providerId="LiveId" clId="{CE9B0419-8561-4196-9FDB-B85F086EC084}" dt="2020-04-14T14:03:19.350" v="18558" actId="20577"/>
-          <ac:spMkLst>
-            <pc:docMk/>
-            <pc:sldMk cId="314416174" sldId="261"/>
-            <ac:spMk id="3" creationId="{16724439-531F-41B3-B29C-58D1CA315F9A}"/>
-          </ac:spMkLst>
-        </pc:spChg>
-        <pc:spChg chg="add mod">
-          <ac:chgData name="kaihua tang" userId="22376ffad72c4b64" providerId="LiveId" clId="{CE9B0419-8561-4196-9FDB-B85F086EC084}" dt="2020-04-14T07:52:11.592" v="17856" actId="1037"/>
-          <ac:spMkLst>
-            <pc:docMk/>
-            <pc:sldMk cId="314416174" sldId="261"/>
-            <ac:spMk id="4" creationId="{0B68B1BE-CE5E-4B0F-BA24-0F1DE66457C2}"/>
-          </ac:spMkLst>
-        </pc:spChg>
-        <pc:spChg chg="add del">
-          <ac:chgData name="kaihua tang" userId="22376ffad72c4b64" providerId="LiveId" clId="{CE9B0419-8561-4196-9FDB-B85F086EC084}" dt="2020-04-13T03:24:17.968" v="4443"/>
-          <ac:spMkLst>
-            <pc:docMk/>
-            <pc:sldMk cId="314416174" sldId="261"/>
-            <ac:spMk id="4" creationId="{8F0F9DA4-8054-4EA3-BD70-37681709DCA9}"/>
-          </ac:spMkLst>
-        </pc:spChg>
-        <pc:spChg chg="add mod">
-          <ac:chgData name="kaihua tang" userId="22376ffad72c4b64" providerId="LiveId" clId="{CE9B0419-8561-4196-9FDB-B85F086EC084}" dt="2020-04-14T07:52:45.393" v="17884" actId="1036"/>
-          <ac:spMkLst>
-            <pc:docMk/>
-            <pc:sldMk cId="314416174" sldId="261"/>
-            <ac:spMk id="5" creationId="{6FD3A6B8-85CD-42BB-ABA7-01419E76A9A7}"/>
-          </ac:spMkLst>
-        </pc:spChg>
-      </pc:sldChg>
-      <pc:sldChg chg="add del">
-        <pc:chgData name="kaihua tang" userId="22376ffad72c4b64" providerId="LiveId" clId="{CE9B0419-8561-4196-9FDB-B85F086EC084}" dt="2020-04-13T03:20:31.869" v="4399" actId="2696"/>
-        <pc:sldMkLst>
-          <pc:docMk/>
-          <pc:sldMk cId="4150698429" sldId="261"/>
-        </pc:sldMkLst>
-      </pc:sldChg>
-      <pc:sldChg chg="modSp del">
-        <pc:chgData name="kaihua tang" userId="22376ffad72c4b64" providerId="LiveId" clId="{CE9B0419-8561-4196-9FDB-B85F086EC084}" dt="2020-04-13T03:21:42.076" v="4413" actId="47"/>
-        <pc:sldMkLst>
-          <pc:docMk/>
-          <pc:sldMk cId="536164668" sldId="262"/>
-        </pc:sldMkLst>
-        <pc:spChg chg="mod">
-          <ac:chgData name="kaihua tang" userId="22376ffad72c4b64" providerId="LiveId" clId="{CE9B0419-8561-4196-9FDB-B85F086EC084}" dt="2020-04-12T11:48:10.933" v="2214" actId="108"/>
-          <ac:spMkLst>
-            <pc:docMk/>
-            <pc:sldMk cId="536164668" sldId="262"/>
-            <ac:spMk id="3" creationId="{D86AC0E6-91D3-4E2C-BAE7-1FC17922CA5A}"/>
-          </ac:spMkLst>
-        </pc:spChg>
-      </pc:sldChg>
-      <pc:sldChg chg="addSp delSp modSp add modAnim modNotesTx">
-        <pc:chgData name="kaihua tang" userId="22376ffad72c4b64" providerId="LiveId" clId="{CE9B0419-8561-4196-9FDB-B85F086EC084}" dt="2020-04-14T14:21:31.565" v="19030" actId="20577"/>
-        <pc:sldMkLst>
-          <pc:docMk/>
-          <pc:sldMk cId="4204612623" sldId="263"/>
-        </pc:sldMkLst>
-        <pc:spChg chg="mod">
-          <ac:chgData name="kaihua tang" userId="22376ffad72c4b64" providerId="LiveId" clId="{CE9B0419-8561-4196-9FDB-B85F086EC084}" dt="2020-04-11T12:17:02.153" v="217"/>
-          <ac:spMkLst>
-            <pc:docMk/>
-            <pc:sldMk cId="4204612623" sldId="263"/>
-            <ac:spMk id="2" creationId="{77CA408D-0E05-42B2-8306-B1A955BF4E54}"/>
-          </ac:spMkLst>
-        </pc:spChg>
-        <pc:spChg chg="mod">
-          <ac:chgData name="kaihua tang" userId="22376ffad72c4b64" providerId="LiveId" clId="{CE9B0419-8561-4196-9FDB-B85F086EC084}" dt="2020-04-11T12:29:45.346" v="342" actId="1076"/>
-          <ac:spMkLst>
-            <pc:docMk/>
-            <pc:sldMk cId="4204612623" sldId="263"/>
-            <ac:spMk id="3" creationId="{9EBF24C7-D4DB-48B8-8073-CB3B75A2AEB6}"/>
-          </ac:spMkLst>
-        </pc:spChg>
-        <pc:spChg chg="add mod">
-          <ac:chgData name="kaihua tang" userId="22376ffad72c4b64" providerId="LiveId" clId="{CE9B0419-8561-4196-9FDB-B85F086EC084}" dt="2020-04-13T02:59:41.527" v="4101" actId="20577"/>
-          <ac:spMkLst>
-            <pc:docMk/>
-            <pc:sldMk cId="4204612623" sldId="263"/>
-            <ac:spMk id="4" creationId="{64D6D024-4848-4A9B-90BE-C1A1CD2C1B24}"/>
-          </ac:spMkLst>
-        </pc:spChg>
-        <pc:spChg chg="add mod ord">
-          <ac:chgData name="kaihua tang" userId="22376ffad72c4b64" providerId="LiveId" clId="{CE9B0419-8561-4196-9FDB-B85F086EC084}" dt="2020-04-13T03:47:19.421" v="4517" actId="14100"/>
-          <ac:spMkLst>
-            <pc:docMk/>
-            <pc:sldMk cId="4204612623" sldId="263"/>
-            <ac:spMk id="7" creationId="{3191E956-D935-4FCD-BEAC-4C839C8C79C6}"/>
-          </ac:spMkLst>
-        </pc:spChg>
-        <pc:spChg chg="add mod">
-          <ac:chgData name="kaihua tang" userId="22376ffad72c4b64" providerId="LiveId" clId="{CE9B0419-8561-4196-9FDB-B85F086EC084}" dt="2020-04-11T12:30:23.252" v="349" actId="571"/>
-          <ac:spMkLst>
-            <pc:docMk/>
-            <pc:sldMk cId="4204612623" sldId="263"/>
-            <ac:spMk id="12" creationId="{CBEAE767-EA36-4A48-B654-A92726D32E5A}"/>
-          </ac:spMkLst>
-        </pc:spChg>
-        <pc:spChg chg="add mod">
-          <ac:chgData name="kaihua tang" userId="22376ffad72c4b64" providerId="LiveId" clId="{CE9B0419-8561-4196-9FDB-B85F086EC084}" dt="2020-04-11T12:31:27.442" v="368" actId="20577"/>
-          <ac:spMkLst>
-            <pc:docMk/>
-            <pc:sldMk cId="4204612623" sldId="263"/>
-            <ac:spMk id="13" creationId="{5C970E4E-2A16-4A7F-9A81-D371A02D5123}"/>
-          </ac:spMkLst>
-        </pc:spChg>
-        <pc:spChg chg="add mod">
-          <ac:chgData name="kaihua tang" userId="22376ffad72c4b64" providerId="LiveId" clId="{CE9B0419-8561-4196-9FDB-B85F086EC084}" dt="2020-04-11T12:33:12.170" v="395" actId="1076"/>
-          <ac:spMkLst>
-            <pc:docMk/>
-            <pc:sldMk cId="4204612623" sldId="263"/>
-            <ac:spMk id="14" creationId="{52377446-037B-4535-A7D9-467DFAC653BC}"/>
-          </ac:spMkLst>
-        </pc:spChg>
-        <pc:spChg chg="add">
-          <ac:chgData name="kaihua tang" userId="22376ffad72c4b64" providerId="LiveId" clId="{CE9B0419-8561-4196-9FDB-B85F086EC084}" dt="2020-04-11T12:31:49.935" v="377"/>
-          <ac:spMkLst>
-            <pc:docMk/>
-            <pc:sldMk cId="4204612623" sldId="263"/>
-            <ac:spMk id="15" creationId="{3191E956-D935-4FCD-BEAC-4C839C8C79C6}"/>
-          </ac:spMkLst>
-        </pc:spChg>
-        <pc:spChg chg="add mod">
-          <ac:chgData name="kaihua tang" userId="22376ffad72c4b64" providerId="LiveId" clId="{CE9B0419-8561-4196-9FDB-B85F086EC084}" dt="2020-04-11T12:33:27.351" v="398" actId="13822"/>
-          <ac:spMkLst>
-            <pc:docMk/>
-            <pc:sldMk cId="4204612623" sldId="263"/>
-            <ac:spMk id="16" creationId="{52377446-037B-4535-A7D9-467DFAC653BC}"/>
-          </ac:spMkLst>
-        </pc:spChg>
-        <pc:spChg chg="add mod">
-          <ac:chgData name="kaihua tang" userId="22376ffad72c4b64" providerId="LiveId" clId="{CE9B0419-8561-4196-9FDB-B85F086EC084}" dt="2020-04-11T12:34:00.170" v="403" actId="1076"/>
-          <ac:spMkLst>
-            <pc:docMk/>
-            <pc:sldMk cId="4204612623" sldId="263"/>
-            <ac:spMk id="17" creationId="{01DA66F9-FBC1-4380-B824-DA515243E9F7}"/>
-          </ac:spMkLst>
-        </pc:spChg>
-        <pc:spChg chg="add mod">
-          <ac:chgData name="kaihua tang" userId="22376ffad72c4b64" providerId="LiveId" clId="{CE9B0419-8561-4196-9FDB-B85F086EC084}" dt="2020-04-11T12:35:26.090" v="420" actId="1076"/>
-          <ac:spMkLst>
-            <pc:docMk/>
-            <pc:sldMk cId="4204612623" sldId="263"/>
-            <ac:spMk id="27" creationId="{6E65CD4A-ADAF-4434-9635-99C018384207}"/>
-          </ac:spMkLst>
-        </pc:spChg>
-        <pc:spChg chg="add mod">
-          <ac:chgData name="kaihua tang" userId="22376ffad72c4b64" providerId="LiveId" clId="{CE9B0419-8561-4196-9FDB-B85F086EC084}" dt="2020-04-11T12:36:28.146" v="441" actId="1076"/>
-          <ac:spMkLst>
-            <pc:docMk/>
-            <pc:sldMk cId="4204612623" sldId="263"/>
-            <ac:spMk id="28" creationId="{0A8C1C05-D0D6-49B6-931D-B333742224C4}"/>
-          </ac:spMkLst>
-        </pc:spChg>
-        <pc:spChg chg="add mod">
-          <ac:chgData name="kaihua tang" userId="22376ffad72c4b64" providerId="LiveId" clId="{CE9B0419-8561-4196-9FDB-B85F086EC084}" dt="2020-04-11T12:36:11.329" v="436" actId="1076"/>
-          <ac:spMkLst>
-            <pc:docMk/>
-            <pc:sldMk cId="4204612623" sldId="263"/>
-            <ac:spMk id="29" creationId="{E8D1B544-1E7C-4E1F-AA94-73D9670D95B1}"/>
-          </ac:spMkLst>
-        </pc:spChg>
-        <pc:spChg chg="add mod">
-          <ac:chgData name="kaihua tang" userId="22376ffad72c4b64" providerId="LiveId" clId="{CE9B0419-8561-4196-9FDB-B85F086EC084}" dt="2020-04-11T12:36:36.090" v="443" actId="1076"/>
-          <ac:spMkLst>
-            <pc:docMk/>
-            <pc:sldMk cId="4204612623" sldId="263"/>
-            <ac:spMk id="33" creationId="{2E11B9C7-75B7-4223-AF76-C6332447A73E}"/>
-          </ac:spMkLst>
-        </pc:spChg>
-        <pc:spChg chg="add mod">
-          <ac:chgData name="kaihua tang" userId="22376ffad72c4b64" providerId="LiveId" clId="{CE9B0419-8561-4196-9FDB-B85F086EC084}" dt="2020-04-13T13:31:38.676" v="6225" actId="20577"/>
-          <ac:spMkLst>
-            <pc:docMk/>
-            <pc:sldMk cId="4204612623" sldId="263"/>
-            <ac:spMk id="34" creationId="{5FD7D824-07E6-4154-9A23-0F50E292D64A}"/>
-          </ac:spMkLst>
-        </pc:spChg>
-        <pc:picChg chg="add mod">
-          <ac:chgData name="kaihua tang" userId="22376ffad72c4b64" providerId="LiveId" clId="{CE9B0419-8561-4196-9FDB-B85F086EC084}" dt="2020-04-11T12:30:26.706" v="350" actId="1076"/>
-          <ac:picMkLst>
-            <pc:docMk/>
-            <pc:sldMk cId="4204612623" sldId="263"/>
-            <ac:picMk id="5" creationId="{25312DD0-C9C6-4BE2-9FCF-82C7647677AB}"/>
-          </ac:picMkLst>
-        </pc:picChg>
-        <pc:picChg chg="add del mod">
-          <ac:chgData name="kaihua tang" userId="22376ffad72c4b64" providerId="LiveId" clId="{CE9B0419-8561-4196-9FDB-B85F086EC084}" dt="2020-04-13T03:43:44.889" v="4496" actId="478"/>
-          <ac:picMkLst>
-            <pc:docMk/>
-            <pc:sldMk cId="4204612623" sldId="263"/>
-            <ac:picMk id="6" creationId="{F04FDACE-59DE-4A23-9C67-C754BE4A865C}"/>
-          </ac:picMkLst>
-        </pc:picChg>
-        <pc:picChg chg="add mod">
-          <ac:chgData name="kaihua tang" userId="22376ffad72c4b64" providerId="LiveId" clId="{CE9B0419-8561-4196-9FDB-B85F086EC084}" dt="2020-04-11T12:30:40.786" v="352" actId="1076"/>
-          <ac:picMkLst>
-            <pc:docMk/>
-            <pc:sldMk cId="4204612623" sldId="263"/>
-            <ac:picMk id="8" creationId="{18D11BC2-EE48-4F90-92EB-D65EFFA8325C}"/>
-          </ac:picMkLst>
-        </pc:picChg>
-        <pc:picChg chg="add mod">
-          <ac:chgData name="kaihua tang" userId="22376ffad72c4b64" providerId="LiveId" clId="{CE9B0419-8561-4196-9FDB-B85F086EC084}" dt="2020-04-11T12:30:43.466" v="353" actId="1076"/>
-          <ac:picMkLst>
-            <pc:docMk/>
-            <pc:sldMk cId="4204612623" sldId="263"/>
-            <ac:picMk id="9" creationId="{6CD553EC-B8BD-4CDA-BDA4-E38804FAB0E3}"/>
-          </ac:picMkLst>
-        </pc:picChg>
-        <pc:picChg chg="add mod">
-          <ac:chgData name="kaihua tang" userId="22376ffad72c4b64" providerId="LiveId" clId="{CE9B0419-8561-4196-9FDB-B85F086EC084}" dt="2020-04-11T12:30:23.252" v="349" actId="571"/>
-          <ac:picMkLst>
-            <pc:docMk/>
-            <pc:sldMk cId="4204612623" sldId="263"/>
-            <ac:picMk id="10" creationId="{BA501A96-E75D-41F7-9BAB-E85920A99FBD}"/>
-          </ac:picMkLst>
-        </pc:picChg>
-        <pc:picChg chg="add del mod">
-          <ac:chgData name="kaihua tang" userId="22376ffad72c4b64" providerId="LiveId" clId="{CE9B0419-8561-4196-9FDB-B85F086EC084}" dt="2020-04-13T03:44:05.621" v="4501" actId="478"/>
-          <ac:picMkLst>
-            <pc:docMk/>
-            <pc:sldMk cId="4204612623" sldId="263"/>
-            <ac:picMk id="10" creationId="{F89702A3-61C7-4136-ADED-D7C0D9D9A0D3}"/>
-          </ac:picMkLst>
-        </pc:picChg>
-        <pc:picChg chg="add mod">
-          <ac:chgData name="kaihua tang" userId="22376ffad72c4b64" providerId="LiveId" clId="{CE9B0419-8561-4196-9FDB-B85F086EC084}" dt="2020-04-11T12:30:23.252" v="349" actId="571"/>
-          <ac:picMkLst>
-            <pc:docMk/>
-            <pc:sldMk cId="4204612623" sldId="263"/>
-            <ac:picMk id="11" creationId="{B4519F87-2253-43A2-A1E4-5BD342AE9E88}"/>
-          </ac:picMkLst>
-        </pc:picChg>
-        <pc:picChg chg="add del mod">
-          <ac:chgData name="kaihua tang" userId="22376ffad72c4b64" providerId="LiveId" clId="{CE9B0419-8561-4196-9FDB-B85F086EC084}" dt="2020-04-13T03:44:36.497" v="4505" actId="478"/>
-          <ac:picMkLst>
-            <pc:docMk/>
-            <pc:sldMk cId="4204612623" sldId="263"/>
-            <ac:picMk id="12" creationId="{01F515DE-9174-423B-B72F-7D71AA55E1E7}"/>
-          </ac:picMkLst>
-        </pc:picChg>
-        <pc:picChg chg="add del mod">
-          <ac:chgData name="kaihua tang" userId="22376ffad72c4b64" providerId="LiveId" clId="{CE9B0419-8561-4196-9FDB-B85F086EC084}" dt="2020-04-13T03:45:33.284" v="4509" actId="478"/>
-          <ac:picMkLst>
-            <pc:docMk/>
-            <pc:sldMk cId="4204612623" sldId="263"/>
-            <ac:picMk id="18" creationId="{AEB69810-28E4-440A-BA18-597F48735EA1}"/>
-          </ac:picMkLst>
-        </pc:picChg>
-        <pc:picChg chg="add mod">
-          <ac:chgData name="kaihua tang" userId="22376ffad72c4b64" providerId="LiveId" clId="{CE9B0419-8561-4196-9FDB-B85F086EC084}" dt="2020-04-13T03:47:04.675" v="4514" actId="14100"/>
-          <ac:picMkLst>
-            <pc:docMk/>
-            <pc:sldMk cId="4204612623" sldId="263"/>
-            <ac:picMk id="21" creationId="{69307581-69CC-44BE-8EEB-1176E90B7ACE}"/>
-          </ac:picMkLst>
-        </pc:picChg>
-        <pc:cxnChg chg="add mod">
-          <ac:chgData name="kaihua tang" userId="22376ffad72c4b64" providerId="LiveId" clId="{CE9B0419-8561-4196-9FDB-B85F086EC084}" dt="2020-04-11T12:35:12.754" v="410" actId="14100"/>
-          <ac:cxnSpMkLst>
-            <pc:docMk/>
-            <pc:sldMk cId="4204612623" sldId="263"/>
-            <ac:cxnSpMk id="19" creationId="{1C76D323-AE9F-44AA-98F3-B4BD5F0075B7}"/>
-          </ac:cxnSpMkLst>
-        </pc:cxnChg>
-        <pc:cxnChg chg="add mod">
-          <ac:chgData name="kaihua tang" userId="22376ffad72c4b64" providerId="LiveId" clId="{CE9B0419-8561-4196-9FDB-B85F086EC084}" dt="2020-04-11T12:34:54.890" v="407" actId="14100"/>
-          <ac:cxnSpMkLst>
-            <pc:docMk/>
-            <pc:sldMk cId="4204612623" sldId="263"/>
-            <ac:cxnSpMk id="20" creationId="{C6951BBA-9994-4887-8923-805D273FD142}"/>
-          </ac:cxnSpMkLst>
-        </pc:cxnChg>
-        <pc:cxnChg chg="add mod">
-          <ac:chgData name="kaihua tang" userId="22376ffad72c4b64" providerId="LiveId" clId="{CE9B0419-8561-4196-9FDB-B85F086EC084}" dt="2020-04-11T12:36:24.834" v="440" actId="14100"/>
-          <ac:cxnSpMkLst>
-            <pc:docMk/>
-            <pc:sldMk cId="4204612623" sldId="263"/>
-            <ac:cxnSpMk id="30" creationId="{F6A68BB5-751F-45C5-B45C-79794F10850D}"/>
-          </ac:cxnSpMkLst>
-        </pc:cxnChg>
-      </pc:sldChg>
-      <pc:sldChg chg="addSp delSp modSp add modNotesTx">
-        <pc:chgData name="kaihua tang" userId="22376ffad72c4b64" providerId="LiveId" clId="{CE9B0419-8561-4196-9FDB-B85F086EC084}" dt="2020-04-14T14:07:28.573" v="18680" actId="20577"/>
-        <pc:sldMkLst>
-          <pc:docMk/>
-          <pc:sldMk cId="1668934887" sldId="264"/>
-        </pc:sldMkLst>
-        <pc:spChg chg="mod">
-          <ac:chgData name="kaihua tang" userId="22376ffad72c4b64" providerId="LiveId" clId="{CE9B0419-8561-4196-9FDB-B85F086EC084}" dt="2020-04-11T14:39:41.549" v="709" actId="404"/>
-          <ac:spMkLst>
-            <pc:docMk/>
-            <pc:sldMk cId="1668934887" sldId="264"/>
-            <ac:spMk id="2" creationId="{D655897E-9499-4F1B-9493-58F2964A83BA}"/>
-          </ac:spMkLst>
-        </pc:spChg>
-        <pc:spChg chg="del mod">
-          <ac:chgData name="kaihua tang" userId="22376ffad72c4b64" providerId="LiveId" clId="{CE9B0419-8561-4196-9FDB-B85F086EC084}" dt="2020-04-11T14:40:48.942" v="750"/>
-          <ac:spMkLst>
-            <pc:docMk/>
-            <pc:sldMk cId="1668934887" sldId="264"/>
-            <ac:spMk id="3" creationId="{9600EE94-0E59-4B50-9787-638BA0711579}"/>
-          </ac:spMkLst>
-        </pc:spChg>
-        <pc:spChg chg="add mod">
-          <ac:chgData name="kaihua tang" userId="22376ffad72c4b64" providerId="LiveId" clId="{CE9B0419-8561-4196-9FDB-B85F086EC084}" dt="2020-04-12T12:25:31.161" v="2622" actId="1036"/>
-          <ac:spMkLst>
-            <pc:docMk/>
-            <pc:sldMk cId="1668934887" sldId="264"/>
-            <ac:spMk id="4" creationId="{53B808A5-C7A3-49C8-A385-66AE054648E7}"/>
-          </ac:spMkLst>
-        </pc:spChg>
-        <pc:spChg chg="add del">
-          <ac:chgData name="kaihua tang" userId="22376ffad72c4b64" providerId="LiveId" clId="{CE9B0419-8561-4196-9FDB-B85F086EC084}" dt="2020-04-11T12:42:21.441" v="629" actId="478"/>
-          <ac:spMkLst>
-            <pc:docMk/>
-            <pc:sldMk cId="1668934887" sldId="264"/>
-            <ac:spMk id="4" creationId="{EEB3A3C3-90A2-44F2-9031-6A0901BE3CE1}"/>
-          </ac:spMkLst>
-        </pc:spChg>
-        <pc:spChg chg="add del mod">
-          <ac:chgData name="kaihua tang" userId="22376ffad72c4b64" providerId="LiveId" clId="{CE9B0419-8561-4196-9FDB-B85F086EC084}" dt="2020-04-11T14:40:57.542" v="753" actId="478"/>
-          <ac:spMkLst>
-            <pc:docMk/>
-            <pc:sldMk cId="1668934887" sldId="264"/>
-            <ac:spMk id="5" creationId="{B6BC2B7E-BBEE-4329-9F40-31E42B53D157}"/>
-          </ac:spMkLst>
-        </pc:spChg>
-        <pc:spChg chg="add mod">
-          <ac:chgData name="kaihua tang" userId="22376ffad72c4b64" providerId="LiveId" clId="{CE9B0419-8561-4196-9FDB-B85F086EC084}" dt="2020-04-12T12:25:31.161" v="2622" actId="1036"/>
-          <ac:spMkLst>
-            <pc:docMk/>
-            <pc:sldMk cId="1668934887" sldId="264"/>
-            <ac:spMk id="6" creationId="{09DA23AA-D9F4-4E55-8607-1E3E52323BAF}"/>
-          </ac:spMkLst>
-        </pc:spChg>
-        <pc:spChg chg="add mod">
-          <ac:chgData name="kaihua tang" userId="22376ffad72c4b64" providerId="LiveId" clId="{CE9B0419-8561-4196-9FDB-B85F086EC084}" dt="2020-04-12T12:25:31.161" v="2622" actId="1036"/>
-          <ac:spMkLst>
-            <pc:docMk/>
-            <pc:sldMk cId="1668934887" sldId="264"/>
-            <ac:spMk id="7" creationId="{865C6D29-9AA0-4438-BFFC-34C560B5AD6A}"/>
-          </ac:spMkLst>
-        </pc:spChg>
-        <pc:spChg chg="add mod">
-          <ac:chgData name="kaihua tang" userId="22376ffad72c4b64" providerId="LiveId" clId="{CE9B0419-8561-4196-9FDB-B85F086EC084}" dt="2020-04-14T14:07:28.573" v="18680" actId="20577"/>
-          <ac:spMkLst>
-            <pc:docMk/>
-            <pc:sldMk cId="1668934887" sldId="264"/>
-            <ac:spMk id="8" creationId="{3EDCB7AB-A932-4AF8-A65D-F90FBA4E4236}"/>
-          </ac:spMkLst>
-        </pc:spChg>
-        <pc:spChg chg="add del">
-          <ac:chgData name="kaihua tang" userId="22376ffad72c4b64" providerId="LiveId" clId="{CE9B0419-8561-4196-9FDB-B85F086EC084}" dt="2020-04-13T13:38:35.578" v="6421"/>
-          <ac:spMkLst>
-            <pc:docMk/>
-            <pc:sldMk cId="1668934887" sldId="264"/>
-            <ac:spMk id="11" creationId="{8A3439DC-2C4A-442E-913E-85EF3C3DC960}"/>
-          </ac:spMkLst>
-        </pc:spChg>
-        <pc:picChg chg="add mod">
-          <ac:chgData name="kaihua tang" userId="22376ffad72c4b64" providerId="LiveId" clId="{CE9B0419-8561-4196-9FDB-B85F086EC084}" dt="2020-04-12T12:25:31.161" v="2622" actId="1036"/>
-          <ac:picMkLst>
-            <pc:docMk/>
-            <pc:sldMk cId="1668934887" sldId="264"/>
-            <ac:picMk id="9" creationId="{7C739C79-E5DE-4ABA-AC9A-DF2613344E88}"/>
-          </ac:picMkLst>
-        </pc:picChg>
-        <pc:picChg chg="add mod">
-          <ac:chgData name="kaihua tang" userId="22376ffad72c4b64" providerId="LiveId" clId="{CE9B0419-8561-4196-9FDB-B85F086EC084}" dt="2020-04-12T12:25:31.161" v="2622" actId="1036"/>
-          <ac:picMkLst>
-            <pc:docMk/>
-            <pc:sldMk cId="1668934887" sldId="264"/>
-            <ac:picMk id="10" creationId="{33832560-C2CD-4425-8D7B-F736D319AA69}"/>
-          </ac:picMkLst>
-        </pc:picChg>
-        <pc:picChg chg="add del mod">
-          <ac:chgData name="kaihua tang" userId="22376ffad72c4b64" providerId="LiveId" clId="{CE9B0419-8561-4196-9FDB-B85F086EC084}" dt="2020-04-11T14:49:16.803" v="845" actId="478"/>
-          <ac:picMkLst>
-            <pc:docMk/>
-            <pc:sldMk cId="1668934887" sldId="264"/>
-            <ac:picMk id="11" creationId="{EB4E6452-C1CA-4D07-9E6F-E810E0E7F9F1}"/>
-          </ac:picMkLst>
-        </pc:picChg>
-        <pc:picChg chg="add mod">
-          <ac:chgData name="kaihua tang" userId="22376ffad72c4b64" providerId="LiveId" clId="{CE9B0419-8561-4196-9FDB-B85F086EC084}" dt="2020-04-12T12:25:31.161" v="2622" actId="1036"/>
-          <ac:picMkLst>
-            <pc:docMk/>
-            <pc:sldMk cId="1668934887" sldId="264"/>
-            <ac:picMk id="12" creationId="{BCB345F8-3D65-4AC6-AA21-E3FDCFB075B6}"/>
-          </ac:picMkLst>
-        </pc:picChg>
-        <pc:picChg chg="add del mod">
-          <ac:chgData name="kaihua tang" userId="22376ffad72c4b64" providerId="LiveId" clId="{CE9B0419-8561-4196-9FDB-B85F086EC084}" dt="2020-04-11T14:58:13.963" v="1050" actId="478"/>
-          <ac:picMkLst>
-            <pc:docMk/>
-            <pc:sldMk cId="1668934887" sldId="264"/>
-            <ac:picMk id="13" creationId="{A92A7F7C-22B4-4ACA-B8E6-CAAD04ABEDD4}"/>
-          </ac:picMkLst>
-        </pc:picChg>
-        <pc:picChg chg="add mod">
-          <ac:chgData name="kaihua tang" userId="22376ffad72c4b64" providerId="LiveId" clId="{CE9B0419-8561-4196-9FDB-B85F086EC084}" dt="2020-04-12T12:25:31.161" v="2622" actId="1036"/>
-          <ac:picMkLst>
-            <pc:docMk/>
-            <pc:sldMk cId="1668934887" sldId="264"/>
-            <ac:picMk id="14" creationId="{0A616969-22B8-4F75-AC12-DE1FEFC87D65}"/>
-          </ac:picMkLst>
-        </pc:picChg>
-      </pc:sldChg>
-      <pc:sldChg chg="addSp delSp modSp add modAnim modNotesTx">
-        <pc:chgData name="kaihua tang" userId="22376ffad72c4b64" providerId="LiveId" clId="{CE9B0419-8561-4196-9FDB-B85F086EC084}" dt="2020-04-13T14:21:32.345" v="7680" actId="20577"/>
-        <pc:sldMkLst>
-          <pc:docMk/>
-          <pc:sldMk cId="3611005631" sldId="265"/>
-        </pc:sldMkLst>
-        <pc:spChg chg="mod">
-          <ac:chgData name="kaihua tang" userId="22376ffad72c4b64" providerId="LiveId" clId="{CE9B0419-8561-4196-9FDB-B85F086EC084}" dt="2020-04-11T17:24:49.747" v="1212" actId="14100"/>
-          <ac:spMkLst>
-            <pc:docMk/>
-            <pc:sldMk cId="3611005631" sldId="265"/>
-            <ac:spMk id="2" creationId="{0F352783-9870-4B22-8CDD-8EDE69AA9D76}"/>
-          </ac:spMkLst>
-        </pc:spChg>
-        <pc:spChg chg="del mod">
-          <ac:chgData name="kaihua tang" userId="22376ffad72c4b64" providerId="LiveId" clId="{CE9B0419-8561-4196-9FDB-B85F086EC084}" dt="2020-04-12T05:31:52.222" v="1290"/>
-          <ac:spMkLst>
-            <pc:docMk/>
-            <pc:sldMk cId="3611005631" sldId="265"/>
-            <ac:spMk id="3" creationId="{0D7B508C-4489-4401-92C4-6590249C187A}"/>
-          </ac:spMkLst>
-        </pc:spChg>
-        <pc:spChg chg="add mod">
-          <ac:chgData name="kaihua tang" userId="22376ffad72c4b64" providerId="LiveId" clId="{CE9B0419-8561-4196-9FDB-B85F086EC084}" dt="2020-04-12T05:41:06.777" v="1558" actId="20577"/>
-          <ac:spMkLst>
-            <pc:docMk/>
-            <pc:sldMk cId="3611005631" sldId="265"/>
-            <ac:spMk id="4" creationId="{FCFA26DF-42BB-480F-860B-72C3DDA93925}"/>
-          </ac:spMkLst>
-        </pc:spChg>
-        <pc:spChg chg="add del mod">
-          <ac:chgData name="kaihua tang" userId="22376ffad72c4b64" providerId="LiveId" clId="{CE9B0419-8561-4196-9FDB-B85F086EC084}" dt="2020-04-12T05:34:40.848" v="1369" actId="1076"/>
-          <ac:spMkLst>
-            <pc:docMk/>
-            <pc:sldMk cId="3611005631" sldId="265"/>
-            <ac:spMk id="6" creationId="{BA74E3EF-506D-424E-90BA-B1EA6BB46095}"/>
-          </ac:spMkLst>
-        </pc:spChg>
-        <pc:spChg chg="add del mod">
-          <ac:chgData name="kaihua tang" userId="22376ffad72c4b64" providerId="LiveId" clId="{CE9B0419-8561-4196-9FDB-B85F086EC084}" dt="2020-04-12T05:34:43.664" v="1370" actId="1076"/>
-          <ac:spMkLst>
-            <pc:docMk/>
-            <pc:sldMk cId="3611005631" sldId="265"/>
-            <ac:spMk id="7" creationId="{B410EB9F-171B-4364-82E4-ECD0E96824A3}"/>
-          </ac:spMkLst>
-        </pc:spChg>
-        <pc:spChg chg="add del mod ord">
-          <ac:chgData name="kaihua tang" userId="22376ffad72c4b64" providerId="LiveId" clId="{CE9B0419-8561-4196-9FDB-B85F086EC084}" dt="2020-04-12T05:36:25.008" v="1432" actId="1035"/>
-          <ac:spMkLst>
-            <pc:docMk/>
-            <pc:sldMk cId="3611005631" sldId="265"/>
-            <ac:spMk id="8" creationId="{C8EBA58A-DF5C-47C2-872C-430443B486CD}"/>
-          </ac:spMkLst>
-        </pc:spChg>
-        <pc:spChg chg="add mod">
-          <ac:chgData name="kaihua tang" userId="22376ffad72c4b64" providerId="LiveId" clId="{CE9B0419-8561-4196-9FDB-B85F086EC084}" dt="2020-04-12T05:35:11.041" v="1410" actId="20577"/>
-          <ac:spMkLst>
-            <pc:docMk/>
-            <pc:sldMk cId="3611005631" sldId="265"/>
-            <ac:spMk id="9" creationId="{69B80F2B-E9B7-4306-AC7A-7A98170FB203}"/>
-          </ac:spMkLst>
-        </pc:spChg>
-        <pc:spChg chg="add mod">
-          <ac:chgData name="kaihua tang" userId="22376ffad72c4b64" providerId="LiveId" clId="{CE9B0419-8561-4196-9FDB-B85F086EC084}" dt="2020-04-12T05:35:39.384" v="1412" actId="1076"/>
-          <ac:spMkLst>
-            <pc:docMk/>
-            <pc:sldMk cId="3611005631" sldId="265"/>
-            <ac:spMk id="10" creationId="{83F4F87C-1498-43C1-B5D6-82595DAE351E}"/>
-          </ac:spMkLst>
-        </pc:spChg>
-        <pc:spChg chg="add mod">
-          <ac:chgData name="kaihua tang" userId="22376ffad72c4b64" providerId="LiveId" clId="{CE9B0419-8561-4196-9FDB-B85F086EC084}" dt="2020-04-12T05:35:45.024" v="1414" actId="1076"/>
-          <ac:spMkLst>
-            <pc:docMk/>
-            <pc:sldMk cId="3611005631" sldId="265"/>
-            <ac:spMk id="11" creationId="{E092AA1B-F7AC-4374-970F-AAF6A0BFBE20}"/>
-          </ac:spMkLst>
-        </pc:spChg>
-        <pc:spChg chg="add mod">
-          <ac:chgData name="kaihua tang" userId="22376ffad72c4b64" providerId="LiveId" clId="{CE9B0419-8561-4196-9FDB-B85F086EC084}" dt="2020-04-12T05:35:51.551" v="1416" actId="1076"/>
-          <ac:spMkLst>
-            <pc:docMk/>
-            <pc:sldMk cId="3611005631" sldId="265"/>
-            <ac:spMk id="12" creationId="{FBF6B4A8-2F88-42BD-B610-5AB1DB0A0A28}"/>
-          </ac:spMkLst>
-        </pc:spChg>
-        <pc:spChg chg="add mod">
-          <ac:chgData name="kaihua tang" userId="22376ffad72c4b64" providerId="LiveId" clId="{CE9B0419-8561-4196-9FDB-B85F086EC084}" dt="2020-04-12T05:36:12.977" v="1428" actId="20577"/>
-          <ac:spMkLst>
-            <pc:docMk/>
-            <pc:sldMk cId="3611005631" sldId="265"/>
-            <ac:spMk id="13" creationId="{B6441E0A-249F-4369-800E-DBA44A7AAAD4}"/>
-          </ac:spMkLst>
-        </pc:spChg>
-        <pc:spChg chg="add mod">
-          <ac:chgData name="kaihua tang" userId="22376ffad72c4b64" providerId="LiveId" clId="{CE9B0419-8561-4196-9FDB-B85F086EC084}" dt="2020-04-12T05:40:05.172" v="1541" actId="478"/>
-          <ac:spMkLst>
-            <pc:docMk/>
-            <pc:sldMk cId="3611005631" sldId="265"/>
-            <ac:spMk id="15" creationId="{116E4DDE-9DA9-4E11-978C-623943261C5A}"/>
-          </ac:spMkLst>
-        </pc:spChg>
-        <pc:picChg chg="add del mod">
-          <ac:chgData name="kaihua tang" userId="22376ffad72c4b64" providerId="LiveId" clId="{CE9B0419-8561-4196-9FDB-B85F086EC084}" dt="2020-04-12T05:40:05.172" v="1541" actId="478"/>
-          <ac:picMkLst>
-            <pc:docMk/>
-            <pc:sldMk cId="3611005631" sldId="265"/>
-            <ac:picMk id="5" creationId="{1700981E-CC5B-4776-B781-521C6CA537B4}"/>
-          </ac:picMkLst>
-        </pc:picChg>
-        <pc:picChg chg="add del">
-          <ac:chgData name="kaihua tang" userId="22376ffad72c4b64" providerId="LiveId" clId="{CE9B0419-8561-4196-9FDB-B85F086EC084}" dt="2020-04-12T05:40:08.457" v="1543" actId="478"/>
-          <ac:picMkLst>
-            <pc:docMk/>
-            <pc:sldMk cId="3611005631" sldId="265"/>
-            <ac:picMk id="16" creationId="{472509EE-296D-4363-92FD-B82EFCB42416}"/>
-          </ac:picMkLst>
-        </pc:picChg>
-        <pc:picChg chg="add mod">
-          <ac:chgData name="kaihua tang" userId="22376ffad72c4b64" providerId="LiveId" clId="{CE9B0419-8561-4196-9FDB-B85F086EC084}" dt="2020-04-12T05:40:30.560" v="1545" actId="1076"/>
-          <ac:picMkLst>
-            <pc:docMk/>
-            <pc:sldMk cId="3611005631" sldId="265"/>
-            <ac:picMk id="17" creationId="{79348329-3B66-4440-844A-02DFD35F1B91}"/>
-          </ac:picMkLst>
-        </pc:picChg>
-      </pc:sldChg>
-      <pc:sldChg chg="modSp add modNotesTx">
-        <pc:chgData name="kaihua tang" userId="22376ffad72c4b64" providerId="LiveId" clId="{CE9B0419-8561-4196-9FDB-B85F086EC084}" dt="2020-04-14T14:31:18.005" v="19554" actId="20577"/>
-        <pc:sldMkLst>
-          <pc:docMk/>
-          <pc:sldMk cId="359264770" sldId="266"/>
-        </pc:sldMkLst>
-        <pc:spChg chg="mod">
-          <ac:chgData name="kaihua tang" userId="22376ffad72c4b64" providerId="LiveId" clId="{CE9B0419-8561-4196-9FDB-B85F086EC084}" dt="2020-04-12T12:54:42.159" v="2877" actId="20577"/>
-          <ac:spMkLst>
-            <pc:docMk/>
-            <pc:sldMk cId="359264770" sldId="266"/>
-            <ac:spMk id="2" creationId="{ADACF2C9-C78A-43BA-942B-B5B469CE00E8}"/>
-          </ac:spMkLst>
-        </pc:spChg>
-        <pc:spChg chg="mod">
-          <ac:chgData name="kaihua tang" userId="22376ffad72c4b64" providerId="LiveId" clId="{CE9B0419-8561-4196-9FDB-B85F086EC084}" dt="2020-04-14T08:39:44.302" v="18493" actId="1035"/>
-          <ac:spMkLst>
-            <pc:docMk/>
-            <pc:sldMk cId="359264770" sldId="266"/>
-            <ac:spMk id="29" creationId="{9F9B400C-52F0-4606-BDB2-30E4BC967BED}"/>
-          </ac:spMkLst>
-        </pc:spChg>
-      </pc:sldChg>
-      <pc:sldChg chg="addSp delSp modSp add del">
-        <pc:chgData name="kaihua tang" userId="22376ffad72c4b64" providerId="LiveId" clId="{CE9B0419-8561-4196-9FDB-B85F086EC084}" dt="2020-04-12T12:52:39.711" v="2838" actId="2696"/>
-        <pc:sldMkLst>
-          <pc:docMk/>
-          <pc:sldMk cId="1340209514" sldId="266"/>
-        </pc:sldMkLst>
-        <pc:spChg chg="mod">
-          <ac:chgData name="kaihua tang" userId="22376ffad72c4b64" providerId="LiveId" clId="{CE9B0419-8561-4196-9FDB-B85F086EC084}" dt="2020-04-11T17:25:09.219" v="1220" actId="20577"/>
-          <ac:spMkLst>
-            <pc:docMk/>
-            <pc:sldMk cId="1340209514" sldId="266"/>
-            <ac:spMk id="2" creationId="{ADACF2C9-C78A-43BA-942B-B5B469CE00E8}"/>
-          </ac:spMkLst>
-        </pc:spChg>
-        <pc:spChg chg="mod">
-          <ac:chgData name="kaihua tang" userId="22376ffad72c4b64" providerId="LiveId" clId="{CE9B0419-8561-4196-9FDB-B85F086EC084}" dt="2020-04-12T06:55:50.836" v="1880" actId="1076"/>
-          <ac:spMkLst>
-            <pc:docMk/>
-            <pc:sldMk cId="1340209514" sldId="266"/>
-            <ac:spMk id="3" creationId="{EE81DED3-DDC8-47C2-B95B-C0FFD23B6E2E}"/>
-          </ac:spMkLst>
-        </pc:spChg>
-        <pc:spChg chg="add mod">
-          <ac:chgData name="kaihua tang" userId="22376ffad72c4b64" providerId="LiveId" clId="{CE9B0419-8561-4196-9FDB-B85F086EC084}" dt="2020-04-12T07:02:46.252" v="2197" actId="1035"/>
-          <ac:spMkLst>
-            <pc:docMk/>
-            <pc:sldMk cId="1340209514" sldId="266"/>
-            <ac:spMk id="4" creationId="{8050C07E-C8B4-4274-A006-752B2E95A8F2}"/>
-          </ac:spMkLst>
-        </pc:spChg>
-        <pc:spChg chg="add mod">
-          <ac:chgData name="kaihua tang" userId="22376ffad72c4b64" providerId="LiveId" clId="{CE9B0419-8561-4196-9FDB-B85F086EC084}" dt="2020-04-12T07:02:46.252" v="2197" actId="1035"/>
-          <ac:spMkLst>
-            <pc:docMk/>
-            <pc:sldMk cId="1340209514" sldId="266"/>
-            <ac:spMk id="5" creationId="{0F1CE485-3F32-4D67-960B-1E6E0DD1354D}"/>
-          </ac:spMkLst>
-        </pc:spChg>
-        <pc:spChg chg="add del mod">
-          <ac:chgData name="kaihua tang" userId="22376ffad72c4b64" providerId="LiveId" clId="{CE9B0419-8561-4196-9FDB-B85F086EC084}" dt="2020-04-12T06:48:08.972" v="1797" actId="478"/>
-          <ac:spMkLst>
-            <pc:docMk/>
-            <pc:sldMk cId="1340209514" sldId="266"/>
-            <ac:spMk id="6" creationId="{2ECCB3DE-1313-4C98-94DE-9BDF49C11C64}"/>
-          </ac:spMkLst>
-        </pc:spChg>
-        <pc:spChg chg="add mod">
-          <ac:chgData name="kaihua tang" userId="22376ffad72c4b64" providerId="LiveId" clId="{CE9B0419-8561-4196-9FDB-B85F086EC084}" dt="2020-04-12T07:02:46.252" v="2197" actId="1035"/>
-          <ac:spMkLst>
-            <pc:docMk/>
-            <pc:sldMk cId="1340209514" sldId="266"/>
-            <ac:spMk id="7" creationId="{3FDBCC94-7D41-4502-A408-FF578B6799A6}"/>
-          </ac:spMkLst>
-        </pc:spChg>
-        <pc:spChg chg="add mod">
-          <ac:chgData name="kaihua tang" userId="22376ffad72c4b64" providerId="LiveId" clId="{CE9B0419-8561-4196-9FDB-B85F086EC084}" dt="2020-04-12T07:02:46.252" v="2197" actId="1035"/>
-          <ac:spMkLst>
-            <pc:docMk/>
-            <pc:sldMk cId="1340209514" sldId="266"/>
-            <ac:spMk id="8" creationId="{8D8F451E-9CC9-4416-A4F0-4FFC0821AFC5}"/>
-          </ac:spMkLst>
-        </pc:spChg>
-        <pc:spChg chg="add mod">
-          <ac:chgData name="kaihua tang" userId="22376ffad72c4b64" providerId="LiveId" clId="{CE9B0419-8561-4196-9FDB-B85F086EC084}" dt="2020-04-12T07:02:46.252" v="2197" actId="1035"/>
-          <ac:spMkLst>
-            <pc:docMk/>
-            <pc:sldMk cId="1340209514" sldId="266"/>
-            <ac:spMk id="9" creationId="{AA51D50A-51FB-4238-8983-DD3626E2BD09}"/>
-          </ac:spMkLst>
-        </pc:spChg>
-        <pc:spChg chg="add del mod">
-          <ac:chgData name="kaihua tang" userId="22376ffad72c4b64" providerId="LiveId" clId="{CE9B0419-8561-4196-9FDB-B85F086EC084}" dt="2020-04-12T06:48:10.877" v="1798" actId="478"/>
-          <ac:spMkLst>
-            <pc:docMk/>
-            <pc:sldMk cId="1340209514" sldId="266"/>
-            <ac:spMk id="10" creationId="{2BD2DC25-5095-4F8A-938A-79C4CD11B839}"/>
-          </ac:spMkLst>
-        </pc:spChg>
-        <pc:spChg chg="add mod">
-          <ac:chgData name="kaihua tang" userId="22376ffad72c4b64" providerId="LiveId" clId="{CE9B0419-8561-4196-9FDB-B85F086EC084}" dt="2020-04-12T07:02:46.252" v="2197" actId="1035"/>
-          <ac:spMkLst>
-            <pc:docMk/>
-            <pc:sldMk cId="1340209514" sldId="266"/>
-            <ac:spMk id="11" creationId="{CF1E79F9-AA54-41E1-85F7-A26A0F677B8C}"/>
-          </ac:spMkLst>
-        </pc:spChg>
-        <pc:spChg chg="add mod">
-          <ac:chgData name="kaihua tang" userId="22376ffad72c4b64" providerId="LiveId" clId="{CE9B0419-8561-4196-9FDB-B85F086EC084}" dt="2020-04-12T07:02:46.252" v="2197" actId="1035"/>
-          <ac:spMkLst>
-            <pc:docMk/>
-            <pc:sldMk cId="1340209514" sldId="266"/>
-            <ac:spMk id="12" creationId="{9F1681BD-C618-46E2-A099-97C50D6772AD}"/>
-          </ac:spMkLst>
-        </pc:spChg>
-        <pc:spChg chg="add mod">
-          <ac:chgData name="kaihua tang" userId="22376ffad72c4b64" providerId="LiveId" clId="{CE9B0419-8561-4196-9FDB-B85F086EC084}" dt="2020-04-12T07:02:46.252" v="2197" actId="1035"/>
-          <ac:spMkLst>
-            <pc:docMk/>
-            <pc:sldMk cId="1340209514" sldId="266"/>
-            <ac:spMk id="13" creationId="{BBF87981-F620-44D8-8258-99DAB08EE9FF}"/>
-          </ac:spMkLst>
-        </pc:spChg>
-        <pc:spChg chg="add del mod">
-          <ac:chgData name="kaihua tang" userId="22376ffad72c4b64" providerId="LiveId" clId="{CE9B0419-8561-4196-9FDB-B85F086EC084}" dt="2020-04-12T07:02:46.252" v="2197" actId="1035"/>
-          <ac:spMkLst>
-            <pc:docMk/>
-            <pc:sldMk cId="1340209514" sldId="266"/>
-            <ac:spMk id="14" creationId="{54CBCBBB-BDA5-4502-8C86-93ED8E243178}"/>
-          </ac:spMkLst>
-        </pc:spChg>
-        <pc:spChg chg="add del mod">
-          <ac:chgData name="kaihua tang" userId="22376ffad72c4b64" providerId="LiveId" clId="{CE9B0419-8561-4196-9FDB-B85F086EC084}" dt="2020-04-12T06:48:11.525" v="1799" actId="478"/>
-          <ac:spMkLst>
-            <pc:docMk/>
-            <pc:sldMk cId="1340209514" sldId="266"/>
-            <ac:spMk id="15" creationId="{A2783947-342B-4CCF-9906-27B9A2FA7468}"/>
-          </ac:spMkLst>
-        </pc:spChg>
-        <pc:spChg chg="add del mod">
-          <ac:chgData name="kaihua tang" userId="22376ffad72c4b64" providerId="LiveId" clId="{CE9B0419-8561-4196-9FDB-B85F086EC084}" dt="2020-04-12T06:48:12.132" v="1800" actId="478"/>
-          <ac:spMkLst>
-            <pc:docMk/>
-            <pc:sldMk cId="1340209514" sldId="266"/>
-            <ac:spMk id="16" creationId="{663D0A7B-E878-4382-B844-8C63614FC694}"/>
-          </ac:spMkLst>
-        </pc:spChg>
-        <pc:spChg chg="add mod">
-          <ac:chgData name="kaihua tang" userId="22376ffad72c4b64" providerId="LiveId" clId="{CE9B0419-8561-4196-9FDB-B85F086EC084}" dt="2020-04-12T07:02:46.252" v="2197" actId="1035"/>
-          <ac:spMkLst>
-            <pc:docMk/>
-            <pc:sldMk cId="1340209514" sldId="266"/>
-            <ac:spMk id="17" creationId="{1CEC2EBF-FC71-4A88-9267-1A5BBCA4F8C0}"/>
-          </ac:spMkLst>
-        </pc:spChg>
-        <pc:spChg chg="add del">
-          <ac:chgData name="kaihua tang" userId="22376ffad72c4b64" providerId="LiveId" clId="{CE9B0419-8561-4196-9FDB-B85F086EC084}" dt="2020-04-12T06:49:52.140" v="1822"/>
-          <ac:spMkLst>
-            <pc:docMk/>
-            <pc:sldMk cId="1340209514" sldId="266"/>
-            <ac:spMk id="18" creationId="{3D71D428-C89F-4993-9D8A-F7D256B8EB8A}"/>
-          </ac:spMkLst>
-        </pc:spChg>
-        <pc:spChg chg="add del">
-          <ac:chgData name="kaihua tang" userId="22376ffad72c4b64" providerId="LiveId" clId="{CE9B0419-8561-4196-9FDB-B85F086EC084}" dt="2020-04-12T06:49:52.140" v="1822"/>
-          <ac:spMkLst>
-            <pc:docMk/>
-            <pc:sldMk cId="1340209514" sldId="266"/>
-            <ac:spMk id="19" creationId="{D1042A68-3AA7-40CF-8B5D-520817C0A236}"/>
-          </ac:spMkLst>
-        </pc:spChg>
-        <pc:spChg chg="add del">
-          <ac:chgData name="kaihua tang" userId="22376ffad72c4b64" providerId="LiveId" clId="{CE9B0419-8561-4196-9FDB-B85F086EC084}" dt="2020-04-12T06:49:52.140" v="1822"/>
-          <ac:spMkLst>
-            <pc:docMk/>
-            <pc:sldMk cId="1340209514" sldId="266"/>
-            <ac:spMk id="20" creationId="{A7968C16-E865-4E67-BDD0-4666B273E480}"/>
-          </ac:spMkLst>
-        </pc:spChg>
-        <pc:spChg chg="add del">
-          <ac:chgData name="kaihua tang" userId="22376ffad72c4b64" providerId="LiveId" clId="{CE9B0419-8561-4196-9FDB-B85F086EC084}" dt="2020-04-12T06:49:52.140" v="1822"/>
-          <ac:spMkLst>
-            <pc:docMk/>
-            <pc:sldMk cId="1340209514" sldId="266"/>
-            <ac:spMk id="21" creationId="{D6074D21-5E49-4E16-A35A-9850429EEBD0}"/>
-          </ac:spMkLst>
-        </pc:spChg>
-        <pc:spChg chg="add del">
-          <ac:chgData name="kaihua tang" userId="22376ffad72c4b64" providerId="LiveId" clId="{CE9B0419-8561-4196-9FDB-B85F086EC084}" dt="2020-04-12T06:49:52.140" v="1822"/>
-          <ac:spMkLst>
-            <pc:docMk/>
-            <pc:sldMk cId="1340209514" sldId="266"/>
-            <ac:spMk id="22" creationId="{201807E2-C28A-4193-B776-8E665A75B176}"/>
-          </ac:spMkLst>
-        </pc:spChg>
-        <pc:spChg chg="add del">
-          <ac:chgData name="kaihua tang" userId="22376ffad72c4b64" providerId="LiveId" clId="{CE9B0419-8561-4196-9FDB-B85F086EC084}" dt="2020-04-12T06:49:52.140" v="1822"/>
-          <ac:spMkLst>
-            <pc:docMk/>
-            <pc:sldMk cId="1340209514" sldId="266"/>
-            <ac:spMk id="23" creationId="{BF586953-F627-4622-84FE-4D2C5F89C795}"/>
-          </ac:spMkLst>
-        </pc:spChg>
-        <pc:spChg chg="add mod">
-          <ac:chgData name="kaihua tang" userId="22376ffad72c4b64" providerId="LiveId" clId="{CE9B0419-8561-4196-9FDB-B85F086EC084}" dt="2020-04-12T07:02:46.252" v="2197" actId="1035"/>
-          <ac:spMkLst>
-            <pc:docMk/>
-            <pc:sldMk cId="1340209514" sldId="266"/>
-            <ac:spMk id="24" creationId="{D9AD1560-188A-4BBA-969A-29869A0778B0}"/>
-          </ac:spMkLst>
-        </pc:spChg>
-        <pc:spChg chg="add mod">
-          <ac:chgData name="kaihua tang" userId="22376ffad72c4b64" providerId="LiveId" clId="{CE9B0419-8561-4196-9FDB-B85F086EC084}" dt="2020-04-12T07:02:46.252" v="2197" actId="1035"/>
-          <ac:spMkLst>
-            <pc:docMk/>
-            <pc:sldMk cId="1340209514" sldId="266"/>
-            <ac:spMk id="25" creationId="{20E71A46-1E7E-41B7-B5CC-09B10767046A}"/>
-          </ac:spMkLst>
-        </pc:spChg>
-        <pc:spChg chg="add mod">
-          <ac:chgData name="kaihua tang" userId="22376ffad72c4b64" providerId="LiveId" clId="{CE9B0419-8561-4196-9FDB-B85F086EC084}" dt="2020-04-12T07:02:46.252" v="2197" actId="1035"/>
-          <ac:spMkLst>
-            <pc:docMk/>
-            <pc:sldMk cId="1340209514" sldId="266"/>
-            <ac:spMk id="26" creationId="{530977AE-480E-4EA0-9F75-7DEB01E182CB}"/>
-          </ac:spMkLst>
-        </pc:spChg>
-        <pc:spChg chg="add mod">
-          <ac:chgData name="kaihua tang" userId="22376ffad72c4b64" providerId="LiveId" clId="{CE9B0419-8561-4196-9FDB-B85F086EC084}" dt="2020-04-12T07:02:46.252" v="2197" actId="1035"/>
-          <ac:spMkLst>
-            <pc:docMk/>
-            <pc:sldMk cId="1340209514" sldId="266"/>
-            <ac:spMk id="27" creationId="{C3A45F2B-E72D-4BE3-9908-47E251C4CD7D}"/>
-          </ac:spMkLst>
-        </pc:spChg>
-        <pc:spChg chg="add mod">
-          <ac:chgData name="kaihua tang" userId="22376ffad72c4b64" providerId="LiveId" clId="{CE9B0419-8561-4196-9FDB-B85F086EC084}" dt="2020-04-12T07:02:46.252" v="2197" actId="1035"/>
-          <ac:spMkLst>
-            <pc:docMk/>
-            <pc:sldMk cId="1340209514" sldId="266"/>
-            <ac:spMk id="28" creationId="{1653EDB7-E736-4D1E-8FC4-2FBDCDCA5D42}"/>
-          </ac:spMkLst>
-        </pc:spChg>
-        <pc:spChg chg="add mod">
-          <ac:chgData name="kaihua tang" userId="22376ffad72c4b64" providerId="LiveId" clId="{CE9B0419-8561-4196-9FDB-B85F086EC084}" dt="2020-04-12T07:02:46.252" v="2197" actId="1035"/>
-          <ac:spMkLst>
-            <pc:docMk/>
-            <pc:sldMk cId="1340209514" sldId="266"/>
-            <ac:spMk id="29" creationId="{9F9B400C-52F0-4606-BDB2-30E4BC967BED}"/>
-          </ac:spMkLst>
-        </pc:spChg>
-        <pc:spChg chg="add mod">
-          <ac:chgData name="kaihua tang" userId="22376ffad72c4b64" providerId="LiveId" clId="{CE9B0419-8561-4196-9FDB-B85F086EC084}" dt="2020-04-12T07:02:46.252" v="2197" actId="1035"/>
-          <ac:spMkLst>
-            <pc:docMk/>
-            <pc:sldMk cId="1340209514" sldId="266"/>
-            <ac:spMk id="30" creationId="{917FCC4D-E3D9-485B-954F-5400499C6782}"/>
-          </ac:spMkLst>
-        </pc:spChg>
-        <pc:spChg chg="add mod">
-          <ac:chgData name="kaihua tang" userId="22376ffad72c4b64" providerId="LiveId" clId="{CE9B0419-8561-4196-9FDB-B85F086EC084}" dt="2020-04-12T07:02:46.252" v="2197" actId="1035"/>
-          <ac:spMkLst>
-            <pc:docMk/>
-            <pc:sldMk cId="1340209514" sldId="266"/>
-            <ac:spMk id="31" creationId="{EB3C5355-6E73-4B0D-BD74-A8F137F37A18}"/>
-          </ac:spMkLst>
-        </pc:spChg>
-        <pc:spChg chg="add mod">
-          <ac:chgData name="kaihua tang" userId="22376ffad72c4b64" providerId="LiveId" clId="{CE9B0419-8561-4196-9FDB-B85F086EC084}" dt="2020-04-12T07:02:46.252" v="2197" actId="1035"/>
-          <ac:spMkLst>
-            <pc:docMk/>
-            <pc:sldMk cId="1340209514" sldId="266"/>
-            <ac:spMk id="32" creationId="{612F3590-B7A9-4BE4-A81F-AB95BB8D96C5}"/>
-          </ac:spMkLst>
-        </pc:spChg>
-        <pc:spChg chg="add mod">
-          <ac:chgData name="kaihua tang" userId="22376ffad72c4b64" providerId="LiveId" clId="{CE9B0419-8561-4196-9FDB-B85F086EC084}" dt="2020-04-12T07:02:39.867" v="2186" actId="1076"/>
-          <ac:spMkLst>
-            <pc:docMk/>
-            <pc:sldMk cId="1340209514" sldId="266"/>
-            <ac:spMk id="34" creationId="{9E3A8349-AFED-4784-BE6E-49A7AC004FE8}"/>
-          </ac:spMkLst>
-        </pc:spChg>
-        <pc:picChg chg="add mod">
-          <ac:chgData name="kaihua tang" userId="22376ffad72c4b64" providerId="LiveId" clId="{CE9B0419-8561-4196-9FDB-B85F086EC084}" dt="2020-04-12T07:02:46.252" v="2197" actId="1035"/>
-          <ac:picMkLst>
-            <pc:docMk/>
-            <pc:sldMk cId="1340209514" sldId="266"/>
-            <ac:picMk id="33" creationId="{79D383B5-51E1-4261-99F3-F73C9601AB40}"/>
-          </ac:picMkLst>
-        </pc:picChg>
-      </pc:sldChg>
-      <pc:sldChg chg="modSp add del ord">
-        <pc:chgData name="kaihua tang" userId="22376ffad72c4b64" providerId="LiveId" clId="{CE9B0419-8561-4196-9FDB-B85F086EC084}" dt="2020-04-12T12:54:13.097" v="2847" actId="2696"/>
-        <pc:sldMkLst>
-          <pc:docMk/>
-          <pc:sldMk cId="3866828426" sldId="266"/>
-        </pc:sldMkLst>
-        <pc:spChg chg="mod">
-          <ac:chgData name="kaihua tang" userId="22376ffad72c4b64" providerId="LiveId" clId="{CE9B0419-8561-4196-9FDB-B85F086EC084}" dt="2020-04-12T12:53:12.578" v="2846" actId="20577"/>
-          <ac:spMkLst>
-            <pc:docMk/>
-            <pc:sldMk cId="3866828426" sldId="266"/>
-            <ac:spMk id="2" creationId="{ADACF2C9-C78A-43BA-942B-B5B469CE00E8}"/>
-          </ac:spMkLst>
-        </pc:spChg>
-      </pc:sldChg>
-      <pc:sldChg chg="modSp add del ord">
-        <pc:chgData name="kaihua tang" userId="22376ffad72c4b64" providerId="LiveId" clId="{CE9B0419-8561-4196-9FDB-B85F086EC084}" dt="2020-04-13T03:21:53.875" v="4416" actId="47"/>
-        <pc:sldMkLst>
-          <pc:docMk/>
-          <pc:sldMk cId="16486613" sldId="267"/>
-        </pc:sldMkLst>
-        <pc:spChg chg="mod">
-          <ac:chgData name="kaihua tang" userId="22376ffad72c4b64" providerId="LiveId" clId="{CE9B0419-8561-4196-9FDB-B85F086EC084}" dt="2020-04-12T11:48:42.421" v="2221" actId="108"/>
-          <ac:spMkLst>
-            <pc:docMk/>
-            <pc:sldMk cId="16486613" sldId="267"/>
-            <ac:spMk id="3" creationId="{D86AC0E6-91D3-4E2C-BAE7-1FC17922CA5A}"/>
-          </ac:spMkLst>
-        </pc:spChg>
-      </pc:sldChg>
-      <pc:sldChg chg="addSp delSp modSp add modNotesTx">
-        <pc:chgData name="kaihua tang" userId="22376ffad72c4b64" providerId="LiveId" clId="{CE9B0419-8561-4196-9FDB-B85F086EC084}" dt="2020-04-14T14:26:47.982" v="19452" actId="20577"/>
-        <pc:sldMkLst>
-          <pc:docMk/>
-          <pc:sldMk cId="588096205" sldId="268"/>
-        </pc:sldMkLst>
-        <pc:spChg chg="mod">
-          <ac:chgData name="kaihua tang" userId="22376ffad72c4b64" providerId="LiveId" clId="{CE9B0419-8561-4196-9FDB-B85F086EC084}" dt="2020-04-11T17:24:56.076" v="1214" actId="20577"/>
-          <ac:spMkLst>
-            <pc:docMk/>
-            <pc:sldMk cId="588096205" sldId="268"/>
-            <ac:spMk id="2" creationId="{0F352783-9870-4B22-8CDD-8EDE69AA9D76}"/>
-          </ac:spMkLst>
-        </pc:spChg>
-        <pc:spChg chg="mod">
-          <ac:chgData name="kaihua tang" userId="22376ffad72c4b64" providerId="LiveId" clId="{CE9B0419-8561-4196-9FDB-B85F086EC084}" dt="2020-04-12T05:42:23.816" v="1569" actId="14100"/>
-          <ac:spMkLst>
-            <pc:docMk/>
-            <pc:sldMk cId="588096205" sldId="268"/>
-            <ac:spMk id="3" creationId="{0D7B508C-4489-4401-92C4-6590249C187A}"/>
-          </ac:spMkLst>
-        </pc:spChg>
-        <pc:spChg chg="add mod">
-          <ac:chgData name="kaihua tang" userId="22376ffad72c4b64" providerId="LiveId" clId="{CE9B0419-8561-4196-9FDB-B85F086EC084}" dt="2020-04-12T05:42:20.033" v="1568" actId="1076"/>
-          <ac:spMkLst>
-            <pc:docMk/>
-            <pc:sldMk cId="588096205" sldId="268"/>
-            <ac:spMk id="4" creationId="{EA609C21-0F67-47CB-A49B-4F8FB16BD226}"/>
-          </ac:spMkLst>
-        </pc:spChg>
-        <pc:spChg chg="add mod">
-          <ac:chgData name="kaihua tang" userId="22376ffad72c4b64" providerId="LiveId" clId="{CE9B0419-8561-4196-9FDB-B85F086EC084}" dt="2020-04-12T05:42:20.033" v="1568" actId="1076"/>
-          <ac:spMkLst>
-            <pc:docMk/>
-            <pc:sldMk cId="588096205" sldId="268"/>
-            <ac:spMk id="5" creationId="{1510D0C4-8211-4E2B-87BD-6F2EF58EC554}"/>
-          </ac:spMkLst>
-        </pc:spChg>
-        <pc:spChg chg="add mod">
-          <ac:chgData name="kaihua tang" userId="22376ffad72c4b64" providerId="LiveId" clId="{CE9B0419-8561-4196-9FDB-B85F086EC084}" dt="2020-04-12T05:42:20.033" v="1568" actId="1076"/>
-          <ac:spMkLst>
-            <pc:docMk/>
-            <pc:sldMk cId="588096205" sldId="268"/>
-            <ac:spMk id="6" creationId="{6D3C18CD-8FAD-4CD2-AC9D-5DE62F66EB36}"/>
-          </ac:spMkLst>
-        </pc:spChg>
-        <pc:spChg chg="add mod">
-          <ac:chgData name="kaihua tang" userId="22376ffad72c4b64" providerId="LiveId" clId="{CE9B0419-8561-4196-9FDB-B85F086EC084}" dt="2020-04-12T05:42:20.033" v="1568" actId="1076"/>
-          <ac:spMkLst>
-            <pc:docMk/>
-            <pc:sldMk cId="588096205" sldId="268"/>
-            <ac:spMk id="7" creationId="{6CC0F9FC-EC47-457B-A918-ADC3A92037B3}"/>
-          </ac:spMkLst>
-        </pc:spChg>
-        <pc:spChg chg="add mod">
-          <ac:chgData name="kaihua tang" userId="22376ffad72c4b64" providerId="LiveId" clId="{CE9B0419-8561-4196-9FDB-B85F086EC084}" dt="2020-04-12T05:42:20.033" v="1568" actId="1076"/>
-          <ac:spMkLst>
-            <pc:docMk/>
-            <pc:sldMk cId="588096205" sldId="268"/>
-            <ac:spMk id="8" creationId="{2AA629A8-B5AC-449E-9F09-D38F18FC0945}"/>
-          </ac:spMkLst>
-        </pc:spChg>
-        <pc:spChg chg="add mod">
-          <ac:chgData name="kaihua tang" userId="22376ffad72c4b64" providerId="LiveId" clId="{CE9B0419-8561-4196-9FDB-B85F086EC084}" dt="2020-04-12T05:42:20.033" v="1568" actId="1076"/>
-          <ac:spMkLst>
-            <pc:docMk/>
-            <pc:sldMk cId="588096205" sldId="268"/>
-            <ac:spMk id="9" creationId="{94F87CD1-11EA-47B8-87B3-076130C7F62F}"/>
-          </ac:spMkLst>
-        </pc:spChg>
-        <pc:spChg chg="add mod">
-          <ac:chgData name="kaihua tang" userId="22376ffad72c4b64" providerId="LiveId" clId="{CE9B0419-8561-4196-9FDB-B85F086EC084}" dt="2020-04-12T05:42:20.033" v="1568" actId="1076"/>
-          <ac:spMkLst>
-            <pc:docMk/>
-            <pc:sldMk cId="588096205" sldId="268"/>
-            <ac:spMk id="10" creationId="{3647B2C8-124D-4BDB-9CB7-C9322930746E}"/>
-          </ac:spMkLst>
-        </pc:spChg>
-        <pc:spChg chg="add mod">
-          <ac:chgData name="kaihua tang" userId="22376ffad72c4b64" providerId="LiveId" clId="{CE9B0419-8561-4196-9FDB-B85F086EC084}" dt="2020-04-12T05:42:20.033" v="1568" actId="1076"/>
-          <ac:spMkLst>
-            <pc:docMk/>
-            <pc:sldMk cId="588096205" sldId="268"/>
-            <ac:spMk id="11" creationId="{32402BFC-2D46-4CB3-94AC-2240AB8F55DD}"/>
-          </ac:spMkLst>
-        </pc:spChg>
-        <pc:spChg chg="add mod">
-          <ac:chgData name="kaihua tang" userId="22376ffad72c4b64" providerId="LiveId" clId="{CE9B0419-8561-4196-9FDB-B85F086EC084}" dt="2020-04-12T05:42:20.033" v="1568" actId="1076"/>
-          <ac:spMkLst>
-            <pc:docMk/>
-            <pc:sldMk cId="588096205" sldId="268"/>
-            <ac:spMk id="12" creationId="{89BF7EDF-36BA-4148-8127-A73CD8617FDB}"/>
-          </ac:spMkLst>
-        </pc:spChg>
-        <pc:spChg chg="add mod">
-          <ac:chgData name="kaihua tang" userId="22376ffad72c4b64" providerId="LiveId" clId="{CE9B0419-8561-4196-9FDB-B85F086EC084}" dt="2020-04-12T05:42:20.033" v="1568" actId="1076"/>
-          <ac:spMkLst>
-            <pc:docMk/>
-            <pc:sldMk cId="588096205" sldId="268"/>
-            <ac:spMk id="13" creationId="{3356C25A-1C2F-40ED-991D-81EB4765AD0A}"/>
-          </ac:spMkLst>
-        </pc:spChg>
-        <pc:spChg chg="add mod">
-          <ac:chgData name="kaihua tang" userId="22376ffad72c4b64" providerId="LiveId" clId="{CE9B0419-8561-4196-9FDB-B85F086EC084}" dt="2020-04-12T05:42:20.033" v="1568" actId="1076"/>
-          <ac:spMkLst>
-            <pc:docMk/>
-            <pc:sldMk cId="588096205" sldId="268"/>
-            <ac:spMk id="14" creationId="{BC01C53D-214B-47A8-BE25-607A263BA872}"/>
-          </ac:spMkLst>
-        </pc:spChg>
-        <pc:spChg chg="add mod">
-          <ac:chgData name="kaihua tang" userId="22376ffad72c4b64" providerId="LiveId" clId="{CE9B0419-8561-4196-9FDB-B85F086EC084}" dt="2020-04-12T05:42:20.033" v="1568" actId="1076"/>
-          <ac:spMkLst>
-            <pc:docMk/>
-            <pc:sldMk cId="588096205" sldId="268"/>
-            <ac:spMk id="15" creationId="{211F648A-68F5-4DB6-87F9-FD10DAFEA37D}"/>
-          </ac:spMkLst>
-        </pc:spChg>
-        <pc:spChg chg="add mod">
-          <ac:chgData name="kaihua tang" userId="22376ffad72c4b64" providerId="LiveId" clId="{CE9B0419-8561-4196-9FDB-B85F086EC084}" dt="2020-04-12T05:42:20.033" v="1568" actId="1076"/>
-          <ac:spMkLst>
-            <pc:docMk/>
-            <pc:sldMk cId="588096205" sldId="268"/>
-            <ac:spMk id="16" creationId="{97462C74-10BD-464B-BACA-7DE1647A5BE8}"/>
-          </ac:spMkLst>
-        </pc:spChg>
-        <pc:spChg chg="add mod">
-          <ac:chgData name="kaihua tang" userId="22376ffad72c4b64" providerId="LiveId" clId="{CE9B0419-8561-4196-9FDB-B85F086EC084}" dt="2020-04-12T05:42:20.033" v="1568" actId="1076"/>
-          <ac:spMkLst>
-            <pc:docMk/>
-            <pc:sldMk cId="588096205" sldId="268"/>
-            <ac:spMk id="17" creationId="{635B2ED1-B449-4887-B51D-1636D5C64A87}"/>
-          </ac:spMkLst>
-        </pc:spChg>
-        <pc:spChg chg="add mod">
-          <ac:chgData name="kaihua tang" userId="22376ffad72c4b64" providerId="LiveId" clId="{CE9B0419-8561-4196-9FDB-B85F086EC084}" dt="2020-04-12T05:42:20.033" v="1568" actId="1076"/>
-          <ac:spMkLst>
-            <pc:docMk/>
-            <pc:sldMk cId="588096205" sldId="268"/>
-            <ac:spMk id="18" creationId="{1ADDBDCB-6DC8-486A-ACAB-145888FC67C8}"/>
-          </ac:spMkLst>
-        </pc:spChg>
-        <pc:spChg chg="add mod">
-          <ac:chgData name="kaihua tang" userId="22376ffad72c4b64" providerId="LiveId" clId="{CE9B0419-8561-4196-9FDB-B85F086EC084}" dt="2020-04-12T05:42:20.033" v="1568" actId="1076"/>
-          <ac:spMkLst>
-            <pc:docMk/>
-            <pc:sldMk cId="588096205" sldId="268"/>
-            <ac:spMk id="19" creationId="{2E8EE244-74C7-4141-9EF7-77D4C0BA9284}"/>
-          </ac:spMkLst>
-        </pc:spChg>
-        <pc:spChg chg="add mod">
-          <ac:chgData name="kaihua tang" userId="22376ffad72c4b64" providerId="LiveId" clId="{CE9B0419-8561-4196-9FDB-B85F086EC084}" dt="2020-04-12T05:42:20.033" v="1568" actId="1076"/>
-          <ac:spMkLst>
-            <pc:docMk/>
-            <pc:sldMk cId="588096205" sldId="268"/>
-            <ac:spMk id="20" creationId="{045B4D10-2FE9-470A-A037-664CE0AFF4E5}"/>
-          </ac:spMkLst>
-        </pc:spChg>
-        <pc:spChg chg="add mod">
-          <ac:chgData name="kaihua tang" userId="22376ffad72c4b64" providerId="LiveId" clId="{CE9B0419-8561-4196-9FDB-B85F086EC084}" dt="2020-04-12T05:42:20.033" v="1568" actId="1076"/>
-          <ac:spMkLst>
-            <pc:docMk/>
-            <pc:sldMk cId="588096205" sldId="268"/>
-            <ac:spMk id="21" creationId="{485478D2-2CA4-459C-9408-CBF1D4593688}"/>
-          </ac:spMkLst>
-        </pc:spChg>
-        <pc:spChg chg="add mod">
-          <ac:chgData name="kaihua tang" userId="22376ffad72c4b64" providerId="LiveId" clId="{CE9B0419-8561-4196-9FDB-B85F086EC084}" dt="2020-04-12T05:42:20.033" v="1568" actId="1076"/>
-          <ac:spMkLst>
-            <pc:docMk/>
-            <pc:sldMk cId="588096205" sldId="268"/>
-            <ac:spMk id="22" creationId="{C061961B-169A-4708-8D02-9BB54FFC7956}"/>
-          </ac:spMkLst>
-        </pc:spChg>
-        <pc:spChg chg="add mod">
-          <ac:chgData name="kaihua tang" userId="22376ffad72c4b64" providerId="LiveId" clId="{CE9B0419-8561-4196-9FDB-B85F086EC084}" dt="2020-04-12T05:42:20.033" v="1568" actId="1076"/>
-          <ac:spMkLst>
-            <pc:docMk/>
-            <pc:sldMk cId="588096205" sldId="268"/>
-            <ac:spMk id="23" creationId="{5C266534-C293-4B9C-9664-6C42CB05854D}"/>
-          </ac:spMkLst>
-        </pc:spChg>
-        <pc:spChg chg="add mod">
-          <ac:chgData name="kaihua tang" userId="22376ffad72c4b64" providerId="LiveId" clId="{CE9B0419-8561-4196-9FDB-B85F086EC084}" dt="2020-04-12T05:42:20.033" v="1568" actId="1076"/>
-          <ac:spMkLst>
-            <pc:docMk/>
-            <pc:sldMk cId="588096205" sldId="268"/>
-            <ac:spMk id="24" creationId="{4E6042B3-4D34-4EE6-B110-30BE3B67369C}"/>
-          </ac:spMkLst>
-        </pc:spChg>
-        <pc:spChg chg="add mod">
-          <ac:chgData name="kaihua tang" userId="22376ffad72c4b64" providerId="LiveId" clId="{CE9B0419-8561-4196-9FDB-B85F086EC084}" dt="2020-04-12T05:42:20.033" v="1568" actId="1076"/>
-          <ac:spMkLst>
-            <pc:docMk/>
-            <pc:sldMk cId="588096205" sldId="268"/>
-            <ac:spMk id="25" creationId="{A971AD0E-848B-4A2F-8AB5-83CC15565E1E}"/>
-          </ac:spMkLst>
-        </pc:spChg>
-        <pc:spChg chg="add mod">
-          <ac:chgData name="kaihua tang" userId="22376ffad72c4b64" providerId="LiveId" clId="{CE9B0419-8561-4196-9FDB-B85F086EC084}" dt="2020-04-12T05:42:20.033" v="1568" actId="1076"/>
-          <ac:spMkLst>
-            <pc:docMk/>
-            <pc:sldMk cId="588096205" sldId="268"/>
-            <ac:spMk id="26" creationId="{D697DD92-4E0A-423F-8E5E-F469DCD6DB40}"/>
-          </ac:spMkLst>
-        </pc:spChg>
-        <pc:spChg chg="add mod">
-          <ac:chgData name="kaihua tang" userId="22376ffad72c4b64" providerId="LiveId" clId="{CE9B0419-8561-4196-9FDB-B85F086EC084}" dt="2020-04-12T05:42:20.033" v="1568" actId="1076"/>
-          <ac:spMkLst>
-            <pc:docMk/>
-            <pc:sldMk cId="588096205" sldId="268"/>
-            <ac:spMk id="28" creationId="{EE4F4096-8E38-4B69-9EEA-3372C68C616D}"/>
-          </ac:spMkLst>
-        </pc:spChg>
-        <pc:spChg chg="add mod">
-          <ac:chgData name="kaihua tang" userId="22376ffad72c4b64" providerId="LiveId" clId="{CE9B0419-8561-4196-9FDB-B85F086EC084}" dt="2020-04-12T05:42:20.033" v="1568" actId="1076"/>
-          <ac:spMkLst>
-            <pc:docMk/>
-            <pc:sldMk cId="588096205" sldId="268"/>
-            <ac:spMk id="29" creationId="{6761C4C9-E745-49AA-9AA3-643A06F8A9E8}"/>
-          </ac:spMkLst>
-        </pc:spChg>
-        <pc:spChg chg="add mod">
-          <ac:chgData name="kaihua tang" userId="22376ffad72c4b64" providerId="LiveId" clId="{CE9B0419-8561-4196-9FDB-B85F086EC084}" dt="2020-04-12T05:42:20.033" v="1568" actId="1076"/>
-          <ac:spMkLst>
-            <pc:docMk/>
-            <pc:sldMk cId="588096205" sldId="268"/>
-            <ac:spMk id="30" creationId="{F083F9A9-37F0-4EFE-9FB5-2686DBBA03FF}"/>
-          </ac:spMkLst>
-        </pc:spChg>
-        <pc:spChg chg="add del">
-          <ac:chgData name="kaihua tang" userId="22376ffad72c4b64" providerId="LiveId" clId="{CE9B0419-8561-4196-9FDB-B85F086EC084}" dt="2020-04-12T05:42:03.078" v="1563"/>
-          <ac:spMkLst>
-            <pc:docMk/>
-            <pc:sldMk cId="588096205" sldId="268"/>
-            <ac:spMk id="33" creationId="{9485D0E1-4E7C-40CD-AF7B-B135B06C0954}"/>
-          </ac:spMkLst>
-        </pc:spChg>
-        <pc:spChg chg="add del">
-          <ac:chgData name="kaihua tang" userId="22376ffad72c4b64" providerId="LiveId" clId="{CE9B0419-8561-4196-9FDB-B85F086EC084}" dt="2020-04-12T05:42:03.078" v="1563"/>
-          <ac:spMkLst>
-            <pc:docMk/>
-            <pc:sldMk cId="588096205" sldId="268"/>
-            <ac:spMk id="34" creationId="{6ED1DE3A-6C62-442F-828D-D6954749C216}"/>
-          </ac:spMkLst>
-        </pc:spChg>
-        <pc:spChg chg="add del">
-          <ac:chgData name="kaihua tang" userId="22376ffad72c4b64" providerId="LiveId" clId="{CE9B0419-8561-4196-9FDB-B85F086EC084}" dt="2020-04-12T05:42:03.078" v="1563"/>
-          <ac:spMkLst>
-            <pc:docMk/>
-            <pc:sldMk cId="588096205" sldId="268"/>
-            <ac:spMk id="35" creationId="{DA7DAC96-2666-43EF-8D62-D5C08A3BAAFA}"/>
-          </ac:spMkLst>
-        </pc:spChg>
-        <pc:spChg chg="add del">
-          <ac:chgData name="kaihua tang" userId="22376ffad72c4b64" providerId="LiveId" clId="{CE9B0419-8561-4196-9FDB-B85F086EC084}" dt="2020-04-12T05:42:03.078" v="1563"/>
-          <ac:spMkLst>
-            <pc:docMk/>
-            <pc:sldMk cId="588096205" sldId="268"/>
-            <ac:spMk id="36" creationId="{6860FBAE-6A01-4348-981B-9267621072FB}"/>
-          </ac:spMkLst>
-        </pc:spChg>
-        <pc:spChg chg="add del">
-          <ac:chgData name="kaihua tang" userId="22376ffad72c4b64" providerId="LiveId" clId="{CE9B0419-8561-4196-9FDB-B85F086EC084}" dt="2020-04-12T05:42:03.078" v="1563"/>
-          <ac:spMkLst>
-            <pc:docMk/>
-            <pc:sldMk cId="588096205" sldId="268"/>
-            <ac:spMk id="37" creationId="{94FFD7B7-B06E-43EA-AD75-3BF761DC4299}"/>
-          </ac:spMkLst>
-        </pc:spChg>
-        <pc:spChg chg="add del">
-          <ac:chgData name="kaihua tang" userId="22376ffad72c4b64" providerId="LiveId" clId="{CE9B0419-8561-4196-9FDB-B85F086EC084}" dt="2020-04-12T05:42:03.078" v="1563"/>
-          <ac:spMkLst>
-            <pc:docMk/>
-            <pc:sldMk cId="588096205" sldId="268"/>
-            <ac:spMk id="38" creationId="{4E37BE0F-89BE-48AA-AD49-DA5A1C695B0C}"/>
-          </ac:spMkLst>
-        </pc:spChg>
-        <pc:spChg chg="add del">
-          <ac:chgData name="kaihua tang" userId="22376ffad72c4b64" providerId="LiveId" clId="{CE9B0419-8561-4196-9FDB-B85F086EC084}" dt="2020-04-12T05:42:03.078" v="1563"/>
-          <ac:spMkLst>
-            <pc:docMk/>
-            <pc:sldMk cId="588096205" sldId="268"/>
-            <ac:spMk id="39" creationId="{B21B3C5C-5163-4191-81E2-8D9728E66002}"/>
-          </ac:spMkLst>
-        </pc:spChg>
-        <pc:spChg chg="add del">
-          <ac:chgData name="kaihua tang" userId="22376ffad72c4b64" providerId="LiveId" clId="{CE9B0419-8561-4196-9FDB-B85F086EC084}" dt="2020-04-12T05:42:03.078" v="1563"/>
-          <ac:spMkLst>
-            <pc:docMk/>
-            <pc:sldMk cId="588096205" sldId="268"/>
-            <ac:spMk id="40" creationId="{318A5A5B-CC57-4CF1-96C2-73CE3817C79F}"/>
-          </ac:spMkLst>
-        </pc:spChg>
-        <pc:spChg chg="add del">
-          <ac:chgData name="kaihua tang" userId="22376ffad72c4b64" providerId="LiveId" clId="{CE9B0419-8561-4196-9FDB-B85F086EC084}" dt="2020-04-12T05:42:03.078" v="1563"/>
-          <ac:spMkLst>
-            <pc:docMk/>
-            <pc:sldMk cId="588096205" sldId="268"/>
-            <ac:spMk id="41" creationId="{D146E7F1-1C27-488D-BE19-5935469506E2}"/>
-          </ac:spMkLst>
-        </pc:spChg>
-        <pc:spChg chg="add del">
-          <ac:chgData name="kaihua tang" userId="22376ffad72c4b64" providerId="LiveId" clId="{CE9B0419-8561-4196-9FDB-B85F086EC084}" dt="2020-04-12T05:42:03.078" v="1563"/>
-          <ac:spMkLst>
-            <pc:docMk/>
-            <pc:sldMk cId="588096205" sldId="268"/>
-            <ac:spMk id="42" creationId="{EFB7C253-10BD-4582-A0E5-4BEBD15CD5E9}"/>
-          </ac:spMkLst>
-        </pc:spChg>
-        <pc:spChg chg="add del">
-          <ac:chgData name="kaihua tang" userId="22376ffad72c4b64" providerId="LiveId" clId="{CE9B0419-8561-4196-9FDB-B85F086EC084}" dt="2020-04-12T05:42:03.078" v="1563"/>
-          <ac:spMkLst>
-            <pc:docMk/>
-            <pc:sldMk cId="588096205" sldId="268"/>
-            <ac:spMk id="43" creationId="{85E79074-AC7A-4B7C-88A6-1DE5591A9897}"/>
-          </ac:spMkLst>
-        </pc:spChg>
-        <pc:spChg chg="add del">
-          <ac:chgData name="kaihua tang" userId="22376ffad72c4b64" providerId="LiveId" clId="{CE9B0419-8561-4196-9FDB-B85F086EC084}" dt="2020-04-12T05:42:03.078" v="1563"/>
-          <ac:spMkLst>
-            <pc:docMk/>
-            <pc:sldMk cId="588096205" sldId="268"/>
-            <ac:spMk id="44" creationId="{4A347104-4844-49E3-A636-621062869E2B}"/>
-          </ac:spMkLst>
-        </pc:spChg>
-        <pc:spChg chg="add del">
-          <ac:chgData name="kaihua tang" userId="22376ffad72c4b64" providerId="LiveId" clId="{CE9B0419-8561-4196-9FDB-B85F086EC084}" dt="2020-04-12T05:42:03.078" v="1563"/>
-          <ac:spMkLst>
-            <pc:docMk/>
-            <pc:sldMk cId="588096205" sldId="268"/>
-            <ac:spMk id="45" creationId="{6DBEAD10-69D9-4BE5-8991-432829FE2D91}"/>
-          </ac:spMkLst>
-        </pc:spChg>
-        <pc:spChg chg="add del">
-          <ac:chgData name="kaihua tang" userId="22376ffad72c4b64" providerId="LiveId" clId="{CE9B0419-8561-4196-9FDB-B85F086EC084}" dt="2020-04-12T05:42:03.078" v="1563"/>
-          <ac:spMkLst>
-            <pc:docMk/>
-            <pc:sldMk cId="588096205" sldId="268"/>
-            <ac:spMk id="46" creationId="{5A480D64-F53B-4F8A-8579-960CDCE8CD53}"/>
-          </ac:spMkLst>
-        </pc:spChg>
-        <pc:spChg chg="add del">
-          <ac:chgData name="kaihua tang" userId="22376ffad72c4b64" providerId="LiveId" clId="{CE9B0419-8561-4196-9FDB-B85F086EC084}" dt="2020-04-12T05:42:03.078" v="1563"/>
-          <ac:spMkLst>
-            <pc:docMk/>
-            <pc:sldMk cId="588096205" sldId="268"/>
-            <ac:spMk id="47" creationId="{54D66262-5AC9-480E-A751-2E7C2F8112B6}"/>
-          </ac:spMkLst>
-        </pc:spChg>
-        <pc:spChg chg="add del">
-          <ac:chgData name="kaihua tang" userId="22376ffad72c4b64" providerId="LiveId" clId="{CE9B0419-8561-4196-9FDB-B85F086EC084}" dt="2020-04-12T05:42:03.078" v="1563"/>
-          <ac:spMkLst>
-            <pc:docMk/>
-            <pc:sldMk cId="588096205" sldId="268"/>
-            <ac:spMk id="48" creationId="{B482FC0E-3D3C-4622-BA2E-B5C341C99BED}"/>
-          </ac:spMkLst>
-        </pc:spChg>
-        <pc:spChg chg="add del">
-          <ac:chgData name="kaihua tang" userId="22376ffad72c4b64" providerId="LiveId" clId="{CE9B0419-8561-4196-9FDB-B85F086EC084}" dt="2020-04-12T05:42:03.078" v="1563"/>
-          <ac:spMkLst>
-            <pc:docMk/>
-            <pc:sldMk cId="588096205" sldId="268"/>
-            <ac:spMk id="49" creationId="{1B3A3BB6-2BA7-4F7B-A990-39D6279BD561}"/>
-          </ac:spMkLst>
-        </pc:spChg>
-        <pc:spChg chg="add del">
-          <ac:chgData name="kaihua tang" userId="22376ffad72c4b64" providerId="LiveId" clId="{CE9B0419-8561-4196-9FDB-B85F086EC084}" dt="2020-04-12T05:42:03.078" v="1563"/>
-          <ac:spMkLst>
-            <pc:docMk/>
-            <pc:sldMk cId="588096205" sldId="268"/>
-            <ac:spMk id="50" creationId="{DF164691-02E4-434F-966B-20CF7CDE5B86}"/>
-          </ac:spMkLst>
-        </pc:spChg>
-        <pc:spChg chg="add del">
-          <ac:chgData name="kaihua tang" userId="22376ffad72c4b64" providerId="LiveId" clId="{CE9B0419-8561-4196-9FDB-B85F086EC084}" dt="2020-04-12T05:42:03.078" v="1563"/>
-          <ac:spMkLst>
-            <pc:docMk/>
-            <pc:sldMk cId="588096205" sldId="268"/>
-            <ac:spMk id="51" creationId="{9FCE7325-9050-4EEF-9EFE-6F4266CB217D}"/>
-          </ac:spMkLst>
-        </pc:spChg>
-        <pc:spChg chg="add del">
-          <ac:chgData name="kaihua tang" userId="22376ffad72c4b64" providerId="LiveId" clId="{CE9B0419-8561-4196-9FDB-B85F086EC084}" dt="2020-04-12T05:42:03.078" v="1563"/>
-          <ac:spMkLst>
-            <pc:docMk/>
-            <pc:sldMk cId="588096205" sldId="268"/>
-            <ac:spMk id="52" creationId="{3A37FB34-FD61-4572-83E9-E7E02C81328C}"/>
-          </ac:spMkLst>
-        </pc:spChg>
-        <pc:spChg chg="add del">
-          <ac:chgData name="kaihua tang" userId="22376ffad72c4b64" providerId="LiveId" clId="{CE9B0419-8561-4196-9FDB-B85F086EC084}" dt="2020-04-12T05:42:03.078" v="1563"/>
-          <ac:spMkLst>
-            <pc:docMk/>
-            <pc:sldMk cId="588096205" sldId="268"/>
-            <ac:spMk id="53" creationId="{35409A89-0593-4182-90B4-8D9C5032ED66}"/>
-          </ac:spMkLst>
-        </pc:spChg>
-        <pc:spChg chg="add del">
-          <ac:chgData name="kaihua tang" userId="22376ffad72c4b64" providerId="LiveId" clId="{CE9B0419-8561-4196-9FDB-B85F086EC084}" dt="2020-04-12T05:42:03.078" v="1563"/>
-          <ac:spMkLst>
-            <pc:docMk/>
-            <pc:sldMk cId="588096205" sldId="268"/>
-            <ac:spMk id="54" creationId="{937AE56F-ECA3-4414-ADEC-FC412F3DA3AC}"/>
-          </ac:spMkLst>
-        </pc:spChg>
-        <pc:spChg chg="add del">
-          <ac:chgData name="kaihua tang" userId="22376ffad72c4b64" providerId="LiveId" clId="{CE9B0419-8561-4196-9FDB-B85F086EC084}" dt="2020-04-12T05:42:03.078" v="1563"/>
-          <ac:spMkLst>
-            <pc:docMk/>
-            <pc:sldMk cId="588096205" sldId="268"/>
-            <ac:spMk id="55" creationId="{59DA73CD-706B-4304-A0F5-4A91DD37871E}"/>
-          </ac:spMkLst>
-        </pc:spChg>
-        <pc:spChg chg="add del">
-          <ac:chgData name="kaihua tang" userId="22376ffad72c4b64" providerId="LiveId" clId="{CE9B0419-8561-4196-9FDB-B85F086EC084}" dt="2020-04-12T05:42:03.078" v="1563"/>
-          <ac:spMkLst>
-            <pc:docMk/>
-            <pc:sldMk cId="588096205" sldId="268"/>
-            <ac:spMk id="57" creationId="{21138800-6BFC-413C-875B-800441FDC303}"/>
-          </ac:spMkLst>
-        </pc:spChg>
-        <pc:spChg chg="add del">
-          <ac:chgData name="kaihua tang" userId="22376ffad72c4b64" providerId="LiveId" clId="{CE9B0419-8561-4196-9FDB-B85F086EC084}" dt="2020-04-12T05:42:03.078" v="1563"/>
-          <ac:spMkLst>
-            <pc:docMk/>
-            <pc:sldMk cId="588096205" sldId="268"/>
-            <ac:spMk id="58" creationId="{B3E01732-A546-40FA-A9C0-EDAD235216B4}"/>
-          </ac:spMkLst>
-        </pc:spChg>
-        <pc:spChg chg="add del">
-          <ac:chgData name="kaihua tang" userId="22376ffad72c4b64" providerId="LiveId" clId="{CE9B0419-8561-4196-9FDB-B85F086EC084}" dt="2020-04-12T05:42:03.078" v="1563"/>
-          <ac:spMkLst>
-            <pc:docMk/>
-            <pc:sldMk cId="588096205" sldId="268"/>
-            <ac:spMk id="59" creationId="{ED7032B2-7067-42B2-B34A-6CFFCBE03AB3}"/>
-          </ac:spMkLst>
-        </pc:spChg>
-        <pc:spChg chg="add del">
-          <ac:chgData name="kaihua tang" userId="22376ffad72c4b64" providerId="LiveId" clId="{CE9B0419-8561-4196-9FDB-B85F086EC084}" dt="2020-04-12T05:42:15.174" v="1567"/>
-          <ac:spMkLst>
-            <pc:docMk/>
-            <pc:sldMk cId="588096205" sldId="268"/>
-            <ac:spMk id="62" creationId="{3F8C98CD-A913-4B7E-A3F9-8A5E531BEAE8}"/>
-          </ac:spMkLst>
-        </pc:spChg>
-        <pc:spChg chg="add del">
-          <ac:chgData name="kaihua tang" userId="22376ffad72c4b64" providerId="LiveId" clId="{CE9B0419-8561-4196-9FDB-B85F086EC084}" dt="2020-04-12T05:42:15.174" v="1567"/>
-          <ac:spMkLst>
-            <pc:docMk/>
-            <pc:sldMk cId="588096205" sldId="268"/>
-            <ac:spMk id="63" creationId="{D05FCF7C-705E-4657-8C2C-C384FB324F30}"/>
-          </ac:spMkLst>
-        </pc:spChg>
-        <pc:spChg chg="add del">
-          <ac:chgData name="kaihua tang" userId="22376ffad72c4b64" providerId="LiveId" clId="{CE9B0419-8561-4196-9FDB-B85F086EC084}" dt="2020-04-12T05:42:15.174" v="1567"/>
-          <ac:spMkLst>
-            <pc:docMk/>
-            <pc:sldMk cId="588096205" sldId="268"/>
-            <ac:spMk id="64" creationId="{F7C5A21D-282D-4CB6-A82E-F557BEC470F5}"/>
-          </ac:spMkLst>
-        </pc:spChg>
-        <pc:spChg chg="add del">
-          <ac:chgData name="kaihua tang" userId="22376ffad72c4b64" providerId="LiveId" clId="{CE9B0419-8561-4196-9FDB-B85F086EC084}" dt="2020-04-12T05:42:15.174" v="1567"/>
-          <ac:spMkLst>
-            <pc:docMk/>
-            <pc:sldMk cId="588096205" sldId="268"/>
-            <ac:spMk id="65" creationId="{B0E2A7C3-57B4-4AFA-8FB5-D99CAF35FB11}"/>
-          </ac:spMkLst>
-        </pc:spChg>
-        <pc:spChg chg="add del">
-          <ac:chgData name="kaihua tang" userId="22376ffad72c4b64" providerId="LiveId" clId="{CE9B0419-8561-4196-9FDB-B85F086EC084}" dt="2020-04-12T05:42:15.174" v="1567"/>
-          <ac:spMkLst>
-            <pc:docMk/>
-            <pc:sldMk cId="588096205" sldId="268"/>
-            <ac:spMk id="66" creationId="{38DEDBE6-9D60-4FEB-8FF1-33458F9C5960}"/>
-          </ac:spMkLst>
-        </pc:spChg>
-        <pc:spChg chg="add del">
-          <ac:chgData name="kaihua tang" userId="22376ffad72c4b64" providerId="LiveId" clId="{CE9B0419-8561-4196-9FDB-B85F086EC084}" dt="2020-04-12T05:42:15.174" v="1567"/>
-          <ac:spMkLst>
-            <pc:docMk/>
-            <pc:sldMk cId="588096205" sldId="268"/>
-            <ac:spMk id="67" creationId="{49030367-1FAA-4FEC-8337-B0244A7AF2BA}"/>
-          </ac:spMkLst>
-        </pc:spChg>
-        <pc:spChg chg="add del">
-          <ac:chgData name="kaihua tang" userId="22376ffad72c4b64" providerId="LiveId" clId="{CE9B0419-8561-4196-9FDB-B85F086EC084}" dt="2020-04-12T05:42:15.174" v="1567"/>
-          <ac:spMkLst>
-            <pc:docMk/>
-            <pc:sldMk cId="588096205" sldId="268"/>
-            <ac:spMk id="68" creationId="{98B9C748-1F42-415A-8406-BD59F4D42C56}"/>
-          </ac:spMkLst>
-        </pc:spChg>
-        <pc:spChg chg="add del">
-          <ac:chgData name="kaihua tang" userId="22376ffad72c4b64" providerId="LiveId" clId="{CE9B0419-8561-4196-9FDB-B85F086EC084}" dt="2020-04-12T05:42:15.174" v="1567"/>
-          <ac:spMkLst>
-            <pc:docMk/>
-            <pc:sldMk cId="588096205" sldId="268"/>
-            <ac:spMk id="69" creationId="{D4EA3364-7222-41D9-9CCD-855F32A9CC8D}"/>
-          </ac:spMkLst>
-        </pc:spChg>
-        <pc:spChg chg="add del">
-          <ac:chgData name="kaihua tang" userId="22376ffad72c4b64" providerId="LiveId" clId="{CE9B0419-8561-4196-9FDB-B85F086EC084}" dt="2020-04-12T05:42:15.174" v="1567"/>
-          <ac:spMkLst>
-            <pc:docMk/>
-            <pc:sldMk cId="588096205" sldId="268"/>
-            <ac:spMk id="70" creationId="{B0BE7FDB-FCF6-4B0D-9822-DCD15EE8D145}"/>
-          </ac:spMkLst>
-        </pc:spChg>
-        <pc:spChg chg="add del">
-          <ac:chgData name="kaihua tang" userId="22376ffad72c4b64" providerId="LiveId" clId="{CE9B0419-8561-4196-9FDB-B85F086EC084}" dt="2020-04-12T05:42:15.174" v="1567"/>
-          <ac:spMkLst>
-            <pc:docMk/>
-            <pc:sldMk cId="588096205" sldId="268"/>
-            <ac:spMk id="71" creationId="{728BBCE8-6B00-40A1-8A08-0472AD5068EA}"/>
-          </ac:spMkLst>
-        </pc:spChg>
-        <pc:spChg chg="add del">
-          <ac:chgData name="kaihua tang" userId="22376ffad72c4b64" providerId="LiveId" clId="{CE9B0419-8561-4196-9FDB-B85F086EC084}" dt="2020-04-12T05:42:15.174" v="1567"/>
-          <ac:spMkLst>
-            <pc:docMk/>
-            <pc:sldMk cId="588096205" sldId="268"/>
-            <ac:spMk id="72" creationId="{D321107C-5B48-4FA2-AAEF-9A2EA6E8D85D}"/>
-          </ac:spMkLst>
-        </pc:spChg>
-        <pc:spChg chg="add del">
-          <ac:chgData name="kaihua tang" userId="22376ffad72c4b64" providerId="LiveId" clId="{CE9B0419-8561-4196-9FDB-B85F086EC084}" dt="2020-04-12T05:42:15.174" v="1567"/>
-          <ac:spMkLst>
-            <pc:docMk/>
-            <pc:sldMk cId="588096205" sldId="268"/>
-            <ac:spMk id="73" creationId="{F74403A2-4DFB-4F00-8C86-543BA13C443A}"/>
-          </ac:spMkLst>
-        </pc:spChg>
-        <pc:spChg chg="add del">
-          <ac:chgData name="kaihua tang" userId="22376ffad72c4b64" providerId="LiveId" clId="{CE9B0419-8561-4196-9FDB-B85F086EC084}" dt="2020-04-12T05:42:15.174" v="1567"/>
-          <ac:spMkLst>
-            <pc:docMk/>
-            <pc:sldMk cId="588096205" sldId="268"/>
-            <ac:spMk id="74" creationId="{F7EF0184-23D8-4EFE-A398-C6081C2E89EF}"/>
-          </ac:spMkLst>
-        </pc:spChg>
-        <pc:spChg chg="add del">
-          <ac:chgData name="kaihua tang" userId="22376ffad72c4b64" providerId="LiveId" clId="{CE9B0419-8561-4196-9FDB-B85F086EC084}" dt="2020-04-12T05:42:15.174" v="1567"/>
-          <ac:spMkLst>
-            <pc:docMk/>
-            <pc:sldMk cId="588096205" sldId="268"/>
-            <ac:spMk id="75" creationId="{EA225EC5-DFE8-491D-83E9-3BB1BFD6713E}"/>
-          </ac:spMkLst>
-        </pc:spChg>
-        <pc:spChg chg="add del">
-          <ac:chgData name="kaihua tang" userId="22376ffad72c4b64" providerId="LiveId" clId="{CE9B0419-8561-4196-9FDB-B85F086EC084}" dt="2020-04-12T05:42:15.174" v="1567"/>
-          <ac:spMkLst>
-            <pc:docMk/>
-            <pc:sldMk cId="588096205" sldId="268"/>
-            <ac:spMk id="76" creationId="{6E735A64-D7D6-446D-964C-29267906D266}"/>
-          </ac:spMkLst>
-        </pc:spChg>
-        <pc:spChg chg="add del">
-          <ac:chgData name="kaihua tang" userId="22376ffad72c4b64" providerId="LiveId" clId="{CE9B0419-8561-4196-9FDB-B85F086EC084}" dt="2020-04-12T05:42:15.174" v="1567"/>
-          <ac:spMkLst>
-            <pc:docMk/>
-            <pc:sldMk cId="588096205" sldId="268"/>
-            <ac:spMk id="77" creationId="{372DBAAA-64F1-456B-98D0-1DF85AECB373}"/>
-          </ac:spMkLst>
-        </pc:spChg>
-        <pc:spChg chg="add del">
-          <ac:chgData name="kaihua tang" userId="22376ffad72c4b64" providerId="LiveId" clId="{CE9B0419-8561-4196-9FDB-B85F086EC084}" dt="2020-04-12T05:42:15.174" v="1567"/>
-          <ac:spMkLst>
-            <pc:docMk/>
-            <pc:sldMk cId="588096205" sldId="268"/>
-            <ac:spMk id="78" creationId="{AE8A11C6-6D0F-43E0-897E-C98386272788}"/>
-          </ac:spMkLst>
-        </pc:spChg>
-        <pc:spChg chg="add del">
-          <ac:chgData name="kaihua tang" userId="22376ffad72c4b64" providerId="LiveId" clId="{CE9B0419-8561-4196-9FDB-B85F086EC084}" dt="2020-04-12T05:42:15.174" v="1567"/>
-          <ac:spMkLst>
-            <pc:docMk/>
-            <pc:sldMk cId="588096205" sldId="268"/>
-            <ac:spMk id="79" creationId="{98C2307B-0753-4597-A168-50C4D8818F0C}"/>
-          </ac:spMkLst>
-        </pc:spChg>
-        <pc:spChg chg="add del">
-          <ac:chgData name="kaihua tang" userId="22376ffad72c4b64" providerId="LiveId" clId="{CE9B0419-8561-4196-9FDB-B85F086EC084}" dt="2020-04-12T05:42:15.174" v="1567"/>
-          <ac:spMkLst>
-            <pc:docMk/>
-            <pc:sldMk cId="588096205" sldId="268"/>
-            <ac:spMk id="80" creationId="{B605D52E-FAAC-4860-9B8B-7A3D2F1B1C66}"/>
-          </ac:spMkLst>
-        </pc:spChg>
-        <pc:spChg chg="add del">
-          <ac:chgData name="kaihua tang" userId="22376ffad72c4b64" providerId="LiveId" clId="{CE9B0419-8561-4196-9FDB-B85F086EC084}" dt="2020-04-12T05:42:15.174" v="1567"/>
-          <ac:spMkLst>
-            <pc:docMk/>
-            <pc:sldMk cId="588096205" sldId="268"/>
-            <ac:spMk id="81" creationId="{CFDF94C9-83D2-4846-AA37-8C0E9E9996E0}"/>
-          </ac:spMkLst>
-        </pc:spChg>
-        <pc:spChg chg="add del">
-          <ac:chgData name="kaihua tang" userId="22376ffad72c4b64" providerId="LiveId" clId="{CE9B0419-8561-4196-9FDB-B85F086EC084}" dt="2020-04-12T05:42:15.174" v="1567"/>
-          <ac:spMkLst>
-            <pc:docMk/>
-            <pc:sldMk cId="588096205" sldId="268"/>
-            <ac:spMk id="82" creationId="{C245DAD4-7066-4CFD-BF7D-7F588DFCD2CF}"/>
-          </ac:spMkLst>
-        </pc:spChg>
-        <pc:spChg chg="add del">
-          <ac:chgData name="kaihua tang" userId="22376ffad72c4b64" providerId="LiveId" clId="{CE9B0419-8561-4196-9FDB-B85F086EC084}" dt="2020-04-12T05:42:15.174" v="1567"/>
-          <ac:spMkLst>
-            <pc:docMk/>
-            <pc:sldMk cId="588096205" sldId="268"/>
-            <ac:spMk id="83" creationId="{E38ABB15-1F09-4DCF-BA7D-932B6884B592}"/>
-          </ac:spMkLst>
-        </pc:spChg>
-        <pc:spChg chg="add del">
-          <ac:chgData name="kaihua tang" userId="22376ffad72c4b64" providerId="LiveId" clId="{CE9B0419-8561-4196-9FDB-B85F086EC084}" dt="2020-04-12T05:42:15.174" v="1567"/>
-          <ac:spMkLst>
-            <pc:docMk/>
-            <pc:sldMk cId="588096205" sldId="268"/>
-            <ac:spMk id="84" creationId="{F547E4A6-CBAD-45C8-88C0-6C05B665D788}"/>
-          </ac:spMkLst>
-        </pc:spChg>
-        <pc:spChg chg="add del">
-          <ac:chgData name="kaihua tang" userId="22376ffad72c4b64" providerId="LiveId" clId="{CE9B0419-8561-4196-9FDB-B85F086EC084}" dt="2020-04-12T05:42:15.174" v="1567"/>
-          <ac:spMkLst>
-            <pc:docMk/>
-            <pc:sldMk cId="588096205" sldId="268"/>
-            <ac:spMk id="86" creationId="{291C15C4-9327-4F22-80D3-BB66397B8DE3}"/>
-          </ac:spMkLst>
-        </pc:spChg>
-        <pc:spChg chg="add del">
-          <ac:chgData name="kaihua tang" userId="22376ffad72c4b64" providerId="LiveId" clId="{CE9B0419-8561-4196-9FDB-B85F086EC084}" dt="2020-04-12T05:42:15.174" v="1567"/>
-          <ac:spMkLst>
-            <pc:docMk/>
-            <pc:sldMk cId="588096205" sldId="268"/>
-            <ac:spMk id="87" creationId="{E50EFB22-C93E-4BF9-A52C-C38F75CC8E13}"/>
-          </ac:spMkLst>
-        </pc:spChg>
-        <pc:spChg chg="add del">
-          <ac:chgData name="kaihua tang" userId="22376ffad72c4b64" providerId="LiveId" clId="{CE9B0419-8561-4196-9FDB-B85F086EC084}" dt="2020-04-12T05:42:15.174" v="1567"/>
-          <ac:spMkLst>
-            <pc:docMk/>
-            <pc:sldMk cId="588096205" sldId="268"/>
-            <ac:spMk id="88" creationId="{2B658579-DF42-4FAD-A760-6D69794CCC59}"/>
-          </ac:spMkLst>
-        </pc:spChg>
-        <pc:spChg chg="add mod">
-          <ac:chgData name="kaihua tang" userId="22376ffad72c4b64" providerId="LiveId" clId="{CE9B0419-8561-4196-9FDB-B85F086EC084}" dt="2020-04-12T05:43:46.032" v="1592" actId="20577"/>
-          <ac:spMkLst>
-            <pc:docMk/>
-            <pc:sldMk cId="588096205" sldId="268"/>
-            <ac:spMk id="91" creationId="{9C28C264-8361-498C-955D-CB46863D3D94}"/>
-          </ac:spMkLst>
-        </pc:spChg>
-        <pc:picChg chg="add mod">
-          <ac:chgData name="kaihua tang" userId="22376ffad72c4b64" providerId="LiveId" clId="{CE9B0419-8561-4196-9FDB-B85F086EC084}" dt="2020-04-12T05:42:20.033" v="1568" actId="1076"/>
-          <ac:picMkLst>
-            <pc:docMk/>
-            <pc:sldMk cId="588096205" sldId="268"/>
-            <ac:picMk id="27" creationId="{7E1FA7AC-E1D5-4E4B-8C19-2819072FD2D1}"/>
-          </ac:picMkLst>
-        </pc:picChg>
-        <pc:picChg chg="add del">
-          <ac:chgData name="kaihua tang" userId="22376ffad72c4b64" providerId="LiveId" clId="{CE9B0419-8561-4196-9FDB-B85F086EC084}" dt="2020-04-12T05:42:03.078" v="1563"/>
-          <ac:picMkLst>
-            <pc:docMk/>
-            <pc:sldMk cId="588096205" sldId="268"/>
-            <ac:picMk id="56" creationId="{DEA81066-9BC1-4788-8F66-705E1B876C67}"/>
-          </ac:picMkLst>
-        </pc:picChg>
-        <pc:picChg chg="add del">
-          <ac:chgData name="kaihua tang" userId="22376ffad72c4b64" providerId="LiveId" clId="{CE9B0419-8561-4196-9FDB-B85F086EC084}" dt="2020-04-12T05:42:15.174" v="1567"/>
-          <ac:picMkLst>
-            <pc:docMk/>
-            <pc:sldMk cId="588096205" sldId="268"/>
-            <ac:picMk id="85" creationId="{03296F57-6057-431D-BE68-6FF4CF011B34}"/>
-          </ac:picMkLst>
-        </pc:picChg>
-        <pc:cxnChg chg="add mod">
-          <ac:chgData name="kaihua tang" userId="22376ffad72c4b64" providerId="LiveId" clId="{CE9B0419-8561-4196-9FDB-B85F086EC084}" dt="2020-04-12T05:42:20.033" v="1568" actId="1076"/>
-          <ac:cxnSpMkLst>
-            <pc:docMk/>
-            <pc:sldMk cId="588096205" sldId="268"/>
-            <ac:cxnSpMk id="31" creationId="{5C18C6FF-4F81-4C2C-9C84-DB2CD93CBD69}"/>
-          </ac:cxnSpMkLst>
-        </pc:cxnChg>
-        <pc:cxnChg chg="add mod">
-          <ac:chgData name="kaihua tang" userId="22376ffad72c4b64" providerId="LiveId" clId="{CE9B0419-8561-4196-9FDB-B85F086EC084}" dt="2020-04-12T05:42:20.033" v="1568" actId="1076"/>
-          <ac:cxnSpMkLst>
-            <pc:docMk/>
-            <pc:sldMk cId="588096205" sldId="268"/>
-            <ac:cxnSpMk id="32" creationId="{25B25CD7-9579-425D-ADBB-7460A548CEEB}"/>
-          </ac:cxnSpMkLst>
-        </pc:cxnChg>
-        <pc:cxnChg chg="add del">
-          <ac:chgData name="kaihua tang" userId="22376ffad72c4b64" providerId="LiveId" clId="{CE9B0419-8561-4196-9FDB-B85F086EC084}" dt="2020-04-12T05:42:03.078" v="1563"/>
-          <ac:cxnSpMkLst>
-            <pc:docMk/>
-            <pc:sldMk cId="588096205" sldId="268"/>
-            <ac:cxnSpMk id="60" creationId="{FC3794ED-5C55-40C3-AE42-8715C1E36410}"/>
-          </ac:cxnSpMkLst>
-        </pc:cxnChg>
-        <pc:cxnChg chg="add del">
-          <ac:chgData name="kaihua tang" userId="22376ffad72c4b64" providerId="LiveId" clId="{CE9B0419-8561-4196-9FDB-B85F086EC084}" dt="2020-04-12T05:42:03.078" v="1563"/>
-          <ac:cxnSpMkLst>
-            <pc:docMk/>
-            <pc:sldMk cId="588096205" sldId="268"/>
-            <ac:cxnSpMk id="61" creationId="{9742E65D-2689-4136-9EDA-27D8723613C0}"/>
-          </ac:cxnSpMkLst>
-        </pc:cxnChg>
-        <pc:cxnChg chg="add del">
-          <ac:chgData name="kaihua tang" userId="22376ffad72c4b64" providerId="LiveId" clId="{CE9B0419-8561-4196-9FDB-B85F086EC084}" dt="2020-04-12T05:42:15.174" v="1567"/>
-          <ac:cxnSpMkLst>
-            <pc:docMk/>
-            <pc:sldMk cId="588096205" sldId="268"/>
-            <ac:cxnSpMk id="89" creationId="{BF2093AE-DF08-4065-ABF5-B55E36A526B3}"/>
-          </ac:cxnSpMkLst>
-        </pc:cxnChg>
-        <pc:cxnChg chg="add del">
-          <ac:chgData name="kaihua tang" userId="22376ffad72c4b64" providerId="LiveId" clId="{CE9B0419-8561-4196-9FDB-B85F086EC084}" dt="2020-04-12T05:42:15.174" v="1567"/>
-          <ac:cxnSpMkLst>
-            <pc:docMk/>
-            <pc:sldMk cId="588096205" sldId="268"/>
-            <ac:cxnSpMk id="90" creationId="{AA8241EE-11DD-4A7A-9F1E-BF9127E67E58}"/>
-          </ac:cxnSpMkLst>
-        </pc:cxnChg>
-      </pc:sldChg>
-      <pc:sldChg chg="modSp add del">
-        <pc:chgData name="kaihua tang" userId="22376ffad72c4b64" providerId="LiveId" clId="{CE9B0419-8561-4196-9FDB-B85F086EC084}" dt="2020-04-11T17:24:42.837" v="1210"/>
-        <pc:sldMkLst>
-          <pc:docMk/>
-          <pc:sldMk cId="1313676438" sldId="268"/>
-        </pc:sldMkLst>
-        <pc:spChg chg="mod">
-          <ac:chgData name="kaihua tang" userId="22376ffad72c4b64" providerId="LiveId" clId="{CE9B0419-8561-4196-9FDB-B85F086EC084}" dt="2020-04-11T17:24:42.281" v="1209"/>
-          <ac:spMkLst>
-            <pc:docMk/>
-            <pc:sldMk cId="1313676438" sldId="268"/>
-            <ac:spMk id="2" creationId="{0F352783-9870-4B22-8CDD-8EDE69AA9D76}"/>
-          </ac:spMkLst>
-        </pc:spChg>
-      </pc:sldChg>
-      <pc:sldChg chg="add del">
-        <pc:chgData name="kaihua tang" userId="22376ffad72c4b64" providerId="LiveId" clId="{CE9B0419-8561-4196-9FDB-B85F086EC084}" dt="2020-04-12T12:52:52.633" v="2840" actId="47"/>
-        <pc:sldMkLst>
-          <pc:docMk/>
-          <pc:sldMk cId="510989583" sldId="269"/>
-        </pc:sldMkLst>
-      </pc:sldChg>
-      <pc:sldChg chg="addSp modSp add del modNotesTx">
-        <pc:chgData name="kaihua tang" userId="22376ffad72c4b64" providerId="LiveId" clId="{CE9B0419-8561-4196-9FDB-B85F086EC084}" dt="2020-04-12T12:52:39.711" v="2838" actId="2696"/>
-        <pc:sldMkLst>
-          <pc:docMk/>
-          <pc:sldMk cId="3947148600" sldId="269"/>
-        </pc:sldMkLst>
-        <pc:spChg chg="mod">
-          <ac:chgData name="kaihua tang" userId="22376ffad72c4b64" providerId="LiveId" clId="{CE9B0419-8561-4196-9FDB-B85F086EC084}" dt="2020-04-11T17:25:04.952" v="1218" actId="20577"/>
-          <ac:spMkLst>
-            <pc:docMk/>
-            <pc:sldMk cId="3947148600" sldId="269"/>
-            <ac:spMk id="2" creationId="{ADACF2C9-C78A-43BA-942B-B5B469CE00E8}"/>
-          </ac:spMkLst>
-        </pc:spChg>
-        <pc:spChg chg="mod">
-          <ac:chgData name="kaihua tang" userId="22376ffad72c4b64" providerId="LiveId" clId="{CE9B0419-8561-4196-9FDB-B85F086EC084}" dt="2020-04-12T06:57:09.035" v="1932" actId="1076"/>
-          <ac:spMkLst>
-            <pc:docMk/>
-            <pc:sldMk cId="3947148600" sldId="269"/>
-            <ac:spMk id="3" creationId="{EE81DED3-DDC8-47C2-B95B-C0FFD23B6E2E}"/>
-          </ac:spMkLst>
-        </pc:spChg>
-        <pc:spChg chg="add mod">
-          <ac:chgData name="kaihua tang" userId="22376ffad72c4b64" providerId="LiveId" clId="{CE9B0419-8561-4196-9FDB-B85F086EC084}" dt="2020-04-12T06:57:17.292" v="1933" actId="1076"/>
-          <ac:spMkLst>
-            <pc:docMk/>
-            <pc:sldMk cId="3947148600" sldId="269"/>
-            <ac:spMk id="4" creationId="{3FBFE1C2-9767-46A7-9E38-3C1AA1F98028}"/>
-          </ac:spMkLst>
-        </pc:spChg>
-        <pc:spChg chg="add mod">
-          <ac:chgData name="kaihua tang" userId="22376ffad72c4b64" providerId="LiveId" clId="{CE9B0419-8561-4196-9FDB-B85F086EC084}" dt="2020-04-12T06:57:17.292" v="1933" actId="1076"/>
-          <ac:spMkLst>
-            <pc:docMk/>
-            <pc:sldMk cId="3947148600" sldId="269"/>
-            <ac:spMk id="5" creationId="{25AB9503-D24E-45DD-A901-3CA8F3D95C33}"/>
-          </ac:spMkLst>
-        </pc:spChg>
-        <pc:spChg chg="add mod">
-          <ac:chgData name="kaihua tang" userId="22376ffad72c4b64" providerId="LiveId" clId="{CE9B0419-8561-4196-9FDB-B85F086EC084}" dt="2020-04-12T06:57:17.292" v="1933" actId="1076"/>
-          <ac:spMkLst>
-            <pc:docMk/>
-            <pc:sldMk cId="3947148600" sldId="269"/>
-            <ac:spMk id="6" creationId="{7E779733-9F1C-43BC-8162-8E4D686C0A0C}"/>
-          </ac:spMkLst>
-        </pc:spChg>
-        <pc:spChg chg="add mod">
-          <ac:chgData name="kaihua tang" userId="22376ffad72c4b64" providerId="LiveId" clId="{CE9B0419-8561-4196-9FDB-B85F086EC084}" dt="2020-04-12T06:57:17.292" v="1933" actId="1076"/>
-          <ac:spMkLst>
-            <pc:docMk/>
-            <pc:sldMk cId="3947148600" sldId="269"/>
-            <ac:spMk id="7" creationId="{3E3B667E-5CAE-4304-9B89-46E6B7383D06}"/>
-          </ac:spMkLst>
-        </pc:spChg>
-        <pc:spChg chg="add mod">
-          <ac:chgData name="kaihua tang" userId="22376ffad72c4b64" providerId="LiveId" clId="{CE9B0419-8561-4196-9FDB-B85F086EC084}" dt="2020-04-12T06:57:17.292" v="1933" actId="1076"/>
-          <ac:spMkLst>
-            <pc:docMk/>
-            <pc:sldMk cId="3947148600" sldId="269"/>
-            <ac:spMk id="8" creationId="{66A376D6-DA89-4174-968D-5AF6F482D39E}"/>
-          </ac:spMkLst>
-        </pc:spChg>
-        <pc:spChg chg="add mod">
-          <ac:chgData name="kaihua tang" userId="22376ffad72c4b64" providerId="LiveId" clId="{CE9B0419-8561-4196-9FDB-B85F086EC084}" dt="2020-04-12T06:57:17.292" v="1933" actId="1076"/>
-          <ac:spMkLst>
-            <pc:docMk/>
-            <pc:sldMk cId="3947148600" sldId="269"/>
-            <ac:spMk id="9" creationId="{05564BC3-459C-438F-AA67-EB9B593F7DBB}"/>
-          </ac:spMkLst>
-        </pc:spChg>
-        <pc:spChg chg="add mod">
-          <ac:chgData name="kaihua tang" userId="22376ffad72c4b64" providerId="LiveId" clId="{CE9B0419-8561-4196-9FDB-B85F086EC084}" dt="2020-04-12T06:57:17.292" v="1933" actId="1076"/>
-          <ac:spMkLst>
-            <pc:docMk/>
-            <pc:sldMk cId="3947148600" sldId="269"/>
-            <ac:spMk id="10" creationId="{F18D06F4-5460-4688-84AE-B66F0CFBB862}"/>
-          </ac:spMkLst>
-        </pc:spChg>
-        <pc:spChg chg="add mod">
-          <ac:chgData name="kaihua tang" userId="22376ffad72c4b64" providerId="LiveId" clId="{CE9B0419-8561-4196-9FDB-B85F086EC084}" dt="2020-04-12T06:57:17.292" v="1933" actId="1076"/>
-          <ac:spMkLst>
-            <pc:docMk/>
-            <pc:sldMk cId="3947148600" sldId="269"/>
-            <ac:spMk id="11" creationId="{A2161E11-73A0-488E-8003-E9C3DF7D6BDD}"/>
-          </ac:spMkLst>
-        </pc:spChg>
-        <pc:spChg chg="add mod">
-          <ac:chgData name="kaihua tang" userId="22376ffad72c4b64" providerId="LiveId" clId="{CE9B0419-8561-4196-9FDB-B85F086EC084}" dt="2020-04-12T06:57:17.292" v="1933" actId="1076"/>
-          <ac:spMkLst>
-            <pc:docMk/>
-            <pc:sldMk cId="3947148600" sldId="269"/>
-            <ac:spMk id="12" creationId="{E75CC52D-4070-426A-9A7C-BE17D2DD3A47}"/>
-          </ac:spMkLst>
-        </pc:spChg>
-        <pc:spChg chg="add mod">
-          <ac:chgData name="kaihua tang" userId="22376ffad72c4b64" providerId="LiveId" clId="{CE9B0419-8561-4196-9FDB-B85F086EC084}" dt="2020-04-12T06:57:17.292" v="1933" actId="1076"/>
-          <ac:spMkLst>
-            <pc:docMk/>
-            <pc:sldMk cId="3947148600" sldId="269"/>
-            <ac:spMk id="13" creationId="{775A6A5E-B6A8-4EFF-8612-B7365A8FB982}"/>
-          </ac:spMkLst>
-        </pc:spChg>
-        <pc:spChg chg="add mod">
-          <ac:chgData name="kaihua tang" userId="22376ffad72c4b64" providerId="LiveId" clId="{CE9B0419-8561-4196-9FDB-B85F086EC084}" dt="2020-04-12T06:57:17.292" v="1933" actId="1076"/>
-          <ac:spMkLst>
-            <pc:docMk/>
-            <pc:sldMk cId="3947148600" sldId="269"/>
-            <ac:spMk id="14" creationId="{6248B1CD-852E-4C2C-BA50-7F8166ECD41F}"/>
-          </ac:spMkLst>
-        </pc:spChg>
-        <pc:spChg chg="add mod">
-          <ac:chgData name="kaihua tang" userId="22376ffad72c4b64" providerId="LiveId" clId="{CE9B0419-8561-4196-9FDB-B85F086EC084}" dt="2020-04-12T06:57:17.292" v="1933" actId="1076"/>
-          <ac:spMkLst>
-            <pc:docMk/>
-            <pc:sldMk cId="3947148600" sldId="269"/>
-            <ac:spMk id="15" creationId="{7CBA5839-11A4-44FD-B01E-9342CBBD567E}"/>
-          </ac:spMkLst>
-        </pc:spChg>
-        <pc:spChg chg="add mod">
-          <ac:chgData name="kaihua tang" userId="22376ffad72c4b64" providerId="LiveId" clId="{CE9B0419-8561-4196-9FDB-B85F086EC084}" dt="2020-04-12T06:57:17.292" v="1933" actId="1076"/>
-          <ac:spMkLst>
-            <pc:docMk/>
-            <pc:sldMk cId="3947148600" sldId="269"/>
-            <ac:spMk id="16" creationId="{F4925963-A63C-4F39-B912-1E52AEEDEA59}"/>
-          </ac:spMkLst>
-        </pc:spChg>
-        <pc:spChg chg="add mod">
-          <ac:chgData name="kaihua tang" userId="22376ffad72c4b64" providerId="LiveId" clId="{CE9B0419-8561-4196-9FDB-B85F086EC084}" dt="2020-04-12T06:57:50.092" v="1990" actId="1037"/>
-          <ac:spMkLst>
-            <pc:docMk/>
-            <pc:sldMk cId="3947148600" sldId="269"/>
-            <ac:spMk id="17" creationId="{37CBA002-7C8D-4468-904E-7572C21F01AD}"/>
-          </ac:spMkLst>
-        </pc:spChg>
-        <pc:spChg chg="add mod">
-          <ac:chgData name="kaihua tang" userId="22376ffad72c4b64" providerId="LiveId" clId="{CE9B0419-8561-4196-9FDB-B85F086EC084}" dt="2020-04-12T06:57:50.092" v="1990" actId="1037"/>
-          <ac:spMkLst>
-            <pc:docMk/>
-            <pc:sldMk cId="3947148600" sldId="269"/>
-            <ac:spMk id="18" creationId="{A60765B9-4658-4955-AF90-F78544704E38}"/>
-          </ac:spMkLst>
-        </pc:spChg>
-        <pc:spChg chg="add mod">
-          <ac:chgData name="kaihua tang" userId="22376ffad72c4b64" providerId="LiveId" clId="{CE9B0419-8561-4196-9FDB-B85F086EC084}" dt="2020-04-12T06:57:50.092" v="1990" actId="1037"/>
-          <ac:spMkLst>
-            <pc:docMk/>
-            <pc:sldMk cId="3947148600" sldId="269"/>
-            <ac:spMk id="19" creationId="{604BE374-77F2-47CC-A749-BE9B908223A5}"/>
-          </ac:spMkLst>
-        </pc:spChg>
-        <pc:spChg chg="add mod">
-          <ac:chgData name="kaihua tang" userId="22376ffad72c4b64" providerId="LiveId" clId="{CE9B0419-8561-4196-9FDB-B85F086EC084}" dt="2020-04-12T06:57:50.092" v="1990" actId="1037"/>
-          <ac:spMkLst>
-            <pc:docMk/>
-            <pc:sldMk cId="3947148600" sldId="269"/>
-            <ac:spMk id="20" creationId="{FCEA9E5D-45D6-44A7-A6BD-B333D43A176D}"/>
-          </ac:spMkLst>
-        </pc:spChg>
-        <pc:spChg chg="add mod">
-          <ac:chgData name="kaihua tang" userId="22376ffad72c4b64" providerId="LiveId" clId="{CE9B0419-8561-4196-9FDB-B85F086EC084}" dt="2020-04-12T06:57:50.092" v="1990" actId="1037"/>
-          <ac:spMkLst>
-            <pc:docMk/>
-            <pc:sldMk cId="3947148600" sldId="269"/>
-            <ac:spMk id="21" creationId="{1F1869BB-BAA3-4541-AC24-225F3DCCA747}"/>
-          </ac:spMkLst>
-        </pc:spChg>
-        <pc:spChg chg="add mod">
-          <ac:chgData name="kaihua tang" userId="22376ffad72c4b64" providerId="LiveId" clId="{CE9B0419-8561-4196-9FDB-B85F086EC084}" dt="2020-04-12T06:57:50.092" v="1990" actId="1037"/>
-          <ac:spMkLst>
-            <pc:docMk/>
-            <pc:sldMk cId="3947148600" sldId="269"/>
-            <ac:spMk id="22" creationId="{A602295B-BF2B-4743-BFDF-4551CA132010}"/>
-          </ac:spMkLst>
-        </pc:spChg>
-        <pc:spChg chg="add mod">
-          <ac:chgData name="kaihua tang" userId="22376ffad72c4b64" providerId="LiveId" clId="{CE9B0419-8561-4196-9FDB-B85F086EC084}" dt="2020-04-12T06:57:50.092" v="1990" actId="1037"/>
-          <ac:spMkLst>
-            <pc:docMk/>
-            <pc:sldMk cId="3947148600" sldId="269"/>
-            <ac:spMk id="23" creationId="{03CB49CA-00CB-40DE-B6FB-0C0335485911}"/>
-          </ac:spMkLst>
-        </pc:spChg>
-        <pc:spChg chg="add mod">
-          <ac:chgData name="kaihua tang" userId="22376ffad72c4b64" providerId="LiveId" clId="{CE9B0419-8561-4196-9FDB-B85F086EC084}" dt="2020-04-12T06:57:50.092" v="1990" actId="1037"/>
-          <ac:spMkLst>
-            <pc:docMk/>
-            <pc:sldMk cId="3947148600" sldId="269"/>
-            <ac:spMk id="24" creationId="{B458D09B-D860-4EF8-8BEC-32242A07674A}"/>
-          </ac:spMkLst>
-        </pc:spChg>
-        <pc:spChg chg="add mod">
-          <ac:chgData name="kaihua tang" userId="22376ffad72c4b64" providerId="LiveId" clId="{CE9B0419-8561-4196-9FDB-B85F086EC084}" dt="2020-04-12T06:57:50.092" v="1990" actId="1037"/>
-          <ac:spMkLst>
-            <pc:docMk/>
-            <pc:sldMk cId="3947148600" sldId="269"/>
-            <ac:spMk id="25" creationId="{7CA24607-EDD8-4F33-B1BB-EBA51F074A3D}"/>
-          </ac:spMkLst>
-        </pc:spChg>
-        <pc:spChg chg="add mod">
-          <ac:chgData name="kaihua tang" userId="22376ffad72c4b64" providerId="LiveId" clId="{CE9B0419-8561-4196-9FDB-B85F086EC084}" dt="2020-04-12T06:57:50.092" v="1990" actId="1037"/>
-          <ac:spMkLst>
-            <pc:docMk/>
-            <pc:sldMk cId="3947148600" sldId="269"/>
-            <ac:spMk id="26" creationId="{173440A3-5B67-476E-9BCD-8DA8BF1BFB13}"/>
-          </ac:spMkLst>
-        </pc:spChg>
-        <pc:spChg chg="add mod">
-          <ac:chgData name="kaihua tang" userId="22376ffad72c4b64" providerId="LiveId" clId="{CE9B0419-8561-4196-9FDB-B85F086EC084}" dt="2020-04-12T06:57:50.092" v="1990" actId="1037"/>
-          <ac:spMkLst>
-            <pc:docMk/>
-            <pc:sldMk cId="3947148600" sldId="269"/>
-            <ac:spMk id="27" creationId="{001771D2-E6BF-4F29-849A-245DB97DEF3D}"/>
-          </ac:spMkLst>
-        </pc:spChg>
-        <pc:spChg chg="add mod">
-          <ac:chgData name="kaihua tang" userId="22376ffad72c4b64" providerId="LiveId" clId="{CE9B0419-8561-4196-9FDB-B85F086EC084}" dt="2020-04-12T06:57:50.092" v="1990" actId="1037"/>
-          <ac:spMkLst>
-            <pc:docMk/>
-            <pc:sldMk cId="3947148600" sldId="269"/>
-            <ac:spMk id="28" creationId="{713BF640-E141-44CF-9321-AAB29082CF34}"/>
-          </ac:spMkLst>
-        </pc:spChg>
-      </pc:sldChg>
-      <pc:sldChg chg="add del">
-        <pc:chgData name="kaihua tang" userId="22376ffad72c4b64" providerId="LiveId" clId="{CE9B0419-8561-4196-9FDB-B85F086EC084}" dt="2020-04-12T07:03:03.373" v="2199" actId="47"/>
-        <pc:sldMkLst>
-          <pc:docMk/>
-          <pc:sldMk cId="147719612" sldId="270"/>
-        </pc:sldMkLst>
-      </pc:sldChg>
-      <pc:sldChg chg="modSp add del">
-        <pc:chgData name="kaihua tang" userId="22376ffad72c4b64" providerId="LiveId" clId="{CE9B0419-8561-4196-9FDB-B85F086EC084}" dt="2020-04-13T03:22:05.537" v="4419" actId="47"/>
-        <pc:sldMkLst>
-          <pc:docMk/>
-          <pc:sldMk cId="874340738" sldId="270"/>
-        </pc:sldMkLst>
-        <pc:spChg chg="mod">
-          <ac:chgData name="kaihua tang" userId="22376ffad72c4b64" providerId="LiveId" clId="{CE9B0419-8561-4196-9FDB-B85F086EC084}" dt="2020-04-12T11:48:48.386" v="2222"/>
-          <ac:spMkLst>
-            <pc:docMk/>
-            <pc:sldMk cId="874340738" sldId="270"/>
-            <ac:spMk id="3" creationId="{D86AC0E6-91D3-4E2C-BAE7-1FC17922CA5A}"/>
-          </ac:spMkLst>
-        </pc:spChg>
-      </pc:sldChg>
-      <pc:sldChg chg="addSp modSp add modAnim modNotesTx">
-        <pc:chgData name="kaihua tang" userId="22376ffad72c4b64" providerId="LiveId" clId="{CE9B0419-8561-4196-9FDB-B85F086EC084}" dt="2020-04-14T14:32:10.326" v="19611" actId="20577"/>
-        <pc:sldMkLst>
-          <pc:docMk/>
-          <pc:sldMk cId="2016446263" sldId="271"/>
-        </pc:sldMkLst>
-        <pc:spChg chg="mod">
-          <ac:chgData name="kaihua tang" userId="22376ffad72c4b64" providerId="LiveId" clId="{CE9B0419-8561-4196-9FDB-B85F086EC084}" dt="2020-04-12T07:03:52.364" v="2208" actId="20577"/>
-          <ac:spMkLst>
-            <pc:docMk/>
-            <pc:sldMk cId="2016446263" sldId="271"/>
-            <ac:spMk id="2" creationId="{F52CDC3C-0D2C-4D66-BD88-4061CF791F13}"/>
-          </ac:spMkLst>
-        </pc:spChg>
-        <pc:spChg chg="mod">
-          <ac:chgData name="kaihua tang" userId="22376ffad72c4b64" providerId="LiveId" clId="{CE9B0419-8561-4196-9FDB-B85F086EC084}" dt="2020-04-12T11:53:17.755" v="2367" actId="20577"/>
-          <ac:spMkLst>
-            <pc:docMk/>
-            <pc:sldMk cId="2016446263" sldId="271"/>
-            <ac:spMk id="3" creationId="{DC2C378D-5944-4EEE-9D80-1785A821BB37}"/>
-          </ac:spMkLst>
-        </pc:spChg>
-        <pc:spChg chg="add">
-          <ac:chgData name="kaihua tang" userId="22376ffad72c4b64" providerId="LiveId" clId="{CE9B0419-8561-4196-9FDB-B85F086EC084}" dt="2020-04-12T11:51:24.130" v="2281"/>
-          <ac:spMkLst>
-            <pc:docMk/>
-            <pc:sldMk cId="2016446263" sldId="271"/>
-            <ac:spMk id="5" creationId="{608EBA4B-4037-4D8E-A76E-58AF655E865E}"/>
-          </ac:spMkLst>
-        </pc:spChg>
-        <pc:spChg chg="add">
-          <ac:chgData name="kaihua tang" userId="22376ffad72c4b64" providerId="LiveId" clId="{CE9B0419-8561-4196-9FDB-B85F086EC084}" dt="2020-04-12T11:51:24.130" v="2281"/>
-          <ac:spMkLst>
-            <pc:docMk/>
-            <pc:sldMk cId="2016446263" sldId="271"/>
-            <ac:spMk id="7" creationId="{DA097277-D591-49E2-84A3-A8FE4082E489}"/>
-          </ac:spMkLst>
-        </pc:spChg>
-        <pc:spChg chg="add">
-          <ac:chgData name="kaihua tang" userId="22376ffad72c4b64" providerId="LiveId" clId="{CE9B0419-8561-4196-9FDB-B85F086EC084}" dt="2020-04-12T11:51:24.130" v="2281"/>
-          <ac:spMkLst>
-            <pc:docMk/>
-            <pc:sldMk cId="2016446263" sldId="271"/>
-            <ac:spMk id="9" creationId="{DAA47863-7547-4F3C-909B-0388E2A7A281}"/>
-          </ac:spMkLst>
-        </pc:spChg>
-        <pc:spChg chg="add mod">
-          <ac:chgData name="kaihua tang" userId="22376ffad72c4b64" providerId="LiveId" clId="{CE9B0419-8561-4196-9FDB-B85F086EC084}" dt="2020-04-12T11:51:57.986" v="2285" actId="1076"/>
-          <ac:spMkLst>
-            <pc:docMk/>
-            <pc:sldMk cId="2016446263" sldId="271"/>
-            <ac:spMk id="10" creationId="{BAD8235E-05BD-48D0-972E-4E84232CE163}"/>
-          </ac:spMkLst>
-        </pc:spChg>
-        <pc:spChg chg="add mod">
-          <ac:chgData name="kaihua tang" userId="22376ffad72c4b64" providerId="LiveId" clId="{CE9B0419-8561-4196-9FDB-B85F086EC084}" dt="2020-04-12T11:52:11.035" v="2289" actId="1076"/>
-          <ac:spMkLst>
-            <pc:docMk/>
-            <pc:sldMk cId="2016446263" sldId="271"/>
-            <ac:spMk id="11" creationId="{BCD5F7DB-6D2B-4C1E-8907-01DC8E681694}"/>
-          </ac:spMkLst>
-        </pc:spChg>
-        <pc:picChg chg="add">
-          <ac:chgData name="kaihua tang" userId="22376ffad72c4b64" providerId="LiveId" clId="{CE9B0419-8561-4196-9FDB-B85F086EC084}" dt="2020-04-12T11:51:24.130" v="2281"/>
-          <ac:picMkLst>
-            <pc:docMk/>
-            <pc:sldMk cId="2016446263" sldId="271"/>
-            <ac:picMk id="4" creationId="{91B944C8-9018-4BE4-B19D-888DD3D7FA2F}"/>
-          </ac:picMkLst>
-        </pc:picChg>
-        <pc:picChg chg="add">
-          <ac:chgData name="kaihua tang" userId="22376ffad72c4b64" providerId="LiveId" clId="{CE9B0419-8561-4196-9FDB-B85F086EC084}" dt="2020-04-12T11:51:24.130" v="2281"/>
-          <ac:picMkLst>
-            <pc:docMk/>
-            <pc:sldMk cId="2016446263" sldId="271"/>
-            <ac:picMk id="6" creationId="{23907D83-1E32-4D7F-977F-2E9BB3B33464}"/>
-          </ac:picMkLst>
-        </pc:picChg>
-        <pc:picChg chg="add">
-          <ac:chgData name="kaihua tang" userId="22376ffad72c4b64" providerId="LiveId" clId="{CE9B0419-8561-4196-9FDB-B85F086EC084}" dt="2020-04-12T11:51:24.130" v="2281"/>
-          <ac:picMkLst>
-            <pc:docMk/>
-            <pc:sldMk cId="2016446263" sldId="271"/>
-            <ac:picMk id="8" creationId="{D7CFE42E-6B1E-4A39-BF42-D33569DC7739}"/>
-          </ac:picMkLst>
-        </pc:picChg>
-      </pc:sldChg>
-      <pc:sldChg chg="modSp add modAnim modNotesTx">
-        <pc:chgData name="kaihua tang" userId="22376ffad72c4b64" providerId="LiveId" clId="{CE9B0419-8561-4196-9FDB-B85F086EC084}" dt="2020-04-13T15:25:15.932" v="10759" actId="20577"/>
-        <pc:sldMkLst>
-          <pc:docMk/>
-          <pc:sldMk cId="2108765056" sldId="272"/>
-        </pc:sldMkLst>
-        <pc:spChg chg="mod">
-          <ac:chgData name="kaihua tang" userId="22376ffad72c4b64" providerId="LiveId" clId="{CE9B0419-8561-4196-9FDB-B85F086EC084}" dt="2020-04-12T16:46:27.249" v="3884" actId="14100"/>
-          <ac:spMkLst>
-            <pc:docMk/>
-            <pc:sldMk cId="2108765056" sldId="272"/>
-            <ac:spMk id="3" creationId="{EB28E40D-DE96-4D0E-8723-A63B9EBCAEC8}"/>
-          </ac:spMkLst>
-        </pc:spChg>
-        <pc:spChg chg="mod">
-          <ac:chgData name="kaihua tang" userId="22376ffad72c4b64" providerId="LiveId" clId="{CE9B0419-8561-4196-9FDB-B85F086EC084}" dt="2020-04-12T16:46:24.569" v="3883" actId="14100"/>
-          <ac:spMkLst>
-            <pc:docMk/>
-            <pc:sldMk cId="2108765056" sldId="272"/>
-            <ac:spMk id="4" creationId="{6C6EBABA-A794-46E7-946E-F891B40B5C4E}"/>
-          </ac:spMkLst>
-        </pc:spChg>
-      </pc:sldChg>
-      <pc:sldChg chg="addSp delSp modSp add del">
-        <pc:chgData name="kaihua tang" userId="22376ffad72c4b64" providerId="LiveId" clId="{CE9B0419-8561-4196-9FDB-B85F086EC084}" dt="2020-04-12T12:19:41.296" v="2540" actId="47"/>
-        <pc:sldMkLst>
-          <pc:docMk/>
-          <pc:sldMk cId="3308350895" sldId="272"/>
-        </pc:sldMkLst>
-        <pc:spChg chg="mod">
-          <ac:chgData name="kaihua tang" userId="22376ffad72c4b64" providerId="LiveId" clId="{CE9B0419-8561-4196-9FDB-B85F086EC084}" dt="2020-04-12T12:03:07.419" v="2371"/>
-          <ac:spMkLst>
-            <pc:docMk/>
-            <pc:sldMk cId="3308350895" sldId="272"/>
-            <ac:spMk id="2" creationId="{4F8C9DD9-B1E4-4574-9130-E229D8700595}"/>
-          </ac:spMkLst>
-        </pc:spChg>
-        <pc:spChg chg="del">
-          <ac:chgData name="kaihua tang" userId="22376ffad72c4b64" providerId="LiveId" clId="{CE9B0419-8561-4196-9FDB-B85F086EC084}" dt="2020-04-12T12:04:01.610" v="2375"/>
-          <ac:spMkLst>
-            <pc:docMk/>
-            <pc:sldMk cId="3308350895" sldId="272"/>
-            <ac:spMk id="3" creationId="{A40704AB-F80B-4062-B1F7-A93A28338D60}"/>
-          </ac:spMkLst>
-        </pc:spChg>
-        <pc:spChg chg="add mod">
-          <ac:chgData name="kaihua tang" userId="22376ffad72c4b64" providerId="LiveId" clId="{CE9B0419-8561-4196-9FDB-B85F086EC084}" dt="2020-04-12T12:04:01.610" v="2375"/>
-          <ac:spMkLst>
-            <pc:docMk/>
-            <pc:sldMk cId="3308350895" sldId="272"/>
-            <ac:spMk id="4" creationId="{A861DDA9-3162-4227-AB13-08A4D3689E3C}"/>
-          </ac:spMkLst>
-        </pc:spChg>
-      </pc:sldChg>
-      <pc:sldChg chg="addSp modSp add modAnim modNotesTx">
-        <pc:chgData name="kaihua tang" userId="22376ffad72c4b64" providerId="LiveId" clId="{CE9B0419-8561-4196-9FDB-B85F086EC084}" dt="2020-04-14T14:34:18.120" v="19663" actId="20577"/>
-        <pc:sldMkLst>
-          <pc:docMk/>
-          <pc:sldMk cId="101318829" sldId="273"/>
-        </pc:sldMkLst>
-        <pc:spChg chg="add mod">
-          <ac:chgData name="kaihua tang" userId="22376ffad72c4b64" providerId="LiveId" clId="{CE9B0419-8561-4196-9FDB-B85F086EC084}" dt="2020-04-12T12:04:05.736" v="2376"/>
-          <ac:spMkLst>
-            <pc:docMk/>
-            <pc:sldMk cId="101318829" sldId="273"/>
-            <ac:spMk id="4" creationId="{06878BB6-8B9F-49EA-A25F-F72D18707F29}"/>
-          </ac:spMkLst>
-        </pc:spChg>
-        <pc:spChg chg="mod">
-          <ac:chgData name="kaihua tang" userId="22376ffad72c4b64" providerId="LiveId" clId="{CE9B0419-8561-4196-9FDB-B85F086EC084}" dt="2020-04-12T12:03:57.419" v="2374" actId="1076"/>
-          <ac:spMkLst>
-            <pc:docMk/>
-            <pc:sldMk cId="101318829" sldId="273"/>
-            <ac:spMk id="5" creationId="{487F2E47-43F7-4B2A-814A-95A2FE1F5049}"/>
-          </ac:spMkLst>
-        </pc:spChg>
-        <pc:grpChg chg="mod">
-          <ac:chgData name="kaihua tang" userId="22376ffad72c4b64" providerId="LiveId" clId="{CE9B0419-8561-4196-9FDB-B85F086EC084}" dt="2020-04-12T12:03:57.419" v="2374" actId="1076"/>
-          <ac:grpSpMkLst>
-            <pc:docMk/>
-            <pc:sldMk cId="101318829" sldId="273"/>
-            <ac:grpSpMk id="10" creationId="{5F23E346-5088-4823-BDA1-40D9B006EB12}"/>
-          </ac:grpSpMkLst>
-        </pc:grpChg>
-        <pc:grpChg chg="mod">
-          <ac:chgData name="kaihua tang" userId="22376ffad72c4b64" providerId="LiveId" clId="{CE9B0419-8561-4196-9FDB-B85F086EC084}" dt="2020-04-12T12:03:57.419" v="2374" actId="1076"/>
-          <ac:grpSpMkLst>
-            <pc:docMk/>
-            <pc:sldMk cId="101318829" sldId="273"/>
-            <ac:grpSpMk id="11" creationId="{4C3AA67E-3DDB-457E-91B8-78DF56AE40B6}"/>
-          </ac:grpSpMkLst>
-        </pc:grpChg>
-        <pc:grpChg chg="mod">
-          <ac:chgData name="kaihua tang" userId="22376ffad72c4b64" providerId="LiveId" clId="{CE9B0419-8561-4196-9FDB-B85F086EC084}" dt="2020-04-12T12:03:57.419" v="2374" actId="1076"/>
-          <ac:grpSpMkLst>
-            <pc:docMk/>
-            <pc:sldMk cId="101318829" sldId="273"/>
-            <ac:grpSpMk id="12" creationId="{389FFE14-2DBA-40D6-8AE4-617185655E91}"/>
-          </ac:grpSpMkLst>
-        </pc:grpChg>
-        <pc:grpChg chg="mod">
-          <ac:chgData name="kaihua tang" userId="22376ffad72c4b64" providerId="LiveId" clId="{CE9B0419-8561-4196-9FDB-B85F086EC084}" dt="2020-04-12T12:03:57.419" v="2374" actId="1076"/>
-          <ac:grpSpMkLst>
-            <pc:docMk/>
-            <pc:sldMk cId="101318829" sldId="273"/>
-            <ac:grpSpMk id="22" creationId="{27B34842-8B57-4073-BEA2-07CB136B455B}"/>
-          </ac:grpSpMkLst>
-        </pc:grpChg>
-        <pc:picChg chg="mod">
-          <ac:chgData name="kaihua tang" userId="22376ffad72c4b64" providerId="LiveId" clId="{CE9B0419-8561-4196-9FDB-B85F086EC084}" dt="2020-04-12T12:03:57.419" v="2374" actId="1076"/>
-          <ac:picMkLst>
-            <pc:docMk/>
-            <pc:sldMk cId="101318829" sldId="273"/>
-            <ac:picMk id="3" creationId="{7B2ACB0F-A855-407F-85C0-A1844E78571D}"/>
-          </ac:picMkLst>
-        </pc:picChg>
-      </pc:sldChg>
-      <pc:sldChg chg="addSp modSp add modNotesTx">
-        <pc:chgData name="kaihua tang" userId="22376ffad72c4b64" providerId="LiveId" clId="{CE9B0419-8561-4196-9FDB-B85F086EC084}" dt="2020-04-14T14:28:53.861" v="19483" actId="5793"/>
-        <pc:sldMkLst>
-          <pc:docMk/>
-          <pc:sldMk cId="2234235777" sldId="274"/>
-        </pc:sldMkLst>
-        <pc:spChg chg="mod">
-          <ac:chgData name="kaihua tang" userId="22376ffad72c4b64" providerId="LiveId" clId="{CE9B0419-8561-4196-9FDB-B85F086EC084}" dt="2020-04-12T12:05:13.403" v="2404" actId="20577"/>
-          <ac:spMkLst>
-            <pc:docMk/>
-            <pc:sldMk cId="2234235777" sldId="274"/>
-            <ac:spMk id="2" creationId="{A6460565-4BDF-4657-B003-727A8985171B}"/>
-          </ac:spMkLst>
-        </pc:spChg>
-        <pc:spChg chg="mod">
-          <ac:chgData name="kaihua tang" userId="22376ffad72c4b64" providerId="LiveId" clId="{CE9B0419-8561-4196-9FDB-B85F086EC084}" dt="2020-04-12T12:08:21.370" v="2476" actId="20577"/>
-          <ac:spMkLst>
-            <pc:docMk/>
-            <pc:sldMk cId="2234235777" sldId="274"/>
-            <ac:spMk id="3" creationId="{C7AA2FD6-9336-49B8-A42F-47EDDB178CE1}"/>
-          </ac:spMkLst>
-        </pc:spChg>
-        <pc:spChg chg="add mod">
-          <ac:chgData name="kaihua tang" userId="22376ffad72c4b64" providerId="LiveId" clId="{CE9B0419-8561-4196-9FDB-B85F086EC084}" dt="2020-04-12T12:06:38.850" v="2406" actId="1076"/>
-          <ac:spMkLst>
-            <pc:docMk/>
-            <pc:sldMk cId="2234235777" sldId="274"/>
-            <ac:spMk id="5" creationId="{F8AF0E03-3929-4DF6-8031-F0E0F197638C}"/>
-          </ac:spMkLst>
-        </pc:spChg>
-        <pc:spChg chg="add mod">
-          <ac:chgData name="kaihua tang" userId="22376ffad72c4b64" providerId="LiveId" clId="{CE9B0419-8561-4196-9FDB-B85F086EC084}" dt="2020-04-12T12:06:38.850" v="2406" actId="1076"/>
-          <ac:spMkLst>
-            <pc:docMk/>
-            <pc:sldMk cId="2234235777" sldId="274"/>
-            <ac:spMk id="6" creationId="{5F8D4FED-6559-44B1-B9F8-4C0EE97ECEA1}"/>
-          </ac:spMkLst>
-        </pc:spChg>
-        <pc:spChg chg="add mod">
-          <ac:chgData name="kaihua tang" userId="22376ffad72c4b64" providerId="LiveId" clId="{CE9B0419-8561-4196-9FDB-B85F086EC084}" dt="2020-04-12T12:06:38.850" v="2406" actId="1076"/>
-          <ac:spMkLst>
-            <pc:docMk/>
-            <pc:sldMk cId="2234235777" sldId="274"/>
-            <ac:spMk id="7" creationId="{75C10423-B834-4F0F-B0A5-5F49EEADF983}"/>
-          </ac:spMkLst>
-        </pc:spChg>
-        <pc:spChg chg="add mod">
-          <ac:chgData name="kaihua tang" userId="22376ffad72c4b64" providerId="LiveId" clId="{CE9B0419-8561-4196-9FDB-B85F086EC084}" dt="2020-04-12T12:06:38.850" v="2406" actId="1076"/>
-          <ac:spMkLst>
-            <pc:docMk/>
-            <pc:sldMk cId="2234235777" sldId="274"/>
-            <ac:spMk id="8" creationId="{298AABC7-710F-41C6-8EB0-6F821CB3E040}"/>
-          </ac:spMkLst>
-        </pc:spChg>
-        <pc:spChg chg="add mod">
-          <ac:chgData name="kaihua tang" userId="22376ffad72c4b64" providerId="LiveId" clId="{CE9B0419-8561-4196-9FDB-B85F086EC084}" dt="2020-04-12T12:06:38.850" v="2406" actId="1076"/>
-          <ac:spMkLst>
-            <pc:docMk/>
-            <pc:sldMk cId="2234235777" sldId="274"/>
-            <ac:spMk id="9" creationId="{67F77AFD-42E8-4DCA-B9A9-437018405522}"/>
-          </ac:spMkLst>
-        </pc:spChg>
-        <pc:spChg chg="add mod">
-          <ac:chgData name="kaihua tang" userId="22376ffad72c4b64" providerId="LiveId" clId="{CE9B0419-8561-4196-9FDB-B85F086EC084}" dt="2020-04-12T12:06:38.850" v="2406" actId="1076"/>
-          <ac:spMkLst>
-            <pc:docMk/>
-            <pc:sldMk cId="2234235777" sldId="274"/>
-            <ac:spMk id="10" creationId="{163D7C91-4B15-4DE5-9802-29CD06529F45}"/>
-          </ac:spMkLst>
-        </pc:spChg>
-        <pc:spChg chg="add mod">
-          <ac:chgData name="kaihua tang" userId="22376ffad72c4b64" providerId="LiveId" clId="{CE9B0419-8561-4196-9FDB-B85F086EC084}" dt="2020-04-12T12:06:38.850" v="2406" actId="1076"/>
-          <ac:spMkLst>
-            <pc:docMk/>
-            <pc:sldMk cId="2234235777" sldId="274"/>
-            <ac:spMk id="11" creationId="{DB824A7F-A35C-4445-88A5-469E33B4C8F8}"/>
-          </ac:spMkLst>
-        </pc:spChg>
-        <pc:spChg chg="add mod">
-          <ac:chgData name="kaihua tang" userId="22376ffad72c4b64" providerId="LiveId" clId="{CE9B0419-8561-4196-9FDB-B85F086EC084}" dt="2020-04-12T12:13:57.426" v="2526" actId="20577"/>
-          <ac:spMkLst>
-            <pc:docMk/>
-            <pc:sldMk cId="2234235777" sldId="274"/>
-            <ac:spMk id="12" creationId="{CCEAAE54-3307-47DE-9F05-020A8386CDE0}"/>
-          </ac:spMkLst>
-        </pc:spChg>
-        <pc:picChg chg="add mod">
-          <ac:chgData name="kaihua tang" userId="22376ffad72c4b64" providerId="LiveId" clId="{CE9B0419-8561-4196-9FDB-B85F086EC084}" dt="2020-04-12T12:06:38.850" v="2406" actId="1076"/>
-          <ac:picMkLst>
-            <pc:docMk/>
-            <pc:sldMk cId="2234235777" sldId="274"/>
-            <ac:picMk id="4" creationId="{704AE255-21F1-4940-BA59-C6A128930515}"/>
-          </ac:picMkLst>
-        </pc:picChg>
-      </pc:sldChg>
-      <pc:sldChg chg="addSp delSp modSp add modNotesTx">
-        <pc:chgData name="kaihua tang" userId="22376ffad72c4b64" providerId="LiveId" clId="{CE9B0419-8561-4196-9FDB-B85F086EC084}" dt="2020-04-14T05:22:22.685" v="16193" actId="20577"/>
-        <pc:sldMkLst>
-          <pc:docMk/>
-          <pc:sldMk cId="3513435067" sldId="275"/>
-        </pc:sldMkLst>
-        <pc:spChg chg="del">
-          <ac:chgData name="kaihua tang" userId="22376ffad72c4b64" providerId="LiveId" clId="{CE9B0419-8561-4196-9FDB-B85F086EC084}" dt="2020-04-12T12:08:47.192" v="2478"/>
-          <ac:spMkLst>
-            <pc:docMk/>
-            <pc:sldMk cId="3513435067" sldId="275"/>
-            <ac:spMk id="2" creationId="{4F7FDD12-6373-437E-BCF9-D03FDE52EE9C}"/>
-          </ac:spMkLst>
-        </pc:spChg>
-        <pc:spChg chg="del">
-          <ac:chgData name="kaihua tang" userId="22376ffad72c4b64" providerId="LiveId" clId="{CE9B0419-8561-4196-9FDB-B85F086EC084}" dt="2020-04-12T12:17:13.922" v="2528" actId="478"/>
-          <ac:spMkLst>
-            <pc:docMk/>
-            <pc:sldMk cId="3513435067" sldId="275"/>
-            <ac:spMk id="3" creationId="{C7787686-FE8D-4B71-9AF8-E29C48734680}"/>
-          </ac:spMkLst>
-        </pc:spChg>
-        <pc:spChg chg="add mod">
-          <ac:chgData name="kaihua tang" userId="22376ffad72c4b64" providerId="LiveId" clId="{CE9B0419-8561-4196-9FDB-B85F086EC084}" dt="2020-04-12T12:09:05.332" v="2496" actId="20577"/>
-          <ac:spMkLst>
-            <pc:docMk/>
-            <pc:sldMk cId="3513435067" sldId="275"/>
-            <ac:spMk id="4" creationId="{46B53FEA-26C8-470B-A511-0C2D1951532B}"/>
-          </ac:spMkLst>
-        </pc:spChg>
-        <pc:spChg chg="add mod">
-          <ac:chgData name="kaihua tang" userId="22376ffad72c4b64" providerId="LiveId" clId="{CE9B0419-8561-4196-9FDB-B85F086EC084}" dt="2020-04-12T12:10:46.745" v="2520" actId="1076"/>
-          <ac:spMkLst>
-            <pc:docMk/>
-            <pc:sldMk cId="3513435067" sldId="275"/>
-            <ac:spMk id="5" creationId="{A2667DCB-D671-46AC-9514-FDB6783AA665}"/>
-          </ac:spMkLst>
-        </pc:spChg>
-        <pc:picChg chg="add mod">
-          <ac:chgData name="kaihua tang" userId="22376ffad72c4b64" providerId="LiveId" clId="{CE9B0419-8561-4196-9FDB-B85F086EC084}" dt="2020-04-12T12:25:46.345" v="2624" actId="1076"/>
-          <ac:picMkLst>
-            <pc:docMk/>
-            <pc:sldMk cId="3513435067" sldId="275"/>
-            <ac:picMk id="6" creationId="{AA0FE39C-5C1E-4A29-B82C-1C417C9D63C1}"/>
-          </ac:picMkLst>
-        </pc:picChg>
-        <pc:picChg chg="add mod">
-          <ac:chgData name="kaihua tang" userId="22376ffad72c4b64" providerId="LiveId" clId="{CE9B0419-8561-4196-9FDB-B85F086EC084}" dt="2020-04-12T12:18:35.289" v="2537" actId="1076"/>
-          <ac:picMkLst>
-            <pc:docMk/>
-            <pc:sldMk cId="3513435067" sldId="275"/>
-            <ac:picMk id="7" creationId="{84B7D006-4ED8-48D2-85F8-24C485B77A9A}"/>
-          </ac:picMkLst>
-        </pc:picChg>
-      </pc:sldChg>
-      <pc:sldChg chg="modSp add del">
-        <pc:chgData name="kaihua tang" userId="22376ffad72c4b64" providerId="LiveId" clId="{CE9B0419-8561-4196-9FDB-B85F086EC084}" dt="2020-04-14T14:45:44.740" v="19738" actId="47"/>
-        <pc:sldMkLst>
-          <pc:docMk/>
-          <pc:sldMk cId="2772890113" sldId="276"/>
-        </pc:sldMkLst>
-        <pc:picChg chg="mod">
-          <ac:chgData name="kaihua tang" userId="22376ffad72c4b64" providerId="LiveId" clId="{CE9B0419-8561-4196-9FDB-B85F086EC084}" dt="2020-04-12T12:19:22.186" v="2539" actId="1076"/>
-          <ac:picMkLst>
-            <pc:docMk/>
-            <pc:sldMk cId="2772890113" sldId="276"/>
-            <ac:picMk id="10" creationId="{516994F8-418B-4944-A97B-84B75B6DC395}"/>
-          </ac:picMkLst>
-        </pc:picChg>
-      </pc:sldChg>
-      <pc:sldChg chg="addSp modSp add modAnim modNotesTx">
-        <pc:chgData name="kaihua tang" userId="22376ffad72c4b64" providerId="LiveId" clId="{CE9B0419-8561-4196-9FDB-B85F086EC084}" dt="2020-04-14T14:35:53.389" v="19685" actId="20577"/>
-        <pc:sldMkLst>
-          <pc:docMk/>
-          <pc:sldMk cId="2655690936" sldId="277"/>
-        </pc:sldMkLst>
-        <pc:spChg chg="add mod">
-          <ac:chgData name="kaihua tang" userId="22376ffad72c4b64" providerId="LiveId" clId="{CE9B0419-8561-4196-9FDB-B85F086EC084}" dt="2020-04-12T12:21:03.374" v="2542"/>
-          <ac:spMkLst>
-            <pc:docMk/>
-            <pc:sldMk cId="2655690936" sldId="277"/>
-            <ac:spMk id="3" creationId="{B5DD4A4D-9F8E-453C-9526-C25581E7081B}"/>
-          </ac:spMkLst>
-        </pc:spChg>
-      </pc:sldChg>
-      <pc:sldChg chg="addSp delSp modSp add addAnim delAnim modAnim modNotesTx">
-        <pc:chgData name="kaihua tang" userId="22376ffad72c4b64" providerId="LiveId" clId="{CE9B0419-8561-4196-9FDB-B85F086EC084}" dt="2020-04-14T07:56:00.001" v="17901" actId="1076"/>
-        <pc:sldMkLst>
-          <pc:docMk/>
-          <pc:sldMk cId="1539338024" sldId="278"/>
-        </pc:sldMkLst>
-        <pc:spChg chg="add del mod">
-          <ac:chgData name="kaihua tang" userId="22376ffad72c4b64" providerId="LiveId" clId="{CE9B0419-8561-4196-9FDB-B85F086EC084}" dt="2020-04-14T07:55:31.865" v="17893" actId="478"/>
-          <ac:spMkLst>
-            <pc:docMk/>
-            <pc:sldMk cId="1539338024" sldId="278"/>
-            <ac:spMk id="3" creationId="{4E5A1453-8BCE-49A4-B871-56D79DB0F2C7}"/>
-          </ac:spMkLst>
-        </pc:spChg>
-        <pc:spChg chg="add del">
-          <ac:chgData name="kaihua tang" userId="22376ffad72c4b64" providerId="LiveId" clId="{CE9B0419-8561-4196-9FDB-B85F086EC084}" dt="2020-04-14T07:55:29.776" v="17892" actId="478"/>
-          <ac:spMkLst>
-            <pc:docMk/>
-            <pc:sldMk cId="1539338024" sldId="278"/>
-            <ac:spMk id="9" creationId="{9827998D-AE54-4250-A659-CE84A82BDED1}"/>
-          </ac:spMkLst>
-        </pc:spChg>
-        <pc:picChg chg="mod">
-          <ac:chgData name="kaihua tang" userId="22376ffad72c4b64" providerId="LiveId" clId="{CE9B0419-8561-4196-9FDB-B85F086EC084}" dt="2020-04-14T07:56:00.001" v="17901" actId="1076"/>
-          <ac:picMkLst>
-            <pc:docMk/>
-            <pc:sldMk cId="1539338024" sldId="278"/>
-            <ac:picMk id="15" creationId="{1FB67762-38A7-4782-B1E4-DF4EA4B790EF}"/>
-          </ac:picMkLst>
-        </pc:picChg>
-      </pc:sldChg>
-      <pc:sldChg chg="modSp add modNotesTx">
-        <pc:chgData name="kaihua tang" userId="22376ffad72c4b64" providerId="LiveId" clId="{CE9B0419-8561-4196-9FDB-B85F086EC084}" dt="2020-04-14T14:44:47.933" v="19735" actId="20577"/>
-        <pc:sldMkLst>
-          <pc:docMk/>
-          <pc:sldMk cId="3025595293" sldId="285"/>
-        </pc:sldMkLst>
-        <pc:graphicFrameChg chg="mod">
-          <ac:chgData name="kaihua tang" userId="22376ffad72c4b64" providerId="LiveId" clId="{CE9B0419-8561-4196-9FDB-B85F086EC084}" dt="2020-04-12T12:49:14.479" v="2765" actId="1076"/>
-          <ac:graphicFrameMkLst>
-            <pc:docMk/>
-            <pc:sldMk cId="3025595293" sldId="285"/>
-            <ac:graphicFrameMk id="6" creationId="{63095A23-3315-425F-B66F-4CB27447DD0D}"/>
-          </ac:graphicFrameMkLst>
-        </pc:graphicFrameChg>
-      </pc:sldChg>
-      <pc:sldChg chg="modSp add modNotesTx">
-        <pc:chgData name="kaihua tang" userId="22376ffad72c4b64" providerId="LiveId" clId="{CE9B0419-8561-4196-9FDB-B85F086EC084}" dt="2020-04-14T14:37:38.661" v="19715" actId="20577"/>
-        <pc:sldMkLst>
-          <pc:docMk/>
-          <pc:sldMk cId="2915492888" sldId="294"/>
-        </pc:sldMkLst>
-        <pc:spChg chg="mod">
-          <ac:chgData name="kaihua tang" userId="22376ffad72c4b64" providerId="LiveId" clId="{CE9B0419-8561-4196-9FDB-B85F086EC084}" dt="2020-04-12T12:21:55.361" v="2549" actId="1076"/>
-          <ac:spMkLst>
-            <pc:docMk/>
-            <pc:sldMk cId="2915492888" sldId="294"/>
-            <ac:spMk id="5" creationId="{5039696B-DC7F-47BF-98A1-BCC07874C286}"/>
-          </ac:spMkLst>
-        </pc:spChg>
-        <pc:picChg chg="mod">
-          <ac:chgData name="kaihua tang" userId="22376ffad72c4b64" providerId="LiveId" clId="{CE9B0419-8561-4196-9FDB-B85F086EC084}" dt="2020-04-12T12:22:40.865" v="2550" actId="1076"/>
-          <ac:picMkLst>
-            <pc:docMk/>
-            <pc:sldMk cId="2915492888" sldId="294"/>
-            <ac:picMk id="4" creationId="{70AC865D-4711-4EDF-8D11-E488557458E9}"/>
-          </ac:picMkLst>
-        </pc:picChg>
-      </pc:sldChg>
-      <pc:sldChg chg="addSp modSp add modAnim modNotesTx">
-        <pc:chgData name="kaihua tang" userId="22376ffad72c4b64" providerId="LiveId" clId="{CE9B0419-8561-4196-9FDB-B85F086EC084}" dt="2020-04-14T16:09:15.509" v="20372" actId="20577"/>
-        <pc:sldMkLst>
-          <pc:docMk/>
-          <pc:sldMk cId="3778937634" sldId="295"/>
-        </pc:sldMkLst>
-        <pc:spChg chg="add mod">
-          <ac:chgData name="kaihua tang" userId="22376ffad72c4b64" providerId="LiveId" clId="{CE9B0419-8561-4196-9FDB-B85F086EC084}" dt="2020-04-12T12:23:06.297" v="2552"/>
-          <ac:spMkLst>
-            <pc:docMk/>
-            <pc:sldMk cId="3778937634" sldId="295"/>
-            <ac:spMk id="7" creationId="{C70B5A54-A161-42AF-92FC-5C679D42A36F}"/>
-          </ac:spMkLst>
-        </pc:spChg>
-      </pc:sldChg>
-      <pc:sldChg chg="addSp modSp add modNotesTx">
-        <pc:chgData name="kaihua tang" userId="22376ffad72c4b64" providerId="LiveId" clId="{CE9B0419-8561-4196-9FDB-B85F086EC084}" dt="2020-04-13T15:24:35.671" v="10743" actId="20577"/>
-        <pc:sldMkLst>
-          <pc:docMk/>
-          <pc:sldMk cId="783336585" sldId="298"/>
-        </pc:sldMkLst>
-        <pc:spChg chg="mod">
-          <ac:chgData name="kaihua tang" userId="22376ffad72c4b64" providerId="LiveId" clId="{CE9B0419-8561-4196-9FDB-B85F086EC084}" dt="2020-04-12T12:26:52.824" v="2668" actId="14100"/>
-          <ac:spMkLst>
-            <pc:docMk/>
-            <pc:sldMk cId="783336585" sldId="298"/>
-            <ac:spMk id="2" creationId="{11FEBF47-62E2-48EE-81B7-B1ACED29D233}"/>
-          </ac:spMkLst>
-        </pc:spChg>
-        <pc:spChg chg="add mod">
-          <ac:chgData name="kaihua tang" userId="22376ffad72c4b64" providerId="LiveId" clId="{CE9B0419-8561-4196-9FDB-B85F086EC084}" dt="2020-04-12T12:26:57.907" v="2669"/>
-          <ac:spMkLst>
-            <pc:docMk/>
-            <pc:sldMk cId="783336585" sldId="298"/>
-            <ac:spMk id="3" creationId="{4472B3F4-7FE4-4316-ACEC-77BC2B94B317}"/>
-          </ac:spMkLst>
-        </pc:spChg>
-        <pc:spChg chg="mod">
-          <ac:chgData name="kaihua tang" userId="22376ffad72c4b64" providerId="LiveId" clId="{CE9B0419-8561-4196-9FDB-B85F086EC084}" dt="2020-04-12T12:29:54.577" v="2720" actId="20577"/>
-          <ac:spMkLst>
-            <pc:docMk/>
-            <pc:sldMk cId="783336585" sldId="298"/>
-            <ac:spMk id="73" creationId="{7CC92B66-AA5E-4D0B-A48A-7B301CF85AC0}"/>
-          </ac:spMkLst>
-        </pc:spChg>
-        <pc:spChg chg="mod">
-          <ac:chgData name="kaihua tang" userId="22376ffad72c4b64" providerId="LiveId" clId="{CE9B0419-8561-4196-9FDB-B85F086EC084}" dt="2020-04-13T15:23:46.364" v="10586" actId="20577"/>
-          <ac:spMkLst>
-            <pc:docMk/>
-            <pc:sldMk cId="783336585" sldId="298"/>
-            <ac:spMk id="74" creationId="{F516E5D0-D5A8-4FB4-8C00-5C712822B810}"/>
-          </ac:spMkLst>
-        </pc:spChg>
-      </pc:sldChg>
-      <pc:sldChg chg="add del ord">
-        <pc:chgData name="kaihua tang" userId="22376ffad72c4b64" providerId="LiveId" clId="{CE9B0419-8561-4196-9FDB-B85F086EC084}" dt="2020-04-12T12:28:10.259" v="2673" actId="47"/>
-        <pc:sldMkLst>
-          <pc:docMk/>
-          <pc:sldMk cId="1205282070" sldId="299"/>
-        </pc:sldMkLst>
-      </pc:sldChg>
-      <pc:sldChg chg="addSp modSp add ord modAnim modNotesTx">
-        <pc:chgData name="kaihua tang" userId="22376ffad72c4b64" providerId="LiveId" clId="{CE9B0419-8561-4196-9FDB-B85F086EC084}" dt="2020-04-14T14:42:18.549" v="19734" actId="20577"/>
-        <pc:sldMkLst>
-          <pc:docMk/>
-          <pc:sldMk cId="1211280162" sldId="299"/>
-        </pc:sldMkLst>
-        <pc:spChg chg="add mod">
-          <ac:chgData name="kaihua tang" userId="22376ffad72c4b64" providerId="LiveId" clId="{CE9B0419-8561-4196-9FDB-B85F086EC084}" dt="2020-04-12T12:28:22.482" v="2677"/>
-          <ac:spMkLst>
-            <pc:docMk/>
-            <pc:sldMk cId="1211280162" sldId="299"/>
-            <ac:spMk id="3" creationId="{C0B63CF0-5C26-41E8-BC3A-868571272D86}"/>
-          </ac:spMkLst>
-        </pc:spChg>
-      </pc:sldChg>
-      <pc:sldChg chg="add del">
-        <pc:chgData name="kaihua tang" userId="22376ffad72c4b64" providerId="LiveId" clId="{CE9B0419-8561-4196-9FDB-B85F086EC084}" dt="2020-04-12T12:31:46.674" v="2730" actId="47"/>
-        <pc:sldMkLst>
-          <pc:docMk/>
-          <pc:sldMk cId="111292254" sldId="300"/>
-        </pc:sldMkLst>
-      </pc:sldChg>
-      <pc:sldChg chg="modSp add">
-        <pc:chgData name="kaihua tang" userId="22376ffad72c4b64" providerId="LiveId" clId="{CE9B0419-8561-4196-9FDB-B85F086EC084}" dt="2020-04-13T02:47:19.136" v="3930" actId="1037"/>
-        <pc:sldMkLst>
-          <pc:docMk/>
-          <pc:sldMk cId="2969154670" sldId="300"/>
-        </pc:sldMkLst>
-        <pc:spChg chg="mod">
-          <ac:chgData name="kaihua tang" userId="22376ffad72c4b64" providerId="LiveId" clId="{CE9B0419-8561-4196-9FDB-B85F086EC084}" dt="2020-04-13T02:47:19.136" v="3930" actId="1037"/>
-          <ac:spMkLst>
-            <pc:docMk/>
-            <pc:sldMk cId="2969154670" sldId="300"/>
-            <ac:spMk id="7" creationId="{B476363F-D6DA-44D8-B56F-271A9A46661C}"/>
-          </ac:spMkLst>
-        </pc:spChg>
-        <pc:grpChg chg="mod">
-          <ac:chgData name="kaihua tang" userId="22376ffad72c4b64" providerId="LiveId" clId="{CE9B0419-8561-4196-9FDB-B85F086EC084}" dt="2020-04-13T02:47:19.136" v="3930" actId="1037"/>
-          <ac:grpSpMkLst>
-            <pc:docMk/>
-            <pc:sldMk cId="2969154670" sldId="300"/>
-            <ac:grpSpMk id="9" creationId="{5BD644EA-B3AE-4CCC-9595-505B8F5A8EAB}"/>
-          </ac:grpSpMkLst>
-        </pc:grpChg>
-        <pc:picChg chg="mod">
-          <ac:chgData name="kaihua tang" userId="22376ffad72c4b64" providerId="LiveId" clId="{CE9B0419-8561-4196-9FDB-B85F086EC084}" dt="2020-04-13T02:47:19.136" v="3930" actId="1037"/>
-          <ac:picMkLst>
-            <pc:docMk/>
-            <pc:sldMk cId="2969154670" sldId="300"/>
-            <ac:picMk id="6" creationId="{E838B6C2-4A2D-46DA-A0CC-8C73A0843D41}"/>
-          </ac:picMkLst>
-        </pc:picChg>
-        <pc:picChg chg="mod">
-          <ac:chgData name="kaihua tang" userId="22376ffad72c4b64" providerId="LiveId" clId="{CE9B0419-8561-4196-9FDB-B85F086EC084}" dt="2020-04-13T02:47:19.136" v="3930" actId="1037"/>
-          <ac:picMkLst>
-            <pc:docMk/>
-            <pc:sldMk cId="2969154670" sldId="300"/>
-            <ac:picMk id="8" creationId="{C892CC37-0758-4324-900E-9E1F06200FF4}"/>
-          </ac:picMkLst>
-        </pc:picChg>
-        <pc:picChg chg="mod">
-          <ac:chgData name="kaihua tang" userId="22376ffad72c4b64" providerId="LiveId" clId="{CE9B0419-8561-4196-9FDB-B85F086EC084}" dt="2020-04-13T02:47:19.136" v="3930" actId="1037"/>
-          <ac:picMkLst>
-            <pc:docMk/>
-            <pc:sldMk cId="2969154670" sldId="300"/>
-            <ac:picMk id="10" creationId="{E488F7D2-DD3E-4A3F-A664-3F8A6033BC3C}"/>
-          </ac:picMkLst>
-        </pc:picChg>
-        <pc:picChg chg="mod">
-          <ac:chgData name="kaihua tang" userId="22376ffad72c4b64" providerId="LiveId" clId="{CE9B0419-8561-4196-9FDB-B85F086EC084}" dt="2020-04-13T02:47:19.136" v="3930" actId="1037"/>
-          <ac:picMkLst>
-            <pc:docMk/>
-            <pc:sldMk cId="2969154670" sldId="300"/>
-            <ac:picMk id="11" creationId="{CEFC5B7D-73FE-43EC-9CF3-25949FF0515B}"/>
-          </ac:picMkLst>
-        </pc:picChg>
-      </pc:sldChg>
-      <pc:sldChg chg="add del">
-        <pc:chgData name="kaihua tang" userId="22376ffad72c4b64" providerId="LiveId" clId="{CE9B0419-8561-4196-9FDB-B85F086EC084}" dt="2020-04-12T12:49:50.798" v="2772" actId="47"/>
-        <pc:sldMkLst>
-          <pc:docMk/>
-          <pc:sldMk cId="17161091" sldId="301"/>
-        </pc:sldMkLst>
-      </pc:sldChg>
-      <pc:sldChg chg="modSp add del">
-        <pc:chgData name="kaihua tang" userId="22376ffad72c4b64" providerId="LiveId" clId="{CE9B0419-8561-4196-9FDB-B85F086EC084}" dt="2020-04-12T12:30:59.796" v="2725" actId="47"/>
-        <pc:sldMkLst>
-          <pc:docMk/>
-          <pc:sldMk cId="2969154670" sldId="301"/>
-        </pc:sldMkLst>
-        <pc:picChg chg="mod">
-          <ac:chgData name="kaihua tang" userId="22376ffad72c4b64" providerId="LiveId" clId="{CE9B0419-8561-4196-9FDB-B85F086EC084}" dt="2020-04-12T12:30:54.512" v="2724" actId="1076"/>
-          <ac:picMkLst>
-            <pc:docMk/>
-            <pc:sldMk cId="2969154670" sldId="301"/>
-            <ac:picMk id="6" creationId="{E838B6C2-4A2D-46DA-A0CC-8C73A0843D41}"/>
-          </ac:picMkLst>
-        </pc:picChg>
-      </pc:sldChg>
-      <pc:sldChg chg="addSp delSp modSp add del">
-        <pc:chgData name="kaihua tang" userId="22376ffad72c4b64" providerId="LiveId" clId="{CE9B0419-8561-4196-9FDB-B85F086EC084}" dt="2020-04-12T12:31:38.628" v="2729"/>
-        <pc:sldMkLst>
-          <pc:docMk/>
-          <pc:sldMk cId="3095596421" sldId="301"/>
-        </pc:sldMkLst>
-        <pc:spChg chg="add del mod">
-          <ac:chgData name="kaihua tang" userId="22376ffad72c4b64" providerId="LiveId" clId="{CE9B0419-8561-4196-9FDB-B85F086EC084}" dt="2020-04-12T12:31:38.062" v="2728"/>
-          <ac:spMkLst>
-            <pc:docMk/>
-            <pc:sldMk cId="3095596421" sldId="301"/>
-            <ac:spMk id="3" creationId="{FA8AB55B-1D8A-4468-BE0C-2A2C1FB05531}"/>
-          </ac:spMkLst>
-        </pc:spChg>
-      </pc:sldChg>
-      <pc:sldChg chg="addSp modSp add modAnim modNotesTx">
-        <pc:chgData name="kaihua tang" userId="22376ffad72c4b64" providerId="LiveId" clId="{CE9B0419-8561-4196-9FDB-B85F086EC084}" dt="2020-04-14T05:32:19.057" v="16337" actId="20577"/>
-        <pc:sldMkLst>
-          <pc:docMk/>
-          <pc:sldMk cId="296686184" sldId="302"/>
-        </pc:sldMkLst>
-        <pc:spChg chg="mod">
-          <ac:chgData name="kaihua tang" userId="22376ffad72c4b64" providerId="LiveId" clId="{CE9B0419-8561-4196-9FDB-B85F086EC084}" dt="2020-04-12T12:46:32.889" v="2749" actId="404"/>
-          <ac:spMkLst>
-            <pc:docMk/>
-            <pc:sldMk cId="296686184" sldId="302"/>
-            <ac:spMk id="2" creationId="{482AF39A-BDDC-44E5-8277-6A9B2C6A6B1B}"/>
-          </ac:spMkLst>
-        </pc:spChg>
-        <pc:spChg chg="add mod">
-          <ac:chgData name="kaihua tang" userId="22376ffad72c4b64" providerId="LiveId" clId="{CE9B0419-8561-4196-9FDB-B85F086EC084}" dt="2020-04-12T12:46:27.833" v="2747"/>
-          <ac:spMkLst>
-            <pc:docMk/>
-            <pc:sldMk cId="296686184" sldId="302"/>
-            <ac:spMk id="3" creationId="{3800F381-05E5-4F2A-B35D-7BE788A9B271}"/>
-          </ac:spMkLst>
-        </pc:spChg>
-      </pc:sldChg>
-      <pc:sldChg chg="modSp add modAnim modNotesTx">
-        <pc:chgData name="kaihua tang" userId="22376ffad72c4b64" providerId="LiveId" clId="{CE9B0419-8561-4196-9FDB-B85F086EC084}" dt="2020-04-14T05:33:43.841" v="16430" actId="20577"/>
-        <pc:sldMkLst>
-          <pc:docMk/>
-          <pc:sldMk cId="3988042930" sldId="303"/>
-        </pc:sldMkLst>
-        <pc:spChg chg="mod">
-          <ac:chgData name="kaihua tang" userId="22376ffad72c4b64" providerId="LiveId" clId="{CE9B0419-8561-4196-9FDB-B85F086EC084}" dt="2020-04-12T12:47:44.850" v="2755" actId="20577"/>
-          <ac:spMkLst>
-            <pc:docMk/>
-            <pc:sldMk cId="3988042930" sldId="303"/>
-            <ac:spMk id="3" creationId="{481B8BB8-76AF-4A2C-9605-75CBA093622B}"/>
-          </ac:spMkLst>
-        </pc:spChg>
-        <pc:spChg chg="mod">
-          <ac:chgData name="kaihua tang" userId="22376ffad72c4b64" providerId="LiveId" clId="{CE9B0419-8561-4196-9FDB-B85F086EC084}" dt="2020-04-12T12:48:16.560" v="2762" actId="14100"/>
-          <ac:spMkLst>
-            <pc:docMk/>
-            <pc:sldMk cId="3988042930" sldId="303"/>
-            <ac:spMk id="8" creationId="{93AF72DA-EC3B-41CD-A8CB-833C19BC856A}"/>
-          </ac:spMkLst>
-        </pc:spChg>
-        <pc:spChg chg="mod">
-          <ac:chgData name="kaihua tang" userId="22376ffad72c4b64" providerId="LiveId" clId="{CE9B0419-8561-4196-9FDB-B85F086EC084}" dt="2020-04-12T12:47:57.430" v="2759" actId="1076"/>
-          <ac:spMkLst>
-            <pc:docMk/>
-            <pc:sldMk cId="3988042930" sldId="303"/>
-            <ac:spMk id="13" creationId="{EA9CF6EE-2E06-4300-AF76-A7E43D285D8D}"/>
-          </ac:spMkLst>
-        </pc:spChg>
-        <pc:picChg chg="mod">
-          <ac:chgData name="kaihua tang" userId="22376ffad72c4b64" providerId="LiveId" clId="{CE9B0419-8561-4196-9FDB-B85F086EC084}" dt="2020-04-12T12:48:08.399" v="2760" actId="1076"/>
-          <ac:picMkLst>
-            <pc:docMk/>
-            <pc:sldMk cId="3988042930" sldId="303"/>
-            <ac:picMk id="12" creationId="{02C3AC38-9E8F-499F-BCDA-A057D2B4C099}"/>
-          </ac:picMkLst>
-        </pc:picChg>
-      </pc:sldChg>
-      <pc:sldChg chg="modSp add modNotesTx">
-        <pc:chgData name="kaihua tang" userId="22376ffad72c4b64" providerId="LiveId" clId="{CE9B0419-8561-4196-9FDB-B85F086EC084}" dt="2020-04-14T08:16:05.334" v="17995" actId="20577"/>
-        <pc:sldMkLst>
-          <pc:docMk/>
-          <pc:sldMk cId="1740295617" sldId="304"/>
-        </pc:sldMkLst>
-        <pc:spChg chg="mod">
-          <ac:chgData name="kaihua tang" userId="22376ffad72c4b64" providerId="LiveId" clId="{CE9B0419-8561-4196-9FDB-B85F086EC084}" dt="2020-04-12T12:49:44.447" v="2770" actId="1076"/>
-          <ac:spMkLst>
-            <pc:docMk/>
-            <pc:sldMk cId="1740295617" sldId="304"/>
-            <ac:spMk id="8" creationId="{F1CDB029-A281-403C-93CC-3E64B61D942B}"/>
-          </ac:spMkLst>
-        </pc:spChg>
-        <pc:graphicFrameChg chg="mod modGraphic">
-          <ac:chgData name="kaihua tang" userId="22376ffad72c4b64" providerId="LiveId" clId="{CE9B0419-8561-4196-9FDB-B85F086EC084}" dt="2020-04-12T12:49:47.679" v="2771" actId="1076"/>
-          <ac:graphicFrameMkLst>
-            <pc:docMk/>
-            <pc:sldMk cId="1740295617" sldId="304"/>
-            <ac:graphicFrameMk id="7" creationId="{D5774F35-4065-4A9E-A26D-26C0D2B9610D}"/>
-          </ac:graphicFrameMkLst>
-        </pc:graphicFrameChg>
-      </pc:sldChg>
-      <pc:sldChg chg="modSp add del">
-        <pc:chgData name="kaihua tang" userId="22376ffad72c4b64" providerId="LiveId" clId="{CE9B0419-8561-4196-9FDB-B85F086EC084}" dt="2020-04-13T03:22:20.402" v="4423" actId="47"/>
-        <pc:sldMkLst>
-          <pc:docMk/>
-          <pc:sldMk cId="1970930546" sldId="305"/>
-        </pc:sldMkLst>
-        <pc:spChg chg="mod">
-          <ac:chgData name="kaihua tang" userId="22376ffad72c4b64" providerId="LiveId" clId="{CE9B0419-8561-4196-9FDB-B85F086EC084}" dt="2020-04-12T12:50:24.922" v="2776" actId="207"/>
-          <ac:spMkLst>
-            <pc:docMk/>
-            <pc:sldMk cId="1970930546" sldId="305"/>
-            <ac:spMk id="3" creationId="{D86AC0E6-91D3-4E2C-BAE7-1FC17922CA5A}"/>
-          </ac:spMkLst>
-        </pc:spChg>
-      </pc:sldChg>
-      <pc:sldChg chg="modSp add del">
-        <pc:chgData name="kaihua tang" userId="22376ffad72c4b64" providerId="LiveId" clId="{CE9B0419-8561-4196-9FDB-B85F086EC084}" dt="2020-04-13T03:20:31.869" v="4399" actId="2696"/>
-        <pc:sldMkLst>
-          <pc:docMk/>
-          <pc:sldMk cId="913262501" sldId="306"/>
-        </pc:sldMkLst>
-        <pc:spChg chg="mod">
-          <ac:chgData name="kaihua tang" userId="22376ffad72c4b64" providerId="LiveId" clId="{CE9B0419-8561-4196-9FDB-B85F086EC084}" dt="2020-04-12T12:50:31.745" v="2778" actId="207"/>
-          <ac:spMkLst>
-            <pc:docMk/>
-            <pc:sldMk cId="913262501" sldId="306"/>
-            <ac:spMk id="3" creationId="{D86AC0E6-91D3-4E2C-BAE7-1FC17922CA5A}"/>
-          </ac:spMkLst>
-        </pc:spChg>
-      </pc:sldChg>
-      <pc:sldChg chg="add del">
-        <pc:chgData name="kaihua tang" userId="22376ffad72c4b64" providerId="LiveId" clId="{CE9B0419-8561-4196-9FDB-B85F086EC084}" dt="2020-04-13T03:21:20.106" v="4410" actId="47"/>
-        <pc:sldMkLst>
-          <pc:docMk/>
-          <pc:sldMk cId="3526011475" sldId="306"/>
-        </pc:sldMkLst>
-      </pc:sldChg>
-      <pc:sldChg chg="modSp add del">
-        <pc:chgData name="kaihua tang" userId="22376ffad72c4b64" providerId="LiveId" clId="{CE9B0419-8561-4196-9FDB-B85F086EC084}" dt="2020-04-13T03:22:28.216" v="4425" actId="47"/>
-        <pc:sldMkLst>
-          <pc:docMk/>
-          <pc:sldMk cId="525664469" sldId="307"/>
-        </pc:sldMkLst>
-        <pc:spChg chg="mod">
-          <ac:chgData name="kaihua tang" userId="22376ffad72c4b64" providerId="LiveId" clId="{CE9B0419-8561-4196-9FDB-B85F086EC084}" dt="2020-04-12T12:50:40.008" v="2780" actId="207"/>
-          <ac:spMkLst>
-            <pc:docMk/>
-            <pc:sldMk cId="525664469" sldId="307"/>
-            <ac:spMk id="3" creationId="{D86AC0E6-91D3-4E2C-BAE7-1FC17922CA5A}"/>
-          </ac:spMkLst>
-        </pc:spChg>
-      </pc:sldChg>
-      <pc:sldChg chg="addSp delSp modSp add modNotesTx">
-        <pc:chgData name="kaihua tang" userId="22376ffad72c4b64" providerId="LiveId" clId="{CE9B0419-8561-4196-9FDB-B85F086EC084}" dt="2020-04-13T16:27:57.816" v="15257" actId="20577"/>
-        <pc:sldMkLst>
-          <pc:docMk/>
-          <pc:sldMk cId="3085640918" sldId="308"/>
-        </pc:sldMkLst>
-        <pc:spChg chg="mod">
-          <ac:chgData name="kaihua tang" userId="22376ffad72c4b64" providerId="LiveId" clId="{CE9B0419-8561-4196-9FDB-B85F086EC084}" dt="2020-04-12T16:30:56.236" v="3256" actId="20577"/>
-          <ac:spMkLst>
-            <pc:docMk/>
-            <pc:sldMk cId="3085640918" sldId="308"/>
-            <ac:spMk id="2" creationId="{A74DD410-46F4-44CE-8C34-A4A9B7DC740E}"/>
-          </ac:spMkLst>
-        </pc:spChg>
-        <pc:spChg chg="del">
-          <ac:chgData name="kaihua tang" userId="22376ffad72c4b64" providerId="LiveId" clId="{CE9B0419-8561-4196-9FDB-B85F086EC084}" dt="2020-04-12T16:30:41.100" v="3237" actId="478"/>
-          <ac:spMkLst>
-            <pc:docMk/>
-            <pc:sldMk cId="3085640918" sldId="308"/>
-            <ac:spMk id="3" creationId="{9D0EDBE9-4AD9-4DCC-B500-7F9CE593ADEE}"/>
-          </ac:spMkLst>
-        </pc:spChg>
-        <pc:spChg chg="add mod">
-          <ac:chgData name="kaihua tang" userId="22376ffad72c4b64" providerId="LiveId" clId="{CE9B0419-8561-4196-9FDB-B85F086EC084}" dt="2020-04-12T16:30:47.492" v="3240"/>
-          <ac:spMkLst>
-            <pc:docMk/>
-            <pc:sldMk cId="3085640918" sldId="308"/>
-            <ac:spMk id="5" creationId="{C7400943-392A-4407-B055-355308EACA6C}"/>
-          </ac:spMkLst>
-        </pc:spChg>
-        <pc:picChg chg="add mod">
-          <ac:chgData name="kaihua tang" userId="22376ffad72c4b64" providerId="LiveId" clId="{CE9B0419-8561-4196-9FDB-B85F086EC084}" dt="2020-04-12T16:30:50.243" v="3241" actId="1076"/>
-          <ac:picMkLst>
-            <pc:docMk/>
-            <pc:sldMk cId="3085640918" sldId="308"/>
-            <ac:picMk id="4" creationId="{98DDED9E-5346-4A21-A11B-4C04DAD56926}"/>
-          </ac:picMkLst>
-        </pc:picChg>
-      </pc:sldChg>
-      <pc:sldChg chg="modSp add modNotesTx">
-        <pc:chgData name="kaihua tang" userId="22376ffad72c4b64" providerId="LiveId" clId="{CE9B0419-8561-4196-9FDB-B85F086EC084}" dt="2020-04-14T14:48:42.974" v="19817" actId="20577"/>
-        <pc:sldMkLst>
-          <pc:docMk/>
-          <pc:sldMk cId="2454127312" sldId="309"/>
-        </pc:sldMkLst>
-        <pc:spChg chg="mod">
-          <ac:chgData name="kaihua tang" userId="22376ffad72c4b64" providerId="LiveId" clId="{CE9B0419-8561-4196-9FDB-B85F086EC084}" dt="2020-04-14T14:14:28.300" v="18745" actId="20577"/>
-          <ac:spMkLst>
-            <pc:docMk/>
-            <pc:sldMk cId="2454127312" sldId="309"/>
-            <ac:spMk id="2" creationId="{ADACF2C9-C78A-43BA-942B-B5B469CE00E8}"/>
-          </ac:spMkLst>
-        </pc:spChg>
-        <pc:spChg chg="mod">
-          <ac:chgData name="kaihua tang" userId="22376ffad72c4b64" providerId="LiveId" clId="{CE9B0419-8561-4196-9FDB-B85F086EC084}" dt="2020-04-12T12:52:12.424" v="2837" actId="20577"/>
-          <ac:spMkLst>
-            <pc:docMk/>
-            <pc:sldMk cId="2454127312" sldId="309"/>
-            <ac:spMk id="3" creationId="{EE81DED3-DDC8-47C2-B95B-C0FFD23B6E2E}"/>
-          </ac:spMkLst>
-        </pc:spChg>
-      </pc:sldChg>
-      <pc:sldChg chg="modSp add modNotesTx">
-        <pc:chgData name="kaihua tang" userId="22376ffad72c4b64" providerId="LiveId" clId="{CE9B0419-8561-4196-9FDB-B85F086EC084}" dt="2020-04-14T14:14:15.117" v="18725" actId="20577"/>
-        <pc:sldMkLst>
-          <pc:docMk/>
-          <pc:sldMk cId="1006945895" sldId="310"/>
-        </pc:sldMkLst>
-        <pc:spChg chg="mod">
-          <ac:chgData name="kaihua tang" userId="22376ffad72c4b64" providerId="LiveId" clId="{CE9B0419-8561-4196-9FDB-B85F086EC084}" dt="2020-04-14T14:14:15.117" v="18725" actId="20577"/>
-          <ac:spMkLst>
-            <pc:docMk/>
-            <pc:sldMk cId="1006945895" sldId="310"/>
-            <ac:spMk id="2" creationId="{ADACF2C9-C78A-43BA-942B-B5B469CE00E8}"/>
-          </ac:spMkLst>
-        </pc:spChg>
-      </pc:sldChg>
-      <pc:sldChg chg="addSp modSp add modAnim modNotesTx">
-        <pc:chgData name="kaihua tang" userId="22376ffad72c4b64" providerId="LiveId" clId="{CE9B0419-8561-4196-9FDB-B85F086EC084}" dt="2020-04-14T05:36:09.833" v="16677"/>
-        <pc:sldMkLst>
-          <pc:docMk/>
-          <pc:sldMk cId="4248729436" sldId="311"/>
-        </pc:sldMkLst>
-        <pc:spChg chg="add mod">
-          <ac:chgData name="kaihua tang" userId="22376ffad72c4b64" providerId="LiveId" clId="{CE9B0419-8561-4196-9FDB-B85F086EC084}" dt="2020-04-12T12:59:41.747" v="2891"/>
-          <ac:spMkLst>
-            <pc:docMk/>
-            <pc:sldMk cId="4248729436" sldId="311"/>
-            <ac:spMk id="3" creationId="{84049A13-094B-4FEC-8DEC-FF780E0C3037}"/>
-          </ac:spMkLst>
-        </pc:spChg>
-      </pc:sldChg>
-      <pc:sldChg chg="addSp modSp add modAnim modNotesTx">
-        <pc:chgData name="kaihua tang" userId="22376ffad72c4b64" providerId="LiveId" clId="{CE9B0419-8561-4196-9FDB-B85F086EC084}" dt="2020-04-14T08:16:49.441" v="18004" actId="20577"/>
-        <pc:sldMkLst>
-          <pc:docMk/>
-          <pc:sldMk cId="824676054" sldId="312"/>
-        </pc:sldMkLst>
-        <pc:spChg chg="add mod">
-          <ac:chgData name="kaihua tang" userId="22376ffad72c4b64" providerId="LiveId" clId="{CE9B0419-8561-4196-9FDB-B85F086EC084}" dt="2020-04-12T12:59:46.689" v="2892"/>
-          <ac:spMkLst>
-            <pc:docMk/>
-            <pc:sldMk cId="824676054" sldId="312"/>
-            <ac:spMk id="3" creationId="{3C2DC286-12B6-4D23-B775-EE5FA14E8230}"/>
-          </ac:spMkLst>
-        </pc:spChg>
-      </pc:sldChg>
-      <pc:sldChg chg="modSp add modNotesTx">
-        <pc:chgData name="kaihua tang" userId="22376ffad72c4b64" providerId="LiveId" clId="{CE9B0419-8561-4196-9FDB-B85F086EC084}" dt="2020-04-14T14:51:42.332" v="20039" actId="20577"/>
-        <pc:sldMkLst>
-          <pc:docMk/>
-          <pc:sldMk cId="2362068444" sldId="313"/>
-        </pc:sldMkLst>
-        <pc:spChg chg="mod">
-          <ac:chgData name="kaihua tang" userId="22376ffad72c4b64" providerId="LiveId" clId="{CE9B0419-8561-4196-9FDB-B85F086EC084}" dt="2020-04-12T15:44:57.958" v="2919" actId="20577"/>
-          <ac:spMkLst>
-            <pc:docMk/>
-            <pc:sldMk cId="2362068444" sldId="313"/>
-            <ac:spMk id="2" creationId="{C72B6DCE-EB09-7649-A26D-98B60808EDF3}"/>
-          </ac:spMkLst>
-        </pc:spChg>
-        <pc:spChg chg="mod">
-          <ac:chgData name="kaihua tang" userId="22376ffad72c4b64" providerId="LiveId" clId="{CE9B0419-8561-4196-9FDB-B85F086EC084}" dt="2020-04-12T15:47:00.036" v="2943" actId="14100"/>
-          <ac:spMkLst>
-            <pc:docMk/>
-            <pc:sldMk cId="2362068444" sldId="313"/>
-            <ac:spMk id="3" creationId="{14061AB4-CA3C-A648-9CC3-5A13A0976A2F}"/>
-          </ac:spMkLst>
-        </pc:spChg>
-        <pc:picChg chg="mod">
-          <ac:chgData name="kaihua tang" userId="22376ffad72c4b64" providerId="LiveId" clId="{CE9B0419-8561-4196-9FDB-B85F086EC084}" dt="2020-04-12T15:47:08.269" v="2946" actId="1076"/>
-          <ac:picMkLst>
-            <pc:docMk/>
-            <pc:sldMk cId="2362068444" sldId="313"/>
-            <ac:picMk id="4" creationId="{796B88ED-D66A-794C-9458-3273C90C5261}"/>
-          </ac:picMkLst>
-        </pc:picChg>
-      </pc:sldChg>
-      <pc:sldChg chg="addSp delSp modSp add ord modNotesTx">
-        <pc:chgData name="kaihua tang" userId="22376ffad72c4b64" providerId="LiveId" clId="{CE9B0419-8561-4196-9FDB-B85F086EC084}" dt="2020-04-14T14:56:14.780" v="20220" actId="20577"/>
-        <pc:sldMkLst>
-          <pc:docMk/>
-          <pc:sldMk cId="1522390516" sldId="314"/>
-        </pc:sldMkLst>
-        <pc:spChg chg="mod">
-          <ac:chgData name="kaihua tang" userId="22376ffad72c4b64" providerId="LiveId" clId="{CE9B0419-8561-4196-9FDB-B85F086EC084}" dt="2020-04-12T15:52:19.094" v="2972" actId="20577"/>
-          <ac:spMkLst>
-            <pc:docMk/>
-            <pc:sldMk cId="1522390516" sldId="314"/>
-            <ac:spMk id="2" creationId="{84E5FBBD-5552-AC48-8A71-41B730CDE07A}"/>
-          </ac:spMkLst>
-        </pc:spChg>
-        <pc:spChg chg="del mod">
-          <ac:chgData name="kaihua tang" userId="22376ffad72c4b64" providerId="LiveId" clId="{CE9B0419-8561-4196-9FDB-B85F086EC084}" dt="2020-04-12T15:45:52.102" v="2924"/>
-          <ac:spMkLst>
-            <pc:docMk/>
-            <pc:sldMk cId="1522390516" sldId="314"/>
-            <ac:spMk id="3" creationId="{2C3BBE2A-C1EA-D946-B2B1-085CD427565A}"/>
-          </ac:spMkLst>
-        </pc:spChg>
-        <pc:spChg chg="add mod">
-          <ac:chgData name="kaihua tang" userId="22376ffad72c4b64" providerId="LiveId" clId="{CE9B0419-8561-4196-9FDB-B85F086EC084}" dt="2020-04-12T15:45:52.102" v="2924"/>
-          <ac:spMkLst>
-            <pc:docMk/>
-            <pc:sldMk cId="1522390516" sldId="314"/>
-            <ac:spMk id="4" creationId="{1B1D42A1-4436-4112-B4AC-4647F5707ECD}"/>
-          </ac:spMkLst>
-        </pc:spChg>
-        <pc:picChg chg="mod">
-          <ac:chgData name="kaihua tang" userId="22376ffad72c4b64" providerId="LiveId" clId="{CE9B0419-8561-4196-9FDB-B85F086EC084}" dt="2020-04-14T07:58:56.281" v="17905" actId="1035"/>
-          <ac:picMkLst>
-            <pc:docMk/>
-            <pc:sldMk cId="1522390516" sldId="314"/>
-            <ac:picMk id="5" creationId="{8AF288B2-0D25-C044-A78E-19599AD4CA2E}"/>
-          </ac:picMkLst>
-        </pc:picChg>
-      </pc:sldChg>
-      <pc:sldChg chg="addSp delSp modSp add modNotesTx">
-        <pc:chgData name="kaihua tang" userId="22376ffad72c4b64" providerId="LiveId" clId="{CE9B0419-8561-4196-9FDB-B85F086EC084}" dt="2020-04-14T14:58:56.573" v="20299" actId="20577"/>
-        <pc:sldMkLst>
-          <pc:docMk/>
-          <pc:sldMk cId="2117283209" sldId="315"/>
-        </pc:sldMkLst>
-        <pc:spChg chg="mod">
-          <ac:chgData name="kaihua tang" userId="22376ffad72c4b64" providerId="LiveId" clId="{CE9B0419-8561-4196-9FDB-B85F086EC084}" dt="2020-04-14T06:12:45.998" v="17304" actId="14100"/>
-          <ac:spMkLst>
-            <pc:docMk/>
-            <pc:sldMk cId="2117283209" sldId="315"/>
-            <ac:spMk id="2" creationId="{1BDDD696-AEA3-5A41-80A5-0BA58C5481DC}"/>
-          </ac:spMkLst>
-        </pc:spChg>
-        <pc:spChg chg="del">
-          <ac:chgData name="kaihua tang" userId="22376ffad72c4b64" providerId="LiveId" clId="{CE9B0419-8561-4196-9FDB-B85F086EC084}" dt="2020-04-12T15:56:59.130" v="2980" actId="478"/>
-          <ac:spMkLst>
-            <pc:docMk/>
-            <pc:sldMk cId="2117283209" sldId="315"/>
-            <ac:spMk id="3" creationId="{113D7980-BA77-9547-A736-3C7ACFC84ACB}"/>
-          </ac:spMkLst>
-        </pc:spChg>
-        <pc:spChg chg="add del mod">
-          <ac:chgData name="kaihua tang" userId="22376ffad72c4b64" providerId="LiveId" clId="{CE9B0419-8561-4196-9FDB-B85F086EC084}" dt="2020-04-12T15:57:01.478" v="2981" actId="478"/>
-          <ac:spMkLst>
-            <pc:docMk/>
-            <pc:sldMk cId="2117283209" sldId="315"/>
-            <ac:spMk id="6" creationId="{8330C0BA-32C1-4501-BC22-196CBBA36D69}"/>
-          </ac:spMkLst>
-        </pc:spChg>
-        <pc:spChg chg="add mod">
-          <ac:chgData name="kaihua tang" userId="22376ffad72c4b64" providerId="LiveId" clId="{CE9B0419-8561-4196-9FDB-B85F086EC084}" dt="2020-04-12T15:57:08.357" v="2983"/>
-          <ac:spMkLst>
-            <pc:docMk/>
-            <pc:sldMk cId="2117283209" sldId="315"/>
-            <ac:spMk id="7" creationId="{9909994C-F9E1-48A5-93F2-E52261A07A0F}"/>
-          </ac:spMkLst>
-        </pc:spChg>
-        <pc:picChg chg="mod">
-          <ac:chgData name="kaihua tang" userId="22376ffad72c4b64" providerId="LiveId" clId="{CE9B0419-8561-4196-9FDB-B85F086EC084}" dt="2020-04-12T15:57:17.292" v="2986" actId="1076"/>
-          <ac:picMkLst>
-            <pc:docMk/>
-            <pc:sldMk cId="2117283209" sldId="315"/>
-            <ac:picMk id="5" creationId="{F02BDC89-83F5-114E-9B86-DA06CDF060DC}"/>
-          </ac:picMkLst>
-        </pc:picChg>
-      </pc:sldChg>
-      <pc:sldChg chg="add del">
-        <pc:chgData name="kaihua tang" userId="22376ffad72c4b64" providerId="LiveId" clId="{CE9B0419-8561-4196-9FDB-B85F086EC084}" dt="2020-04-12T15:56:51.628" v="2978" actId="47"/>
-        <pc:sldMkLst>
-          <pc:docMk/>
-          <pc:sldMk cId="2463965869" sldId="315"/>
-        </pc:sldMkLst>
-      </pc:sldChg>
-      <pc:sldChg chg="addSp delSp modSp add ord modNotesTx">
-        <pc:chgData name="kaihua tang" userId="22376ffad72c4b64" providerId="LiveId" clId="{CE9B0419-8561-4196-9FDB-B85F086EC084}" dt="2020-04-13T16:03:24.738" v="12656" actId="20577"/>
-        <pc:sldMkLst>
-          <pc:docMk/>
-          <pc:sldMk cId="459673245" sldId="316"/>
-        </pc:sldMkLst>
-        <pc:spChg chg="mod">
-          <ac:chgData name="kaihua tang" userId="22376ffad72c4b64" providerId="LiveId" clId="{CE9B0419-8561-4196-9FDB-B85F086EC084}" dt="2020-04-12T16:24:18.771" v="3105" actId="20577"/>
-          <ac:spMkLst>
-            <pc:docMk/>
-            <pc:sldMk cId="459673245" sldId="316"/>
-            <ac:spMk id="2" creationId="{D5C24CF8-820C-42BE-A84F-BF0D9378D4E2}"/>
-          </ac:spMkLst>
-        </pc:spChg>
-        <pc:spChg chg="del mod">
-          <ac:chgData name="kaihua tang" userId="22376ffad72c4b64" providerId="LiveId" clId="{CE9B0419-8561-4196-9FDB-B85F086EC084}" dt="2020-04-12T16:13:42.751" v="3002" actId="478"/>
-          <ac:spMkLst>
-            <pc:docMk/>
-            <pc:sldMk cId="459673245" sldId="316"/>
-            <ac:spMk id="3" creationId="{46ABD430-D9ED-4057-930F-FB269AE165DF}"/>
-          </ac:spMkLst>
-        </pc:spChg>
-        <pc:spChg chg="add mod">
-          <ac:chgData name="kaihua tang" userId="22376ffad72c4b64" providerId="LiveId" clId="{CE9B0419-8561-4196-9FDB-B85F086EC084}" dt="2020-04-12T16:23:05.244" v="3054" actId="13822"/>
-          <ac:spMkLst>
-            <pc:docMk/>
-            <pc:sldMk cId="459673245" sldId="316"/>
-            <ac:spMk id="7" creationId="{70077BD2-6599-4ED3-881F-8422A47378A5}"/>
-          </ac:spMkLst>
-        </pc:spChg>
-        <pc:picChg chg="add del mod">
-          <ac:chgData name="kaihua tang" userId="22376ffad72c4b64" providerId="LiveId" clId="{CE9B0419-8561-4196-9FDB-B85F086EC084}" dt="2020-04-12T16:21:35.820" v="3020" actId="478"/>
-          <ac:picMkLst>
-            <pc:docMk/>
-            <pc:sldMk cId="459673245" sldId="316"/>
-            <ac:picMk id="4" creationId="{9CDC4297-0B3A-4DDC-9D4A-0F23C61B9DCE}"/>
-          </ac:picMkLst>
-        </pc:picChg>
-        <pc:picChg chg="add mod">
-          <ac:chgData name="kaihua tang" userId="22376ffad72c4b64" providerId="LiveId" clId="{CE9B0419-8561-4196-9FDB-B85F086EC084}" dt="2020-04-12T16:22:40.327" v="3046" actId="1037"/>
-          <ac:picMkLst>
-            <pc:docMk/>
-            <pc:sldMk cId="459673245" sldId="316"/>
-            <ac:picMk id="5" creationId="{A6D5DA68-A38E-4E6A-8106-AB495B6157AB}"/>
-          </ac:picMkLst>
-        </pc:picChg>
-        <pc:picChg chg="add mod">
-          <ac:chgData name="kaihua tang" userId="22376ffad72c4b64" providerId="LiveId" clId="{CE9B0419-8561-4196-9FDB-B85F086EC084}" dt="2020-04-12T16:22:48.780" v="3049" actId="1076"/>
-          <ac:picMkLst>
-            <pc:docMk/>
-            <pc:sldMk cId="459673245" sldId="316"/>
-            <ac:picMk id="6" creationId="{CD207F26-9262-4918-8F3E-C606F90512DE}"/>
-          </ac:picMkLst>
-        </pc:picChg>
-      </pc:sldChg>
-      <pc:sldChg chg="modSp add modNotesTx">
-        <pc:chgData name="kaihua tang" userId="22376ffad72c4b64" providerId="LiveId" clId="{CE9B0419-8561-4196-9FDB-B85F086EC084}" dt="2020-04-14T15:01:30.525" v="20341" actId="20577"/>
-        <pc:sldMkLst>
-          <pc:docMk/>
-          <pc:sldMk cId="2185811307" sldId="317"/>
-        </pc:sldMkLst>
-        <pc:spChg chg="mod">
-          <ac:chgData name="kaihua tang" userId="22376ffad72c4b64" providerId="LiveId" clId="{CE9B0419-8561-4196-9FDB-B85F086EC084}" dt="2020-04-12T16:30:28.187" v="3212" actId="20577"/>
-          <ac:spMkLst>
-            <pc:docMk/>
-            <pc:sldMk cId="2185811307" sldId="317"/>
-            <ac:spMk id="2" creationId="{A7105ED7-7BD5-F744-9A21-0B266F0D0A7A}"/>
-          </ac:spMkLst>
-        </pc:spChg>
-        <pc:spChg chg="mod">
-          <ac:chgData name="kaihua tang" userId="22376ffad72c4b64" providerId="LiveId" clId="{CE9B0419-8561-4196-9FDB-B85F086EC084}" dt="2020-04-14T15:01:30.525" v="20341" actId="20577"/>
-          <ac:spMkLst>
-            <pc:docMk/>
-            <pc:sldMk cId="2185811307" sldId="317"/>
-            <ac:spMk id="3" creationId="{D143EA5E-3DB1-8548-84EE-F51E9851DE81}"/>
-          </ac:spMkLst>
-        </pc:spChg>
-        <pc:picChg chg="mod">
-          <ac:chgData name="kaihua tang" userId="22376ffad72c4b64" providerId="LiveId" clId="{CE9B0419-8561-4196-9FDB-B85F086EC084}" dt="2020-04-12T16:25:25.450" v="3122" actId="1076"/>
-          <ac:picMkLst>
-            <pc:docMk/>
-            <pc:sldMk cId="2185811307" sldId="317"/>
-            <ac:picMk id="5" creationId="{1AFE56C4-06AB-A44D-9166-E0D904A2C291}"/>
-          </ac:picMkLst>
-        </pc:picChg>
-      </pc:sldChg>
-      <pc:sldChg chg="addSp delSp modSp add modNotesTx">
-        <pc:chgData name="kaihua tang" userId="22376ffad72c4b64" providerId="LiveId" clId="{CE9B0419-8561-4196-9FDB-B85F086EC084}" dt="2020-04-14T08:24:37.681" v="18275" actId="20577"/>
-        <pc:sldMkLst>
-          <pc:docMk/>
-          <pc:sldMk cId="1340909887" sldId="318"/>
-        </pc:sldMkLst>
-        <pc:spChg chg="mod">
-          <ac:chgData name="kaihua tang" userId="22376ffad72c4b64" providerId="LiveId" clId="{CE9B0419-8561-4196-9FDB-B85F086EC084}" dt="2020-04-12T16:27:24.952" v="3211"/>
-          <ac:spMkLst>
-            <pc:docMk/>
-            <pc:sldMk cId="1340909887" sldId="318"/>
-            <ac:spMk id="2" creationId="{9E60819B-3E80-4DCA-975B-6D41606E5E9F}"/>
-          </ac:spMkLst>
-        </pc:spChg>
-        <pc:spChg chg="del">
-          <ac:chgData name="kaihua tang" userId="22376ffad72c4b64" providerId="LiveId" clId="{CE9B0419-8561-4196-9FDB-B85F086EC084}" dt="2020-04-12T16:26:49.895" v="3124"/>
-          <ac:spMkLst>
-            <pc:docMk/>
-            <pc:sldMk cId="1340909887" sldId="318"/>
-            <ac:spMk id="3" creationId="{32D26A34-35C7-487E-AA20-C4E65440F5EF}"/>
-          </ac:spMkLst>
-        </pc:spChg>
-        <pc:picChg chg="add mod">
-          <ac:chgData name="kaihua tang" userId="22376ffad72c4b64" providerId="LiveId" clId="{CE9B0419-8561-4196-9FDB-B85F086EC084}" dt="2020-04-12T16:27:06.562" v="3131" actId="1076"/>
-          <ac:picMkLst>
-            <pc:docMk/>
-            <pc:sldMk cId="1340909887" sldId="318"/>
-            <ac:picMk id="4" creationId="{FE75245F-6331-414A-9D72-AEFDF7FE31EE}"/>
-          </ac:picMkLst>
-        </pc:picChg>
-      </pc:sldChg>
-      <pc:sldChg chg="addSp delSp modSp add modNotesTx">
-        <pc:chgData name="kaihua tang" userId="22376ffad72c4b64" providerId="LiveId" clId="{CE9B0419-8561-4196-9FDB-B85F086EC084}" dt="2020-04-14T06:13:26.887" v="17359" actId="20577"/>
-        <pc:sldMkLst>
-          <pc:docMk/>
-          <pc:sldMk cId="1629266377" sldId="319"/>
-        </pc:sldMkLst>
-        <pc:spChg chg="mod">
-          <ac:chgData name="kaihua tang" userId="22376ffad72c4b64" providerId="LiveId" clId="{CE9B0419-8561-4196-9FDB-B85F086EC084}" dt="2020-04-12T16:32:15.188" v="3295" actId="404"/>
-          <ac:spMkLst>
-            <pc:docMk/>
-            <pc:sldMk cId="1629266377" sldId="319"/>
-            <ac:spMk id="2" creationId="{C43CC99D-6A57-4D7E-B4FB-CF43AD3B7E4E}"/>
-          </ac:spMkLst>
-        </pc:spChg>
-        <pc:spChg chg="del">
-          <ac:chgData name="kaihua tang" userId="22376ffad72c4b64" providerId="LiveId" clId="{CE9B0419-8561-4196-9FDB-B85F086EC084}" dt="2020-04-12T16:31:44.147" v="3270" actId="478"/>
-          <ac:spMkLst>
-            <pc:docMk/>
-            <pc:sldMk cId="1629266377" sldId="319"/>
-            <ac:spMk id="3" creationId="{26118443-7667-4951-ADBB-B36D179FD0D1}"/>
-          </ac:spMkLst>
-        </pc:spChg>
-        <pc:spChg chg="add mod">
-          <ac:chgData name="kaihua tang" userId="22376ffad72c4b64" providerId="LiveId" clId="{CE9B0419-8561-4196-9FDB-B85F086EC084}" dt="2020-04-12T16:34:11.418" v="3371" actId="1076"/>
-          <ac:spMkLst>
-            <pc:docMk/>
-            <pc:sldMk cId="1629266377" sldId="319"/>
-            <ac:spMk id="6" creationId="{8BBAEEEE-AED3-4D53-8FD8-E66FC20B9EAD}"/>
-          </ac:spMkLst>
-        </pc:spChg>
-        <pc:spChg chg="add mod">
-          <ac:chgData name="kaihua tang" userId="22376ffad72c4b64" providerId="LiveId" clId="{CE9B0419-8561-4196-9FDB-B85F086EC084}" dt="2020-04-12T16:34:32.685" v="3396"/>
-          <ac:spMkLst>
-            <pc:docMk/>
-            <pc:sldMk cId="1629266377" sldId="319"/>
-            <ac:spMk id="7" creationId="{01AE4C99-DBDF-4DBD-9492-1DD23EBAD022}"/>
-          </ac:spMkLst>
-        </pc:spChg>
-        <pc:picChg chg="add mod">
-          <ac:chgData name="kaihua tang" userId="22376ffad72c4b64" providerId="LiveId" clId="{CE9B0419-8561-4196-9FDB-B85F086EC084}" dt="2020-04-12T16:33:35.882" v="3337" actId="1038"/>
-          <ac:picMkLst>
-            <pc:docMk/>
-            <pc:sldMk cId="1629266377" sldId="319"/>
-            <ac:picMk id="4" creationId="{3F65218E-3E4F-490A-8D8F-649DBE19BEC1}"/>
-          </ac:picMkLst>
-        </pc:picChg>
-        <pc:picChg chg="add mod">
-          <ac:chgData name="kaihua tang" userId="22376ffad72c4b64" providerId="LiveId" clId="{CE9B0419-8561-4196-9FDB-B85F086EC084}" dt="2020-04-12T16:33:32.851" v="3332" actId="14100"/>
-          <ac:picMkLst>
-            <pc:docMk/>
-            <pc:sldMk cId="1629266377" sldId="319"/>
-            <ac:picMk id="5" creationId="{2F9CF262-AC2E-4D61-9615-C44D8F86CC91}"/>
-          </ac:picMkLst>
-        </pc:picChg>
-      </pc:sldChg>
-      <pc:sldChg chg="addSp delSp modSp add modNotesTx">
-        <pc:chgData name="kaihua tang" userId="22376ffad72c4b64" providerId="LiveId" clId="{CE9B0419-8561-4196-9FDB-B85F086EC084}" dt="2020-04-14T15:03:40.757" v="20360" actId="20577"/>
-        <pc:sldMkLst>
-          <pc:docMk/>
-          <pc:sldMk cId="3859052323" sldId="320"/>
-        </pc:sldMkLst>
-        <pc:spChg chg="mod">
-          <ac:chgData name="kaihua tang" userId="22376ffad72c4b64" providerId="LiveId" clId="{CE9B0419-8561-4196-9FDB-B85F086EC084}" dt="2020-04-12T16:36:48.992" v="3447" actId="20577"/>
-          <ac:spMkLst>
-            <pc:docMk/>
-            <pc:sldMk cId="3859052323" sldId="320"/>
-            <ac:spMk id="2" creationId="{FA13151A-72A7-4D0C-B4D2-500033ACA18B}"/>
-          </ac:spMkLst>
-        </pc:spChg>
-        <pc:spChg chg="del">
-          <ac:chgData name="kaihua tang" userId="22376ffad72c4b64" providerId="LiveId" clId="{CE9B0419-8561-4196-9FDB-B85F086EC084}" dt="2020-04-12T16:35:29.634" v="3418" actId="478"/>
-          <ac:spMkLst>
-            <pc:docMk/>
-            <pc:sldMk cId="3859052323" sldId="320"/>
-            <ac:spMk id="3" creationId="{9BDD4941-A011-46E2-BECE-0B809650D1A4}"/>
-          </ac:spMkLst>
-        </pc:spChg>
-        <pc:picChg chg="add mod">
-          <ac:chgData name="kaihua tang" userId="22376ffad72c4b64" providerId="LiveId" clId="{CE9B0419-8561-4196-9FDB-B85F086EC084}" dt="2020-04-12T16:36:11.776" v="3438" actId="1035"/>
-          <ac:picMkLst>
-            <pc:docMk/>
-            <pc:sldMk cId="3859052323" sldId="320"/>
-            <ac:picMk id="4" creationId="{40583ACA-4A0D-424E-A95F-227F74CB85A5}"/>
-          </ac:picMkLst>
-        </pc:picChg>
-        <pc:picChg chg="add mod">
-          <ac:chgData name="kaihua tang" userId="22376ffad72c4b64" providerId="LiveId" clId="{CE9B0419-8561-4196-9FDB-B85F086EC084}" dt="2020-04-12T16:36:11.776" v="3438" actId="1035"/>
-          <ac:picMkLst>
-            <pc:docMk/>
-            <pc:sldMk cId="3859052323" sldId="320"/>
-            <ac:picMk id="5" creationId="{0B7DCF0C-DA4E-47F5-B163-FA74422271B5}"/>
-          </ac:picMkLst>
-        </pc:picChg>
-      </pc:sldChg>
-      <pc:sldChg chg="modSp add del">
-        <pc:chgData name="kaihua tang" userId="22376ffad72c4b64" providerId="LiveId" clId="{CE9B0419-8561-4196-9FDB-B85F086EC084}" dt="2020-04-12T16:36:44.972" v="3445" actId="47"/>
-        <pc:sldMkLst>
-          <pc:docMk/>
-          <pc:sldMk cId="459292611" sldId="321"/>
-        </pc:sldMkLst>
-        <pc:spChg chg="mod">
-          <ac:chgData name="kaihua tang" userId="22376ffad72c4b64" providerId="LiveId" clId="{CE9B0419-8561-4196-9FDB-B85F086EC084}" dt="2020-04-12T16:36:20.299" v="3444"/>
-          <ac:spMkLst>
-            <pc:docMk/>
-            <pc:sldMk cId="459292611" sldId="321"/>
-            <ac:spMk id="2" creationId="{FE87A79F-F0CD-4926-A5AB-0887CC77B358}"/>
-          </ac:spMkLst>
-        </pc:spChg>
-      </pc:sldChg>
-      <pc:sldChg chg="addSp delSp modSp add modNotesTx">
-        <pc:chgData name="kaihua tang" userId="22376ffad72c4b64" providerId="LiveId" clId="{CE9B0419-8561-4196-9FDB-B85F086EC084}" dt="2020-04-14T15:00:05.893" v="20339" actId="20577"/>
-        <pc:sldMkLst>
-          <pc:docMk/>
-          <pc:sldMk cId="3345873716" sldId="321"/>
-        </pc:sldMkLst>
-        <pc:spChg chg="mod">
-          <ac:chgData name="kaihua tang" userId="22376ffad72c4b64" providerId="LiveId" clId="{CE9B0419-8561-4196-9FDB-B85F086EC084}" dt="2020-04-13T02:49:27.081" v="3998" actId="404"/>
-          <ac:spMkLst>
-            <pc:docMk/>
-            <pc:sldMk cId="3345873716" sldId="321"/>
-            <ac:spMk id="2" creationId="{4E41504E-2ADF-4001-8F2F-E5B876E0B93F}"/>
-          </ac:spMkLst>
-        </pc:spChg>
-        <pc:spChg chg="del">
-          <ac:chgData name="kaihua tang" userId="22376ffad72c4b64" providerId="LiveId" clId="{CE9B0419-8561-4196-9FDB-B85F086EC084}" dt="2020-04-13T02:52:14.975" v="4021" actId="478"/>
-          <ac:spMkLst>
-            <pc:docMk/>
-            <pc:sldMk cId="3345873716" sldId="321"/>
-            <ac:spMk id="3" creationId="{F67507ED-D67B-45E1-B892-1731DA53F48D}"/>
-          </ac:spMkLst>
-        </pc:spChg>
-        <pc:spChg chg="add del mod">
-          <ac:chgData name="kaihua tang" userId="22376ffad72c4b64" providerId="LiveId" clId="{CE9B0419-8561-4196-9FDB-B85F086EC084}" dt="2020-04-14T06:06:53.215" v="17187" actId="478"/>
-          <ac:spMkLst>
-            <pc:docMk/>
-            <pc:sldMk cId="3345873716" sldId="321"/>
-            <ac:spMk id="4" creationId="{20F65E99-2219-494B-A53D-AD4D851F1E17}"/>
-          </ac:spMkLst>
-        </pc:spChg>
-        <pc:spChg chg="add del mod">
-          <ac:chgData name="kaihua tang" userId="22376ffad72c4b64" providerId="LiveId" clId="{CE9B0419-8561-4196-9FDB-B85F086EC084}" dt="2020-04-14T06:06:53.215" v="17187" actId="478"/>
-          <ac:spMkLst>
-            <pc:docMk/>
-            <pc:sldMk cId="3345873716" sldId="321"/>
-            <ac:spMk id="5" creationId="{56C626A6-34E6-4268-8CEE-27CB03414670}"/>
-          </ac:spMkLst>
-        </pc:spChg>
-        <pc:spChg chg="add del mod">
-          <ac:chgData name="kaihua tang" userId="22376ffad72c4b64" providerId="LiveId" clId="{CE9B0419-8561-4196-9FDB-B85F086EC084}" dt="2020-04-14T06:06:53.215" v="17187" actId="478"/>
-          <ac:spMkLst>
-            <pc:docMk/>
-            <pc:sldMk cId="3345873716" sldId="321"/>
-            <ac:spMk id="6" creationId="{E79B164D-F6A4-4E2C-98C3-B4C40D79E135}"/>
-          </ac:spMkLst>
-        </pc:spChg>
-        <pc:spChg chg="add del mod">
-          <ac:chgData name="kaihua tang" userId="22376ffad72c4b64" providerId="LiveId" clId="{CE9B0419-8561-4196-9FDB-B85F086EC084}" dt="2020-04-14T06:06:53.215" v="17187" actId="478"/>
-          <ac:spMkLst>
-            <pc:docMk/>
-            <pc:sldMk cId="3345873716" sldId="321"/>
-            <ac:spMk id="7" creationId="{9196EA0E-A99F-41A0-B2BF-6652BEB1EED6}"/>
-          </ac:spMkLst>
-        </pc:spChg>
-        <pc:spChg chg="add del mod">
-          <ac:chgData name="kaihua tang" userId="22376ffad72c4b64" providerId="LiveId" clId="{CE9B0419-8561-4196-9FDB-B85F086EC084}" dt="2020-04-14T06:06:53.215" v="17187" actId="478"/>
-          <ac:spMkLst>
-            <pc:docMk/>
-            <pc:sldMk cId="3345873716" sldId="321"/>
-            <ac:spMk id="8" creationId="{9A772D0F-FB43-4CFF-A9AC-144C02B9C828}"/>
-          </ac:spMkLst>
-        </pc:spChg>
-        <pc:spChg chg="add del mod">
-          <ac:chgData name="kaihua tang" userId="22376ffad72c4b64" providerId="LiveId" clId="{CE9B0419-8561-4196-9FDB-B85F086EC084}" dt="2020-04-14T06:06:53.215" v="17187" actId="478"/>
-          <ac:spMkLst>
-            <pc:docMk/>
-            <pc:sldMk cId="3345873716" sldId="321"/>
-            <ac:spMk id="9" creationId="{962C3A87-6174-4A15-876C-4F1877C0C588}"/>
-          </ac:spMkLst>
-        </pc:spChg>
-        <pc:spChg chg="add del mod">
-          <ac:chgData name="kaihua tang" userId="22376ffad72c4b64" providerId="LiveId" clId="{CE9B0419-8561-4196-9FDB-B85F086EC084}" dt="2020-04-14T06:06:53.215" v="17187" actId="478"/>
-          <ac:spMkLst>
-            <pc:docMk/>
-            <pc:sldMk cId="3345873716" sldId="321"/>
-            <ac:spMk id="10" creationId="{EB8D058C-B8B2-4C6D-AA15-CB0AC7DF0527}"/>
-          </ac:spMkLst>
-        </pc:spChg>
-        <pc:spChg chg="add del mod">
-          <ac:chgData name="kaihua tang" userId="22376ffad72c4b64" providerId="LiveId" clId="{CE9B0419-8561-4196-9FDB-B85F086EC084}" dt="2020-04-14T06:06:53.215" v="17187" actId="478"/>
-          <ac:spMkLst>
-            <pc:docMk/>
-            <pc:sldMk cId="3345873716" sldId="321"/>
-            <ac:spMk id="11" creationId="{53E1FBCC-5B97-48BD-B404-EEC57C4FB35F}"/>
-          </ac:spMkLst>
-        </pc:spChg>
-        <pc:spChg chg="add del mod">
-          <ac:chgData name="kaihua tang" userId="22376ffad72c4b64" providerId="LiveId" clId="{CE9B0419-8561-4196-9FDB-B85F086EC084}" dt="2020-04-14T06:06:53.215" v="17187" actId="478"/>
-          <ac:spMkLst>
-            <pc:docMk/>
-            <pc:sldMk cId="3345873716" sldId="321"/>
-            <ac:spMk id="12" creationId="{A0278FF0-A64C-439F-BB12-1F8E1E526FF5}"/>
-          </ac:spMkLst>
-        </pc:spChg>
-        <pc:spChg chg="add del mod">
-          <ac:chgData name="kaihua tang" userId="22376ffad72c4b64" providerId="LiveId" clId="{CE9B0419-8561-4196-9FDB-B85F086EC084}" dt="2020-04-14T06:06:53.215" v="17187" actId="478"/>
-          <ac:spMkLst>
-            <pc:docMk/>
-            <pc:sldMk cId="3345873716" sldId="321"/>
-            <ac:spMk id="13" creationId="{B15DE757-786D-4A3D-8133-848228B458A9}"/>
-          </ac:spMkLst>
-        </pc:spChg>
-        <pc:spChg chg="add del mod">
-          <ac:chgData name="kaihua tang" userId="22376ffad72c4b64" providerId="LiveId" clId="{CE9B0419-8561-4196-9FDB-B85F086EC084}" dt="2020-04-14T06:06:53.215" v="17187" actId="478"/>
-          <ac:spMkLst>
-            <pc:docMk/>
-            <pc:sldMk cId="3345873716" sldId="321"/>
-            <ac:spMk id="14" creationId="{D56F4C47-3449-40EB-968C-3AE9428BCDB2}"/>
-          </ac:spMkLst>
-        </pc:spChg>
-        <pc:spChg chg="add del mod">
-          <ac:chgData name="kaihua tang" userId="22376ffad72c4b64" providerId="LiveId" clId="{CE9B0419-8561-4196-9FDB-B85F086EC084}" dt="2020-04-14T06:06:53.215" v="17187" actId="478"/>
-          <ac:spMkLst>
-            <pc:docMk/>
-            <pc:sldMk cId="3345873716" sldId="321"/>
-            <ac:spMk id="15" creationId="{FFE39770-5CAF-45B5-988C-568338F43C51}"/>
-          </ac:spMkLst>
-        </pc:spChg>
-        <pc:spChg chg="add del mod">
-          <ac:chgData name="kaihua tang" userId="22376ffad72c4b64" providerId="LiveId" clId="{CE9B0419-8561-4196-9FDB-B85F086EC084}" dt="2020-04-14T06:06:53.215" v="17187" actId="478"/>
-          <ac:spMkLst>
-            <pc:docMk/>
-            <pc:sldMk cId="3345873716" sldId="321"/>
-            <ac:spMk id="16" creationId="{40682EF7-301E-420A-8C66-86586822FA0B}"/>
-          </ac:spMkLst>
-        </pc:spChg>
-        <pc:spChg chg="add mod">
-          <ac:chgData name="kaihua tang" userId="22376ffad72c4b64" providerId="LiveId" clId="{CE9B0419-8561-4196-9FDB-B85F086EC084}" dt="2020-04-13T03:20:04.638" v="4396" actId="1037"/>
-          <ac:spMkLst>
-            <pc:docMk/>
-            <pc:sldMk cId="3345873716" sldId="321"/>
-            <ac:spMk id="17" creationId="{B5277FAC-6518-4677-A082-6E2561488D9A}"/>
-          </ac:spMkLst>
-        </pc:spChg>
-        <pc:spChg chg="add mod">
-          <ac:chgData name="kaihua tang" userId="22376ffad72c4b64" providerId="LiveId" clId="{CE9B0419-8561-4196-9FDB-B85F086EC084}" dt="2020-04-14T06:08:59.992" v="17260" actId="1038"/>
-          <ac:spMkLst>
-            <pc:docMk/>
-            <pc:sldMk cId="3345873716" sldId="321"/>
-            <ac:spMk id="18" creationId="{AA99FA11-81C2-4211-8F64-EAAF284EE6B5}"/>
-          </ac:spMkLst>
-        </pc:spChg>
-        <pc:spChg chg="add mod">
-          <ac:chgData name="kaihua tang" userId="22376ffad72c4b64" providerId="LiveId" clId="{CE9B0419-8561-4196-9FDB-B85F086EC084}" dt="2020-04-14T06:08:59.992" v="17260" actId="1038"/>
-          <ac:spMkLst>
-            <pc:docMk/>
-            <pc:sldMk cId="3345873716" sldId="321"/>
-            <ac:spMk id="19" creationId="{4573C209-316B-4DAA-B1A3-755F86CBDB9A}"/>
-          </ac:spMkLst>
-        </pc:spChg>
-        <pc:spChg chg="add mod">
-          <ac:chgData name="kaihua tang" userId="22376ffad72c4b64" providerId="LiveId" clId="{CE9B0419-8561-4196-9FDB-B85F086EC084}" dt="2020-04-14T06:08:59.992" v="17260" actId="1038"/>
-          <ac:spMkLst>
-            <pc:docMk/>
-            <pc:sldMk cId="3345873716" sldId="321"/>
-            <ac:spMk id="20" creationId="{EA4ED566-F085-48D1-8979-0717EDB2792E}"/>
-          </ac:spMkLst>
-        </pc:spChg>
-        <pc:spChg chg="add mod">
-          <ac:chgData name="kaihua tang" userId="22376ffad72c4b64" providerId="LiveId" clId="{CE9B0419-8561-4196-9FDB-B85F086EC084}" dt="2020-04-14T06:08:59.992" v="17260" actId="1038"/>
-          <ac:spMkLst>
-            <pc:docMk/>
-            <pc:sldMk cId="3345873716" sldId="321"/>
-            <ac:spMk id="21" creationId="{C1D57207-6D98-4A29-BFC2-F4ED1AC974CC}"/>
-          </ac:spMkLst>
-        </pc:spChg>
-        <pc:spChg chg="add mod">
-          <ac:chgData name="kaihua tang" userId="22376ffad72c4b64" providerId="LiveId" clId="{CE9B0419-8561-4196-9FDB-B85F086EC084}" dt="2020-04-14T06:08:59.992" v="17260" actId="1038"/>
-          <ac:spMkLst>
-            <pc:docMk/>
-            <pc:sldMk cId="3345873716" sldId="321"/>
-            <ac:spMk id="22" creationId="{6E051024-64E6-45F7-9AE2-2A26C1ACD5FF}"/>
-          </ac:spMkLst>
-        </pc:spChg>
-        <pc:spChg chg="add mod">
-          <ac:chgData name="kaihua tang" userId="22376ffad72c4b64" providerId="LiveId" clId="{CE9B0419-8561-4196-9FDB-B85F086EC084}" dt="2020-04-14T06:08:59.992" v="17260" actId="1038"/>
-          <ac:spMkLst>
-            <pc:docMk/>
-            <pc:sldMk cId="3345873716" sldId="321"/>
-            <ac:spMk id="23" creationId="{A231B386-3B66-487B-A80D-7108EACD2DFD}"/>
-          </ac:spMkLst>
-        </pc:spChg>
-        <pc:spChg chg="add mod">
-          <ac:chgData name="kaihua tang" userId="22376ffad72c4b64" providerId="LiveId" clId="{CE9B0419-8561-4196-9FDB-B85F086EC084}" dt="2020-04-14T06:08:59.992" v="17260" actId="1038"/>
-          <ac:spMkLst>
-            <pc:docMk/>
-            <pc:sldMk cId="3345873716" sldId="321"/>
-            <ac:spMk id="24" creationId="{76A4E8A5-1CD9-48F1-9D0F-BF28CDE7E8F5}"/>
-          </ac:spMkLst>
-        </pc:spChg>
-        <pc:spChg chg="add mod">
-          <ac:chgData name="kaihua tang" userId="22376ffad72c4b64" providerId="LiveId" clId="{CE9B0419-8561-4196-9FDB-B85F086EC084}" dt="2020-04-14T06:08:59.992" v="17260" actId="1038"/>
-          <ac:spMkLst>
-            <pc:docMk/>
-            <pc:sldMk cId="3345873716" sldId="321"/>
-            <ac:spMk id="25" creationId="{7E06C514-103B-44B1-BD6D-7BD92C9DC94C}"/>
-          </ac:spMkLst>
-        </pc:spChg>
-        <pc:spChg chg="add mod">
-          <ac:chgData name="kaihua tang" userId="22376ffad72c4b64" providerId="LiveId" clId="{CE9B0419-8561-4196-9FDB-B85F086EC084}" dt="2020-04-14T06:10:07.146" v="17261" actId="207"/>
-          <ac:spMkLst>
-            <pc:docMk/>
-            <pc:sldMk cId="3345873716" sldId="321"/>
-            <ac:spMk id="26" creationId="{05845DD5-390F-4A47-BA9F-20502D29C305}"/>
-          </ac:spMkLst>
-        </pc:spChg>
-        <pc:spChg chg="add mod">
-          <ac:chgData name="kaihua tang" userId="22376ffad72c4b64" providerId="LiveId" clId="{CE9B0419-8561-4196-9FDB-B85F086EC084}" dt="2020-04-14T06:08:59.992" v="17260" actId="1038"/>
-          <ac:spMkLst>
-            <pc:docMk/>
-            <pc:sldMk cId="3345873716" sldId="321"/>
-            <ac:spMk id="27" creationId="{2587B740-2508-48AA-801D-837B634598EB}"/>
-          </ac:spMkLst>
-        </pc:spChg>
-        <pc:spChg chg="add mod">
-          <ac:chgData name="kaihua tang" userId="22376ffad72c4b64" providerId="LiveId" clId="{CE9B0419-8561-4196-9FDB-B85F086EC084}" dt="2020-04-14T06:08:59.992" v="17260" actId="1038"/>
-          <ac:spMkLst>
-            <pc:docMk/>
-            <pc:sldMk cId="3345873716" sldId="321"/>
-            <ac:spMk id="28" creationId="{59E2A39A-2979-43EF-BDAA-2D48E2B187A2}"/>
-          </ac:spMkLst>
-        </pc:spChg>
-        <pc:spChg chg="add mod">
-          <ac:chgData name="kaihua tang" userId="22376ffad72c4b64" providerId="LiveId" clId="{CE9B0419-8561-4196-9FDB-B85F086EC084}" dt="2020-04-14T06:08:59.992" v="17260" actId="1038"/>
-          <ac:spMkLst>
-            <pc:docMk/>
-            <pc:sldMk cId="3345873716" sldId="321"/>
-            <ac:spMk id="29" creationId="{8A78FD74-7148-4E1E-82CE-95F3AF818E98}"/>
-          </ac:spMkLst>
-        </pc:spChg>
-        <pc:spChg chg="add mod">
-          <ac:chgData name="kaihua tang" userId="22376ffad72c4b64" providerId="LiveId" clId="{CE9B0419-8561-4196-9FDB-B85F086EC084}" dt="2020-04-14T06:08:30.574" v="17220" actId="1076"/>
-          <ac:spMkLst>
-            <pc:docMk/>
-            <pc:sldMk cId="3345873716" sldId="321"/>
-            <ac:spMk id="31" creationId="{4D01DC14-0C37-48F3-AED7-71004AFE3E2C}"/>
-          </ac:spMkLst>
-        </pc:spChg>
-        <pc:spChg chg="add mod">
-          <ac:chgData name="kaihua tang" userId="22376ffad72c4b64" providerId="LiveId" clId="{CE9B0419-8561-4196-9FDB-B85F086EC084}" dt="2020-04-14T06:08:49.679" v="17230" actId="20577"/>
-          <ac:spMkLst>
-            <pc:docMk/>
-            <pc:sldMk cId="3345873716" sldId="321"/>
-            <ac:spMk id="32" creationId="{E9A41BA1-DA3E-44B2-9E79-B0ABC3B635DF}"/>
-          </ac:spMkLst>
-        </pc:spChg>
-        <pc:picChg chg="add mod">
-          <ac:chgData name="kaihua tang" userId="22376ffad72c4b64" providerId="LiveId" clId="{CE9B0419-8561-4196-9FDB-B85F086EC084}" dt="2020-04-14T06:08:04.926" v="17201" actId="1076"/>
-          <ac:picMkLst>
-            <pc:docMk/>
-            <pc:sldMk cId="3345873716" sldId="321"/>
-            <ac:picMk id="3" creationId="{EA847615-1E0B-4EC4-BFF3-CDDD177EFB59}"/>
-          </ac:picMkLst>
-        </pc:picChg>
-        <pc:picChg chg="add mod">
-          <ac:chgData name="kaihua tang" userId="22376ffad72c4b64" providerId="LiveId" clId="{CE9B0419-8561-4196-9FDB-B85F086EC084}" dt="2020-04-14T06:08:07.135" v="17202" actId="1076"/>
-          <ac:picMkLst>
-            <pc:docMk/>
-            <pc:sldMk cId="3345873716" sldId="321"/>
-            <ac:picMk id="30" creationId="{DD678ABD-B384-4A04-A35B-0F5EE9A893BA}"/>
-          </ac:picMkLst>
-        </pc:picChg>
-      </pc:sldChg>
-      <pc:sldChg chg="modSp add modNotesTx">
-        <pc:chgData name="kaihua tang" userId="22376ffad72c4b64" providerId="LiveId" clId="{CE9B0419-8561-4196-9FDB-B85F086EC084}" dt="2020-04-14T14:02:59.493" v="18549" actId="20577"/>
-        <pc:sldMkLst>
-          <pc:docMk/>
-          <pc:sldMk cId="4164155946" sldId="322"/>
-        </pc:sldMkLst>
-        <pc:spChg chg="mod">
-          <ac:chgData name="kaihua tang" userId="22376ffad72c4b64" providerId="LiveId" clId="{CE9B0419-8561-4196-9FDB-B85F086EC084}" dt="2020-04-14T14:02:34.813" v="18514" actId="20577"/>
-          <ac:spMkLst>
-            <pc:docMk/>
-            <pc:sldMk cId="4164155946" sldId="322"/>
-            <ac:spMk id="3" creationId="{D86AC0E6-91D3-4E2C-BAE7-1FC17922CA5A}"/>
-          </ac:spMkLst>
-        </pc:spChg>
-      </pc:sldChg>
-      <pc:sldChg chg="modSp add modNotesTx">
-        <pc:chgData name="kaihua tang" userId="22376ffad72c4b64" providerId="LiveId" clId="{CE9B0419-8561-4196-9FDB-B85F086EC084}" dt="2020-04-14T14:04:00.526" v="18569" actId="20577"/>
-        <pc:sldMkLst>
-          <pc:docMk/>
-          <pc:sldMk cId="3211732115" sldId="323"/>
-        </pc:sldMkLst>
-        <pc:spChg chg="mod">
-          <ac:chgData name="kaihua tang" userId="22376ffad72c4b64" providerId="LiveId" clId="{CE9B0419-8561-4196-9FDB-B85F086EC084}" dt="2020-04-14T14:03:50.390" v="18567" actId="20577"/>
-          <ac:spMkLst>
-            <pc:docMk/>
-            <pc:sldMk cId="3211732115" sldId="323"/>
-            <ac:spMk id="3" creationId="{D86AC0E6-91D3-4E2C-BAE7-1FC17922CA5A}"/>
-          </ac:spMkLst>
-        </pc:spChg>
-      </pc:sldChg>
-      <pc:sldChg chg="modSp add modNotesTx">
-        <pc:chgData name="kaihua tang" userId="22376ffad72c4b64" providerId="LiveId" clId="{CE9B0419-8561-4196-9FDB-B85F086EC084}" dt="2020-04-14T14:07:58.597" v="18698" actId="20577"/>
-        <pc:sldMkLst>
-          <pc:docMk/>
-          <pc:sldMk cId="3569790183" sldId="324"/>
-        </pc:sldMkLst>
-        <pc:spChg chg="mod">
-          <ac:chgData name="kaihua tang" userId="22376ffad72c4b64" providerId="LiveId" clId="{CE9B0419-8561-4196-9FDB-B85F086EC084}" dt="2020-04-14T14:07:58.597" v="18698" actId="20577"/>
-          <ac:spMkLst>
-            <pc:docMk/>
-            <pc:sldMk cId="3569790183" sldId="324"/>
-            <ac:spMk id="3" creationId="{D86AC0E6-91D3-4E2C-BAE7-1FC17922CA5A}"/>
-          </ac:spMkLst>
-        </pc:spChg>
-      </pc:sldChg>
-      <pc:sldChg chg="modSp add modNotesTx">
-        <pc:chgData name="kaihua tang" userId="22376ffad72c4b64" providerId="LiveId" clId="{CE9B0419-8561-4196-9FDB-B85F086EC084}" dt="2020-04-14T14:09:42.293" v="18707" actId="20577"/>
-        <pc:sldMkLst>
-          <pc:docMk/>
-          <pc:sldMk cId="4126836907" sldId="325"/>
-        </pc:sldMkLst>
-        <pc:spChg chg="mod">
-          <ac:chgData name="kaihua tang" userId="22376ffad72c4b64" providerId="LiveId" clId="{CE9B0419-8561-4196-9FDB-B85F086EC084}" dt="2020-04-14T14:09:42.293" v="18707" actId="20577"/>
-          <ac:spMkLst>
-            <pc:docMk/>
-            <pc:sldMk cId="4126836907" sldId="325"/>
-            <ac:spMk id="3" creationId="{D86AC0E6-91D3-4E2C-BAE7-1FC17922CA5A}"/>
-          </ac:spMkLst>
-        </pc:spChg>
-      </pc:sldChg>
-      <pc:sldChg chg="modSp add modNotesTx">
-        <pc:chgData name="kaihua tang" userId="22376ffad72c4b64" providerId="LiveId" clId="{CE9B0419-8561-4196-9FDB-B85F086EC084}" dt="2020-04-14T14:09:52.406" v="18716" actId="20577"/>
-        <pc:sldMkLst>
-          <pc:docMk/>
-          <pc:sldMk cId="2963477027" sldId="326"/>
-        </pc:sldMkLst>
-        <pc:spChg chg="mod">
-          <ac:chgData name="kaihua tang" userId="22376ffad72c4b64" providerId="LiveId" clId="{CE9B0419-8561-4196-9FDB-B85F086EC084}" dt="2020-04-14T14:09:52.406" v="18716" actId="20577"/>
-          <ac:spMkLst>
-            <pc:docMk/>
-            <pc:sldMk cId="2963477027" sldId="326"/>
-            <ac:spMk id="3" creationId="{D86AC0E6-91D3-4E2C-BAE7-1FC17922CA5A}"/>
-          </ac:spMkLst>
-        </pc:spChg>
-      </pc:sldChg>
-      <pc:sldChg chg="modSp add modNotesTx">
-        <pc:chgData name="kaihua tang" userId="22376ffad72c4b64" providerId="LiveId" clId="{CE9B0419-8561-4196-9FDB-B85F086EC084}" dt="2020-04-14T14:14:44.790" v="18754" actId="20577"/>
-        <pc:sldMkLst>
-          <pc:docMk/>
-          <pc:sldMk cId="1236483967" sldId="327"/>
-        </pc:sldMkLst>
-        <pc:spChg chg="mod">
-          <ac:chgData name="kaihua tang" userId="22376ffad72c4b64" providerId="LiveId" clId="{CE9B0419-8561-4196-9FDB-B85F086EC084}" dt="2020-04-14T14:14:44.790" v="18754" actId="20577"/>
-          <ac:spMkLst>
-            <pc:docMk/>
-            <pc:sldMk cId="1236483967" sldId="327"/>
-            <ac:spMk id="3" creationId="{D86AC0E6-91D3-4E2C-BAE7-1FC17922CA5A}"/>
-          </ac:spMkLst>
-        </pc:spChg>
-      </pc:sldChg>
-      <pc:sldChg chg="add del">
-        <pc:chgData name="kaihua tang" userId="22376ffad72c4b64" providerId="LiveId" clId="{CE9B0419-8561-4196-9FDB-B85F086EC084}" dt="2020-04-13T03:23:31.546" v="4440" actId="47"/>
-        <pc:sldMkLst>
-          <pc:docMk/>
-          <pc:sldMk cId="1143352253" sldId="328"/>
-        </pc:sldMkLst>
-      </pc:sldChg>
-      <pc:sldChg chg="addSp delSp modSp add modAnim modNotesTx">
-        <pc:chgData name="kaihua tang" userId="22376ffad72c4b64" providerId="LiveId" clId="{CE9B0419-8561-4196-9FDB-B85F086EC084}" dt="2020-04-14T14:24:17.973" v="19143" actId="20577"/>
-        <pc:sldMkLst>
-          <pc:docMk/>
-          <pc:sldMk cId="1756973237" sldId="328"/>
-        </pc:sldMkLst>
-        <pc:spChg chg="mod">
-          <ac:chgData name="kaihua tang" userId="22376ffad72c4b64" providerId="LiveId" clId="{CE9B0419-8561-4196-9FDB-B85F086EC084}" dt="2020-04-13T13:34:03.151" v="6272" actId="20577"/>
-          <ac:spMkLst>
-            <pc:docMk/>
-            <pc:sldMk cId="1756973237" sldId="328"/>
-            <ac:spMk id="2" creationId="{C19866F1-74AF-4E16-8198-08831C81B0A6}"/>
-          </ac:spMkLst>
-        </pc:spChg>
-        <pc:spChg chg="del mod">
-          <ac:chgData name="kaihua tang" userId="22376ffad72c4b64" providerId="LiveId" clId="{CE9B0419-8561-4196-9FDB-B85F086EC084}" dt="2020-04-13T13:36:21.610" v="6335" actId="478"/>
-          <ac:spMkLst>
-            <pc:docMk/>
-            <pc:sldMk cId="1756973237" sldId="328"/>
-            <ac:spMk id="3" creationId="{500438E5-AEF8-423D-AFF5-0C533BFB2215}"/>
-          </ac:spMkLst>
-        </pc:spChg>
-        <pc:spChg chg="add del mod">
-          <ac:chgData name="kaihua tang" userId="22376ffad72c4b64" providerId="LiveId" clId="{CE9B0419-8561-4196-9FDB-B85F086EC084}" dt="2020-04-14T05:17:18.498" v="16048"/>
-          <ac:spMkLst>
-            <pc:docMk/>
-            <pc:sldMk cId="1756973237" sldId="328"/>
-            <ac:spMk id="3" creationId="{58BCFB19-051F-41A4-AB5F-229ECF7C3A40}"/>
-          </ac:spMkLst>
-        </pc:spChg>
-        <pc:spChg chg="add mod">
-          <ac:chgData name="kaihua tang" userId="22376ffad72c4b64" providerId="LiveId" clId="{CE9B0419-8561-4196-9FDB-B85F086EC084}" dt="2020-04-13T13:37:51.774" v="6386" actId="1036"/>
-          <ac:spMkLst>
-            <pc:docMk/>
-            <pc:sldMk cId="1756973237" sldId="328"/>
-            <ac:spMk id="4" creationId="{CAF9CE4D-3824-44D3-9294-DC3239A5EC91}"/>
-          </ac:spMkLst>
-        </pc:spChg>
-        <pc:spChg chg="add mod">
-          <ac:chgData name="kaihua tang" userId="22376ffad72c4b64" providerId="LiveId" clId="{CE9B0419-8561-4196-9FDB-B85F086EC084}" dt="2020-04-13T13:37:51.774" v="6386" actId="1036"/>
-          <ac:spMkLst>
-            <pc:docMk/>
-            <pc:sldMk cId="1756973237" sldId="328"/>
-            <ac:spMk id="5" creationId="{7A427B0E-76C4-4DDA-BFA5-65D034E7EDFF}"/>
-          </ac:spMkLst>
-        </pc:spChg>
-        <pc:spChg chg="add mod">
-          <ac:chgData name="kaihua tang" userId="22376ffad72c4b64" providerId="LiveId" clId="{CE9B0419-8561-4196-9FDB-B85F086EC084}" dt="2020-04-13T13:37:51.774" v="6386" actId="1036"/>
-          <ac:spMkLst>
-            <pc:docMk/>
-            <pc:sldMk cId="1756973237" sldId="328"/>
-            <ac:spMk id="6" creationId="{C8CE20FD-1B90-476A-A084-94C4146C6282}"/>
-          </ac:spMkLst>
-        </pc:spChg>
-        <pc:spChg chg="add mod">
-          <ac:chgData name="kaihua tang" userId="22376ffad72c4b64" providerId="LiveId" clId="{CE9B0419-8561-4196-9FDB-B85F086EC084}" dt="2020-04-14T14:07:49.974" v="18689" actId="20577"/>
-          <ac:spMkLst>
-            <pc:docMk/>
-            <pc:sldMk cId="1756973237" sldId="328"/>
-            <ac:spMk id="7" creationId="{ED6CA93E-C2A7-4DEC-9DD2-A82D1602BDAF}"/>
-          </ac:spMkLst>
-        </pc:spChg>
-        <pc:spChg chg="add del mod">
-          <ac:chgData name="kaihua tang" userId="22376ffad72c4b64" providerId="LiveId" clId="{CE9B0419-8561-4196-9FDB-B85F086EC084}" dt="2020-04-13T13:37:19.930" v="6348" actId="11529"/>
-          <ac:spMkLst>
-            <pc:docMk/>
-            <pc:sldMk cId="1756973237" sldId="328"/>
-            <ac:spMk id="8" creationId="{2C941A8B-2630-43A0-BB27-E50B0F7895B2}"/>
-          </ac:spMkLst>
-        </pc:spChg>
-        <pc:spChg chg="add mod">
-          <ac:chgData name="kaihua tang" userId="22376ffad72c4b64" providerId="LiveId" clId="{CE9B0419-8561-4196-9FDB-B85F086EC084}" dt="2020-04-14T05:17:08.050" v="16045" actId="1076"/>
-          <ac:spMkLst>
-            <pc:docMk/>
-            <pc:sldMk cId="1756973237" sldId="328"/>
-            <ac:spMk id="8" creationId="{6B2B96F2-8119-47B9-916B-400D50B3448D}"/>
-          </ac:spMkLst>
-        </pc:spChg>
-        <pc:spChg chg="add mod">
-          <ac:chgData name="kaihua tang" userId="22376ffad72c4b64" providerId="LiveId" clId="{CE9B0419-8561-4196-9FDB-B85F086EC084}" dt="2020-04-13T13:37:51.774" v="6386" actId="1036"/>
-          <ac:spMkLst>
-            <pc:docMk/>
-            <pc:sldMk cId="1756973237" sldId="328"/>
-            <ac:spMk id="9" creationId="{DD22FE32-3569-4D20-B000-747731D53EEA}"/>
-          </ac:spMkLst>
-        </pc:spChg>
-        <pc:spChg chg="add mod">
-          <ac:chgData name="kaihua tang" userId="22376ffad72c4b64" providerId="LiveId" clId="{CE9B0419-8561-4196-9FDB-B85F086EC084}" dt="2020-04-13T13:37:51.774" v="6386" actId="1036"/>
-          <ac:spMkLst>
-            <pc:docMk/>
-            <pc:sldMk cId="1756973237" sldId="328"/>
-            <ac:spMk id="10" creationId="{5EA95255-E66D-45EE-A280-DB21D238D4C4}"/>
-          </ac:spMkLst>
-        </pc:spChg>
-      </pc:sldChg>
-      <pc:sldChg chg="modSp add modNotesTx">
-        <pc:chgData name="kaihua tang" userId="22376ffad72c4b64" providerId="LiveId" clId="{CE9B0419-8561-4196-9FDB-B85F086EC084}" dt="2020-04-14T14:27:34.237" v="19472" actId="20577"/>
-        <pc:sldMkLst>
-          <pc:docMk/>
-          <pc:sldMk cId="674036432" sldId="329"/>
-        </pc:sldMkLst>
-        <pc:spChg chg="mod">
-          <ac:chgData name="kaihua tang" userId="22376ffad72c4b64" providerId="LiveId" clId="{CE9B0419-8561-4196-9FDB-B85F086EC084}" dt="2020-04-13T14:23:18.769" v="7800" actId="404"/>
-          <ac:spMkLst>
-            <pc:docMk/>
-            <pc:sldMk cId="674036432" sldId="329"/>
-            <ac:spMk id="2" creationId="{CB502ABA-D8C0-4380-9D6E-80943C72FEF4}"/>
-          </ac:spMkLst>
-        </pc:spChg>
-        <pc:spChg chg="mod">
-          <ac:chgData name="kaihua tang" userId="22376ffad72c4b64" providerId="LiveId" clId="{CE9B0419-8561-4196-9FDB-B85F086EC084}" dt="2020-04-14T05:20:44.208" v="16128" actId="20577"/>
-          <ac:spMkLst>
-            <pc:docMk/>
-            <pc:sldMk cId="674036432" sldId="329"/>
-            <ac:spMk id="3" creationId="{0A51D9CB-F4FE-47DC-ACED-0D0108F42E4C}"/>
-          </ac:spMkLst>
-        </pc:spChg>
-      </pc:sldChg>
-      <pc:sldMasterChg chg="modSldLayout">
-        <pc:chgData name="kaihua tang" userId="22376ffad72c4b64" providerId="LiveId" clId="{CE9B0419-8561-4196-9FDB-B85F086EC084}" dt="2020-04-12T12:25:07.237" v="2618"/>
-        <pc:sldMasterMkLst>
-          <pc:docMk/>
-          <pc:sldMasterMk cId="3632467626" sldId="2147483648"/>
-        </pc:sldMasterMkLst>
-        <pc:sldLayoutChg chg="addSp delSp">
-          <pc:chgData name="kaihua tang" userId="22376ffad72c4b64" providerId="LiveId" clId="{CE9B0419-8561-4196-9FDB-B85F086EC084}" dt="2020-04-12T12:25:03.949" v="2616"/>
-          <pc:sldLayoutMkLst>
-            <pc:docMk/>
-            <pc:sldMasterMk cId="3632467626" sldId="2147483648"/>
-            <pc:sldLayoutMk cId="298551546" sldId="2147483650"/>
-          </pc:sldLayoutMkLst>
-          <pc:cxnChg chg="add del">
-            <ac:chgData name="kaihua tang" userId="22376ffad72c4b64" providerId="LiveId" clId="{CE9B0419-8561-4196-9FDB-B85F086EC084}" dt="2020-04-12T12:24:18.376" v="2571" actId="478"/>
-            <ac:cxnSpMkLst>
-              <pc:docMk/>
-              <pc:sldMasterMk cId="3632467626" sldId="2147483648"/>
-              <pc:sldLayoutMk cId="298551546" sldId="2147483650"/>
-              <ac:cxnSpMk id="10" creationId="{9DC000FB-2B34-49B2-8714-9EA438AA2173}"/>
-            </ac:cxnSpMkLst>
-          </pc:cxnChg>
-          <pc:cxnChg chg="add del">
-            <ac:chgData name="kaihua tang" userId="22376ffad72c4b64" providerId="LiveId" clId="{CE9B0419-8561-4196-9FDB-B85F086EC084}" dt="2020-04-12T12:25:03.753" v="2615" actId="478"/>
-            <ac:cxnSpMkLst>
-              <pc:docMk/>
-              <pc:sldMasterMk cId="3632467626" sldId="2147483648"/>
-              <pc:sldLayoutMk cId="298551546" sldId="2147483650"/>
-              <ac:cxnSpMk id="11" creationId="{A954107C-1E5A-4E9C-B81C-04DEC4F2743B}"/>
-            </ac:cxnSpMkLst>
-          </pc:cxnChg>
-          <pc:cxnChg chg="add">
-            <ac:chgData name="kaihua tang" userId="22376ffad72c4b64" providerId="LiveId" clId="{CE9B0419-8561-4196-9FDB-B85F086EC084}" dt="2020-04-12T12:25:03.949" v="2616"/>
-            <ac:cxnSpMkLst>
-              <pc:docMk/>
-              <pc:sldMasterMk cId="3632467626" sldId="2147483648"/>
-              <pc:sldLayoutMk cId="298551546" sldId="2147483650"/>
-              <ac:cxnSpMk id="12" creationId="{C3A7323C-CD7D-414A-9B6A-760A1ECD6A96}"/>
-            </ac:cxnSpMkLst>
-          </pc:cxnChg>
-        </pc:sldLayoutChg>
-        <pc:sldLayoutChg chg="addSp delSp">
-          <pc:chgData name="kaihua tang" userId="22376ffad72c4b64" providerId="LiveId" clId="{CE9B0419-8561-4196-9FDB-B85F086EC084}" dt="2020-04-12T12:25:07.237" v="2618"/>
-          <pc:sldLayoutMkLst>
-            <pc:docMk/>
-            <pc:sldMasterMk cId="3632467626" sldId="2147483648"/>
-            <pc:sldLayoutMk cId="3211848148" sldId="2147483652"/>
-          </pc:sldLayoutMkLst>
-          <pc:cxnChg chg="add del">
-            <ac:chgData name="kaihua tang" userId="22376ffad72c4b64" providerId="LiveId" clId="{CE9B0419-8561-4196-9FDB-B85F086EC084}" dt="2020-04-12T12:24:21.769" v="2573" actId="478"/>
-            <ac:cxnSpMkLst>
-              <pc:docMk/>
-              <pc:sldMasterMk cId="3632467626" sldId="2147483648"/>
-              <pc:sldLayoutMk cId="3211848148" sldId="2147483652"/>
-              <ac:cxnSpMk id="10" creationId="{E960C411-27AE-45B9-8B5C-5E11D329F500}"/>
-            </ac:cxnSpMkLst>
-          </pc:cxnChg>
-          <pc:cxnChg chg="add del">
-            <ac:chgData name="kaihua tang" userId="22376ffad72c4b64" providerId="LiveId" clId="{CE9B0419-8561-4196-9FDB-B85F086EC084}" dt="2020-04-12T12:25:06.953" v="2617" actId="478"/>
-            <ac:cxnSpMkLst>
-              <pc:docMk/>
-              <pc:sldMasterMk cId="3632467626" sldId="2147483648"/>
-              <pc:sldLayoutMk cId="3211848148" sldId="2147483652"/>
-              <ac:cxnSpMk id="11" creationId="{FB9003F1-8C69-425F-9723-1CBC886B5F5C}"/>
-            </ac:cxnSpMkLst>
-          </pc:cxnChg>
-          <pc:cxnChg chg="add">
-            <ac:chgData name="kaihua tang" userId="22376ffad72c4b64" providerId="LiveId" clId="{CE9B0419-8561-4196-9FDB-B85F086EC084}" dt="2020-04-12T12:25:07.237" v="2618"/>
-            <ac:cxnSpMkLst>
-              <pc:docMk/>
-              <pc:sldMasterMk cId="3632467626" sldId="2147483648"/>
-              <pc:sldLayoutMk cId="3211848148" sldId="2147483652"/>
-              <ac:cxnSpMk id="12" creationId="{69D1EBDE-D827-49D0-A682-4C35910AD038}"/>
-            </ac:cxnSpMkLst>
-          </pc:cxnChg>
-        </pc:sldLayoutChg>
-        <pc:sldLayoutChg chg="addSp modSp">
-          <pc:chgData name="kaihua tang" userId="22376ffad72c4b64" providerId="LiveId" clId="{CE9B0419-8561-4196-9FDB-B85F086EC084}" dt="2020-04-12T12:24:59.785" v="2614" actId="1035"/>
-          <pc:sldLayoutMkLst>
-            <pc:docMk/>
-            <pc:sldMasterMk cId="3632467626" sldId="2147483648"/>
-            <pc:sldLayoutMk cId="1780902756" sldId="2147483653"/>
-          </pc:sldLayoutMkLst>
-          <pc:spChg chg="mod">
-            <ac:chgData name="kaihua tang" userId="22376ffad72c4b64" providerId="LiveId" clId="{CE9B0419-8561-4196-9FDB-B85F086EC084}" dt="2020-04-12T12:24:51.241" v="2591" actId="20577"/>
-            <ac:spMkLst>
-              <pc:docMk/>
-              <pc:sldMasterMk cId="3632467626" sldId="2147483648"/>
-              <pc:sldLayoutMk cId="1780902756" sldId="2147483653"/>
-              <ac:spMk id="2" creationId="{64331DF7-8CF8-42F3-ACFD-B3756D50117F}"/>
-            </ac:spMkLst>
-          </pc:spChg>
-          <pc:cxnChg chg="add mod">
-            <ac:chgData name="kaihua tang" userId="22376ffad72c4b64" providerId="LiveId" clId="{CE9B0419-8561-4196-9FDB-B85F086EC084}" dt="2020-04-12T12:24:59.785" v="2614" actId="1035"/>
-            <ac:cxnSpMkLst>
-              <pc:docMk/>
-              <pc:sldMasterMk cId="3632467626" sldId="2147483648"/>
-              <pc:sldLayoutMk cId="1780902756" sldId="2147483653"/>
-              <ac:cxnSpMk id="10" creationId="{A045FB28-9458-4138-95A2-10262DAC7404}"/>
-            </ac:cxnSpMkLst>
-          </pc:cxnChg>
-        </pc:sldLayoutChg>
-      </pc:sldMasterChg>
-    </pc:docChg>
-  </pc:docChgLst>
-  <pc:docChgLst>
-    <pc:chgData name="tang kaihua" userId="22376ffad72c4b64" providerId="LiveId" clId="{97FD337A-FEF0-44F5-8CC1-7D7D236AC9A3}"/>
-    <pc:docChg chg="custSel modSld">
-      <pc:chgData name="tang kaihua" userId="22376ffad72c4b64" providerId="LiveId" clId="{97FD337A-FEF0-44F5-8CC1-7D7D236AC9A3}" dt="2020-08-27T06:52:22.986" v="0" actId="478"/>
-      <pc:docMkLst>
-        <pc:docMk/>
-      </pc:docMkLst>
-      <pc:sldChg chg="delSp">
-        <pc:chgData name="tang kaihua" userId="22376ffad72c4b64" providerId="LiveId" clId="{97FD337A-FEF0-44F5-8CC1-7D7D236AC9A3}" dt="2020-08-27T06:52:22.986" v="0" actId="478"/>
-        <pc:sldMkLst>
-          <pc:docMk/>
-          <pc:sldMk cId="2362068444" sldId="313"/>
-        </pc:sldMkLst>
-        <pc:picChg chg="del">
-          <ac:chgData name="tang kaihua" userId="22376ffad72c4b64" providerId="LiveId" clId="{97FD337A-FEF0-44F5-8CC1-7D7D236AC9A3}" dt="2020-08-27T06:52:22.986" v="0" actId="478"/>
-          <ac:picMkLst>
-            <pc:docMk/>
-            <pc:sldMk cId="2362068444" sldId="313"/>
-            <ac:picMk id="7" creationId="{796B88ED-D66A-794C-9458-3273C90C5261}"/>
-          </ac:picMkLst>
-        </pc:picChg>
-      </pc:sldChg>
-    </pc:docChg>
-  </pc:docChgLst>
-  <pc:docChgLst>
-    <pc:chgData name="tang kaihua" userId="22376ffad72c4b64" providerId="LiveId" clId="{C413DBEA-0218-8C43-8A94-99A1C52D7973}"/>
-    <pc:docChg chg="custSel modSld">
-      <pc:chgData name="tang kaihua" userId="22376ffad72c4b64" providerId="LiveId" clId="{C413DBEA-0218-8C43-8A94-99A1C52D7973}" dt="2020-10-20T14:06:54.292" v="1401" actId="20577"/>
-      <pc:docMkLst>
-        <pc:docMk/>
-      </pc:docMkLst>
-      <pc:sldChg chg="modNotesTx">
-        <pc:chgData name="tang kaihua" userId="22376ffad72c4b64" providerId="LiveId" clId="{C413DBEA-0218-8C43-8A94-99A1C52D7973}" dt="2020-10-20T02:46:05.967" v="37" actId="20577"/>
-        <pc:sldMkLst>
-          <pc:docMk/>
-          <pc:sldMk cId="1476400320" sldId="259"/>
-        </pc:sldMkLst>
-      </pc:sldChg>
-      <pc:sldChg chg="modNotesTx">
-        <pc:chgData name="tang kaihua" userId="22376ffad72c4b64" providerId="LiveId" clId="{C413DBEA-0218-8C43-8A94-99A1C52D7973}" dt="2020-10-20T02:45:28.557" v="1" actId="20577"/>
-        <pc:sldMkLst>
-          <pc:docMk/>
-          <pc:sldMk cId="3749994098" sldId="260"/>
-        </pc:sldMkLst>
-      </pc:sldChg>
-      <pc:sldChg chg="modSp modNotesTx">
-        <pc:chgData name="tang kaihua" userId="22376ffad72c4b64" providerId="LiveId" clId="{C413DBEA-0218-8C43-8A94-99A1C52D7973}" dt="2020-10-20T14:06:54.292" v="1401" actId="20577"/>
-        <pc:sldMkLst>
-          <pc:docMk/>
-          <pc:sldMk cId="2747454195" sldId="261"/>
-        </pc:sldMkLst>
-        <pc:spChg chg="mod">
-          <ac:chgData name="tang kaihua" userId="22376ffad72c4b64" providerId="LiveId" clId="{C413DBEA-0218-8C43-8A94-99A1C52D7973}" dt="2020-10-20T02:48:48.572" v="275" actId="20577"/>
-          <ac:spMkLst>
-            <pc:docMk/>
-            <pc:sldMk cId="2747454195" sldId="261"/>
-            <ac:spMk id="3" creationId="{BD0A40A9-917E-45BF-BE0D-7FB9599363AF}"/>
-          </ac:spMkLst>
-        </pc:spChg>
-      </pc:sldChg>
-      <pc:sldChg chg="modNotesTx">
-        <pc:chgData name="tang kaihua" userId="22376ffad72c4b64" providerId="LiveId" clId="{C413DBEA-0218-8C43-8A94-99A1C52D7973}" dt="2020-10-20T02:57:19.934" v="902" actId="20577"/>
-        <pc:sldMkLst>
-          <pc:docMk/>
-          <pc:sldMk cId="3836772873" sldId="262"/>
-        </pc:sldMkLst>
-      </pc:sldChg>
-      <pc:sldChg chg="modNotesTx">
-        <pc:chgData name="tang kaihua" userId="22376ffad72c4b64" providerId="LiveId" clId="{C413DBEA-0218-8C43-8A94-99A1C52D7973}" dt="2020-10-20T02:50:36.891" v="374" actId="20577"/>
-        <pc:sldMkLst>
-          <pc:docMk/>
-          <pc:sldMk cId="1940582218" sldId="285"/>
-        </pc:sldMkLst>
-      </pc:sldChg>
-      <pc:sldChg chg="modNotesTx">
-        <pc:chgData name="tang kaihua" userId="22376ffad72c4b64" providerId="LiveId" clId="{C413DBEA-0218-8C43-8A94-99A1C52D7973}" dt="2020-10-20T02:59:00.925" v="1109" actId="20577"/>
-        <pc:sldMkLst>
-          <pc:docMk/>
-          <pc:sldMk cId="1062913918" sldId="286"/>
-        </pc:sldMkLst>
-      </pc:sldChg>
-      <pc:sldChg chg="modSp mod modNotesTx">
-        <pc:chgData name="tang kaihua" userId="22376ffad72c4b64" providerId="LiveId" clId="{C413DBEA-0218-8C43-8A94-99A1C52D7973}" dt="2020-10-20T02:56:01.216" v="723" actId="20577"/>
-        <pc:sldMkLst>
-          <pc:docMk/>
-          <pc:sldMk cId="3315760454" sldId="287"/>
-        </pc:sldMkLst>
-        <pc:spChg chg="mod">
-          <ac:chgData name="tang kaihua" userId="22376ffad72c4b64" providerId="LiveId" clId="{C413DBEA-0218-8C43-8A94-99A1C52D7973}" dt="2020-10-20T02:53:13.766" v="563" actId="20577"/>
-          <ac:spMkLst>
-            <pc:docMk/>
-            <pc:sldMk cId="3315760454" sldId="287"/>
-            <ac:spMk id="2" creationId="{B21FF5DC-5AC4-48CD-87DC-2781BC6E391F}"/>
-          </ac:spMkLst>
-        </pc:spChg>
-      </pc:sldChg>
-      <pc:sldChg chg="modNotesTx">
-        <pc:chgData name="tang kaihua" userId="22376ffad72c4b64" providerId="LiveId" clId="{C413DBEA-0218-8C43-8A94-99A1C52D7973}" dt="2020-10-20T02:59:37.387" v="1175" actId="20577"/>
-        <pc:sldMkLst>
-          <pc:docMk/>
-          <pc:sldMk cId="232190874" sldId="288"/>
-        </pc:sldMkLst>
-      </pc:sldChg>
-      <pc:sldChg chg="modNotesTx">
-        <pc:chgData name="tang kaihua" userId="22376ffad72c4b64" providerId="LiveId" clId="{C413DBEA-0218-8C43-8A94-99A1C52D7973}" dt="2020-10-20T02:59:29.686" v="1154" actId="20577"/>
-        <pc:sldMkLst>
-          <pc:docMk/>
-          <pc:sldMk cId="94844401" sldId="289"/>
-        </pc:sldMkLst>
-      </pc:sldChg>
-      <pc:sldChg chg="modSp mod modNotesTx">
-        <pc:chgData name="tang kaihua" userId="22376ffad72c4b64" providerId="LiveId" clId="{C413DBEA-0218-8C43-8A94-99A1C52D7973}" dt="2020-10-20T03:01:54.033" v="1392" actId="20577"/>
-        <pc:sldMkLst>
-          <pc:docMk/>
-          <pc:sldMk cId="2712102768" sldId="291"/>
-        </pc:sldMkLst>
-        <pc:spChg chg="mod">
-          <ac:chgData name="tang kaihua" userId="22376ffad72c4b64" providerId="LiveId" clId="{C413DBEA-0218-8C43-8A94-99A1C52D7973}" dt="2020-10-20T03:01:54.033" v="1392" actId="20577"/>
-          <ac:spMkLst>
-            <pc:docMk/>
-            <pc:sldMk cId="2712102768" sldId="291"/>
-            <ac:spMk id="2" creationId="{7315AF1A-C1C6-4321-A962-0805E3F73442}"/>
-          </ac:spMkLst>
-        </pc:spChg>
-      </pc:sldChg>
-      <pc:sldChg chg="modNotesTx">
-        <pc:chgData name="tang kaihua" userId="22376ffad72c4b64" providerId="LiveId" clId="{C413DBEA-0218-8C43-8A94-99A1C52D7973}" dt="2020-10-20T03:01:01.971" v="1361" actId="20577"/>
-        <pc:sldMkLst>
-          <pc:docMk/>
-          <pc:sldMk cId="1309942797" sldId="292"/>
-        </pc:sldMkLst>
-      </pc:sldChg>
-    </pc:docChg>
-  </pc:docChgLst>
-  <pc:docChgLst>
     <pc:chgData name="kaihua tang" userId="22376ffad72c4b64" providerId="LiveId" clId="{1FDD1883-233E-4475-B201-9F2A94F4887E}"/>
     <pc:docChg chg="undo custSel addSld delSld modSld modMainMaster modSection">
       <pc:chgData name="kaihua tang" userId="22376ffad72c4b64" providerId="LiveId" clId="{1FDD1883-233E-4475-B201-9F2A94F4887E}" dt="2020-10-19T15:20:33.361" v="2982" actId="20577"/>
@@ -6009,6 +2028,140 @@
     </pc:docChg>
   </pc:docChgLst>
   <pc:docChgLst>
+    <pc:chgData name="tang kaihua" userId="22376ffad72c4b64" providerId="LiveId" clId="{C413DBEA-0218-8C43-8A94-99A1C52D7973}"/>
+    <pc:docChg chg="custSel modSld">
+      <pc:chgData name="tang kaihua" userId="22376ffad72c4b64" providerId="LiveId" clId="{C413DBEA-0218-8C43-8A94-99A1C52D7973}" dt="2020-10-20T14:06:54.292" v="1401" actId="20577"/>
+      <pc:docMkLst>
+        <pc:docMk/>
+      </pc:docMkLst>
+      <pc:sldChg chg="modNotesTx">
+        <pc:chgData name="tang kaihua" userId="22376ffad72c4b64" providerId="LiveId" clId="{C413DBEA-0218-8C43-8A94-99A1C52D7973}" dt="2020-10-20T02:46:05.967" v="37" actId="20577"/>
+        <pc:sldMkLst>
+          <pc:docMk/>
+          <pc:sldMk cId="1476400320" sldId="259"/>
+        </pc:sldMkLst>
+      </pc:sldChg>
+      <pc:sldChg chg="modNotesTx">
+        <pc:chgData name="tang kaihua" userId="22376ffad72c4b64" providerId="LiveId" clId="{C413DBEA-0218-8C43-8A94-99A1C52D7973}" dt="2020-10-20T02:45:28.557" v="1" actId="20577"/>
+        <pc:sldMkLst>
+          <pc:docMk/>
+          <pc:sldMk cId="3749994098" sldId="260"/>
+        </pc:sldMkLst>
+      </pc:sldChg>
+      <pc:sldChg chg="modSp modNotesTx">
+        <pc:chgData name="tang kaihua" userId="22376ffad72c4b64" providerId="LiveId" clId="{C413DBEA-0218-8C43-8A94-99A1C52D7973}" dt="2020-10-20T14:06:54.292" v="1401" actId="20577"/>
+        <pc:sldMkLst>
+          <pc:docMk/>
+          <pc:sldMk cId="2747454195" sldId="261"/>
+        </pc:sldMkLst>
+        <pc:spChg chg="mod">
+          <ac:chgData name="tang kaihua" userId="22376ffad72c4b64" providerId="LiveId" clId="{C413DBEA-0218-8C43-8A94-99A1C52D7973}" dt="2020-10-20T02:48:48.572" v="275" actId="20577"/>
+          <ac:spMkLst>
+            <pc:docMk/>
+            <pc:sldMk cId="2747454195" sldId="261"/>
+            <ac:spMk id="3" creationId="{BD0A40A9-917E-45BF-BE0D-7FB9599363AF}"/>
+          </ac:spMkLst>
+        </pc:spChg>
+      </pc:sldChg>
+      <pc:sldChg chg="modNotesTx">
+        <pc:chgData name="tang kaihua" userId="22376ffad72c4b64" providerId="LiveId" clId="{C413DBEA-0218-8C43-8A94-99A1C52D7973}" dt="2020-10-20T02:57:19.934" v="902" actId="20577"/>
+        <pc:sldMkLst>
+          <pc:docMk/>
+          <pc:sldMk cId="3836772873" sldId="262"/>
+        </pc:sldMkLst>
+      </pc:sldChg>
+      <pc:sldChg chg="modNotesTx">
+        <pc:chgData name="tang kaihua" userId="22376ffad72c4b64" providerId="LiveId" clId="{C413DBEA-0218-8C43-8A94-99A1C52D7973}" dt="2020-10-20T02:50:36.891" v="374" actId="20577"/>
+        <pc:sldMkLst>
+          <pc:docMk/>
+          <pc:sldMk cId="1940582218" sldId="285"/>
+        </pc:sldMkLst>
+      </pc:sldChg>
+      <pc:sldChg chg="modNotesTx">
+        <pc:chgData name="tang kaihua" userId="22376ffad72c4b64" providerId="LiveId" clId="{C413DBEA-0218-8C43-8A94-99A1C52D7973}" dt="2020-10-20T02:59:00.925" v="1109" actId="20577"/>
+        <pc:sldMkLst>
+          <pc:docMk/>
+          <pc:sldMk cId="1062913918" sldId="286"/>
+        </pc:sldMkLst>
+      </pc:sldChg>
+      <pc:sldChg chg="modSp mod modNotesTx">
+        <pc:chgData name="tang kaihua" userId="22376ffad72c4b64" providerId="LiveId" clId="{C413DBEA-0218-8C43-8A94-99A1C52D7973}" dt="2020-10-20T02:56:01.216" v="723" actId="20577"/>
+        <pc:sldMkLst>
+          <pc:docMk/>
+          <pc:sldMk cId="3315760454" sldId="287"/>
+        </pc:sldMkLst>
+        <pc:spChg chg="mod">
+          <ac:chgData name="tang kaihua" userId="22376ffad72c4b64" providerId="LiveId" clId="{C413DBEA-0218-8C43-8A94-99A1C52D7973}" dt="2020-10-20T02:53:13.766" v="563" actId="20577"/>
+          <ac:spMkLst>
+            <pc:docMk/>
+            <pc:sldMk cId="3315760454" sldId="287"/>
+            <ac:spMk id="2" creationId="{B21FF5DC-5AC4-48CD-87DC-2781BC6E391F}"/>
+          </ac:spMkLst>
+        </pc:spChg>
+      </pc:sldChg>
+      <pc:sldChg chg="modNotesTx">
+        <pc:chgData name="tang kaihua" userId="22376ffad72c4b64" providerId="LiveId" clId="{C413DBEA-0218-8C43-8A94-99A1C52D7973}" dt="2020-10-20T02:59:37.387" v="1175" actId="20577"/>
+        <pc:sldMkLst>
+          <pc:docMk/>
+          <pc:sldMk cId="232190874" sldId="288"/>
+        </pc:sldMkLst>
+      </pc:sldChg>
+      <pc:sldChg chg="modNotesTx">
+        <pc:chgData name="tang kaihua" userId="22376ffad72c4b64" providerId="LiveId" clId="{C413DBEA-0218-8C43-8A94-99A1C52D7973}" dt="2020-10-20T02:59:29.686" v="1154" actId="20577"/>
+        <pc:sldMkLst>
+          <pc:docMk/>
+          <pc:sldMk cId="94844401" sldId="289"/>
+        </pc:sldMkLst>
+      </pc:sldChg>
+      <pc:sldChg chg="modSp mod modNotesTx">
+        <pc:chgData name="tang kaihua" userId="22376ffad72c4b64" providerId="LiveId" clId="{C413DBEA-0218-8C43-8A94-99A1C52D7973}" dt="2020-10-20T03:01:54.033" v="1392" actId="20577"/>
+        <pc:sldMkLst>
+          <pc:docMk/>
+          <pc:sldMk cId="2712102768" sldId="291"/>
+        </pc:sldMkLst>
+        <pc:spChg chg="mod">
+          <ac:chgData name="tang kaihua" userId="22376ffad72c4b64" providerId="LiveId" clId="{C413DBEA-0218-8C43-8A94-99A1C52D7973}" dt="2020-10-20T03:01:54.033" v="1392" actId="20577"/>
+          <ac:spMkLst>
+            <pc:docMk/>
+            <pc:sldMk cId="2712102768" sldId="291"/>
+            <ac:spMk id="2" creationId="{7315AF1A-C1C6-4321-A962-0805E3F73442}"/>
+          </ac:spMkLst>
+        </pc:spChg>
+      </pc:sldChg>
+      <pc:sldChg chg="modNotesTx">
+        <pc:chgData name="tang kaihua" userId="22376ffad72c4b64" providerId="LiveId" clId="{C413DBEA-0218-8C43-8A94-99A1C52D7973}" dt="2020-10-20T03:01:01.971" v="1361" actId="20577"/>
+        <pc:sldMkLst>
+          <pc:docMk/>
+          <pc:sldMk cId="1309942797" sldId="292"/>
+        </pc:sldMkLst>
+      </pc:sldChg>
+    </pc:docChg>
+  </pc:docChgLst>
+  <pc:docChgLst>
+    <pc:chgData name="tang kaihua" userId="22376ffad72c4b64" providerId="LiveId" clId="{97FD337A-FEF0-44F5-8CC1-7D7D236AC9A3}"/>
+    <pc:docChg chg="custSel modSld">
+      <pc:chgData name="tang kaihua" userId="22376ffad72c4b64" providerId="LiveId" clId="{97FD337A-FEF0-44F5-8CC1-7D7D236AC9A3}" dt="2020-08-27T06:52:22.986" v="0" actId="478"/>
+      <pc:docMkLst>
+        <pc:docMk/>
+      </pc:docMkLst>
+      <pc:sldChg chg="delSp">
+        <pc:chgData name="tang kaihua" userId="22376ffad72c4b64" providerId="LiveId" clId="{97FD337A-FEF0-44F5-8CC1-7D7D236AC9A3}" dt="2020-08-27T06:52:22.986" v="0" actId="478"/>
+        <pc:sldMkLst>
+          <pc:docMk/>
+          <pc:sldMk cId="2362068444" sldId="313"/>
+        </pc:sldMkLst>
+        <pc:picChg chg="del">
+          <ac:chgData name="tang kaihua" userId="22376ffad72c4b64" providerId="LiveId" clId="{97FD337A-FEF0-44F5-8CC1-7D7D236AC9A3}" dt="2020-08-27T06:52:22.986" v="0" actId="478"/>
+          <ac:picMkLst>
+            <pc:docMk/>
+            <pc:sldMk cId="2362068444" sldId="313"/>
+            <ac:picMk id="7" creationId="{796B88ED-D66A-794C-9458-3273C90C5261}"/>
+          </ac:picMkLst>
+        </pc:picChg>
+      </pc:sldChg>
+    </pc:docChg>
+  </pc:docChgLst>
+  <pc:docChgLst>
     <pc:chgData name="kaihua tang" userId="22376ffad72c4b64" providerId="LiveId" clId="{EBDB1333-3FB7-4D9D-A80D-4F3267033B9B}"/>
     <pc:docChg chg="undo custSel modSld">
       <pc:chgData name="kaihua tang" userId="22376ffad72c4b64" providerId="LiveId" clId="{EBDB1333-3FB7-4D9D-A80D-4F3267033B9B}" dt="2020-05-02T14:12:34.325" v="6100" actId="20577"/>
@@ -6891,6 +3044,3853 @@
           <pc:sldMk cId="3859052323" sldId="320"/>
         </pc:sldMkLst>
       </pc:sldChg>
+    </pc:docChg>
+  </pc:docChgLst>
+  <pc:docChgLst>
+    <pc:chgData name="kaihua tang" userId="22376ffad72c4b64" providerId="LiveId" clId="{CE9B0419-8561-4196-9FDB-B85F086EC084}"/>
+    <pc:docChg chg="undo custSel addSld delSld modSld sldOrd modMainMaster addSection delSection modSection">
+      <pc:chgData name="kaihua tang" userId="22376ffad72c4b64" providerId="LiveId" clId="{CE9B0419-8561-4196-9FDB-B85F086EC084}" dt="2020-04-14T16:09:15.509" v="20372" actId="20577"/>
+      <pc:docMkLst>
+        <pc:docMk/>
+      </pc:docMkLst>
+      <pc:sldChg chg="modNotesTx">
+        <pc:chgData name="kaihua tang" userId="22376ffad72c4b64" providerId="LiveId" clId="{CE9B0419-8561-4196-9FDB-B85F086EC084}" dt="2020-04-13T11:56:50.679" v="4556" actId="20577"/>
+        <pc:sldMkLst>
+          <pc:docMk/>
+          <pc:sldMk cId="444411175" sldId="256"/>
+        </pc:sldMkLst>
+      </pc:sldChg>
+      <pc:sldChg chg="modSp modNotesTx">
+        <pc:chgData name="kaihua tang" userId="22376ffad72c4b64" providerId="LiveId" clId="{CE9B0419-8561-4196-9FDB-B85F086EC084}" dt="2020-04-14T14:02:27.229" v="18505" actId="20577"/>
+        <pc:sldMkLst>
+          <pc:docMk/>
+          <pc:sldMk cId="1953666123" sldId="257"/>
+        </pc:sldMkLst>
+        <pc:spChg chg="mod">
+          <ac:chgData name="kaihua tang" userId="22376ffad72c4b64" providerId="LiveId" clId="{CE9B0419-8561-4196-9FDB-B85F086EC084}" dt="2020-04-14T14:02:27.229" v="18505" actId="20577"/>
+          <ac:spMkLst>
+            <pc:docMk/>
+            <pc:sldMk cId="1953666123" sldId="257"/>
+            <ac:spMk id="3" creationId="{D86AC0E6-91D3-4E2C-BAE7-1FC17922CA5A}"/>
+          </ac:spMkLst>
+        </pc:spChg>
+      </pc:sldChg>
+      <pc:sldChg chg="modNotesTx">
+        <pc:chgData name="kaihua tang" userId="22376ffad72c4b64" providerId="LiveId" clId="{CE9B0419-8561-4196-9FDB-B85F086EC084}" dt="2020-04-14T06:17:11.352" v="17840" actId="20577"/>
+        <pc:sldMkLst>
+          <pc:docMk/>
+          <pc:sldMk cId="2205183595" sldId="258"/>
+        </pc:sldMkLst>
+      </pc:sldChg>
+      <pc:sldChg chg="addSp delSp modSp modAnim modNotesTx">
+        <pc:chgData name="kaihua tang" userId="22376ffad72c4b64" providerId="LiveId" clId="{CE9B0419-8561-4196-9FDB-B85F086EC084}" dt="2020-04-14T14:05:16.126" v="18624" actId="20577"/>
+        <pc:sldMkLst>
+          <pc:docMk/>
+          <pc:sldMk cId="3512615257" sldId="259"/>
+        </pc:sldMkLst>
+        <pc:spChg chg="mod">
+          <ac:chgData name="kaihua tang" userId="22376ffad72c4b64" providerId="LiveId" clId="{CE9B0419-8561-4196-9FDB-B85F086EC084}" dt="2020-04-13T12:18:54.318" v="5721" actId="1076"/>
+          <ac:spMkLst>
+            <pc:docMk/>
+            <pc:sldMk cId="3512615257" sldId="259"/>
+            <ac:spMk id="2" creationId="{873B113D-26DA-4C58-8318-49BF29EBE4B7}"/>
+          </ac:spMkLst>
+        </pc:spChg>
+        <pc:spChg chg="del">
+          <ac:chgData name="kaihua tang" userId="22376ffad72c4b64" providerId="LiveId" clId="{CE9B0419-8561-4196-9FDB-B85F086EC084}" dt="2020-04-11T11:46:17.241" v="66"/>
+          <ac:spMkLst>
+            <pc:docMk/>
+            <pc:sldMk cId="3512615257" sldId="259"/>
+            <ac:spMk id="3" creationId="{57A95E19-EBF3-4642-A22D-890E38D22E1A}"/>
+          </ac:spMkLst>
+        </pc:spChg>
+        <pc:spChg chg="add mod">
+          <ac:chgData name="kaihua tang" userId="22376ffad72c4b64" providerId="LiveId" clId="{CE9B0419-8561-4196-9FDB-B85F086EC084}" dt="2020-04-13T12:18:59.900" v="5744" actId="1037"/>
+          <ac:spMkLst>
+            <pc:docMk/>
+            <pc:sldMk cId="3512615257" sldId="259"/>
+            <ac:spMk id="6" creationId="{D0CE682D-DCF4-4917-BCD0-D2DF4AECED10}"/>
+          </ac:spMkLst>
+        </pc:spChg>
+        <pc:spChg chg="add mod">
+          <ac:chgData name="kaihua tang" userId="22376ffad72c4b64" providerId="LiveId" clId="{CE9B0419-8561-4196-9FDB-B85F086EC084}" dt="2020-04-13T12:18:49.447" v="5717" actId="1037"/>
+          <ac:spMkLst>
+            <pc:docMk/>
+            <pc:sldMk cId="3512615257" sldId="259"/>
+            <ac:spMk id="7" creationId="{9DA7ED49-F7B9-43AA-8E61-5AAA72C9AE15}"/>
+          </ac:spMkLst>
+        </pc:spChg>
+        <pc:spChg chg="add del mod">
+          <ac:chgData name="kaihua tang" userId="22376ffad72c4b64" providerId="LiveId" clId="{CE9B0419-8561-4196-9FDB-B85F086EC084}" dt="2020-04-11T11:53:40.529" v="149" actId="478"/>
+          <ac:spMkLst>
+            <pc:docMk/>
+            <pc:sldMk cId="3512615257" sldId="259"/>
+            <ac:spMk id="9" creationId="{325033E8-BE8D-43E7-8CAB-471DDDF4D2EA}"/>
+          </ac:spMkLst>
+        </pc:spChg>
+        <pc:spChg chg="add mod">
+          <ac:chgData name="kaihua tang" userId="22376ffad72c4b64" providerId="LiveId" clId="{CE9B0419-8561-4196-9FDB-B85F086EC084}" dt="2020-04-13T12:18:59.900" v="5744" actId="1037"/>
+          <ac:spMkLst>
+            <pc:docMk/>
+            <pc:sldMk cId="3512615257" sldId="259"/>
+            <ac:spMk id="11" creationId="{F94F60EF-93D9-40BB-AF42-88D6CFA7BD2A}"/>
+          </ac:spMkLst>
+        </pc:spChg>
+        <pc:spChg chg="add mod">
+          <ac:chgData name="kaihua tang" userId="22376ffad72c4b64" providerId="LiveId" clId="{CE9B0419-8561-4196-9FDB-B85F086EC084}" dt="2020-04-13T12:18:49.447" v="5717" actId="1037"/>
+          <ac:spMkLst>
+            <pc:docMk/>
+            <pc:sldMk cId="3512615257" sldId="259"/>
+            <ac:spMk id="12" creationId="{242A3BDF-8B56-4DB8-987C-345F3430DD8F}"/>
+          </ac:spMkLst>
+        </pc:spChg>
+        <pc:spChg chg="add del mod">
+          <ac:chgData name="kaihua tang" userId="22376ffad72c4b64" providerId="LiveId" clId="{CE9B0419-8561-4196-9FDB-B85F086EC084}" dt="2020-04-13T12:18:32.598" v="5677" actId="478"/>
+          <ac:spMkLst>
+            <pc:docMk/>
+            <pc:sldMk cId="3512615257" sldId="259"/>
+            <ac:spMk id="13" creationId="{7ED67BF1-B0C1-4ACC-92E7-4FADE43283B6}"/>
+          </ac:spMkLst>
+        </pc:spChg>
+        <pc:spChg chg="add mod">
+          <ac:chgData name="kaihua tang" userId="22376ffad72c4b64" providerId="LiveId" clId="{CE9B0419-8561-4196-9FDB-B85F086EC084}" dt="2020-04-13T12:19:12.871" v="5756" actId="403"/>
+          <ac:spMkLst>
+            <pc:docMk/>
+            <pc:sldMk cId="3512615257" sldId="259"/>
+            <ac:spMk id="14" creationId="{3D49262C-A62E-467D-AB71-36E0CBE834E5}"/>
+          </ac:spMkLst>
+        </pc:spChg>
+        <pc:spChg chg="add del mod">
+          <ac:chgData name="kaihua tang" userId="22376ffad72c4b64" providerId="LiveId" clId="{CE9B0419-8561-4196-9FDB-B85F086EC084}" dt="2020-04-11T12:15:15.057" v="174" actId="11529"/>
+          <ac:spMkLst>
+            <pc:docMk/>
+            <pc:sldMk cId="3512615257" sldId="259"/>
+            <ac:spMk id="16" creationId="{68F4F7C6-6677-4DF6-9984-72FA6F018048}"/>
+          </ac:spMkLst>
+        </pc:spChg>
+        <pc:spChg chg="add mod ord">
+          <ac:chgData name="kaihua tang" userId="22376ffad72c4b64" providerId="LiveId" clId="{CE9B0419-8561-4196-9FDB-B85F086EC084}" dt="2020-04-13T12:19:41.694" v="5762" actId="1076"/>
+          <ac:spMkLst>
+            <pc:docMk/>
+            <pc:sldMk cId="3512615257" sldId="259"/>
+            <ac:spMk id="17" creationId="{9CDB6B92-8A3B-48EF-BFA4-C09A5CE4DE63}"/>
+          </ac:spMkLst>
+        </pc:spChg>
+        <pc:picChg chg="add del mod modCrop">
+          <ac:chgData name="kaihua tang" userId="22376ffad72c4b64" providerId="LiveId" clId="{CE9B0419-8561-4196-9FDB-B85F086EC084}" dt="2020-04-11T11:53:05.162" v="142" actId="478"/>
+          <ac:picMkLst>
+            <pc:docMk/>
+            <pc:sldMk cId="3512615257" sldId="259"/>
+            <ac:picMk id="4" creationId="{82FE0E81-5F51-4AF7-A69E-A66F2DB99E00}"/>
+          </ac:picMkLst>
+        </pc:picChg>
+        <pc:picChg chg="add mod">
+          <ac:chgData name="kaihua tang" userId="22376ffad72c4b64" providerId="LiveId" clId="{CE9B0419-8561-4196-9FDB-B85F086EC084}" dt="2020-04-13T12:18:59.900" v="5744" actId="1037"/>
+          <ac:picMkLst>
+            <pc:docMk/>
+            <pc:sldMk cId="3512615257" sldId="259"/>
+            <ac:picMk id="5" creationId="{F1BDF3E4-FCF7-4F7F-A654-68D5950F70F5}"/>
+          </ac:picMkLst>
+        </pc:picChg>
+        <pc:picChg chg="add mod modCrop">
+          <ac:chgData name="kaihua tang" userId="22376ffad72c4b64" providerId="LiveId" clId="{CE9B0419-8561-4196-9FDB-B85F086EC084}" dt="2020-04-13T12:18:49.447" v="5717" actId="1037"/>
+          <ac:picMkLst>
+            <pc:docMk/>
+            <pc:sldMk cId="3512615257" sldId="259"/>
+            <ac:picMk id="10" creationId="{AB045DF3-C733-4CD9-A109-0FE6717C6616}"/>
+          </ac:picMkLst>
+        </pc:picChg>
+        <pc:picChg chg="add del mod">
+          <ac:chgData name="kaihua tang" userId="22376ffad72c4b64" providerId="LiveId" clId="{CE9B0419-8561-4196-9FDB-B85F086EC084}" dt="2020-04-11T12:14:55.030" v="172" actId="931"/>
+          <ac:picMkLst>
+            <pc:docMk/>
+            <pc:sldMk cId="3512615257" sldId="259"/>
+            <ac:picMk id="15" creationId="{DA14DA2C-A832-4355-A252-BCE62AA7B0B5}"/>
+          </ac:picMkLst>
+        </pc:picChg>
+      </pc:sldChg>
+      <pc:sldChg chg="modSp modNotesTx">
+        <pc:chgData name="kaihua tang" userId="22376ffad72c4b64" providerId="LiveId" clId="{CE9B0419-8561-4196-9FDB-B85F086EC084}" dt="2020-04-14T06:16:48.176" v="17833" actId="20577"/>
+        <pc:sldMkLst>
+          <pc:docMk/>
+          <pc:sldMk cId="3393823741" sldId="260"/>
+        </pc:sldMkLst>
+        <pc:spChg chg="mod">
+          <ac:chgData name="kaihua tang" userId="22376ffad72c4b64" providerId="LiveId" clId="{CE9B0419-8561-4196-9FDB-B85F086EC084}" dt="2020-04-14T06:16:48.176" v="17833" actId="20577"/>
+          <ac:spMkLst>
+            <pc:docMk/>
+            <pc:sldMk cId="3393823741" sldId="260"/>
+            <ac:spMk id="3" creationId="{81A7471C-682F-48E7-B9E5-1BB1AD058FE0}"/>
+          </ac:spMkLst>
+        </pc:spChg>
+      </pc:sldChg>
+      <pc:sldChg chg="addSp delSp modSp add modAnim modNotesTx">
+        <pc:chgData name="kaihua tang" userId="22376ffad72c4b64" providerId="LiveId" clId="{CE9B0419-8561-4196-9FDB-B85F086EC084}" dt="2020-04-14T14:19:13.861" v="18953" actId="20577"/>
+        <pc:sldMkLst>
+          <pc:docMk/>
+          <pc:sldMk cId="314416174" sldId="261"/>
+        </pc:sldMkLst>
+        <pc:spChg chg="mod">
+          <ac:chgData name="kaihua tang" userId="22376ffad72c4b64" providerId="LiveId" clId="{CE9B0419-8561-4196-9FDB-B85F086EC084}" dt="2020-04-14T14:03:19.350" v="18558" actId="20577"/>
+          <ac:spMkLst>
+            <pc:docMk/>
+            <pc:sldMk cId="314416174" sldId="261"/>
+            <ac:spMk id="3" creationId="{16724439-531F-41B3-B29C-58D1CA315F9A}"/>
+          </ac:spMkLst>
+        </pc:spChg>
+        <pc:spChg chg="add mod">
+          <ac:chgData name="kaihua tang" userId="22376ffad72c4b64" providerId="LiveId" clId="{CE9B0419-8561-4196-9FDB-B85F086EC084}" dt="2020-04-14T07:52:11.592" v="17856" actId="1037"/>
+          <ac:spMkLst>
+            <pc:docMk/>
+            <pc:sldMk cId="314416174" sldId="261"/>
+            <ac:spMk id="4" creationId="{0B68B1BE-CE5E-4B0F-BA24-0F1DE66457C2}"/>
+          </ac:spMkLst>
+        </pc:spChg>
+        <pc:spChg chg="add del">
+          <ac:chgData name="kaihua tang" userId="22376ffad72c4b64" providerId="LiveId" clId="{CE9B0419-8561-4196-9FDB-B85F086EC084}" dt="2020-04-13T03:24:17.968" v="4443"/>
+          <ac:spMkLst>
+            <pc:docMk/>
+            <pc:sldMk cId="314416174" sldId="261"/>
+            <ac:spMk id="4" creationId="{8F0F9DA4-8054-4EA3-BD70-37681709DCA9}"/>
+          </ac:spMkLst>
+        </pc:spChg>
+        <pc:spChg chg="add mod">
+          <ac:chgData name="kaihua tang" userId="22376ffad72c4b64" providerId="LiveId" clId="{CE9B0419-8561-4196-9FDB-B85F086EC084}" dt="2020-04-14T07:52:45.393" v="17884" actId="1036"/>
+          <ac:spMkLst>
+            <pc:docMk/>
+            <pc:sldMk cId="314416174" sldId="261"/>
+            <ac:spMk id="5" creationId="{6FD3A6B8-85CD-42BB-ABA7-01419E76A9A7}"/>
+          </ac:spMkLst>
+        </pc:spChg>
+      </pc:sldChg>
+      <pc:sldChg chg="add del">
+        <pc:chgData name="kaihua tang" userId="22376ffad72c4b64" providerId="LiveId" clId="{CE9B0419-8561-4196-9FDB-B85F086EC084}" dt="2020-04-13T03:20:31.869" v="4399" actId="2696"/>
+        <pc:sldMkLst>
+          <pc:docMk/>
+          <pc:sldMk cId="4150698429" sldId="261"/>
+        </pc:sldMkLst>
+      </pc:sldChg>
+      <pc:sldChg chg="modSp del">
+        <pc:chgData name="kaihua tang" userId="22376ffad72c4b64" providerId="LiveId" clId="{CE9B0419-8561-4196-9FDB-B85F086EC084}" dt="2020-04-13T03:21:42.076" v="4413" actId="47"/>
+        <pc:sldMkLst>
+          <pc:docMk/>
+          <pc:sldMk cId="536164668" sldId="262"/>
+        </pc:sldMkLst>
+        <pc:spChg chg="mod">
+          <ac:chgData name="kaihua tang" userId="22376ffad72c4b64" providerId="LiveId" clId="{CE9B0419-8561-4196-9FDB-B85F086EC084}" dt="2020-04-12T11:48:10.933" v="2214" actId="108"/>
+          <ac:spMkLst>
+            <pc:docMk/>
+            <pc:sldMk cId="536164668" sldId="262"/>
+            <ac:spMk id="3" creationId="{D86AC0E6-91D3-4E2C-BAE7-1FC17922CA5A}"/>
+          </ac:spMkLst>
+        </pc:spChg>
+      </pc:sldChg>
+      <pc:sldChg chg="addSp delSp modSp add modAnim modNotesTx">
+        <pc:chgData name="kaihua tang" userId="22376ffad72c4b64" providerId="LiveId" clId="{CE9B0419-8561-4196-9FDB-B85F086EC084}" dt="2020-04-14T14:21:31.565" v="19030" actId="20577"/>
+        <pc:sldMkLst>
+          <pc:docMk/>
+          <pc:sldMk cId="4204612623" sldId="263"/>
+        </pc:sldMkLst>
+        <pc:spChg chg="mod">
+          <ac:chgData name="kaihua tang" userId="22376ffad72c4b64" providerId="LiveId" clId="{CE9B0419-8561-4196-9FDB-B85F086EC084}" dt="2020-04-11T12:17:02.153" v="217"/>
+          <ac:spMkLst>
+            <pc:docMk/>
+            <pc:sldMk cId="4204612623" sldId="263"/>
+            <ac:spMk id="2" creationId="{77CA408D-0E05-42B2-8306-B1A955BF4E54}"/>
+          </ac:spMkLst>
+        </pc:spChg>
+        <pc:spChg chg="mod">
+          <ac:chgData name="kaihua tang" userId="22376ffad72c4b64" providerId="LiveId" clId="{CE9B0419-8561-4196-9FDB-B85F086EC084}" dt="2020-04-11T12:29:45.346" v="342" actId="1076"/>
+          <ac:spMkLst>
+            <pc:docMk/>
+            <pc:sldMk cId="4204612623" sldId="263"/>
+            <ac:spMk id="3" creationId="{9EBF24C7-D4DB-48B8-8073-CB3B75A2AEB6}"/>
+          </ac:spMkLst>
+        </pc:spChg>
+        <pc:spChg chg="add mod">
+          <ac:chgData name="kaihua tang" userId="22376ffad72c4b64" providerId="LiveId" clId="{CE9B0419-8561-4196-9FDB-B85F086EC084}" dt="2020-04-13T02:59:41.527" v="4101" actId="20577"/>
+          <ac:spMkLst>
+            <pc:docMk/>
+            <pc:sldMk cId="4204612623" sldId="263"/>
+            <ac:spMk id="4" creationId="{64D6D024-4848-4A9B-90BE-C1A1CD2C1B24}"/>
+          </ac:spMkLst>
+        </pc:spChg>
+        <pc:spChg chg="add mod ord">
+          <ac:chgData name="kaihua tang" userId="22376ffad72c4b64" providerId="LiveId" clId="{CE9B0419-8561-4196-9FDB-B85F086EC084}" dt="2020-04-13T03:47:19.421" v="4517" actId="14100"/>
+          <ac:spMkLst>
+            <pc:docMk/>
+            <pc:sldMk cId="4204612623" sldId="263"/>
+            <ac:spMk id="7" creationId="{3191E956-D935-4FCD-BEAC-4C839C8C79C6}"/>
+          </ac:spMkLst>
+        </pc:spChg>
+        <pc:spChg chg="add mod">
+          <ac:chgData name="kaihua tang" userId="22376ffad72c4b64" providerId="LiveId" clId="{CE9B0419-8561-4196-9FDB-B85F086EC084}" dt="2020-04-11T12:30:23.252" v="349" actId="571"/>
+          <ac:spMkLst>
+            <pc:docMk/>
+            <pc:sldMk cId="4204612623" sldId="263"/>
+            <ac:spMk id="12" creationId="{CBEAE767-EA36-4A48-B654-A92726D32E5A}"/>
+          </ac:spMkLst>
+        </pc:spChg>
+        <pc:spChg chg="add mod">
+          <ac:chgData name="kaihua tang" userId="22376ffad72c4b64" providerId="LiveId" clId="{CE9B0419-8561-4196-9FDB-B85F086EC084}" dt="2020-04-11T12:31:27.442" v="368" actId="20577"/>
+          <ac:spMkLst>
+            <pc:docMk/>
+            <pc:sldMk cId="4204612623" sldId="263"/>
+            <ac:spMk id="13" creationId="{5C970E4E-2A16-4A7F-9A81-D371A02D5123}"/>
+          </ac:spMkLst>
+        </pc:spChg>
+        <pc:spChg chg="add mod">
+          <ac:chgData name="kaihua tang" userId="22376ffad72c4b64" providerId="LiveId" clId="{CE9B0419-8561-4196-9FDB-B85F086EC084}" dt="2020-04-11T12:33:12.170" v="395" actId="1076"/>
+          <ac:spMkLst>
+            <pc:docMk/>
+            <pc:sldMk cId="4204612623" sldId="263"/>
+            <ac:spMk id="14" creationId="{52377446-037B-4535-A7D9-467DFAC653BC}"/>
+          </ac:spMkLst>
+        </pc:spChg>
+        <pc:spChg chg="add">
+          <ac:chgData name="kaihua tang" userId="22376ffad72c4b64" providerId="LiveId" clId="{CE9B0419-8561-4196-9FDB-B85F086EC084}" dt="2020-04-11T12:31:49.935" v="377"/>
+          <ac:spMkLst>
+            <pc:docMk/>
+            <pc:sldMk cId="4204612623" sldId="263"/>
+            <ac:spMk id="15" creationId="{3191E956-D935-4FCD-BEAC-4C839C8C79C6}"/>
+          </ac:spMkLst>
+        </pc:spChg>
+        <pc:spChg chg="add mod">
+          <ac:chgData name="kaihua tang" userId="22376ffad72c4b64" providerId="LiveId" clId="{CE9B0419-8561-4196-9FDB-B85F086EC084}" dt="2020-04-11T12:33:27.351" v="398" actId="13822"/>
+          <ac:spMkLst>
+            <pc:docMk/>
+            <pc:sldMk cId="4204612623" sldId="263"/>
+            <ac:spMk id="16" creationId="{52377446-037B-4535-A7D9-467DFAC653BC}"/>
+          </ac:spMkLst>
+        </pc:spChg>
+        <pc:spChg chg="add mod">
+          <ac:chgData name="kaihua tang" userId="22376ffad72c4b64" providerId="LiveId" clId="{CE9B0419-8561-4196-9FDB-B85F086EC084}" dt="2020-04-11T12:34:00.170" v="403" actId="1076"/>
+          <ac:spMkLst>
+            <pc:docMk/>
+            <pc:sldMk cId="4204612623" sldId="263"/>
+            <ac:spMk id="17" creationId="{01DA66F9-FBC1-4380-B824-DA515243E9F7}"/>
+          </ac:spMkLst>
+        </pc:spChg>
+        <pc:spChg chg="add mod">
+          <ac:chgData name="kaihua tang" userId="22376ffad72c4b64" providerId="LiveId" clId="{CE9B0419-8561-4196-9FDB-B85F086EC084}" dt="2020-04-11T12:35:26.090" v="420" actId="1076"/>
+          <ac:spMkLst>
+            <pc:docMk/>
+            <pc:sldMk cId="4204612623" sldId="263"/>
+            <ac:spMk id="27" creationId="{6E65CD4A-ADAF-4434-9635-99C018384207}"/>
+          </ac:spMkLst>
+        </pc:spChg>
+        <pc:spChg chg="add mod">
+          <ac:chgData name="kaihua tang" userId="22376ffad72c4b64" providerId="LiveId" clId="{CE9B0419-8561-4196-9FDB-B85F086EC084}" dt="2020-04-11T12:36:28.146" v="441" actId="1076"/>
+          <ac:spMkLst>
+            <pc:docMk/>
+            <pc:sldMk cId="4204612623" sldId="263"/>
+            <ac:spMk id="28" creationId="{0A8C1C05-D0D6-49B6-931D-B333742224C4}"/>
+          </ac:spMkLst>
+        </pc:spChg>
+        <pc:spChg chg="add mod">
+          <ac:chgData name="kaihua tang" userId="22376ffad72c4b64" providerId="LiveId" clId="{CE9B0419-8561-4196-9FDB-B85F086EC084}" dt="2020-04-11T12:36:11.329" v="436" actId="1076"/>
+          <ac:spMkLst>
+            <pc:docMk/>
+            <pc:sldMk cId="4204612623" sldId="263"/>
+            <ac:spMk id="29" creationId="{E8D1B544-1E7C-4E1F-AA94-73D9670D95B1}"/>
+          </ac:spMkLst>
+        </pc:spChg>
+        <pc:spChg chg="add mod">
+          <ac:chgData name="kaihua tang" userId="22376ffad72c4b64" providerId="LiveId" clId="{CE9B0419-8561-4196-9FDB-B85F086EC084}" dt="2020-04-11T12:36:36.090" v="443" actId="1076"/>
+          <ac:spMkLst>
+            <pc:docMk/>
+            <pc:sldMk cId="4204612623" sldId="263"/>
+            <ac:spMk id="33" creationId="{2E11B9C7-75B7-4223-AF76-C6332447A73E}"/>
+          </ac:spMkLst>
+        </pc:spChg>
+        <pc:spChg chg="add mod">
+          <ac:chgData name="kaihua tang" userId="22376ffad72c4b64" providerId="LiveId" clId="{CE9B0419-8561-4196-9FDB-B85F086EC084}" dt="2020-04-13T13:31:38.676" v="6225" actId="20577"/>
+          <ac:spMkLst>
+            <pc:docMk/>
+            <pc:sldMk cId="4204612623" sldId="263"/>
+            <ac:spMk id="34" creationId="{5FD7D824-07E6-4154-9A23-0F50E292D64A}"/>
+          </ac:spMkLst>
+        </pc:spChg>
+        <pc:picChg chg="add mod">
+          <ac:chgData name="kaihua tang" userId="22376ffad72c4b64" providerId="LiveId" clId="{CE9B0419-8561-4196-9FDB-B85F086EC084}" dt="2020-04-11T12:30:26.706" v="350" actId="1076"/>
+          <ac:picMkLst>
+            <pc:docMk/>
+            <pc:sldMk cId="4204612623" sldId="263"/>
+            <ac:picMk id="5" creationId="{25312DD0-C9C6-4BE2-9FCF-82C7647677AB}"/>
+          </ac:picMkLst>
+        </pc:picChg>
+        <pc:picChg chg="add del mod">
+          <ac:chgData name="kaihua tang" userId="22376ffad72c4b64" providerId="LiveId" clId="{CE9B0419-8561-4196-9FDB-B85F086EC084}" dt="2020-04-13T03:43:44.889" v="4496" actId="478"/>
+          <ac:picMkLst>
+            <pc:docMk/>
+            <pc:sldMk cId="4204612623" sldId="263"/>
+            <ac:picMk id="6" creationId="{F04FDACE-59DE-4A23-9C67-C754BE4A865C}"/>
+          </ac:picMkLst>
+        </pc:picChg>
+        <pc:picChg chg="add mod">
+          <ac:chgData name="kaihua tang" userId="22376ffad72c4b64" providerId="LiveId" clId="{CE9B0419-8561-4196-9FDB-B85F086EC084}" dt="2020-04-11T12:30:40.786" v="352" actId="1076"/>
+          <ac:picMkLst>
+            <pc:docMk/>
+            <pc:sldMk cId="4204612623" sldId="263"/>
+            <ac:picMk id="8" creationId="{18D11BC2-EE48-4F90-92EB-D65EFFA8325C}"/>
+          </ac:picMkLst>
+        </pc:picChg>
+        <pc:picChg chg="add mod">
+          <ac:chgData name="kaihua tang" userId="22376ffad72c4b64" providerId="LiveId" clId="{CE9B0419-8561-4196-9FDB-B85F086EC084}" dt="2020-04-11T12:30:43.466" v="353" actId="1076"/>
+          <ac:picMkLst>
+            <pc:docMk/>
+            <pc:sldMk cId="4204612623" sldId="263"/>
+            <ac:picMk id="9" creationId="{6CD553EC-B8BD-4CDA-BDA4-E38804FAB0E3}"/>
+          </ac:picMkLst>
+        </pc:picChg>
+        <pc:picChg chg="add mod">
+          <ac:chgData name="kaihua tang" userId="22376ffad72c4b64" providerId="LiveId" clId="{CE9B0419-8561-4196-9FDB-B85F086EC084}" dt="2020-04-11T12:30:23.252" v="349" actId="571"/>
+          <ac:picMkLst>
+            <pc:docMk/>
+            <pc:sldMk cId="4204612623" sldId="263"/>
+            <ac:picMk id="10" creationId="{BA501A96-E75D-41F7-9BAB-E85920A99FBD}"/>
+          </ac:picMkLst>
+        </pc:picChg>
+        <pc:picChg chg="add del mod">
+          <ac:chgData name="kaihua tang" userId="22376ffad72c4b64" providerId="LiveId" clId="{CE9B0419-8561-4196-9FDB-B85F086EC084}" dt="2020-04-13T03:44:05.621" v="4501" actId="478"/>
+          <ac:picMkLst>
+            <pc:docMk/>
+            <pc:sldMk cId="4204612623" sldId="263"/>
+            <ac:picMk id="10" creationId="{F89702A3-61C7-4136-ADED-D7C0D9D9A0D3}"/>
+          </ac:picMkLst>
+        </pc:picChg>
+        <pc:picChg chg="add mod">
+          <ac:chgData name="kaihua tang" userId="22376ffad72c4b64" providerId="LiveId" clId="{CE9B0419-8561-4196-9FDB-B85F086EC084}" dt="2020-04-11T12:30:23.252" v="349" actId="571"/>
+          <ac:picMkLst>
+            <pc:docMk/>
+            <pc:sldMk cId="4204612623" sldId="263"/>
+            <ac:picMk id="11" creationId="{B4519F87-2253-43A2-A1E4-5BD342AE9E88}"/>
+          </ac:picMkLst>
+        </pc:picChg>
+        <pc:picChg chg="add del mod">
+          <ac:chgData name="kaihua tang" userId="22376ffad72c4b64" providerId="LiveId" clId="{CE9B0419-8561-4196-9FDB-B85F086EC084}" dt="2020-04-13T03:44:36.497" v="4505" actId="478"/>
+          <ac:picMkLst>
+            <pc:docMk/>
+            <pc:sldMk cId="4204612623" sldId="263"/>
+            <ac:picMk id="12" creationId="{01F515DE-9174-423B-B72F-7D71AA55E1E7}"/>
+          </ac:picMkLst>
+        </pc:picChg>
+        <pc:picChg chg="add del mod">
+          <ac:chgData name="kaihua tang" userId="22376ffad72c4b64" providerId="LiveId" clId="{CE9B0419-8561-4196-9FDB-B85F086EC084}" dt="2020-04-13T03:45:33.284" v="4509" actId="478"/>
+          <ac:picMkLst>
+            <pc:docMk/>
+            <pc:sldMk cId="4204612623" sldId="263"/>
+            <ac:picMk id="18" creationId="{AEB69810-28E4-440A-BA18-597F48735EA1}"/>
+          </ac:picMkLst>
+        </pc:picChg>
+        <pc:picChg chg="add mod">
+          <ac:chgData name="kaihua tang" userId="22376ffad72c4b64" providerId="LiveId" clId="{CE9B0419-8561-4196-9FDB-B85F086EC084}" dt="2020-04-13T03:47:04.675" v="4514" actId="14100"/>
+          <ac:picMkLst>
+            <pc:docMk/>
+            <pc:sldMk cId="4204612623" sldId="263"/>
+            <ac:picMk id="21" creationId="{69307581-69CC-44BE-8EEB-1176E90B7ACE}"/>
+          </ac:picMkLst>
+        </pc:picChg>
+        <pc:cxnChg chg="add mod">
+          <ac:chgData name="kaihua tang" userId="22376ffad72c4b64" providerId="LiveId" clId="{CE9B0419-8561-4196-9FDB-B85F086EC084}" dt="2020-04-11T12:35:12.754" v="410" actId="14100"/>
+          <ac:cxnSpMkLst>
+            <pc:docMk/>
+            <pc:sldMk cId="4204612623" sldId="263"/>
+            <ac:cxnSpMk id="19" creationId="{1C76D323-AE9F-44AA-98F3-B4BD5F0075B7}"/>
+          </ac:cxnSpMkLst>
+        </pc:cxnChg>
+        <pc:cxnChg chg="add mod">
+          <ac:chgData name="kaihua tang" userId="22376ffad72c4b64" providerId="LiveId" clId="{CE9B0419-8561-4196-9FDB-B85F086EC084}" dt="2020-04-11T12:34:54.890" v="407" actId="14100"/>
+          <ac:cxnSpMkLst>
+            <pc:docMk/>
+            <pc:sldMk cId="4204612623" sldId="263"/>
+            <ac:cxnSpMk id="20" creationId="{C6951BBA-9994-4887-8923-805D273FD142}"/>
+          </ac:cxnSpMkLst>
+        </pc:cxnChg>
+        <pc:cxnChg chg="add mod">
+          <ac:chgData name="kaihua tang" userId="22376ffad72c4b64" providerId="LiveId" clId="{CE9B0419-8561-4196-9FDB-B85F086EC084}" dt="2020-04-11T12:36:24.834" v="440" actId="14100"/>
+          <ac:cxnSpMkLst>
+            <pc:docMk/>
+            <pc:sldMk cId="4204612623" sldId="263"/>
+            <ac:cxnSpMk id="30" creationId="{F6A68BB5-751F-45C5-B45C-79794F10850D}"/>
+          </ac:cxnSpMkLst>
+        </pc:cxnChg>
+      </pc:sldChg>
+      <pc:sldChg chg="addSp delSp modSp add modNotesTx">
+        <pc:chgData name="kaihua tang" userId="22376ffad72c4b64" providerId="LiveId" clId="{CE9B0419-8561-4196-9FDB-B85F086EC084}" dt="2020-04-14T14:07:28.573" v="18680" actId="20577"/>
+        <pc:sldMkLst>
+          <pc:docMk/>
+          <pc:sldMk cId="1668934887" sldId="264"/>
+        </pc:sldMkLst>
+        <pc:spChg chg="mod">
+          <ac:chgData name="kaihua tang" userId="22376ffad72c4b64" providerId="LiveId" clId="{CE9B0419-8561-4196-9FDB-B85F086EC084}" dt="2020-04-11T14:39:41.549" v="709" actId="404"/>
+          <ac:spMkLst>
+            <pc:docMk/>
+            <pc:sldMk cId="1668934887" sldId="264"/>
+            <ac:spMk id="2" creationId="{D655897E-9499-4F1B-9493-58F2964A83BA}"/>
+          </ac:spMkLst>
+        </pc:spChg>
+        <pc:spChg chg="del mod">
+          <ac:chgData name="kaihua tang" userId="22376ffad72c4b64" providerId="LiveId" clId="{CE9B0419-8561-4196-9FDB-B85F086EC084}" dt="2020-04-11T14:40:48.942" v="750"/>
+          <ac:spMkLst>
+            <pc:docMk/>
+            <pc:sldMk cId="1668934887" sldId="264"/>
+            <ac:spMk id="3" creationId="{9600EE94-0E59-4B50-9787-638BA0711579}"/>
+          </ac:spMkLst>
+        </pc:spChg>
+        <pc:spChg chg="add mod">
+          <ac:chgData name="kaihua tang" userId="22376ffad72c4b64" providerId="LiveId" clId="{CE9B0419-8561-4196-9FDB-B85F086EC084}" dt="2020-04-12T12:25:31.161" v="2622" actId="1036"/>
+          <ac:spMkLst>
+            <pc:docMk/>
+            <pc:sldMk cId="1668934887" sldId="264"/>
+            <ac:spMk id="4" creationId="{53B808A5-C7A3-49C8-A385-66AE054648E7}"/>
+          </ac:spMkLst>
+        </pc:spChg>
+        <pc:spChg chg="add del">
+          <ac:chgData name="kaihua tang" userId="22376ffad72c4b64" providerId="LiveId" clId="{CE9B0419-8561-4196-9FDB-B85F086EC084}" dt="2020-04-11T12:42:21.441" v="629" actId="478"/>
+          <ac:spMkLst>
+            <pc:docMk/>
+            <pc:sldMk cId="1668934887" sldId="264"/>
+            <ac:spMk id="4" creationId="{EEB3A3C3-90A2-44F2-9031-6A0901BE3CE1}"/>
+          </ac:spMkLst>
+        </pc:spChg>
+        <pc:spChg chg="add del mod">
+          <ac:chgData name="kaihua tang" userId="22376ffad72c4b64" providerId="LiveId" clId="{CE9B0419-8561-4196-9FDB-B85F086EC084}" dt="2020-04-11T14:40:57.542" v="753" actId="478"/>
+          <ac:spMkLst>
+            <pc:docMk/>
+            <pc:sldMk cId="1668934887" sldId="264"/>
+            <ac:spMk id="5" creationId="{B6BC2B7E-BBEE-4329-9F40-31E42B53D157}"/>
+          </ac:spMkLst>
+        </pc:spChg>
+        <pc:spChg chg="add mod">
+          <ac:chgData name="kaihua tang" userId="22376ffad72c4b64" providerId="LiveId" clId="{CE9B0419-8561-4196-9FDB-B85F086EC084}" dt="2020-04-12T12:25:31.161" v="2622" actId="1036"/>
+          <ac:spMkLst>
+            <pc:docMk/>
+            <pc:sldMk cId="1668934887" sldId="264"/>
+            <ac:spMk id="6" creationId="{09DA23AA-D9F4-4E55-8607-1E3E52323BAF}"/>
+          </ac:spMkLst>
+        </pc:spChg>
+        <pc:spChg chg="add mod">
+          <ac:chgData name="kaihua tang" userId="22376ffad72c4b64" providerId="LiveId" clId="{CE9B0419-8561-4196-9FDB-B85F086EC084}" dt="2020-04-12T12:25:31.161" v="2622" actId="1036"/>
+          <ac:spMkLst>
+            <pc:docMk/>
+            <pc:sldMk cId="1668934887" sldId="264"/>
+            <ac:spMk id="7" creationId="{865C6D29-9AA0-4438-BFFC-34C560B5AD6A}"/>
+          </ac:spMkLst>
+        </pc:spChg>
+        <pc:spChg chg="add mod">
+          <ac:chgData name="kaihua tang" userId="22376ffad72c4b64" providerId="LiveId" clId="{CE9B0419-8561-4196-9FDB-B85F086EC084}" dt="2020-04-14T14:07:28.573" v="18680" actId="20577"/>
+          <ac:spMkLst>
+            <pc:docMk/>
+            <pc:sldMk cId="1668934887" sldId="264"/>
+            <ac:spMk id="8" creationId="{3EDCB7AB-A932-4AF8-A65D-F90FBA4E4236}"/>
+          </ac:spMkLst>
+        </pc:spChg>
+        <pc:spChg chg="add del">
+          <ac:chgData name="kaihua tang" userId="22376ffad72c4b64" providerId="LiveId" clId="{CE9B0419-8561-4196-9FDB-B85F086EC084}" dt="2020-04-13T13:38:35.578" v="6421"/>
+          <ac:spMkLst>
+            <pc:docMk/>
+            <pc:sldMk cId="1668934887" sldId="264"/>
+            <ac:spMk id="11" creationId="{8A3439DC-2C4A-442E-913E-85EF3C3DC960}"/>
+          </ac:spMkLst>
+        </pc:spChg>
+        <pc:picChg chg="add mod">
+          <ac:chgData name="kaihua tang" userId="22376ffad72c4b64" providerId="LiveId" clId="{CE9B0419-8561-4196-9FDB-B85F086EC084}" dt="2020-04-12T12:25:31.161" v="2622" actId="1036"/>
+          <ac:picMkLst>
+            <pc:docMk/>
+            <pc:sldMk cId="1668934887" sldId="264"/>
+            <ac:picMk id="9" creationId="{7C739C79-E5DE-4ABA-AC9A-DF2613344E88}"/>
+          </ac:picMkLst>
+        </pc:picChg>
+        <pc:picChg chg="add mod">
+          <ac:chgData name="kaihua tang" userId="22376ffad72c4b64" providerId="LiveId" clId="{CE9B0419-8561-4196-9FDB-B85F086EC084}" dt="2020-04-12T12:25:31.161" v="2622" actId="1036"/>
+          <ac:picMkLst>
+            <pc:docMk/>
+            <pc:sldMk cId="1668934887" sldId="264"/>
+            <ac:picMk id="10" creationId="{33832560-C2CD-4425-8D7B-F736D319AA69}"/>
+          </ac:picMkLst>
+        </pc:picChg>
+        <pc:picChg chg="add del mod">
+          <ac:chgData name="kaihua tang" userId="22376ffad72c4b64" providerId="LiveId" clId="{CE9B0419-8561-4196-9FDB-B85F086EC084}" dt="2020-04-11T14:49:16.803" v="845" actId="478"/>
+          <ac:picMkLst>
+            <pc:docMk/>
+            <pc:sldMk cId="1668934887" sldId="264"/>
+            <ac:picMk id="11" creationId="{EB4E6452-C1CA-4D07-9E6F-E810E0E7F9F1}"/>
+          </ac:picMkLst>
+        </pc:picChg>
+        <pc:picChg chg="add mod">
+          <ac:chgData name="kaihua tang" userId="22376ffad72c4b64" providerId="LiveId" clId="{CE9B0419-8561-4196-9FDB-B85F086EC084}" dt="2020-04-12T12:25:31.161" v="2622" actId="1036"/>
+          <ac:picMkLst>
+            <pc:docMk/>
+            <pc:sldMk cId="1668934887" sldId="264"/>
+            <ac:picMk id="12" creationId="{BCB345F8-3D65-4AC6-AA21-E3FDCFB075B6}"/>
+          </ac:picMkLst>
+        </pc:picChg>
+        <pc:picChg chg="add del mod">
+          <ac:chgData name="kaihua tang" userId="22376ffad72c4b64" providerId="LiveId" clId="{CE9B0419-8561-4196-9FDB-B85F086EC084}" dt="2020-04-11T14:58:13.963" v="1050" actId="478"/>
+          <ac:picMkLst>
+            <pc:docMk/>
+            <pc:sldMk cId="1668934887" sldId="264"/>
+            <ac:picMk id="13" creationId="{A92A7F7C-22B4-4ACA-B8E6-CAAD04ABEDD4}"/>
+          </ac:picMkLst>
+        </pc:picChg>
+        <pc:picChg chg="add mod">
+          <ac:chgData name="kaihua tang" userId="22376ffad72c4b64" providerId="LiveId" clId="{CE9B0419-8561-4196-9FDB-B85F086EC084}" dt="2020-04-12T12:25:31.161" v="2622" actId="1036"/>
+          <ac:picMkLst>
+            <pc:docMk/>
+            <pc:sldMk cId="1668934887" sldId="264"/>
+            <ac:picMk id="14" creationId="{0A616969-22B8-4F75-AC12-DE1FEFC87D65}"/>
+          </ac:picMkLst>
+        </pc:picChg>
+      </pc:sldChg>
+      <pc:sldChg chg="addSp delSp modSp add modAnim modNotesTx">
+        <pc:chgData name="kaihua tang" userId="22376ffad72c4b64" providerId="LiveId" clId="{CE9B0419-8561-4196-9FDB-B85F086EC084}" dt="2020-04-13T14:21:32.345" v="7680" actId="20577"/>
+        <pc:sldMkLst>
+          <pc:docMk/>
+          <pc:sldMk cId="3611005631" sldId="265"/>
+        </pc:sldMkLst>
+        <pc:spChg chg="mod">
+          <ac:chgData name="kaihua tang" userId="22376ffad72c4b64" providerId="LiveId" clId="{CE9B0419-8561-4196-9FDB-B85F086EC084}" dt="2020-04-11T17:24:49.747" v="1212" actId="14100"/>
+          <ac:spMkLst>
+            <pc:docMk/>
+            <pc:sldMk cId="3611005631" sldId="265"/>
+            <ac:spMk id="2" creationId="{0F352783-9870-4B22-8CDD-8EDE69AA9D76}"/>
+          </ac:spMkLst>
+        </pc:spChg>
+        <pc:spChg chg="del mod">
+          <ac:chgData name="kaihua tang" userId="22376ffad72c4b64" providerId="LiveId" clId="{CE9B0419-8561-4196-9FDB-B85F086EC084}" dt="2020-04-12T05:31:52.222" v="1290"/>
+          <ac:spMkLst>
+            <pc:docMk/>
+            <pc:sldMk cId="3611005631" sldId="265"/>
+            <ac:spMk id="3" creationId="{0D7B508C-4489-4401-92C4-6590249C187A}"/>
+          </ac:spMkLst>
+        </pc:spChg>
+        <pc:spChg chg="add mod">
+          <ac:chgData name="kaihua tang" userId="22376ffad72c4b64" providerId="LiveId" clId="{CE9B0419-8561-4196-9FDB-B85F086EC084}" dt="2020-04-12T05:41:06.777" v="1558" actId="20577"/>
+          <ac:spMkLst>
+            <pc:docMk/>
+            <pc:sldMk cId="3611005631" sldId="265"/>
+            <ac:spMk id="4" creationId="{FCFA26DF-42BB-480F-860B-72C3DDA93925}"/>
+          </ac:spMkLst>
+        </pc:spChg>
+        <pc:spChg chg="add del mod">
+          <ac:chgData name="kaihua tang" userId="22376ffad72c4b64" providerId="LiveId" clId="{CE9B0419-8561-4196-9FDB-B85F086EC084}" dt="2020-04-12T05:34:40.848" v="1369" actId="1076"/>
+          <ac:spMkLst>
+            <pc:docMk/>
+            <pc:sldMk cId="3611005631" sldId="265"/>
+            <ac:spMk id="6" creationId="{BA74E3EF-506D-424E-90BA-B1EA6BB46095}"/>
+          </ac:spMkLst>
+        </pc:spChg>
+        <pc:spChg chg="add del mod">
+          <ac:chgData name="kaihua tang" userId="22376ffad72c4b64" providerId="LiveId" clId="{CE9B0419-8561-4196-9FDB-B85F086EC084}" dt="2020-04-12T05:34:43.664" v="1370" actId="1076"/>
+          <ac:spMkLst>
+            <pc:docMk/>
+            <pc:sldMk cId="3611005631" sldId="265"/>
+            <ac:spMk id="7" creationId="{B410EB9F-171B-4364-82E4-ECD0E96824A3}"/>
+          </ac:spMkLst>
+        </pc:spChg>
+        <pc:spChg chg="add del mod ord">
+          <ac:chgData name="kaihua tang" userId="22376ffad72c4b64" providerId="LiveId" clId="{CE9B0419-8561-4196-9FDB-B85F086EC084}" dt="2020-04-12T05:36:25.008" v="1432" actId="1035"/>
+          <ac:spMkLst>
+            <pc:docMk/>
+            <pc:sldMk cId="3611005631" sldId="265"/>
+            <ac:spMk id="8" creationId="{C8EBA58A-DF5C-47C2-872C-430443B486CD}"/>
+          </ac:spMkLst>
+        </pc:spChg>
+        <pc:spChg chg="add mod">
+          <ac:chgData name="kaihua tang" userId="22376ffad72c4b64" providerId="LiveId" clId="{CE9B0419-8561-4196-9FDB-B85F086EC084}" dt="2020-04-12T05:35:11.041" v="1410" actId="20577"/>
+          <ac:spMkLst>
+            <pc:docMk/>
+            <pc:sldMk cId="3611005631" sldId="265"/>
+            <ac:spMk id="9" creationId="{69B80F2B-E9B7-4306-AC7A-7A98170FB203}"/>
+          </ac:spMkLst>
+        </pc:spChg>
+        <pc:spChg chg="add mod">
+          <ac:chgData name="kaihua tang" userId="22376ffad72c4b64" providerId="LiveId" clId="{CE9B0419-8561-4196-9FDB-B85F086EC084}" dt="2020-04-12T05:35:39.384" v="1412" actId="1076"/>
+          <ac:spMkLst>
+            <pc:docMk/>
+            <pc:sldMk cId="3611005631" sldId="265"/>
+            <ac:spMk id="10" creationId="{83F4F87C-1498-43C1-B5D6-82595DAE351E}"/>
+          </ac:spMkLst>
+        </pc:spChg>
+        <pc:spChg chg="add mod">
+          <ac:chgData name="kaihua tang" userId="22376ffad72c4b64" providerId="LiveId" clId="{CE9B0419-8561-4196-9FDB-B85F086EC084}" dt="2020-04-12T05:35:45.024" v="1414" actId="1076"/>
+          <ac:spMkLst>
+            <pc:docMk/>
+            <pc:sldMk cId="3611005631" sldId="265"/>
+            <ac:spMk id="11" creationId="{E092AA1B-F7AC-4374-970F-AAF6A0BFBE20}"/>
+          </ac:spMkLst>
+        </pc:spChg>
+        <pc:spChg chg="add mod">
+          <ac:chgData name="kaihua tang" userId="22376ffad72c4b64" providerId="LiveId" clId="{CE9B0419-8561-4196-9FDB-B85F086EC084}" dt="2020-04-12T05:35:51.551" v="1416" actId="1076"/>
+          <ac:spMkLst>
+            <pc:docMk/>
+            <pc:sldMk cId="3611005631" sldId="265"/>
+            <ac:spMk id="12" creationId="{FBF6B4A8-2F88-42BD-B610-5AB1DB0A0A28}"/>
+          </ac:spMkLst>
+        </pc:spChg>
+        <pc:spChg chg="add mod">
+          <ac:chgData name="kaihua tang" userId="22376ffad72c4b64" providerId="LiveId" clId="{CE9B0419-8561-4196-9FDB-B85F086EC084}" dt="2020-04-12T05:36:12.977" v="1428" actId="20577"/>
+          <ac:spMkLst>
+            <pc:docMk/>
+            <pc:sldMk cId="3611005631" sldId="265"/>
+            <ac:spMk id="13" creationId="{B6441E0A-249F-4369-800E-DBA44A7AAAD4}"/>
+          </ac:spMkLst>
+        </pc:spChg>
+        <pc:spChg chg="add mod">
+          <ac:chgData name="kaihua tang" userId="22376ffad72c4b64" providerId="LiveId" clId="{CE9B0419-8561-4196-9FDB-B85F086EC084}" dt="2020-04-12T05:40:05.172" v="1541" actId="478"/>
+          <ac:spMkLst>
+            <pc:docMk/>
+            <pc:sldMk cId="3611005631" sldId="265"/>
+            <ac:spMk id="15" creationId="{116E4DDE-9DA9-4E11-978C-623943261C5A}"/>
+          </ac:spMkLst>
+        </pc:spChg>
+        <pc:picChg chg="add del mod">
+          <ac:chgData name="kaihua tang" userId="22376ffad72c4b64" providerId="LiveId" clId="{CE9B0419-8561-4196-9FDB-B85F086EC084}" dt="2020-04-12T05:40:05.172" v="1541" actId="478"/>
+          <ac:picMkLst>
+            <pc:docMk/>
+            <pc:sldMk cId="3611005631" sldId="265"/>
+            <ac:picMk id="5" creationId="{1700981E-CC5B-4776-B781-521C6CA537B4}"/>
+          </ac:picMkLst>
+        </pc:picChg>
+        <pc:picChg chg="add del">
+          <ac:chgData name="kaihua tang" userId="22376ffad72c4b64" providerId="LiveId" clId="{CE9B0419-8561-4196-9FDB-B85F086EC084}" dt="2020-04-12T05:40:08.457" v="1543" actId="478"/>
+          <ac:picMkLst>
+            <pc:docMk/>
+            <pc:sldMk cId="3611005631" sldId="265"/>
+            <ac:picMk id="16" creationId="{472509EE-296D-4363-92FD-B82EFCB42416}"/>
+          </ac:picMkLst>
+        </pc:picChg>
+        <pc:picChg chg="add mod">
+          <ac:chgData name="kaihua tang" userId="22376ffad72c4b64" providerId="LiveId" clId="{CE9B0419-8561-4196-9FDB-B85F086EC084}" dt="2020-04-12T05:40:30.560" v="1545" actId="1076"/>
+          <ac:picMkLst>
+            <pc:docMk/>
+            <pc:sldMk cId="3611005631" sldId="265"/>
+            <ac:picMk id="17" creationId="{79348329-3B66-4440-844A-02DFD35F1B91}"/>
+          </ac:picMkLst>
+        </pc:picChg>
+      </pc:sldChg>
+      <pc:sldChg chg="modSp add modNotesTx">
+        <pc:chgData name="kaihua tang" userId="22376ffad72c4b64" providerId="LiveId" clId="{CE9B0419-8561-4196-9FDB-B85F086EC084}" dt="2020-04-14T14:31:18.005" v="19554" actId="20577"/>
+        <pc:sldMkLst>
+          <pc:docMk/>
+          <pc:sldMk cId="359264770" sldId="266"/>
+        </pc:sldMkLst>
+        <pc:spChg chg="mod">
+          <ac:chgData name="kaihua tang" userId="22376ffad72c4b64" providerId="LiveId" clId="{CE9B0419-8561-4196-9FDB-B85F086EC084}" dt="2020-04-12T12:54:42.159" v="2877" actId="20577"/>
+          <ac:spMkLst>
+            <pc:docMk/>
+            <pc:sldMk cId="359264770" sldId="266"/>
+            <ac:spMk id="2" creationId="{ADACF2C9-C78A-43BA-942B-B5B469CE00E8}"/>
+          </ac:spMkLst>
+        </pc:spChg>
+        <pc:spChg chg="mod">
+          <ac:chgData name="kaihua tang" userId="22376ffad72c4b64" providerId="LiveId" clId="{CE9B0419-8561-4196-9FDB-B85F086EC084}" dt="2020-04-14T08:39:44.302" v="18493" actId="1035"/>
+          <ac:spMkLst>
+            <pc:docMk/>
+            <pc:sldMk cId="359264770" sldId="266"/>
+            <ac:spMk id="29" creationId="{9F9B400C-52F0-4606-BDB2-30E4BC967BED}"/>
+          </ac:spMkLst>
+        </pc:spChg>
+      </pc:sldChg>
+      <pc:sldChg chg="addSp delSp modSp add del">
+        <pc:chgData name="kaihua tang" userId="22376ffad72c4b64" providerId="LiveId" clId="{CE9B0419-8561-4196-9FDB-B85F086EC084}" dt="2020-04-12T12:52:39.711" v="2838" actId="2696"/>
+        <pc:sldMkLst>
+          <pc:docMk/>
+          <pc:sldMk cId="1340209514" sldId="266"/>
+        </pc:sldMkLst>
+        <pc:spChg chg="mod">
+          <ac:chgData name="kaihua tang" userId="22376ffad72c4b64" providerId="LiveId" clId="{CE9B0419-8561-4196-9FDB-B85F086EC084}" dt="2020-04-11T17:25:09.219" v="1220" actId="20577"/>
+          <ac:spMkLst>
+            <pc:docMk/>
+            <pc:sldMk cId="1340209514" sldId="266"/>
+            <ac:spMk id="2" creationId="{ADACF2C9-C78A-43BA-942B-B5B469CE00E8}"/>
+          </ac:spMkLst>
+        </pc:spChg>
+        <pc:spChg chg="mod">
+          <ac:chgData name="kaihua tang" userId="22376ffad72c4b64" providerId="LiveId" clId="{CE9B0419-8561-4196-9FDB-B85F086EC084}" dt="2020-04-12T06:55:50.836" v="1880" actId="1076"/>
+          <ac:spMkLst>
+            <pc:docMk/>
+            <pc:sldMk cId="1340209514" sldId="266"/>
+            <ac:spMk id="3" creationId="{EE81DED3-DDC8-47C2-B95B-C0FFD23B6E2E}"/>
+          </ac:spMkLst>
+        </pc:spChg>
+        <pc:spChg chg="add mod">
+          <ac:chgData name="kaihua tang" userId="22376ffad72c4b64" providerId="LiveId" clId="{CE9B0419-8561-4196-9FDB-B85F086EC084}" dt="2020-04-12T07:02:46.252" v="2197" actId="1035"/>
+          <ac:spMkLst>
+            <pc:docMk/>
+            <pc:sldMk cId="1340209514" sldId="266"/>
+            <ac:spMk id="4" creationId="{8050C07E-C8B4-4274-A006-752B2E95A8F2}"/>
+          </ac:spMkLst>
+        </pc:spChg>
+        <pc:spChg chg="add mod">
+          <ac:chgData name="kaihua tang" userId="22376ffad72c4b64" providerId="LiveId" clId="{CE9B0419-8561-4196-9FDB-B85F086EC084}" dt="2020-04-12T07:02:46.252" v="2197" actId="1035"/>
+          <ac:spMkLst>
+            <pc:docMk/>
+            <pc:sldMk cId="1340209514" sldId="266"/>
+            <ac:spMk id="5" creationId="{0F1CE485-3F32-4D67-960B-1E6E0DD1354D}"/>
+          </ac:spMkLst>
+        </pc:spChg>
+        <pc:spChg chg="add del mod">
+          <ac:chgData name="kaihua tang" userId="22376ffad72c4b64" providerId="LiveId" clId="{CE9B0419-8561-4196-9FDB-B85F086EC084}" dt="2020-04-12T06:48:08.972" v="1797" actId="478"/>
+          <ac:spMkLst>
+            <pc:docMk/>
+            <pc:sldMk cId="1340209514" sldId="266"/>
+            <ac:spMk id="6" creationId="{2ECCB3DE-1313-4C98-94DE-9BDF49C11C64}"/>
+          </ac:spMkLst>
+        </pc:spChg>
+        <pc:spChg chg="add mod">
+          <ac:chgData name="kaihua tang" userId="22376ffad72c4b64" providerId="LiveId" clId="{CE9B0419-8561-4196-9FDB-B85F086EC084}" dt="2020-04-12T07:02:46.252" v="2197" actId="1035"/>
+          <ac:spMkLst>
+            <pc:docMk/>
+            <pc:sldMk cId="1340209514" sldId="266"/>
+            <ac:spMk id="7" creationId="{3FDBCC94-7D41-4502-A408-FF578B6799A6}"/>
+          </ac:spMkLst>
+        </pc:spChg>
+        <pc:spChg chg="add mod">
+          <ac:chgData name="kaihua tang" userId="22376ffad72c4b64" providerId="LiveId" clId="{CE9B0419-8561-4196-9FDB-B85F086EC084}" dt="2020-04-12T07:02:46.252" v="2197" actId="1035"/>
+          <ac:spMkLst>
+            <pc:docMk/>
+            <pc:sldMk cId="1340209514" sldId="266"/>
+            <ac:spMk id="8" creationId="{8D8F451E-9CC9-4416-A4F0-4FFC0821AFC5}"/>
+          </ac:spMkLst>
+        </pc:spChg>
+        <pc:spChg chg="add mod">
+          <ac:chgData name="kaihua tang" userId="22376ffad72c4b64" providerId="LiveId" clId="{CE9B0419-8561-4196-9FDB-B85F086EC084}" dt="2020-04-12T07:02:46.252" v="2197" actId="1035"/>
+          <ac:spMkLst>
+            <pc:docMk/>
+            <pc:sldMk cId="1340209514" sldId="266"/>
+            <ac:spMk id="9" creationId="{AA51D50A-51FB-4238-8983-DD3626E2BD09}"/>
+          </ac:spMkLst>
+        </pc:spChg>
+        <pc:spChg chg="add del mod">
+          <ac:chgData name="kaihua tang" userId="22376ffad72c4b64" providerId="LiveId" clId="{CE9B0419-8561-4196-9FDB-B85F086EC084}" dt="2020-04-12T06:48:10.877" v="1798" actId="478"/>
+          <ac:spMkLst>
+            <pc:docMk/>
+            <pc:sldMk cId="1340209514" sldId="266"/>
+            <ac:spMk id="10" creationId="{2BD2DC25-5095-4F8A-938A-79C4CD11B839}"/>
+          </ac:spMkLst>
+        </pc:spChg>
+        <pc:spChg chg="add mod">
+          <ac:chgData name="kaihua tang" userId="22376ffad72c4b64" providerId="LiveId" clId="{CE9B0419-8561-4196-9FDB-B85F086EC084}" dt="2020-04-12T07:02:46.252" v="2197" actId="1035"/>
+          <ac:spMkLst>
+            <pc:docMk/>
+            <pc:sldMk cId="1340209514" sldId="266"/>
+            <ac:spMk id="11" creationId="{CF1E79F9-AA54-41E1-85F7-A26A0F677B8C}"/>
+          </ac:spMkLst>
+        </pc:spChg>
+        <pc:spChg chg="add mod">
+          <ac:chgData name="kaihua tang" userId="22376ffad72c4b64" providerId="LiveId" clId="{CE9B0419-8561-4196-9FDB-B85F086EC084}" dt="2020-04-12T07:02:46.252" v="2197" actId="1035"/>
+          <ac:spMkLst>
+            <pc:docMk/>
+            <pc:sldMk cId="1340209514" sldId="266"/>
+            <ac:spMk id="12" creationId="{9F1681BD-C618-46E2-A099-97C50D6772AD}"/>
+          </ac:spMkLst>
+        </pc:spChg>
+        <pc:spChg chg="add mod">
+          <ac:chgData name="kaihua tang" userId="22376ffad72c4b64" providerId="LiveId" clId="{CE9B0419-8561-4196-9FDB-B85F086EC084}" dt="2020-04-12T07:02:46.252" v="2197" actId="1035"/>
+          <ac:spMkLst>
+            <pc:docMk/>
+            <pc:sldMk cId="1340209514" sldId="266"/>
+            <ac:spMk id="13" creationId="{BBF87981-F620-44D8-8258-99DAB08EE9FF}"/>
+          </ac:spMkLst>
+        </pc:spChg>
+        <pc:spChg chg="add del mod">
+          <ac:chgData name="kaihua tang" userId="22376ffad72c4b64" providerId="LiveId" clId="{CE9B0419-8561-4196-9FDB-B85F086EC084}" dt="2020-04-12T07:02:46.252" v="2197" actId="1035"/>
+          <ac:spMkLst>
+            <pc:docMk/>
+            <pc:sldMk cId="1340209514" sldId="266"/>
+            <ac:spMk id="14" creationId="{54CBCBBB-BDA5-4502-8C86-93ED8E243178}"/>
+          </ac:spMkLst>
+        </pc:spChg>
+        <pc:spChg chg="add del mod">
+          <ac:chgData name="kaihua tang" userId="22376ffad72c4b64" providerId="LiveId" clId="{CE9B0419-8561-4196-9FDB-B85F086EC084}" dt="2020-04-12T06:48:11.525" v="1799" actId="478"/>
+          <ac:spMkLst>
+            <pc:docMk/>
+            <pc:sldMk cId="1340209514" sldId="266"/>
+            <ac:spMk id="15" creationId="{A2783947-342B-4CCF-9906-27B9A2FA7468}"/>
+          </ac:spMkLst>
+        </pc:spChg>
+        <pc:spChg chg="add del mod">
+          <ac:chgData name="kaihua tang" userId="22376ffad72c4b64" providerId="LiveId" clId="{CE9B0419-8561-4196-9FDB-B85F086EC084}" dt="2020-04-12T06:48:12.132" v="1800" actId="478"/>
+          <ac:spMkLst>
+            <pc:docMk/>
+            <pc:sldMk cId="1340209514" sldId="266"/>
+            <ac:spMk id="16" creationId="{663D0A7B-E878-4382-B844-8C63614FC694}"/>
+          </ac:spMkLst>
+        </pc:spChg>
+        <pc:spChg chg="add mod">
+          <ac:chgData name="kaihua tang" userId="22376ffad72c4b64" providerId="LiveId" clId="{CE9B0419-8561-4196-9FDB-B85F086EC084}" dt="2020-04-12T07:02:46.252" v="2197" actId="1035"/>
+          <ac:spMkLst>
+            <pc:docMk/>
+            <pc:sldMk cId="1340209514" sldId="266"/>
+            <ac:spMk id="17" creationId="{1CEC2EBF-FC71-4A88-9267-1A5BBCA4F8C0}"/>
+          </ac:spMkLst>
+        </pc:spChg>
+        <pc:spChg chg="add del">
+          <ac:chgData name="kaihua tang" userId="22376ffad72c4b64" providerId="LiveId" clId="{CE9B0419-8561-4196-9FDB-B85F086EC084}" dt="2020-04-12T06:49:52.140" v="1822"/>
+          <ac:spMkLst>
+            <pc:docMk/>
+            <pc:sldMk cId="1340209514" sldId="266"/>
+            <ac:spMk id="18" creationId="{3D71D428-C89F-4993-9D8A-F7D256B8EB8A}"/>
+          </ac:spMkLst>
+        </pc:spChg>
+        <pc:spChg chg="add del">
+          <ac:chgData name="kaihua tang" userId="22376ffad72c4b64" providerId="LiveId" clId="{CE9B0419-8561-4196-9FDB-B85F086EC084}" dt="2020-04-12T06:49:52.140" v="1822"/>
+          <ac:spMkLst>
+            <pc:docMk/>
+            <pc:sldMk cId="1340209514" sldId="266"/>
+            <ac:spMk id="19" creationId="{D1042A68-3AA7-40CF-8B5D-520817C0A236}"/>
+          </ac:spMkLst>
+        </pc:spChg>
+        <pc:spChg chg="add del">
+          <ac:chgData name="kaihua tang" userId="22376ffad72c4b64" providerId="LiveId" clId="{CE9B0419-8561-4196-9FDB-B85F086EC084}" dt="2020-04-12T06:49:52.140" v="1822"/>
+          <ac:spMkLst>
+            <pc:docMk/>
+            <pc:sldMk cId="1340209514" sldId="266"/>
+            <ac:spMk id="20" creationId="{A7968C16-E865-4E67-BDD0-4666B273E480}"/>
+          </ac:spMkLst>
+        </pc:spChg>
+        <pc:spChg chg="add del">
+          <ac:chgData name="kaihua tang" userId="22376ffad72c4b64" providerId="LiveId" clId="{CE9B0419-8561-4196-9FDB-B85F086EC084}" dt="2020-04-12T06:49:52.140" v="1822"/>
+          <ac:spMkLst>
+            <pc:docMk/>
+            <pc:sldMk cId="1340209514" sldId="266"/>
+            <ac:spMk id="21" creationId="{D6074D21-5E49-4E16-A35A-9850429EEBD0}"/>
+          </ac:spMkLst>
+        </pc:spChg>
+        <pc:spChg chg="add del">
+          <ac:chgData name="kaihua tang" userId="22376ffad72c4b64" providerId="LiveId" clId="{CE9B0419-8561-4196-9FDB-B85F086EC084}" dt="2020-04-12T06:49:52.140" v="1822"/>
+          <ac:spMkLst>
+            <pc:docMk/>
+            <pc:sldMk cId="1340209514" sldId="266"/>
+            <ac:spMk id="22" creationId="{201807E2-C28A-4193-B776-8E665A75B176}"/>
+          </ac:spMkLst>
+        </pc:spChg>
+        <pc:spChg chg="add del">
+          <ac:chgData name="kaihua tang" userId="22376ffad72c4b64" providerId="LiveId" clId="{CE9B0419-8561-4196-9FDB-B85F086EC084}" dt="2020-04-12T06:49:52.140" v="1822"/>
+          <ac:spMkLst>
+            <pc:docMk/>
+            <pc:sldMk cId="1340209514" sldId="266"/>
+            <ac:spMk id="23" creationId="{BF586953-F627-4622-84FE-4D2C5F89C795}"/>
+          </ac:spMkLst>
+        </pc:spChg>
+        <pc:spChg chg="add mod">
+          <ac:chgData name="kaihua tang" userId="22376ffad72c4b64" providerId="LiveId" clId="{CE9B0419-8561-4196-9FDB-B85F086EC084}" dt="2020-04-12T07:02:46.252" v="2197" actId="1035"/>
+          <ac:spMkLst>
+            <pc:docMk/>
+            <pc:sldMk cId="1340209514" sldId="266"/>
+            <ac:spMk id="24" creationId="{D9AD1560-188A-4BBA-969A-29869A0778B0}"/>
+          </ac:spMkLst>
+        </pc:spChg>
+        <pc:spChg chg="add mod">
+          <ac:chgData name="kaihua tang" userId="22376ffad72c4b64" providerId="LiveId" clId="{CE9B0419-8561-4196-9FDB-B85F086EC084}" dt="2020-04-12T07:02:46.252" v="2197" actId="1035"/>
+          <ac:spMkLst>
+            <pc:docMk/>
+            <pc:sldMk cId="1340209514" sldId="266"/>
+            <ac:spMk id="25" creationId="{20E71A46-1E7E-41B7-B5CC-09B10767046A}"/>
+          </ac:spMkLst>
+        </pc:spChg>
+        <pc:spChg chg="add mod">
+          <ac:chgData name="kaihua tang" userId="22376ffad72c4b64" providerId="LiveId" clId="{CE9B0419-8561-4196-9FDB-B85F086EC084}" dt="2020-04-12T07:02:46.252" v="2197" actId="1035"/>
+          <ac:spMkLst>
+            <pc:docMk/>
+            <pc:sldMk cId="1340209514" sldId="266"/>
+            <ac:spMk id="26" creationId="{530977AE-480E-4EA0-9F75-7DEB01E182CB}"/>
+          </ac:spMkLst>
+        </pc:spChg>
+        <pc:spChg chg="add mod">
+          <ac:chgData name="kaihua tang" userId="22376ffad72c4b64" providerId="LiveId" clId="{CE9B0419-8561-4196-9FDB-B85F086EC084}" dt="2020-04-12T07:02:46.252" v="2197" actId="1035"/>
+          <ac:spMkLst>
+            <pc:docMk/>
+            <pc:sldMk cId="1340209514" sldId="266"/>
+            <ac:spMk id="27" creationId="{C3A45F2B-E72D-4BE3-9908-47E251C4CD7D}"/>
+          </ac:spMkLst>
+        </pc:spChg>
+        <pc:spChg chg="add mod">
+          <ac:chgData name="kaihua tang" userId="22376ffad72c4b64" providerId="LiveId" clId="{CE9B0419-8561-4196-9FDB-B85F086EC084}" dt="2020-04-12T07:02:46.252" v="2197" actId="1035"/>
+          <ac:spMkLst>
+            <pc:docMk/>
+            <pc:sldMk cId="1340209514" sldId="266"/>
+            <ac:spMk id="28" creationId="{1653EDB7-E736-4D1E-8FC4-2FBDCDCA5D42}"/>
+          </ac:spMkLst>
+        </pc:spChg>
+        <pc:spChg chg="add mod">
+          <ac:chgData name="kaihua tang" userId="22376ffad72c4b64" providerId="LiveId" clId="{CE9B0419-8561-4196-9FDB-B85F086EC084}" dt="2020-04-12T07:02:46.252" v="2197" actId="1035"/>
+          <ac:spMkLst>
+            <pc:docMk/>
+            <pc:sldMk cId="1340209514" sldId="266"/>
+            <ac:spMk id="29" creationId="{9F9B400C-52F0-4606-BDB2-30E4BC967BED}"/>
+          </ac:spMkLst>
+        </pc:spChg>
+        <pc:spChg chg="add mod">
+          <ac:chgData name="kaihua tang" userId="22376ffad72c4b64" providerId="LiveId" clId="{CE9B0419-8561-4196-9FDB-B85F086EC084}" dt="2020-04-12T07:02:46.252" v="2197" actId="1035"/>
+          <ac:spMkLst>
+            <pc:docMk/>
+            <pc:sldMk cId="1340209514" sldId="266"/>
+            <ac:spMk id="30" creationId="{917FCC4D-E3D9-485B-954F-5400499C6782}"/>
+          </ac:spMkLst>
+        </pc:spChg>
+        <pc:spChg chg="add mod">
+          <ac:chgData name="kaihua tang" userId="22376ffad72c4b64" providerId="LiveId" clId="{CE9B0419-8561-4196-9FDB-B85F086EC084}" dt="2020-04-12T07:02:46.252" v="2197" actId="1035"/>
+          <ac:spMkLst>
+            <pc:docMk/>
+            <pc:sldMk cId="1340209514" sldId="266"/>
+            <ac:spMk id="31" creationId="{EB3C5355-6E73-4B0D-BD74-A8F137F37A18}"/>
+          </ac:spMkLst>
+        </pc:spChg>
+        <pc:spChg chg="add mod">
+          <ac:chgData name="kaihua tang" userId="22376ffad72c4b64" providerId="LiveId" clId="{CE9B0419-8561-4196-9FDB-B85F086EC084}" dt="2020-04-12T07:02:46.252" v="2197" actId="1035"/>
+          <ac:spMkLst>
+            <pc:docMk/>
+            <pc:sldMk cId="1340209514" sldId="266"/>
+            <ac:spMk id="32" creationId="{612F3590-B7A9-4BE4-A81F-AB95BB8D96C5}"/>
+          </ac:spMkLst>
+        </pc:spChg>
+        <pc:spChg chg="add mod">
+          <ac:chgData name="kaihua tang" userId="22376ffad72c4b64" providerId="LiveId" clId="{CE9B0419-8561-4196-9FDB-B85F086EC084}" dt="2020-04-12T07:02:39.867" v="2186" actId="1076"/>
+          <ac:spMkLst>
+            <pc:docMk/>
+            <pc:sldMk cId="1340209514" sldId="266"/>
+            <ac:spMk id="34" creationId="{9E3A8349-AFED-4784-BE6E-49A7AC004FE8}"/>
+          </ac:spMkLst>
+        </pc:spChg>
+        <pc:picChg chg="add mod">
+          <ac:chgData name="kaihua tang" userId="22376ffad72c4b64" providerId="LiveId" clId="{CE9B0419-8561-4196-9FDB-B85F086EC084}" dt="2020-04-12T07:02:46.252" v="2197" actId="1035"/>
+          <ac:picMkLst>
+            <pc:docMk/>
+            <pc:sldMk cId="1340209514" sldId="266"/>
+            <ac:picMk id="33" creationId="{79D383B5-51E1-4261-99F3-F73C9601AB40}"/>
+          </ac:picMkLst>
+        </pc:picChg>
+      </pc:sldChg>
+      <pc:sldChg chg="modSp add del ord">
+        <pc:chgData name="kaihua tang" userId="22376ffad72c4b64" providerId="LiveId" clId="{CE9B0419-8561-4196-9FDB-B85F086EC084}" dt="2020-04-12T12:54:13.097" v="2847" actId="2696"/>
+        <pc:sldMkLst>
+          <pc:docMk/>
+          <pc:sldMk cId="3866828426" sldId="266"/>
+        </pc:sldMkLst>
+        <pc:spChg chg="mod">
+          <ac:chgData name="kaihua tang" userId="22376ffad72c4b64" providerId="LiveId" clId="{CE9B0419-8561-4196-9FDB-B85F086EC084}" dt="2020-04-12T12:53:12.578" v="2846" actId="20577"/>
+          <ac:spMkLst>
+            <pc:docMk/>
+            <pc:sldMk cId="3866828426" sldId="266"/>
+            <ac:spMk id="2" creationId="{ADACF2C9-C78A-43BA-942B-B5B469CE00E8}"/>
+          </ac:spMkLst>
+        </pc:spChg>
+      </pc:sldChg>
+      <pc:sldChg chg="modSp add del ord">
+        <pc:chgData name="kaihua tang" userId="22376ffad72c4b64" providerId="LiveId" clId="{CE9B0419-8561-4196-9FDB-B85F086EC084}" dt="2020-04-13T03:21:53.875" v="4416" actId="47"/>
+        <pc:sldMkLst>
+          <pc:docMk/>
+          <pc:sldMk cId="16486613" sldId="267"/>
+        </pc:sldMkLst>
+        <pc:spChg chg="mod">
+          <ac:chgData name="kaihua tang" userId="22376ffad72c4b64" providerId="LiveId" clId="{CE9B0419-8561-4196-9FDB-B85F086EC084}" dt="2020-04-12T11:48:42.421" v="2221" actId="108"/>
+          <ac:spMkLst>
+            <pc:docMk/>
+            <pc:sldMk cId="16486613" sldId="267"/>
+            <ac:spMk id="3" creationId="{D86AC0E6-91D3-4E2C-BAE7-1FC17922CA5A}"/>
+          </ac:spMkLst>
+        </pc:spChg>
+      </pc:sldChg>
+      <pc:sldChg chg="addSp delSp modSp add modNotesTx">
+        <pc:chgData name="kaihua tang" userId="22376ffad72c4b64" providerId="LiveId" clId="{CE9B0419-8561-4196-9FDB-B85F086EC084}" dt="2020-04-14T14:26:47.982" v="19452" actId="20577"/>
+        <pc:sldMkLst>
+          <pc:docMk/>
+          <pc:sldMk cId="588096205" sldId="268"/>
+        </pc:sldMkLst>
+        <pc:spChg chg="mod">
+          <ac:chgData name="kaihua tang" userId="22376ffad72c4b64" providerId="LiveId" clId="{CE9B0419-8561-4196-9FDB-B85F086EC084}" dt="2020-04-11T17:24:56.076" v="1214" actId="20577"/>
+          <ac:spMkLst>
+            <pc:docMk/>
+            <pc:sldMk cId="588096205" sldId="268"/>
+            <ac:spMk id="2" creationId="{0F352783-9870-4B22-8CDD-8EDE69AA9D76}"/>
+          </ac:spMkLst>
+        </pc:spChg>
+        <pc:spChg chg="mod">
+          <ac:chgData name="kaihua tang" userId="22376ffad72c4b64" providerId="LiveId" clId="{CE9B0419-8561-4196-9FDB-B85F086EC084}" dt="2020-04-12T05:42:23.816" v="1569" actId="14100"/>
+          <ac:spMkLst>
+            <pc:docMk/>
+            <pc:sldMk cId="588096205" sldId="268"/>
+            <ac:spMk id="3" creationId="{0D7B508C-4489-4401-92C4-6590249C187A}"/>
+          </ac:spMkLst>
+        </pc:spChg>
+        <pc:spChg chg="add mod">
+          <ac:chgData name="kaihua tang" userId="22376ffad72c4b64" providerId="LiveId" clId="{CE9B0419-8561-4196-9FDB-B85F086EC084}" dt="2020-04-12T05:42:20.033" v="1568" actId="1076"/>
+          <ac:spMkLst>
+            <pc:docMk/>
+            <pc:sldMk cId="588096205" sldId="268"/>
+            <ac:spMk id="4" creationId="{EA609C21-0F67-47CB-A49B-4F8FB16BD226}"/>
+          </ac:spMkLst>
+        </pc:spChg>
+        <pc:spChg chg="add mod">
+          <ac:chgData name="kaihua tang" userId="22376ffad72c4b64" providerId="LiveId" clId="{CE9B0419-8561-4196-9FDB-B85F086EC084}" dt="2020-04-12T05:42:20.033" v="1568" actId="1076"/>
+          <ac:spMkLst>
+            <pc:docMk/>
+            <pc:sldMk cId="588096205" sldId="268"/>
+            <ac:spMk id="5" creationId="{1510D0C4-8211-4E2B-87BD-6F2EF58EC554}"/>
+          </ac:spMkLst>
+        </pc:spChg>
+        <pc:spChg chg="add mod">
+          <ac:chgData name="kaihua tang" userId="22376ffad72c4b64" providerId="LiveId" clId="{CE9B0419-8561-4196-9FDB-B85F086EC084}" dt="2020-04-12T05:42:20.033" v="1568" actId="1076"/>
+          <ac:spMkLst>
+            <pc:docMk/>
+            <pc:sldMk cId="588096205" sldId="268"/>
+            <ac:spMk id="6" creationId="{6D3C18CD-8FAD-4CD2-AC9D-5DE62F66EB36}"/>
+          </ac:spMkLst>
+        </pc:spChg>
+        <pc:spChg chg="add mod">
+          <ac:chgData name="kaihua tang" userId="22376ffad72c4b64" providerId="LiveId" clId="{CE9B0419-8561-4196-9FDB-B85F086EC084}" dt="2020-04-12T05:42:20.033" v="1568" actId="1076"/>
+          <ac:spMkLst>
+            <pc:docMk/>
+            <pc:sldMk cId="588096205" sldId="268"/>
+            <ac:spMk id="7" creationId="{6CC0F9FC-EC47-457B-A918-ADC3A92037B3}"/>
+          </ac:spMkLst>
+        </pc:spChg>
+        <pc:spChg chg="add mod">
+          <ac:chgData name="kaihua tang" userId="22376ffad72c4b64" providerId="LiveId" clId="{CE9B0419-8561-4196-9FDB-B85F086EC084}" dt="2020-04-12T05:42:20.033" v="1568" actId="1076"/>
+          <ac:spMkLst>
+            <pc:docMk/>
+            <pc:sldMk cId="588096205" sldId="268"/>
+            <ac:spMk id="8" creationId="{2AA629A8-B5AC-449E-9F09-D38F18FC0945}"/>
+          </ac:spMkLst>
+        </pc:spChg>
+        <pc:spChg chg="add mod">
+          <ac:chgData name="kaihua tang" userId="22376ffad72c4b64" providerId="LiveId" clId="{CE9B0419-8561-4196-9FDB-B85F086EC084}" dt="2020-04-12T05:42:20.033" v="1568" actId="1076"/>
+          <ac:spMkLst>
+            <pc:docMk/>
+            <pc:sldMk cId="588096205" sldId="268"/>
+            <ac:spMk id="9" creationId="{94F87CD1-11EA-47B8-87B3-076130C7F62F}"/>
+          </ac:spMkLst>
+        </pc:spChg>
+        <pc:spChg chg="add mod">
+          <ac:chgData name="kaihua tang" userId="22376ffad72c4b64" providerId="LiveId" clId="{CE9B0419-8561-4196-9FDB-B85F086EC084}" dt="2020-04-12T05:42:20.033" v="1568" actId="1076"/>
+          <ac:spMkLst>
+            <pc:docMk/>
+            <pc:sldMk cId="588096205" sldId="268"/>
+            <ac:spMk id="10" creationId="{3647B2C8-124D-4BDB-9CB7-C9322930746E}"/>
+          </ac:spMkLst>
+        </pc:spChg>
+        <pc:spChg chg="add mod">
+          <ac:chgData name="kaihua tang" userId="22376ffad72c4b64" providerId="LiveId" clId="{CE9B0419-8561-4196-9FDB-B85F086EC084}" dt="2020-04-12T05:42:20.033" v="1568" actId="1076"/>
+          <ac:spMkLst>
+            <pc:docMk/>
+            <pc:sldMk cId="588096205" sldId="268"/>
+            <ac:spMk id="11" creationId="{32402BFC-2D46-4CB3-94AC-2240AB8F55DD}"/>
+          </ac:spMkLst>
+        </pc:spChg>
+        <pc:spChg chg="add mod">
+          <ac:chgData name="kaihua tang" userId="22376ffad72c4b64" providerId="LiveId" clId="{CE9B0419-8561-4196-9FDB-B85F086EC084}" dt="2020-04-12T05:42:20.033" v="1568" actId="1076"/>
+          <ac:spMkLst>
+            <pc:docMk/>
+            <pc:sldMk cId="588096205" sldId="268"/>
+            <ac:spMk id="12" creationId="{89BF7EDF-36BA-4148-8127-A73CD8617FDB}"/>
+          </ac:spMkLst>
+        </pc:spChg>
+        <pc:spChg chg="add mod">
+          <ac:chgData name="kaihua tang" userId="22376ffad72c4b64" providerId="LiveId" clId="{CE9B0419-8561-4196-9FDB-B85F086EC084}" dt="2020-04-12T05:42:20.033" v="1568" actId="1076"/>
+          <ac:spMkLst>
+            <pc:docMk/>
+            <pc:sldMk cId="588096205" sldId="268"/>
+            <ac:spMk id="13" creationId="{3356C25A-1C2F-40ED-991D-81EB4765AD0A}"/>
+          </ac:spMkLst>
+        </pc:spChg>
+        <pc:spChg chg="add mod">
+          <ac:chgData name="kaihua tang" userId="22376ffad72c4b64" providerId="LiveId" clId="{CE9B0419-8561-4196-9FDB-B85F086EC084}" dt="2020-04-12T05:42:20.033" v="1568" actId="1076"/>
+          <ac:spMkLst>
+            <pc:docMk/>
+            <pc:sldMk cId="588096205" sldId="268"/>
+            <ac:spMk id="14" creationId="{BC01C53D-214B-47A8-BE25-607A263BA872}"/>
+          </ac:spMkLst>
+        </pc:spChg>
+        <pc:spChg chg="add mod">
+          <ac:chgData name="kaihua tang" userId="22376ffad72c4b64" providerId="LiveId" clId="{CE9B0419-8561-4196-9FDB-B85F086EC084}" dt="2020-04-12T05:42:20.033" v="1568" actId="1076"/>
+          <ac:spMkLst>
+            <pc:docMk/>
+            <pc:sldMk cId="588096205" sldId="268"/>
+            <ac:spMk id="15" creationId="{211F648A-68F5-4DB6-87F9-FD10DAFEA37D}"/>
+          </ac:spMkLst>
+        </pc:spChg>
+        <pc:spChg chg="add mod">
+          <ac:chgData name="kaihua tang" userId="22376ffad72c4b64" providerId="LiveId" clId="{CE9B0419-8561-4196-9FDB-B85F086EC084}" dt="2020-04-12T05:42:20.033" v="1568" actId="1076"/>
+          <ac:spMkLst>
+            <pc:docMk/>
+            <pc:sldMk cId="588096205" sldId="268"/>
+            <ac:spMk id="16" creationId="{97462C74-10BD-464B-BACA-7DE1647A5BE8}"/>
+          </ac:spMkLst>
+        </pc:spChg>
+        <pc:spChg chg="add mod">
+          <ac:chgData name="kaihua tang" userId="22376ffad72c4b64" providerId="LiveId" clId="{CE9B0419-8561-4196-9FDB-B85F086EC084}" dt="2020-04-12T05:42:20.033" v="1568" actId="1076"/>
+          <ac:spMkLst>
+            <pc:docMk/>
+            <pc:sldMk cId="588096205" sldId="268"/>
+            <ac:spMk id="17" creationId="{635B2ED1-B449-4887-B51D-1636D5C64A87}"/>
+          </ac:spMkLst>
+        </pc:spChg>
+        <pc:spChg chg="add mod">
+          <ac:chgData name="kaihua tang" userId="22376ffad72c4b64" providerId="LiveId" clId="{CE9B0419-8561-4196-9FDB-B85F086EC084}" dt="2020-04-12T05:42:20.033" v="1568" actId="1076"/>
+          <ac:spMkLst>
+            <pc:docMk/>
+            <pc:sldMk cId="588096205" sldId="268"/>
+            <ac:spMk id="18" creationId="{1ADDBDCB-6DC8-486A-ACAB-145888FC67C8}"/>
+          </ac:spMkLst>
+        </pc:spChg>
+        <pc:spChg chg="add mod">
+          <ac:chgData name="kaihua tang" userId="22376ffad72c4b64" providerId="LiveId" clId="{CE9B0419-8561-4196-9FDB-B85F086EC084}" dt="2020-04-12T05:42:20.033" v="1568" actId="1076"/>
+          <ac:spMkLst>
+            <pc:docMk/>
+            <pc:sldMk cId="588096205" sldId="268"/>
+            <ac:spMk id="19" creationId="{2E8EE244-74C7-4141-9EF7-77D4C0BA9284}"/>
+          </ac:spMkLst>
+        </pc:spChg>
+        <pc:spChg chg="add mod">
+          <ac:chgData name="kaihua tang" userId="22376ffad72c4b64" providerId="LiveId" clId="{CE9B0419-8561-4196-9FDB-B85F086EC084}" dt="2020-04-12T05:42:20.033" v="1568" actId="1076"/>
+          <ac:spMkLst>
+            <pc:docMk/>
+            <pc:sldMk cId="588096205" sldId="268"/>
+            <ac:spMk id="20" creationId="{045B4D10-2FE9-470A-A037-664CE0AFF4E5}"/>
+          </ac:spMkLst>
+        </pc:spChg>
+        <pc:spChg chg="add mod">
+          <ac:chgData name="kaihua tang" userId="22376ffad72c4b64" providerId="LiveId" clId="{CE9B0419-8561-4196-9FDB-B85F086EC084}" dt="2020-04-12T05:42:20.033" v="1568" actId="1076"/>
+          <ac:spMkLst>
+            <pc:docMk/>
+            <pc:sldMk cId="588096205" sldId="268"/>
+            <ac:spMk id="21" creationId="{485478D2-2CA4-459C-9408-CBF1D4593688}"/>
+          </ac:spMkLst>
+        </pc:spChg>
+        <pc:spChg chg="add mod">
+          <ac:chgData name="kaihua tang" userId="22376ffad72c4b64" providerId="LiveId" clId="{CE9B0419-8561-4196-9FDB-B85F086EC084}" dt="2020-04-12T05:42:20.033" v="1568" actId="1076"/>
+          <ac:spMkLst>
+            <pc:docMk/>
+            <pc:sldMk cId="588096205" sldId="268"/>
+            <ac:spMk id="22" creationId="{C061961B-169A-4708-8D02-9BB54FFC7956}"/>
+          </ac:spMkLst>
+        </pc:spChg>
+        <pc:spChg chg="add mod">
+          <ac:chgData name="kaihua tang" userId="22376ffad72c4b64" providerId="LiveId" clId="{CE9B0419-8561-4196-9FDB-B85F086EC084}" dt="2020-04-12T05:42:20.033" v="1568" actId="1076"/>
+          <ac:spMkLst>
+            <pc:docMk/>
+            <pc:sldMk cId="588096205" sldId="268"/>
+            <ac:spMk id="23" creationId="{5C266534-C293-4B9C-9664-6C42CB05854D}"/>
+          </ac:spMkLst>
+        </pc:spChg>
+        <pc:spChg chg="add mod">
+          <ac:chgData name="kaihua tang" userId="22376ffad72c4b64" providerId="LiveId" clId="{CE9B0419-8561-4196-9FDB-B85F086EC084}" dt="2020-04-12T05:42:20.033" v="1568" actId="1076"/>
+          <ac:spMkLst>
+            <pc:docMk/>
+            <pc:sldMk cId="588096205" sldId="268"/>
+            <ac:spMk id="24" creationId="{4E6042B3-4D34-4EE6-B110-30BE3B67369C}"/>
+          </ac:spMkLst>
+        </pc:spChg>
+        <pc:spChg chg="add mod">
+          <ac:chgData name="kaihua tang" userId="22376ffad72c4b64" providerId="LiveId" clId="{CE9B0419-8561-4196-9FDB-B85F086EC084}" dt="2020-04-12T05:42:20.033" v="1568" actId="1076"/>
+          <ac:spMkLst>
+            <pc:docMk/>
+            <pc:sldMk cId="588096205" sldId="268"/>
+            <ac:spMk id="25" creationId="{A971AD0E-848B-4A2F-8AB5-83CC15565E1E}"/>
+          </ac:spMkLst>
+        </pc:spChg>
+        <pc:spChg chg="add mod">
+          <ac:chgData name="kaihua tang" userId="22376ffad72c4b64" providerId="LiveId" clId="{CE9B0419-8561-4196-9FDB-B85F086EC084}" dt="2020-04-12T05:42:20.033" v="1568" actId="1076"/>
+          <ac:spMkLst>
+            <pc:docMk/>
+            <pc:sldMk cId="588096205" sldId="268"/>
+            <ac:spMk id="26" creationId="{D697DD92-4E0A-423F-8E5E-F469DCD6DB40}"/>
+          </ac:spMkLst>
+        </pc:spChg>
+        <pc:spChg chg="add mod">
+          <ac:chgData name="kaihua tang" userId="22376ffad72c4b64" providerId="LiveId" clId="{CE9B0419-8561-4196-9FDB-B85F086EC084}" dt="2020-04-12T05:42:20.033" v="1568" actId="1076"/>
+          <ac:spMkLst>
+            <pc:docMk/>
+            <pc:sldMk cId="588096205" sldId="268"/>
+            <ac:spMk id="28" creationId="{EE4F4096-8E38-4B69-9EEA-3372C68C616D}"/>
+          </ac:spMkLst>
+        </pc:spChg>
+        <pc:spChg chg="add mod">
+          <ac:chgData name="kaihua tang" userId="22376ffad72c4b64" providerId="LiveId" clId="{CE9B0419-8561-4196-9FDB-B85F086EC084}" dt="2020-04-12T05:42:20.033" v="1568" actId="1076"/>
+          <ac:spMkLst>
+            <pc:docMk/>
+            <pc:sldMk cId="588096205" sldId="268"/>
+            <ac:spMk id="29" creationId="{6761C4C9-E745-49AA-9AA3-643A06F8A9E8}"/>
+          </ac:spMkLst>
+        </pc:spChg>
+        <pc:spChg chg="add mod">
+          <ac:chgData name="kaihua tang" userId="22376ffad72c4b64" providerId="LiveId" clId="{CE9B0419-8561-4196-9FDB-B85F086EC084}" dt="2020-04-12T05:42:20.033" v="1568" actId="1076"/>
+          <ac:spMkLst>
+            <pc:docMk/>
+            <pc:sldMk cId="588096205" sldId="268"/>
+            <ac:spMk id="30" creationId="{F083F9A9-37F0-4EFE-9FB5-2686DBBA03FF}"/>
+          </ac:spMkLst>
+        </pc:spChg>
+        <pc:spChg chg="add del">
+          <ac:chgData name="kaihua tang" userId="22376ffad72c4b64" providerId="LiveId" clId="{CE9B0419-8561-4196-9FDB-B85F086EC084}" dt="2020-04-12T05:42:03.078" v="1563"/>
+          <ac:spMkLst>
+            <pc:docMk/>
+            <pc:sldMk cId="588096205" sldId="268"/>
+            <ac:spMk id="33" creationId="{9485D0E1-4E7C-40CD-AF7B-B135B06C0954}"/>
+          </ac:spMkLst>
+        </pc:spChg>
+        <pc:spChg chg="add del">
+          <ac:chgData name="kaihua tang" userId="22376ffad72c4b64" providerId="LiveId" clId="{CE9B0419-8561-4196-9FDB-B85F086EC084}" dt="2020-04-12T05:42:03.078" v="1563"/>
+          <ac:spMkLst>
+            <pc:docMk/>
+            <pc:sldMk cId="588096205" sldId="268"/>
+            <ac:spMk id="34" creationId="{6ED1DE3A-6C62-442F-828D-D6954749C216}"/>
+          </ac:spMkLst>
+        </pc:spChg>
+        <pc:spChg chg="add del">
+          <ac:chgData name="kaihua tang" userId="22376ffad72c4b64" providerId="LiveId" clId="{CE9B0419-8561-4196-9FDB-B85F086EC084}" dt="2020-04-12T05:42:03.078" v="1563"/>
+          <ac:spMkLst>
+            <pc:docMk/>
+            <pc:sldMk cId="588096205" sldId="268"/>
+            <ac:spMk id="35" creationId="{DA7DAC96-2666-43EF-8D62-D5C08A3BAAFA}"/>
+          </ac:spMkLst>
+        </pc:spChg>
+        <pc:spChg chg="add del">
+          <ac:chgData name="kaihua tang" userId="22376ffad72c4b64" providerId="LiveId" clId="{CE9B0419-8561-4196-9FDB-B85F086EC084}" dt="2020-04-12T05:42:03.078" v="1563"/>
+          <ac:spMkLst>
+            <pc:docMk/>
+            <pc:sldMk cId="588096205" sldId="268"/>
+            <ac:spMk id="36" creationId="{6860FBAE-6A01-4348-981B-9267621072FB}"/>
+          </ac:spMkLst>
+        </pc:spChg>
+        <pc:spChg chg="add del">
+          <ac:chgData name="kaihua tang" userId="22376ffad72c4b64" providerId="LiveId" clId="{CE9B0419-8561-4196-9FDB-B85F086EC084}" dt="2020-04-12T05:42:03.078" v="1563"/>
+          <ac:spMkLst>
+            <pc:docMk/>
+            <pc:sldMk cId="588096205" sldId="268"/>
+            <ac:spMk id="37" creationId="{94FFD7B7-B06E-43EA-AD75-3BF761DC4299}"/>
+          </ac:spMkLst>
+        </pc:spChg>
+        <pc:spChg chg="add del">
+          <ac:chgData name="kaihua tang" userId="22376ffad72c4b64" providerId="LiveId" clId="{CE9B0419-8561-4196-9FDB-B85F086EC084}" dt="2020-04-12T05:42:03.078" v="1563"/>
+          <ac:spMkLst>
+            <pc:docMk/>
+            <pc:sldMk cId="588096205" sldId="268"/>
+            <ac:spMk id="38" creationId="{4E37BE0F-89BE-48AA-AD49-DA5A1C695B0C}"/>
+          </ac:spMkLst>
+        </pc:spChg>
+        <pc:spChg chg="add del">
+          <ac:chgData name="kaihua tang" userId="22376ffad72c4b64" providerId="LiveId" clId="{CE9B0419-8561-4196-9FDB-B85F086EC084}" dt="2020-04-12T05:42:03.078" v="1563"/>
+          <ac:spMkLst>
+            <pc:docMk/>
+            <pc:sldMk cId="588096205" sldId="268"/>
+            <ac:spMk id="39" creationId="{B21B3C5C-5163-4191-81E2-8D9728E66002}"/>
+          </ac:spMkLst>
+        </pc:spChg>
+        <pc:spChg chg="add del">
+          <ac:chgData name="kaihua tang" userId="22376ffad72c4b64" providerId="LiveId" clId="{CE9B0419-8561-4196-9FDB-B85F086EC084}" dt="2020-04-12T05:42:03.078" v="1563"/>
+          <ac:spMkLst>
+            <pc:docMk/>
+            <pc:sldMk cId="588096205" sldId="268"/>
+            <ac:spMk id="40" creationId="{318A5A5B-CC57-4CF1-96C2-73CE3817C79F}"/>
+          </ac:spMkLst>
+        </pc:spChg>
+        <pc:spChg chg="add del">
+          <ac:chgData name="kaihua tang" userId="22376ffad72c4b64" providerId="LiveId" clId="{CE9B0419-8561-4196-9FDB-B85F086EC084}" dt="2020-04-12T05:42:03.078" v="1563"/>
+          <ac:spMkLst>
+            <pc:docMk/>
+            <pc:sldMk cId="588096205" sldId="268"/>
+            <ac:spMk id="41" creationId="{D146E7F1-1C27-488D-BE19-5935469506E2}"/>
+          </ac:spMkLst>
+        </pc:spChg>
+        <pc:spChg chg="add del">
+          <ac:chgData name="kaihua tang" userId="22376ffad72c4b64" providerId="LiveId" clId="{CE9B0419-8561-4196-9FDB-B85F086EC084}" dt="2020-04-12T05:42:03.078" v="1563"/>
+          <ac:spMkLst>
+            <pc:docMk/>
+            <pc:sldMk cId="588096205" sldId="268"/>
+            <ac:spMk id="42" creationId="{EFB7C253-10BD-4582-A0E5-4BEBD15CD5E9}"/>
+          </ac:spMkLst>
+        </pc:spChg>
+        <pc:spChg chg="add del">
+          <ac:chgData name="kaihua tang" userId="22376ffad72c4b64" providerId="LiveId" clId="{CE9B0419-8561-4196-9FDB-B85F086EC084}" dt="2020-04-12T05:42:03.078" v="1563"/>
+          <ac:spMkLst>
+            <pc:docMk/>
+            <pc:sldMk cId="588096205" sldId="268"/>
+            <ac:spMk id="43" creationId="{85E79074-AC7A-4B7C-88A6-1DE5591A9897}"/>
+          </ac:spMkLst>
+        </pc:spChg>
+        <pc:spChg chg="add del">
+          <ac:chgData name="kaihua tang" userId="22376ffad72c4b64" providerId="LiveId" clId="{CE9B0419-8561-4196-9FDB-B85F086EC084}" dt="2020-04-12T05:42:03.078" v="1563"/>
+          <ac:spMkLst>
+            <pc:docMk/>
+            <pc:sldMk cId="588096205" sldId="268"/>
+            <ac:spMk id="44" creationId="{4A347104-4844-49E3-A636-621062869E2B}"/>
+          </ac:spMkLst>
+        </pc:spChg>
+        <pc:spChg chg="add del">
+          <ac:chgData name="kaihua tang" userId="22376ffad72c4b64" providerId="LiveId" clId="{CE9B0419-8561-4196-9FDB-B85F086EC084}" dt="2020-04-12T05:42:03.078" v="1563"/>
+          <ac:spMkLst>
+            <pc:docMk/>
+            <pc:sldMk cId="588096205" sldId="268"/>
+            <ac:spMk id="45" creationId="{6DBEAD10-69D9-4BE5-8991-432829FE2D91}"/>
+          </ac:spMkLst>
+        </pc:spChg>
+        <pc:spChg chg="add del">
+          <ac:chgData name="kaihua tang" userId="22376ffad72c4b64" providerId="LiveId" clId="{CE9B0419-8561-4196-9FDB-B85F086EC084}" dt="2020-04-12T05:42:03.078" v="1563"/>
+          <ac:spMkLst>
+            <pc:docMk/>
+            <pc:sldMk cId="588096205" sldId="268"/>
+            <ac:spMk id="46" creationId="{5A480D64-F53B-4F8A-8579-960CDCE8CD53}"/>
+          </ac:spMkLst>
+        </pc:spChg>
+        <pc:spChg chg="add del">
+          <ac:chgData name="kaihua tang" userId="22376ffad72c4b64" providerId="LiveId" clId="{CE9B0419-8561-4196-9FDB-B85F086EC084}" dt="2020-04-12T05:42:03.078" v="1563"/>
+          <ac:spMkLst>
+            <pc:docMk/>
+            <pc:sldMk cId="588096205" sldId="268"/>
+            <ac:spMk id="47" creationId="{54D66262-5AC9-480E-A751-2E7C2F8112B6}"/>
+          </ac:spMkLst>
+        </pc:spChg>
+        <pc:spChg chg="add del">
+          <ac:chgData name="kaihua tang" userId="22376ffad72c4b64" providerId="LiveId" clId="{CE9B0419-8561-4196-9FDB-B85F086EC084}" dt="2020-04-12T05:42:03.078" v="1563"/>
+          <ac:spMkLst>
+            <pc:docMk/>
+            <pc:sldMk cId="588096205" sldId="268"/>
+            <ac:spMk id="48" creationId="{B482FC0E-3D3C-4622-BA2E-B5C341C99BED}"/>
+          </ac:spMkLst>
+        </pc:spChg>
+        <pc:spChg chg="add del">
+          <ac:chgData name="kaihua tang" userId="22376ffad72c4b64" providerId="LiveId" clId="{CE9B0419-8561-4196-9FDB-B85F086EC084}" dt="2020-04-12T05:42:03.078" v="1563"/>
+          <ac:spMkLst>
+            <pc:docMk/>
+            <pc:sldMk cId="588096205" sldId="268"/>
+            <ac:spMk id="49" creationId="{1B3A3BB6-2BA7-4F7B-A990-39D6279BD561}"/>
+          </ac:spMkLst>
+        </pc:spChg>
+        <pc:spChg chg="add del">
+          <ac:chgData name="kaihua tang" userId="22376ffad72c4b64" providerId="LiveId" clId="{CE9B0419-8561-4196-9FDB-B85F086EC084}" dt="2020-04-12T05:42:03.078" v="1563"/>
+          <ac:spMkLst>
+            <pc:docMk/>
+            <pc:sldMk cId="588096205" sldId="268"/>
+            <ac:spMk id="50" creationId="{DF164691-02E4-434F-966B-20CF7CDE5B86}"/>
+          </ac:spMkLst>
+        </pc:spChg>
+        <pc:spChg chg="add del">
+          <ac:chgData name="kaihua tang" userId="22376ffad72c4b64" providerId="LiveId" clId="{CE9B0419-8561-4196-9FDB-B85F086EC084}" dt="2020-04-12T05:42:03.078" v="1563"/>
+          <ac:spMkLst>
+            <pc:docMk/>
+            <pc:sldMk cId="588096205" sldId="268"/>
+            <ac:spMk id="51" creationId="{9FCE7325-9050-4EEF-9EFE-6F4266CB217D}"/>
+          </ac:spMkLst>
+        </pc:spChg>
+        <pc:spChg chg="add del">
+          <ac:chgData name="kaihua tang" userId="22376ffad72c4b64" providerId="LiveId" clId="{CE9B0419-8561-4196-9FDB-B85F086EC084}" dt="2020-04-12T05:42:03.078" v="1563"/>
+          <ac:spMkLst>
+            <pc:docMk/>
+            <pc:sldMk cId="588096205" sldId="268"/>
+            <ac:spMk id="52" creationId="{3A37FB34-FD61-4572-83E9-E7E02C81328C}"/>
+          </ac:spMkLst>
+        </pc:spChg>
+        <pc:spChg chg="add del">
+          <ac:chgData name="kaihua tang" userId="22376ffad72c4b64" providerId="LiveId" clId="{CE9B0419-8561-4196-9FDB-B85F086EC084}" dt="2020-04-12T05:42:03.078" v="1563"/>
+          <ac:spMkLst>
+            <pc:docMk/>
+            <pc:sldMk cId="588096205" sldId="268"/>
+            <ac:spMk id="53" creationId="{35409A89-0593-4182-90B4-8D9C5032ED66}"/>
+          </ac:spMkLst>
+        </pc:spChg>
+        <pc:spChg chg="add del">
+          <ac:chgData name="kaihua tang" userId="22376ffad72c4b64" providerId="LiveId" clId="{CE9B0419-8561-4196-9FDB-B85F086EC084}" dt="2020-04-12T05:42:03.078" v="1563"/>
+          <ac:spMkLst>
+            <pc:docMk/>
+            <pc:sldMk cId="588096205" sldId="268"/>
+            <ac:spMk id="54" creationId="{937AE56F-ECA3-4414-ADEC-FC412F3DA3AC}"/>
+          </ac:spMkLst>
+        </pc:spChg>
+        <pc:spChg chg="add del">
+          <ac:chgData name="kaihua tang" userId="22376ffad72c4b64" providerId="LiveId" clId="{CE9B0419-8561-4196-9FDB-B85F086EC084}" dt="2020-04-12T05:42:03.078" v="1563"/>
+          <ac:spMkLst>
+            <pc:docMk/>
+            <pc:sldMk cId="588096205" sldId="268"/>
+            <ac:spMk id="55" creationId="{59DA73CD-706B-4304-A0F5-4A91DD37871E}"/>
+          </ac:spMkLst>
+        </pc:spChg>
+        <pc:spChg chg="add del">
+          <ac:chgData name="kaihua tang" userId="22376ffad72c4b64" providerId="LiveId" clId="{CE9B0419-8561-4196-9FDB-B85F086EC084}" dt="2020-04-12T05:42:03.078" v="1563"/>
+          <ac:spMkLst>
+            <pc:docMk/>
+            <pc:sldMk cId="588096205" sldId="268"/>
+            <ac:spMk id="57" creationId="{21138800-6BFC-413C-875B-800441FDC303}"/>
+          </ac:spMkLst>
+        </pc:spChg>
+        <pc:spChg chg="add del">
+          <ac:chgData name="kaihua tang" userId="22376ffad72c4b64" providerId="LiveId" clId="{CE9B0419-8561-4196-9FDB-B85F086EC084}" dt="2020-04-12T05:42:03.078" v="1563"/>
+          <ac:spMkLst>
+            <pc:docMk/>
+            <pc:sldMk cId="588096205" sldId="268"/>
+            <ac:spMk id="58" creationId="{B3E01732-A546-40FA-A9C0-EDAD235216B4}"/>
+          </ac:spMkLst>
+        </pc:spChg>
+        <pc:spChg chg="add del">
+          <ac:chgData name="kaihua tang" userId="22376ffad72c4b64" providerId="LiveId" clId="{CE9B0419-8561-4196-9FDB-B85F086EC084}" dt="2020-04-12T05:42:03.078" v="1563"/>
+          <ac:spMkLst>
+            <pc:docMk/>
+            <pc:sldMk cId="588096205" sldId="268"/>
+            <ac:spMk id="59" creationId="{ED7032B2-7067-42B2-B34A-6CFFCBE03AB3}"/>
+          </ac:spMkLst>
+        </pc:spChg>
+        <pc:spChg chg="add del">
+          <ac:chgData name="kaihua tang" userId="22376ffad72c4b64" providerId="LiveId" clId="{CE9B0419-8561-4196-9FDB-B85F086EC084}" dt="2020-04-12T05:42:15.174" v="1567"/>
+          <ac:spMkLst>
+            <pc:docMk/>
+            <pc:sldMk cId="588096205" sldId="268"/>
+            <ac:spMk id="62" creationId="{3F8C98CD-A913-4B7E-A3F9-8A5E531BEAE8}"/>
+          </ac:spMkLst>
+        </pc:spChg>
+        <pc:spChg chg="add del">
+          <ac:chgData name="kaihua tang" userId="22376ffad72c4b64" providerId="LiveId" clId="{CE9B0419-8561-4196-9FDB-B85F086EC084}" dt="2020-04-12T05:42:15.174" v="1567"/>
+          <ac:spMkLst>
+            <pc:docMk/>
+            <pc:sldMk cId="588096205" sldId="268"/>
+            <ac:spMk id="63" creationId="{D05FCF7C-705E-4657-8C2C-C384FB324F30}"/>
+          </ac:spMkLst>
+        </pc:spChg>
+        <pc:spChg chg="add del">
+          <ac:chgData name="kaihua tang" userId="22376ffad72c4b64" providerId="LiveId" clId="{CE9B0419-8561-4196-9FDB-B85F086EC084}" dt="2020-04-12T05:42:15.174" v="1567"/>
+          <ac:spMkLst>
+            <pc:docMk/>
+            <pc:sldMk cId="588096205" sldId="268"/>
+            <ac:spMk id="64" creationId="{F7C5A21D-282D-4CB6-A82E-F557BEC470F5}"/>
+          </ac:spMkLst>
+        </pc:spChg>
+        <pc:spChg chg="add del">
+          <ac:chgData name="kaihua tang" userId="22376ffad72c4b64" providerId="LiveId" clId="{CE9B0419-8561-4196-9FDB-B85F086EC084}" dt="2020-04-12T05:42:15.174" v="1567"/>
+          <ac:spMkLst>
+            <pc:docMk/>
+            <pc:sldMk cId="588096205" sldId="268"/>
+            <ac:spMk id="65" creationId="{B0E2A7C3-57B4-4AFA-8FB5-D99CAF35FB11}"/>
+          </ac:spMkLst>
+        </pc:spChg>
+        <pc:spChg chg="add del">
+          <ac:chgData name="kaihua tang" userId="22376ffad72c4b64" providerId="LiveId" clId="{CE9B0419-8561-4196-9FDB-B85F086EC084}" dt="2020-04-12T05:42:15.174" v="1567"/>
+          <ac:spMkLst>
+            <pc:docMk/>
+            <pc:sldMk cId="588096205" sldId="268"/>
+            <ac:spMk id="66" creationId="{38DEDBE6-9D60-4FEB-8FF1-33458F9C5960}"/>
+          </ac:spMkLst>
+        </pc:spChg>
+        <pc:spChg chg="add del">
+          <ac:chgData name="kaihua tang" userId="22376ffad72c4b64" providerId="LiveId" clId="{CE9B0419-8561-4196-9FDB-B85F086EC084}" dt="2020-04-12T05:42:15.174" v="1567"/>
+          <ac:spMkLst>
+            <pc:docMk/>
+            <pc:sldMk cId="588096205" sldId="268"/>
+            <ac:spMk id="67" creationId="{49030367-1FAA-4FEC-8337-B0244A7AF2BA}"/>
+          </ac:spMkLst>
+        </pc:spChg>
+        <pc:spChg chg="add del">
+          <ac:chgData name="kaihua tang" userId="22376ffad72c4b64" providerId="LiveId" clId="{CE9B0419-8561-4196-9FDB-B85F086EC084}" dt="2020-04-12T05:42:15.174" v="1567"/>
+          <ac:spMkLst>
+            <pc:docMk/>
+            <pc:sldMk cId="588096205" sldId="268"/>
+            <ac:spMk id="68" creationId="{98B9C748-1F42-415A-8406-BD59F4D42C56}"/>
+          </ac:spMkLst>
+        </pc:spChg>
+        <pc:spChg chg="add del">
+          <ac:chgData name="kaihua tang" userId="22376ffad72c4b64" providerId="LiveId" clId="{CE9B0419-8561-4196-9FDB-B85F086EC084}" dt="2020-04-12T05:42:15.174" v="1567"/>
+          <ac:spMkLst>
+            <pc:docMk/>
+            <pc:sldMk cId="588096205" sldId="268"/>
+            <ac:spMk id="69" creationId="{D4EA3364-7222-41D9-9CCD-855F32A9CC8D}"/>
+          </ac:spMkLst>
+        </pc:spChg>
+        <pc:spChg chg="add del">
+          <ac:chgData name="kaihua tang" userId="22376ffad72c4b64" providerId="LiveId" clId="{CE9B0419-8561-4196-9FDB-B85F086EC084}" dt="2020-04-12T05:42:15.174" v="1567"/>
+          <ac:spMkLst>
+            <pc:docMk/>
+            <pc:sldMk cId="588096205" sldId="268"/>
+            <ac:spMk id="70" creationId="{B0BE7FDB-FCF6-4B0D-9822-DCD15EE8D145}"/>
+          </ac:spMkLst>
+        </pc:spChg>
+        <pc:spChg chg="add del">
+          <ac:chgData name="kaihua tang" userId="22376ffad72c4b64" providerId="LiveId" clId="{CE9B0419-8561-4196-9FDB-B85F086EC084}" dt="2020-04-12T05:42:15.174" v="1567"/>
+          <ac:spMkLst>
+            <pc:docMk/>
+            <pc:sldMk cId="588096205" sldId="268"/>
+            <ac:spMk id="71" creationId="{728BBCE8-6B00-40A1-8A08-0472AD5068EA}"/>
+          </ac:spMkLst>
+        </pc:spChg>
+        <pc:spChg chg="add del">
+          <ac:chgData name="kaihua tang" userId="22376ffad72c4b64" providerId="LiveId" clId="{CE9B0419-8561-4196-9FDB-B85F086EC084}" dt="2020-04-12T05:42:15.174" v="1567"/>
+          <ac:spMkLst>
+            <pc:docMk/>
+            <pc:sldMk cId="588096205" sldId="268"/>
+            <ac:spMk id="72" creationId="{D321107C-5B48-4FA2-AAEF-9A2EA6E8D85D}"/>
+          </ac:spMkLst>
+        </pc:spChg>
+        <pc:spChg chg="add del">
+          <ac:chgData name="kaihua tang" userId="22376ffad72c4b64" providerId="LiveId" clId="{CE9B0419-8561-4196-9FDB-B85F086EC084}" dt="2020-04-12T05:42:15.174" v="1567"/>
+          <ac:spMkLst>
+            <pc:docMk/>
+            <pc:sldMk cId="588096205" sldId="268"/>
+            <ac:spMk id="73" creationId="{F74403A2-4DFB-4F00-8C86-543BA13C443A}"/>
+          </ac:spMkLst>
+        </pc:spChg>
+        <pc:spChg chg="add del">
+          <ac:chgData name="kaihua tang" userId="22376ffad72c4b64" providerId="LiveId" clId="{CE9B0419-8561-4196-9FDB-B85F086EC084}" dt="2020-04-12T05:42:15.174" v="1567"/>
+          <ac:spMkLst>
+            <pc:docMk/>
+            <pc:sldMk cId="588096205" sldId="268"/>
+            <ac:spMk id="74" creationId="{F7EF0184-23D8-4EFE-A398-C6081C2E89EF}"/>
+          </ac:spMkLst>
+        </pc:spChg>
+        <pc:spChg chg="add del">
+          <ac:chgData name="kaihua tang" userId="22376ffad72c4b64" providerId="LiveId" clId="{CE9B0419-8561-4196-9FDB-B85F086EC084}" dt="2020-04-12T05:42:15.174" v="1567"/>
+          <ac:spMkLst>
+            <pc:docMk/>
+            <pc:sldMk cId="588096205" sldId="268"/>
+            <ac:spMk id="75" creationId="{EA225EC5-DFE8-491D-83E9-3BB1BFD6713E}"/>
+          </ac:spMkLst>
+        </pc:spChg>
+        <pc:spChg chg="add del">
+          <ac:chgData name="kaihua tang" userId="22376ffad72c4b64" providerId="LiveId" clId="{CE9B0419-8561-4196-9FDB-B85F086EC084}" dt="2020-04-12T05:42:15.174" v="1567"/>
+          <ac:spMkLst>
+            <pc:docMk/>
+            <pc:sldMk cId="588096205" sldId="268"/>
+            <ac:spMk id="76" creationId="{6E735A64-D7D6-446D-964C-29267906D266}"/>
+          </ac:spMkLst>
+        </pc:spChg>
+        <pc:spChg chg="add del">
+          <ac:chgData name="kaihua tang" userId="22376ffad72c4b64" providerId="LiveId" clId="{CE9B0419-8561-4196-9FDB-B85F086EC084}" dt="2020-04-12T05:42:15.174" v="1567"/>
+          <ac:spMkLst>
+            <pc:docMk/>
+            <pc:sldMk cId="588096205" sldId="268"/>
+            <ac:spMk id="77" creationId="{372DBAAA-64F1-456B-98D0-1DF85AECB373}"/>
+          </ac:spMkLst>
+        </pc:spChg>
+        <pc:spChg chg="add del">
+          <ac:chgData name="kaihua tang" userId="22376ffad72c4b64" providerId="LiveId" clId="{CE9B0419-8561-4196-9FDB-B85F086EC084}" dt="2020-04-12T05:42:15.174" v="1567"/>
+          <ac:spMkLst>
+            <pc:docMk/>
+            <pc:sldMk cId="588096205" sldId="268"/>
+            <ac:spMk id="78" creationId="{AE8A11C6-6D0F-43E0-897E-C98386272788}"/>
+          </ac:spMkLst>
+        </pc:spChg>
+        <pc:spChg chg="add del">
+          <ac:chgData name="kaihua tang" userId="22376ffad72c4b64" providerId="LiveId" clId="{CE9B0419-8561-4196-9FDB-B85F086EC084}" dt="2020-04-12T05:42:15.174" v="1567"/>
+          <ac:spMkLst>
+            <pc:docMk/>
+            <pc:sldMk cId="588096205" sldId="268"/>
+            <ac:spMk id="79" creationId="{98C2307B-0753-4597-A168-50C4D8818F0C}"/>
+          </ac:spMkLst>
+        </pc:spChg>
+        <pc:spChg chg="add del">
+          <ac:chgData name="kaihua tang" userId="22376ffad72c4b64" providerId="LiveId" clId="{CE9B0419-8561-4196-9FDB-B85F086EC084}" dt="2020-04-12T05:42:15.174" v="1567"/>
+          <ac:spMkLst>
+            <pc:docMk/>
+            <pc:sldMk cId="588096205" sldId="268"/>
+            <ac:spMk id="80" creationId="{B605D52E-FAAC-4860-9B8B-7A3D2F1B1C66}"/>
+          </ac:spMkLst>
+        </pc:spChg>
+        <pc:spChg chg="add del">
+          <ac:chgData name="kaihua tang" userId="22376ffad72c4b64" providerId="LiveId" clId="{CE9B0419-8561-4196-9FDB-B85F086EC084}" dt="2020-04-12T05:42:15.174" v="1567"/>
+          <ac:spMkLst>
+            <pc:docMk/>
+            <pc:sldMk cId="588096205" sldId="268"/>
+            <ac:spMk id="81" creationId="{CFDF94C9-83D2-4846-AA37-8C0E9E9996E0}"/>
+          </ac:spMkLst>
+        </pc:spChg>
+        <pc:spChg chg="add del">
+          <ac:chgData name="kaihua tang" userId="22376ffad72c4b64" providerId="LiveId" clId="{CE9B0419-8561-4196-9FDB-B85F086EC084}" dt="2020-04-12T05:42:15.174" v="1567"/>
+          <ac:spMkLst>
+            <pc:docMk/>
+            <pc:sldMk cId="588096205" sldId="268"/>
+            <ac:spMk id="82" creationId="{C245DAD4-7066-4CFD-BF7D-7F588DFCD2CF}"/>
+          </ac:spMkLst>
+        </pc:spChg>
+        <pc:spChg chg="add del">
+          <ac:chgData name="kaihua tang" userId="22376ffad72c4b64" providerId="LiveId" clId="{CE9B0419-8561-4196-9FDB-B85F086EC084}" dt="2020-04-12T05:42:15.174" v="1567"/>
+          <ac:spMkLst>
+            <pc:docMk/>
+            <pc:sldMk cId="588096205" sldId="268"/>
+            <ac:spMk id="83" creationId="{E38ABB15-1F09-4DCF-BA7D-932B6884B592}"/>
+          </ac:spMkLst>
+        </pc:spChg>
+        <pc:spChg chg="add del">
+          <ac:chgData name="kaihua tang" userId="22376ffad72c4b64" providerId="LiveId" clId="{CE9B0419-8561-4196-9FDB-B85F086EC084}" dt="2020-04-12T05:42:15.174" v="1567"/>
+          <ac:spMkLst>
+            <pc:docMk/>
+            <pc:sldMk cId="588096205" sldId="268"/>
+            <ac:spMk id="84" creationId="{F547E4A6-CBAD-45C8-88C0-6C05B665D788}"/>
+          </ac:spMkLst>
+        </pc:spChg>
+        <pc:spChg chg="add del">
+          <ac:chgData name="kaihua tang" userId="22376ffad72c4b64" providerId="LiveId" clId="{CE9B0419-8561-4196-9FDB-B85F086EC084}" dt="2020-04-12T05:42:15.174" v="1567"/>
+          <ac:spMkLst>
+            <pc:docMk/>
+            <pc:sldMk cId="588096205" sldId="268"/>
+            <ac:spMk id="86" creationId="{291C15C4-9327-4F22-80D3-BB66397B8DE3}"/>
+          </ac:spMkLst>
+        </pc:spChg>
+        <pc:spChg chg="add del">
+          <ac:chgData name="kaihua tang" userId="22376ffad72c4b64" providerId="LiveId" clId="{CE9B0419-8561-4196-9FDB-B85F086EC084}" dt="2020-04-12T05:42:15.174" v="1567"/>
+          <ac:spMkLst>
+            <pc:docMk/>
+            <pc:sldMk cId="588096205" sldId="268"/>
+            <ac:spMk id="87" creationId="{E50EFB22-C93E-4BF9-A52C-C38F75CC8E13}"/>
+          </ac:spMkLst>
+        </pc:spChg>
+        <pc:spChg chg="add del">
+          <ac:chgData name="kaihua tang" userId="22376ffad72c4b64" providerId="LiveId" clId="{CE9B0419-8561-4196-9FDB-B85F086EC084}" dt="2020-04-12T05:42:15.174" v="1567"/>
+          <ac:spMkLst>
+            <pc:docMk/>
+            <pc:sldMk cId="588096205" sldId="268"/>
+            <ac:spMk id="88" creationId="{2B658579-DF42-4FAD-A760-6D69794CCC59}"/>
+          </ac:spMkLst>
+        </pc:spChg>
+        <pc:spChg chg="add mod">
+          <ac:chgData name="kaihua tang" userId="22376ffad72c4b64" providerId="LiveId" clId="{CE9B0419-8561-4196-9FDB-B85F086EC084}" dt="2020-04-12T05:43:46.032" v="1592" actId="20577"/>
+          <ac:spMkLst>
+            <pc:docMk/>
+            <pc:sldMk cId="588096205" sldId="268"/>
+            <ac:spMk id="91" creationId="{9C28C264-8361-498C-955D-CB46863D3D94}"/>
+          </ac:spMkLst>
+        </pc:spChg>
+        <pc:picChg chg="add mod">
+          <ac:chgData name="kaihua tang" userId="22376ffad72c4b64" providerId="LiveId" clId="{CE9B0419-8561-4196-9FDB-B85F086EC084}" dt="2020-04-12T05:42:20.033" v="1568" actId="1076"/>
+          <ac:picMkLst>
+            <pc:docMk/>
+            <pc:sldMk cId="588096205" sldId="268"/>
+            <ac:picMk id="27" creationId="{7E1FA7AC-E1D5-4E4B-8C19-2819072FD2D1}"/>
+          </ac:picMkLst>
+        </pc:picChg>
+        <pc:picChg chg="add del">
+          <ac:chgData name="kaihua tang" userId="22376ffad72c4b64" providerId="LiveId" clId="{CE9B0419-8561-4196-9FDB-B85F086EC084}" dt="2020-04-12T05:42:03.078" v="1563"/>
+          <ac:picMkLst>
+            <pc:docMk/>
+            <pc:sldMk cId="588096205" sldId="268"/>
+            <ac:picMk id="56" creationId="{DEA81066-9BC1-4788-8F66-705E1B876C67}"/>
+          </ac:picMkLst>
+        </pc:picChg>
+        <pc:picChg chg="add del">
+          <ac:chgData name="kaihua tang" userId="22376ffad72c4b64" providerId="LiveId" clId="{CE9B0419-8561-4196-9FDB-B85F086EC084}" dt="2020-04-12T05:42:15.174" v="1567"/>
+          <ac:picMkLst>
+            <pc:docMk/>
+            <pc:sldMk cId="588096205" sldId="268"/>
+            <ac:picMk id="85" creationId="{03296F57-6057-431D-BE68-6FF4CF011B34}"/>
+          </ac:picMkLst>
+        </pc:picChg>
+        <pc:cxnChg chg="add mod">
+          <ac:chgData name="kaihua tang" userId="22376ffad72c4b64" providerId="LiveId" clId="{CE9B0419-8561-4196-9FDB-B85F086EC084}" dt="2020-04-12T05:42:20.033" v="1568" actId="1076"/>
+          <ac:cxnSpMkLst>
+            <pc:docMk/>
+            <pc:sldMk cId="588096205" sldId="268"/>
+            <ac:cxnSpMk id="31" creationId="{5C18C6FF-4F81-4C2C-9C84-DB2CD93CBD69}"/>
+          </ac:cxnSpMkLst>
+        </pc:cxnChg>
+        <pc:cxnChg chg="add mod">
+          <ac:chgData name="kaihua tang" userId="22376ffad72c4b64" providerId="LiveId" clId="{CE9B0419-8561-4196-9FDB-B85F086EC084}" dt="2020-04-12T05:42:20.033" v="1568" actId="1076"/>
+          <ac:cxnSpMkLst>
+            <pc:docMk/>
+            <pc:sldMk cId="588096205" sldId="268"/>
+            <ac:cxnSpMk id="32" creationId="{25B25CD7-9579-425D-ADBB-7460A548CEEB}"/>
+          </ac:cxnSpMkLst>
+        </pc:cxnChg>
+        <pc:cxnChg chg="add del">
+          <ac:chgData name="kaihua tang" userId="22376ffad72c4b64" providerId="LiveId" clId="{CE9B0419-8561-4196-9FDB-B85F086EC084}" dt="2020-04-12T05:42:03.078" v="1563"/>
+          <ac:cxnSpMkLst>
+            <pc:docMk/>
+            <pc:sldMk cId="588096205" sldId="268"/>
+            <ac:cxnSpMk id="60" creationId="{FC3794ED-5C55-40C3-AE42-8715C1E36410}"/>
+          </ac:cxnSpMkLst>
+        </pc:cxnChg>
+        <pc:cxnChg chg="add del">
+          <ac:chgData name="kaihua tang" userId="22376ffad72c4b64" providerId="LiveId" clId="{CE9B0419-8561-4196-9FDB-B85F086EC084}" dt="2020-04-12T05:42:03.078" v="1563"/>
+          <ac:cxnSpMkLst>
+            <pc:docMk/>
+            <pc:sldMk cId="588096205" sldId="268"/>
+            <ac:cxnSpMk id="61" creationId="{9742E65D-2689-4136-9EDA-27D8723613C0}"/>
+          </ac:cxnSpMkLst>
+        </pc:cxnChg>
+        <pc:cxnChg chg="add del">
+          <ac:chgData name="kaihua tang" userId="22376ffad72c4b64" providerId="LiveId" clId="{CE9B0419-8561-4196-9FDB-B85F086EC084}" dt="2020-04-12T05:42:15.174" v="1567"/>
+          <ac:cxnSpMkLst>
+            <pc:docMk/>
+            <pc:sldMk cId="588096205" sldId="268"/>
+            <ac:cxnSpMk id="89" creationId="{BF2093AE-DF08-4065-ABF5-B55E36A526B3}"/>
+          </ac:cxnSpMkLst>
+        </pc:cxnChg>
+        <pc:cxnChg chg="add del">
+          <ac:chgData name="kaihua tang" userId="22376ffad72c4b64" providerId="LiveId" clId="{CE9B0419-8561-4196-9FDB-B85F086EC084}" dt="2020-04-12T05:42:15.174" v="1567"/>
+          <ac:cxnSpMkLst>
+            <pc:docMk/>
+            <pc:sldMk cId="588096205" sldId="268"/>
+            <ac:cxnSpMk id="90" creationId="{AA8241EE-11DD-4A7A-9F1E-BF9127E67E58}"/>
+          </ac:cxnSpMkLst>
+        </pc:cxnChg>
+      </pc:sldChg>
+      <pc:sldChg chg="modSp add del">
+        <pc:chgData name="kaihua tang" userId="22376ffad72c4b64" providerId="LiveId" clId="{CE9B0419-8561-4196-9FDB-B85F086EC084}" dt="2020-04-11T17:24:42.837" v="1210"/>
+        <pc:sldMkLst>
+          <pc:docMk/>
+          <pc:sldMk cId="1313676438" sldId="268"/>
+        </pc:sldMkLst>
+        <pc:spChg chg="mod">
+          <ac:chgData name="kaihua tang" userId="22376ffad72c4b64" providerId="LiveId" clId="{CE9B0419-8561-4196-9FDB-B85F086EC084}" dt="2020-04-11T17:24:42.281" v="1209"/>
+          <ac:spMkLst>
+            <pc:docMk/>
+            <pc:sldMk cId="1313676438" sldId="268"/>
+            <ac:spMk id="2" creationId="{0F352783-9870-4B22-8CDD-8EDE69AA9D76}"/>
+          </ac:spMkLst>
+        </pc:spChg>
+      </pc:sldChg>
+      <pc:sldChg chg="add del">
+        <pc:chgData name="kaihua tang" userId="22376ffad72c4b64" providerId="LiveId" clId="{CE9B0419-8561-4196-9FDB-B85F086EC084}" dt="2020-04-12T12:52:52.633" v="2840" actId="47"/>
+        <pc:sldMkLst>
+          <pc:docMk/>
+          <pc:sldMk cId="510989583" sldId="269"/>
+        </pc:sldMkLst>
+      </pc:sldChg>
+      <pc:sldChg chg="addSp modSp add del modNotesTx">
+        <pc:chgData name="kaihua tang" userId="22376ffad72c4b64" providerId="LiveId" clId="{CE9B0419-8561-4196-9FDB-B85F086EC084}" dt="2020-04-12T12:52:39.711" v="2838" actId="2696"/>
+        <pc:sldMkLst>
+          <pc:docMk/>
+          <pc:sldMk cId="3947148600" sldId="269"/>
+        </pc:sldMkLst>
+        <pc:spChg chg="mod">
+          <ac:chgData name="kaihua tang" userId="22376ffad72c4b64" providerId="LiveId" clId="{CE9B0419-8561-4196-9FDB-B85F086EC084}" dt="2020-04-11T17:25:04.952" v="1218" actId="20577"/>
+          <ac:spMkLst>
+            <pc:docMk/>
+            <pc:sldMk cId="3947148600" sldId="269"/>
+            <ac:spMk id="2" creationId="{ADACF2C9-C78A-43BA-942B-B5B469CE00E8}"/>
+          </ac:spMkLst>
+        </pc:spChg>
+        <pc:spChg chg="mod">
+          <ac:chgData name="kaihua tang" userId="22376ffad72c4b64" providerId="LiveId" clId="{CE9B0419-8561-4196-9FDB-B85F086EC084}" dt="2020-04-12T06:57:09.035" v="1932" actId="1076"/>
+          <ac:spMkLst>
+            <pc:docMk/>
+            <pc:sldMk cId="3947148600" sldId="269"/>
+            <ac:spMk id="3" creationId="{EE81DED3-DDC8-47C2-B95B-C0FFD23B6E2E}"/>
+          </ac:spMkLst>
+        </pc:spChg>
+        <pc:spChg chg="add mod">
+          <ac:chgData name="kaihua tang" userId="22376ffad72c4b64" providerId="LiveId" clId="{CE9B0419-8561-4196-9FDB-B85F086EC084}" dt="2020-04-12T06:57:17.292" v="1933" actId="1076"/>
+          <ac:spMkLst>
+            <pc:docMk/>
+            <pc:sldMk cId="3947148600" sldId="269"/>
+            <ac:spMk id="4" creationId="{3FBFE1C2-9767-46A7-9E38-3C1AA1F98028}"/>
+          </ac:spMkLst>
+        </pc:spChg>
+        <pc:spChg chg="add mod">
+          <ac:chgData name="kaihua tang" userId="22376ffad72c4b64" providerId="LiveId" clId="{CE9B0419-8561-4196-9FDB-B85F086EC084}" dt="2020-04-12T06:57:17.292" v="1933" actId="1076"/>
+          <ac:spMkLst>
+            <pc:docMk/>
+            <pc:sldMk cId="3947148600" sldId="269"/>
+            <ac:spMk id="5" creationId="{25AB9503-D24E-45DD-A901-3CA8F3D95C33}"/>
+          </ac:spMkLst>
+        </pc:spChg>
+        <pc:spChg chg="add mod">
+          <ac:chgData name="kaihua tang" userId="22376ffad72c4b64" providerId="LiveId" clId="{CE9B0419-8561-4196-9FDB-B85F086EC084}" dt="2020-04-12T06:57:17.292" v="1933" actId="1076"/>
+          <ac:spMkLst>
+            <pc:docMk/>
+            <pc:sldMk cId="3947148600" sldId="269"/>
+            <ac:spMk id="6" creationId="{7E779733-9F1C-43BC-8162-8E4D686C0A0C}"/>
+          </ac:spMkLst>
+        </pc:spChg>
+        <pc:spChg chg="add mod">
+          <ac:chgData name="kaihua tang" userId="22376ffad72c4b64" providerId="LiveId" clId="{CE9B0419-8561-4196-9FDB-B85F086EC084}" dt="2020-04-12T06:57:17.292" v="1933" actId="1076"/>
+          <ac:spMkLst>
+            <pc:docMk/>
+            <pc:sldMk cId="3947148600" sldId="269"/>
+            <ac:spMk id="7" creationId="{3E3B667E-5CAE-4304-9B89-46E6B7383D06}"/>
+          </ac:spMkLst>
+        </pc:spChg>
+        <pc:spChg chg="add mod">
+          <ac:chgData name="kaihua tang" userId="22376ffad72c4b64" providerId="LiveId" clId="{CE9B0419-8561-4196-9FDB-B85F086EC084}" dt="2020-04-12T06:57:17.292" v="1933" actId="1076"/>
+          <ac:spMkLst>
+            <pc:docMk/>
+            <pc:sldMk cId="3947148600" sldId="269"/>
+            <ac:spMk id="8" creationId="{66A376D6-DA89-4174-968D-5AF6F482D39E}"/>
+          </ac:spMkLst>
+        </pc:spChg>
+        <pc:spChg chg="add mod">
+          <ac:chgData name="kaihua tang" userId="22376ffad72c4b64" providerId="LiveId" clId="{CE9B0419-8561-4196-9FDB-B85F086EC084}" dt="2020-04-12T06:57:17.292" v="1933" actId="1076"/>
+          <ac:spMkLst>
+            <pc:docMk/>
+            <pc:sldMk cId="3947148600" sldId="269"/>
+            <ac:spMk id="9" creationId="{05564BC3-459C-438F-AA67-EB9B593F7DBB}"/>
+          </ac:spMkLst>
+        </pc:spChg>
+        <pc:spChg chg="add mod">
+          <ac:chgData name="kaihua tang" userId="22376ffad72c4b64" providerId="LiveId" clId="{CE9B0419-8561-4196-9FDB-B85F086EC084}" dt="2020-04-12T06:57:17.292" v="1933" actId="1076"/>
+          <ac:spMkLst>
+            <pc:docMk/>
+            <pc:sldMk cId="3947148600" sldId="269"/>
+            <ac:spMk id="10" creationId="{F18D06F4-5460-4688-84AE-B66F0CFBB862}"/>
+          </ac:spMkLst>
+        </pc:spChg>
+        <pc:spChg chg="add mod">
+          <ac:chgData name="kaihua tang" userId="22376ffad72c4b64" providerId="LiveId" clId="{CE9B0419-8561-4196-9FDB-B85F086EC084}" dt="2020-04-12T06:57:17.292" v="1933" actId="1076"/>
+          <ac:spMkLst>
+            <pc:docMk/>
+            <pc:sldMk cId="3947148600" sldId="269"/>
+            <ac:spMk id="11" creationId="{A2161E11-73A0-488E-8003-E9C3DF7D6BDD}"/>
+          </ac:spMkLst>
+        </pc:spChg>
+        <pc:spChg chg="add mod">
+          <ac:chgData name="kaihua tang" userId="22376ffad72c4b64" providerId="LiveId" clId="{CE9B0419-8561-4196-9FDB-B85F086EC084}" dt="2020-04-12T06:57:17.292" v="1933" actId="1076"/>
+          <ac:spMkLst>
+            <pc:docMk/>
+            <pc:sldMk cId="3947148600" sldId="269"/>
+            <ac:spMk id="12" creationId="{E75CC52D-4070-426A-9A7C-BE17D2DD3A47}"/>
+          </ac:spMkLst>
+        </pc:spChg>
+        <pc:spChg chg="add mod">
+          <ac:chgData name="kaihua tang" userId="22376ffad72c4b64" providerId="LiveId" clId="{CE9B0419-8561-4196-9FDB-B85F086EC084}" dt="2020-04-12T06:57:17.292" v="1933" actId="1076"/>
+          <ac:spMkLst>
+            <pc:docMk/>
+            <pc:sldMk cId="3947148600" sldId="269"/>
+            <ac:spMk id="13" creationId="{775A6A5E-B6A8-4EFF-8612-B7365A8FB982}"/>
+          </ac:spMkLst>
+        </pc:spChg>
+        <pc:spChg chg="add mod">
+          <ac:chgData name="kaihua tang" userId="22376ffad72c4b64" providerId="LiveId" clId="{CE9B0419-8561-4196-9FDB-B85F086EC084}" dt="2020-04-12T06:57:17.292" v="1933" actId="1076"/>
+          <ac:spMkLst>
+            <pc:docMk/>
+            <pc:sldMk cId="3947148600" sldId="269"/>
+            <ac:spMk id="14" creationId="{6248B1CD-852E-4C2C-BA50-7F8166ECD41F}"/>
+          </ac:spMkLst>
+        </pc:spChg>
+        <pc:spChg chg="add mod">
+          <ac:chgData name="kaihua tang" userId="22376ffad72c4b64" providerId="LiveId" clId="{CE9B0419-8561-4196-9FDB-B85F086EC084}" dt="2020-04-12T06:57:17.292" v="1933" actId="1076"/>
+          <ac:spMkLst>
+            <pc:docMk/>
+            <pc:sldMk cId="3947148600" sldId="269"/>
+            <ac:spMk id="15" creationId="{7CBA5839-11A4-44FD-B01E-9342CBBD567E}"/>
+          </ac:spMkLst>
+        </pc:spChg>
+        <pc:spChg chg="add mod">
+          <ac:chgData name="kaihua tang" userId="22376ffad72c4b64" providerId="LiveId" clId="{CE9B0419-8561-4196-9FDB-B85F086EC084}" dt="2020-04-12T06:57:17.292" v="1933" actId="1076"/>
+          <ac:spMkLst>
+            <pc:docMk/>
+            <pc:sldMk cId="3947148600" sldId="269"/>
+            <ac:spMk id="16" creationId="{F4925963-A63C-4F39-B912-1E52AEEDEA59}"/>
+          </ac:spMkLst>
+        </pc:spChg>
+        <pc:spChg chg="add mod">
+          <ac:chgData name="kaihua tang" userId="22376ffad72c4b64" providerId="LiveId" clId="{CE9B0419-8561-4196-9FDB-B85F086EC084}" dt="2020-04-12T06:57:50.092" v="1990" actId="1037"/>
+          <ac:spMkLst>
+            <pc:docMk/>
+            <pc:sldMk cId="3947148600" sldId="269"/>
+            <ac:spMk id="17" creationId="{37CBA002-7C8D-4468-904E-7572C21F01AD}"/>
+          </ac:spMkLst>
+        </pc:spChg>
+        <pc:spChg chg="add mod">
+          <ac:chgData name="kaihua tang" userId="22376ffad72c4b64" providerId="LiveId" clId="{CE9B0419-8561-4196-9FDB-B85F086EC084}" dt="2020-04-12T06:57:50.092" v="1990" actId="1037"/>
+          <ac:spMkLst>
+            <pc:docMk/>
+            <pc:sldMk cId="3947148600" sldId="269"/>
+            <ac:spMk id="18" creationId="{A60765B9-4658-4955-AF90-F78544704E38}"/>
+          </ac:spMkLst>
+        </pc:spChg>
+        <pc:spChg chg="add mod">
+          <ac:chgData name="kaihua tang" userId="22376ffad72c4b64" providerId="LiveId" clId="{CE9B0419-8561-4196-9FDB-B85F086EC084}" dt="2020-04-12T06:57:50.092" v="1990" actId="1037"/>
+          <ac:spMkLst>
+            <pc:docMk/>
+            <pc:sldMk cId="3947148600" sldId="269"/>
+            <ac:spMk id="19" creationId="{604BE374-77F2-47CC-A749-BE9B908223A5}"/>
+          </ac:spMkLst>
+        </pc:spChg>
+        <pc:spChg chg="add mod">
+          <ac:chgData name="kaihua tang" userId="22376ffad72c4b64" providerId="LiveId" clId="{CE9B0419-8561-4196-9FDB-B85F086EC084}" dt="2020-04-12T06:57:50.092" v="1990" actId="1037"/>
+          <ac:spMkLst>
+            <pc:docMk/>
+            <pc:sldMk cId="3947148600" sldId="269"/>
+            <ac:spMk id="20" creationId="{FCEA9E5D-45D6-44A7-A6BD-B333D43A176D}"/>
+          </ac:spMkLst>
+        </pc:spChg>
+        <pc:spChg chg="add mod">
+          <ac:chgData name="kaihua tang" userId="22376ffad72c4b64" providerId="LiveId" clId="{CE9B0419-8561-4196-9FDB-B85F086EC084}" dt="2020-04-12T06:57:50.092" v="1990" actId="1037"/>
+          <ac:spMkLst>
+            <pc:docMk/>
+            <pc:sldMk cId="3947148600" sldId="269"/>
+            <ac:spMk id="21" creationId="{1F1869BB-BAA3-4541-AC24-225F3DCCA747}"/>
+          </ac:spMkLst>
+        </pc:spChg>
+        <pc:spChg chg="add mod">
+          <ac:chgData name="kaihua tang" userId="22376ffad72c4b64" providerId="LiveId" clId="{CE9B0419-8561-4196-9FDB-B85F086EC084}" dt="2020-04-12T06:57:50.092" v="1990" actId="1037"/>
+          <ac:spMkLst>
+            <pc:docMk/>
+            <pc:sldMk cId="3947148600" sldId="269"/>
+            <ac:spMk id="22" creationId="{A602295B-BF2B-4743-BFDF-4551CA132010}"/>
+          </ac:spMkLst>
+        </pc:spChg>
+        <pc:spChg chg="add mod">
+          <ac:chgData name="kaihua tang" userId="22376ffad72c4b64" providerId="LiveId" clId="{CE9B0419-8561-4196-9FDB-B85F086EC084}" dt="2020-04-12T06:57:50.092" v="1990" actId="1037"/>
+          <ac:spMkLst>
+            <pc:docMk/>
+            <pc:sldMk cId="3947148600" sldId="269"/>
+            <ac:spMk id="23" creationId="{03CB49CA-00CB-40DE-B6FB-0C0335485911}"/>
+          </ac:spMkLst>
+        </pc:spChg>
+        <pc:spChg chg="add mod">
+          <ac:chgData name="kaihua tang" userId="22376ffad72c4b64" providerId="LiveId" clId="{CE9B0419-8561-4196-9FDB-B85F086EC084}" dt="2020-04-12T06:57:50.092" v="1990" actId="1037"/>
+          <ac:spMkLst>
+            <pc:docMk/>
+            <pc:sldMk cId="3947148600" sldId="269"/>
+            <ac:spMk id="24" creationId="{B458D09B-D860-4EF8-8BEC-32242A07674A}"/>
+          </ac:spMkLst>
+        </pc:spChg>
+        <pc:spChg chg="add mod">
+          <ac:chgData name="kaihua tang" userId="22376ffad72c4b64" providerId="LiveId" clId="{CE9B0419-8561-4196-9FDB-B85F086EC084}" dt="2020-04-12T06:57:50.092" v="1990" actId="1037"/>
+          <ac:spMkLst>
+            <pc:docMk/>
+            <pc:sldMk cId="3947148600" sldId="269"/>
+            <ac:spMk id="25" creationId="{7CA24607-EDD8-4F33-B1BB-EBA51F074A3D}"/>
+          </ac:spMkLst>
+        </pc:spChg>
+        <pc:spChg chg="add mod">
+          <ac:chgData name="kaihua tang" userId="22376ffad72c4b64" providerId="LiveId" clId="{CE9B0419-8561-4196-9FDB-B85F086EC084}" dt="2020-04-12T06:57:50.092" v="1990" actId="1037"/>
+          <ac:spMkLst>
+            <pc:docMk/>
+            <pc:sldMk cId="3947148600" sldId="269"/>
+            <ac:spMk id="26" creationId="{173440A3-5B67-476E-9BCD-8DA8BF1BFB13}"/>
+          </ac:spMkLst>
+        </pc:spChg>
+        <pc:spChg chg="add mod">
+          <ac:chgData name="kaihua tang" userId="22376ffad72c4b64" providerId="LiveId" clId="{CE9B0419-8561-4196-9FDB-B85F086EC084}" dt="2020-04-12T06:57:50.092" v="1990" actId="1037"/>
+          <ac:spMkLst>
+            <pc:docMk/>
+            <pc:sldMk cId="3947148600" sldId="269"/>
+            <ac:spMk id="27" creationId="{001771D2-E6BF-4F29-849A-245DB97DEF3D}"/>
+          </ac:spMkLst>
+        </pc:spChg>
+        <pc:spChg chg="add mod">
+          <ac:chgData name="kaihua tang" userId="22376ffad72c4b64" providerId="LiveId" clId="{CE9B0419-8561-4196-9FDB-B85F086EC084}" dt="2020-04-12T06:57:50.092" v="1990" actId="1037"/>
+          <ac:spMkLst>
+            <pc:docMk/>
+            <pc:sldMk cId="3947148600" sldId="269"/>
+            <ac:spMk id="28" creationId="{713BF640-E141-44CF-9321-AAB29082CF34}"/>
+          </ac:spMkLst>
+        </pc:spChg>
+      </pc:sldChg>
+      <pc:sldChg chg="add del">
+        <pc:chgData name="kaihua tang" userId="22376ffad72c4b64" providerId="LiveId" clId="{CE9B0419-8561-4196-9FDB-B85F086EC084}" dt="2020-04-12T07:03:03.373" v="2199" actId="47"/>
+        <pc:sldMkLst>
+          <pc:docMk/>
+          <pc:sldMk cId="147719612" sldId="270"/>
+        </pc:sldMkLst>
+      </pc:sldChg>
+      <pc:sldChg chg="modSp add del">
+        <pc:chgData name="kaihua tang" userId="22376ffad72c4b64" providerId="LiveId" clId="{CE9B0419-8561-4196-9FDB-B85F086EC084}" dt="2020-04-13T03:22:05.537" v="4419" actId="47"/>
+        <pc:sldMkLst>
+          <pc:docMk/>
+          <pc:sldMk cId="874340738" sldId="270"/>
+        </pc:sldMkLst>
+        <pc:spChg chg="mod">
+          <ac:chgData name="kaihua tang" userId="22376ffad72c4b64" providerId="LiveId" clId="{CE9B0419-8561-4196-9FDB-B85F086EC084}" dt="2020-04-12T11:48:48.386" v="2222"/>
+          <ac:spMkLst>
+            <pc:docMk/>
+            <pc:sldMk cId="874340738" sldId="270"/>
+            <ac:spMk id="3" creationId="{D86AC0E6-91D3-4E2C-BAE7-1FC17922CA5A}"/>
+          </ac:spMkLst>
+        </pc:spChg>
+      </pc:sldChg>
+      <pc:sldChg chg="addSp modSp add modAnim modNotesTx">
+        <pc:chgData name="kaihua tang" userId="22376ffad72c4b64" providerId="LiveId" clId="{CE9B0419-8561-4196-9FDB-B85F086EC084}" dt="2020-04-14T14:32:10.326" v="19611" actId="20577"/>
+        <pc:sldMkLst>
+          <pc:docMk/>
+          <pc:sldMk cId="2016446263" sldId="271"/>
+        </pc:sldMkLst>
+        <pc:spChg chg="mod">
+          <ac:chgData name="kaihua tang" userId="22376ffad72c4b64" providerId="LiveId" clId="{CE9B0419-8561-4196-9FDB-B85F086EC084}" dt="2020-04-12T07:03:52.364" v="2208" actId="20577"/>
+          <ac:spMkLst>
+            <pc:docMk/>
+            <pc:sldMk cId="2016446263" sldId="271"/>
+            <ac:spMk id="2" creationId="{F52CDC3C-0D2C-4D66-BD88-4061CF791F13}"/>
+          </ac:spMkLst>
+        </pc:spChg>
+        <pc:spChg chg="mod">
+          <ac:chgData name="kaihua tang" userId="22376ffad72c4b64" providerId="LiveId" clId="{CE9B0419-8561-4196-9FDB-B85F086EC084}" dt="2020-04-12T11:53:17.755" v="2367" actId="20577"/>
+          <ac:spMkLst>
+            <pc:docMk/>
+            <pc:sldMk cId="2016446263" sldId="271"/>
+            <ac:spMk id="3" creationId="{DC2C378D-5944-4EEE-9D80-1785A821BB37}"/>
+          </ac:spMkLst>
+        </pc:spChg>
+        <pc:spChg chg="add">
+          <ac:chgData name="kaihua tang" userId="22376ffad72c4b64" providerId="LiveId" clId="{CE9B0419-8561-4196-9FDB-B85F086EC084}" dt="2020-04-12T11:51:24.130" v="2281"/>
+          <ac:spMkLst>
+            <pc:docMk/>
+            <pc:sldMk cId="2016446263" sldId="271"/>
+            <ac:spMk id="5" creationId="{608EBA4B-4037-4D8E-A76E-58AF655E865E}"/>
+          </ac:spMkLst>
+        </pc:spChg>
+        <pc:spChg chg="add">
+          <ac:chgData name="kaihua tang" userId="22376ffad72c4b64" providerId="LiveId" clId="{CE9B0419-8561-4196-9FDB-B85F086EC084}" dt="2020-04-12T11:51:24.130" v="2281"/>
+          <ac:spMkLst>
+            <pc:docMk/>
+            <pc:sldMk cId="2016446263" sldId="271"/>
+            <ac:spMk id="7" creationId="{DA097277-D591-49E2-84A3-A8FE4082E489}"/>
+          </ac:spMkLst>
+        </pc:spChg>
+        <pc:spChg chg="add">
+          <ac:chgData name="kaihua tang" userId="22376ffad72c4b64" providerId="LiveId" clId="{CE9B0419-8561-4196-9FDB-B85F086EC084}" dt="2020-04-12T11:51:24.130" v="2281"/>
+          <ac:spMkLst>
+            <pc:docMk/>
+            <pc:sldMk cId="2016446263" sldId="271"/>
+            <ac:spMk id="9" creationId="{DAA47863-7547-4F3C-909B-0388E2A7A281}"/>
+          </ac:spMkLst>
+        </pc:spChg>
+        <pc:spChg chg="add mod">
+          <ac:chgData name="kaihua tang" userId="22376ffad72c4b64" providerId="LiveId" clId="{CE9B0419-8561-4196-9FDB-B85F086EC084}" dt="2020-04-12T11:51:57.986" v="2285" actId="1076"/>
+          <ac:spMkLst>
+            <pc:docMk/>
+            <pc:sldMk cId="2016446263" sldId="271"/>
+            <ac:spMk id="10" creationId="{BAD8235E-05BD-48D0-972E-4E84232CE163}"/>
+          </ac:spMkLst>
+        </pc:spChg>
+        <pc:spChg chg="add mod">
+          <ac:chgData name="kaihua tang" userId="22376ffad72c4b64" providerId="LiveId" clId="{CE9B0419-8561-4196-9FDB-B85F086EC084}" dt="2020-04-12T11:52:11.035" v="2289" actId="1076"/>
+          <ac:spMkLst>
+            <pc:docMk/>
+            <pc:sldMk cId="2016446263" sldId="271"/>
+            <ac:spMk id="11" creationId="{BCD5F7DB-6D2B-4C1E-8907-01DC8E681694}"/>
+          </ac:spMkLst>
+        </pc:spChg>
+        <pc:picChg chg="add">
+          <ac:chgData name="kaihua tang" userId="22376ffad72c4b64" providerId="LiveId" clId="{CE9B0419-8561-4196-9FDB-B85F086EC084}" dt="2020-04-12T11:51:24.130" v="2281"/>
+          <ac:picMkLst>
+            <pc:docMk/>
+            <pc:sldMk cId="2016446263" sldId="271"/>
+            <ac:picMk id="4" creationId="{91B944C8-9018-4BE4-B19D-888DD3D7FA2F}"/>
+          </ac:picMkLst>
+        </pc:picChg>
+        <pc:picChg chg="add">
+          <ac:chgData name="kaihua tang" userId="22376ffad72c4b64" providerId="LiveId" clId="{CE9B0419-8561-4196-9FDB-B85F086EC084}" dt="2020-04-12T11:51:24.130" v="2281"/>
+          <ac:picMkLst>
+            <pc:docMk/>
+            <pc:sldMk cId="2016446263" sldId="271"/>
+            <ac:picMk id="6" creationId="{23907D83-1E32-4D7F-977F-2E9BB3B33464}"/>
+          </ac:picMkLst>
+        </pc:picChg>
+        <pc:picChg chg="add">
+          <ac:chgData name="kaihua tang" userId="22376ffad72c4b64" providerId="LiveId" clId="{CE9B0419-8561-4196-9FDB-B85F086EC084}" dt="2020-04-12T11:51:24.130" v="2281"/>
+          <ac:picMkLst>
+            <pc:docMk/>
+            <pc:sldMk cId="2016446263" sldId="271"/>
+            <ac:picMk id="8" creationId="{D7CFE42E-6B1E-4A39-BF42-D33569DC7739}"/>
+          </ac:picMkLst>
+        </pc:picChg>
+      </pc:sldChg>
+      <pc:sldChg chg="modSp add modAnim modNotesTx">
+        <pc:chgData name="kaihua tang" userId="22376ffad72c4b64" providerId="LiveId" clId="{CE9B0419-8561-4196-9FDB-B85F086EC084}" dt="2020-04-13T15:25:15.932" v="10759" actId="20577"/>
+        <pc:sldMkLst>
+          <pc:docMk/>
+          <pc:sldMk cId="2108765056" sldId="272"/>
+        </pc:sldMkLst>
+        <pc:spChg chg="mod">
+          <ac:chgData name="kaihua tang" userId="22376ffad72c4b64" providerId="LiveId" clId="{CE9B0419-8561-4196-9FDB-B85F086EC084}" dt="2020-04-12T16:46:27.249" v="3884" actId="14100"/>
+          <ac:spMkLst>
+            <pc:docMk/>
+            <pc:sldMk cId="2108765056" sldId="272"/>
+            <ac:spMk id="3" creationId="{EB28E40D-DE96-4D0E-8723-A63B9EBCAEC8}"/>
+          </ac:spMkLst>
+        </pc:spChg>
+        <pc:spChg chg="mod">
+          <ac:chgData name="kaihua tang" userId="22376ffad72c4b64" providerId="LiveId" clId="{CE9B0419-8561-4196-9FDB-B85F086EC084}" dt="2020-04-12T16:46:24.569" v="3883" actId="14100"/>
+          <ac:spMkLst>
+            <pc:docMk/>
+            <pc:sldMk cId="2108765056" sldId="272"/>
+            <ac:spMk id="4" creationId="{6C6EBABA-A794-46E7-946E-F891B40B5C4E}"/>
+          </ac:spMkLst>
+        </pc:spChg>
+      </pc:sldChg>
+      <pc:sldChg chg="addSp delSp modSp add del">
+        <pc:chgData name="kaihua tang" userId="22376ffad72c4b64" providerId="LiveId" clId="{CE9B0419-8561-4196-9FDB-B85F086EC084}" dt="2020-04-12T12:19:41.296" v="2540" actId="47"/>
+        <pc:sldMkLst>
+          <pc:docMk/>
+          <pc:sldMk cId="3308350895" sldId="272"/>
+        </pc:sldMkLst>
+        <pc:spChg chg="mod">
+          <ac:chgData name="kaihua tang" userId="22376ffad72c4b64" providerId="LiveId" clId="{CE9B0419-8561-4196-9FDB-B85F086EC084}" dt="2020-04-12T12:03:07.419" v="2371"/>
+          <ac:spMkLst>
+            <pc:docMk/>
+            <pc:sldMk cId="3308350895" sldId="272"/>
+            <ac:spMk id="2" creationId="{4F8C9DD9-B1E4-4574-9130-E229D8700595}"/>
+          </ac:spMkLst>
+        </pc:spChg>
+        <pc:spChg chg="del">
+          <ac:chgData name="kaihua tang" userId="22376ffad72c4b64" providerId="LiveId" clId="{CE9B0419-8561-4196-9FDB-B85F086EC084}" dt="2020-04-12T12:04:01.610" v="2375"/>
+          <ac:spMkLst>
+            <pc:docMk/>
+            <pc:sldMk cId="3308350895" sldId="272"/>
+            <ac:spMk id="3" creationId="{A40704AB-F80B-4062-B1F7-A93A28338D60}"/>
+          </ac:spMkLst>
+        </pc:spChg>
+        <pc:spChg chg="add mod">
+          <ac:chgData name="kaihua tang" userId="22376ffad72c4b64" providerId="LiveId" clId="{CE9B0419-8561-4196-9FDB-B85F086EC084}" dt="2020-04-12T12:04:01.610" v="2375"/>
+          <ac:spMkLst>
+            <pc:docMk/>
+            <pc:sldMk cId="3308350895" sldId="272"/>
+            <ac:spMk id="4" creationId="{A861DDA9-3162-4227-AB13-08A4D3689E3C}"/>
+          </ac:spMkLst>
+        </pc:spChg>
+      </pc:sldChg>
+      <pc:sldChg chg="addSp modSp add modAnim modNotesTx">
+        <pc:chgData name="kaihua tang" userId="22376ffad72c4b64" providerId="LiveId" clId="{CE9B0419-8561-4196-9FDB-B85F086EC084}" dt="2020-04-14T14:34:18.120" v="19663" actId="20577"/>
+        <pc:sldMkLst>
+          <pc:docMk/>
+          <pc:sldMk cId="101318829" sldId="273"/>
+        </pc:sldMkLst>
+        <pc:spChg chg="add mod">
+          <ac:chgData name="kaihua tang" userId="22376ffad72c4b64" providerId="LiveId" clId="{CE9B0419-8561-4196-9FDB-B85F086EC084}" dt="2020-04-12T12:04:05.736" v="2376"/>
+          <ac:spMkLst>
+            <pc:docMk/>
+            <pc:sldMk cId="101318829" sldId="273"/>
+            <ac:spMk id="4" creationId="{06878BB6-8B9F-49EA-A25F-F72D18707F29}"/>
+          </ac:spMkLst>
+        </pc:spChg>
+        <pc:spChg chg="mod">
+          <ac:chgData name="kaihua tang" userId="22376ffad72c4b64" providerId="LiveId" clId="{CE9B0419-8561-4196-9FDB-B85F086EC084}" dt="2020-04-12T12:03:57.419" v="2374" actId="1076"/>
+          <ac:spMkLst>
+            <pc:docMk/>
+            <pc:sldMk cId="101318829" sldId="273"/>
+            <ac:spMk id="5" creationId="{487F2E47-43F7-4B2A-814A-95A2FE1F5049}"/>
+          </ac:spMkLst>
+        </pc:spChg>
+        <pc:grpChg chg="mod">
+          <ac:chgData name="kaihua tang" userId="22376ffad72c4b64" providerId="LiveId" clId="{CE9B0419-8561-4196-9FDB-B85F086EC084}" dt="2020-04-12T12:03:57.419" v="2374" actId="1076"/>
+          <ac:grpSpMkLst>
+            <pc:docMk/>
+            <pc:sldMk cId="101318829" sldId="273"/>
+            <ac:grpSpMk id="10" creationId="{5F23E346-5088-4823-BDA1-40D9B006EB12}"/>
+          </ac:grpSpMkLst>
+        </pc:grpChg>
+        <pc:grpChg chg="mod">
+          <ac:chgData name="kaihua tang" userId="22376ffad72c4b64" providerId="LiveId" clId="{CE9B0419-8561-4196-9FDB-B85F086EC084}" dt="2020-04-12T12:03:57.419" v="2374" actId="1076"/>
+          <ac:grpSpMkLst>
+            <pc:docMk/>
+            <pc:sldMk cId="101318829" sldId="273"/>
+            <ac:grpSpMk id="11" creationId="{4C3AA67E-3DDB-457E-91B8-78DF56AE40B6}"/>
+          </ac:grpSpMkLst>
+        </pc:grpChg>
+        <pc:grpChg chg="mod">
+          <ac:chgData name="kaihua tang" userId="22376ffad72c4b64" providerId="LiveId" clId="{CE9B0419-8561-4196-9FDB-B85F086EC084}" dt="2020-04-12T12:03:57.419" v="2374" actId="1076"/>
+          <ac:grpSpMkLst>
+            <pc:docMk/>
+            <pc:sldMk cId="101318829" sldId="273"/>
+            <ac:grpSpMk id="12" creationId="{389FFE14-2DBA-40D6-8AE4-617185655E91}"/>
+          </ac:grpSpMkLst>
+        </pc:grpChg>
+        <pc:grpChg chg="mod">
+          <ac:chgData name="kaihua tang" userId="22376ffad72c4b64" providerId="LiveId" clId="{CE9B0419-8561-4196-9FDB-B85F086EC084}" dt="2020-04-12T12:03:57.419" v="2374" actId="1076"/>
+          <ac:grpSpMkLst>
+            <pc:docMk/>
+            <pc:sldMk cId="101318829" sldId="273"/>
+            <ac:grpSpMk id="22" creationId="{27B34842-8B57-4073-BEA2-07CB136B455B}"/>
+          </ac:grpSpMkLst>
+        </pc:grpChg>
+        <pc:picChg chg="mod">
+          <ac:chgData name="kaihua tang" userId="22376ffad72c4b64" providerId="LiveId" clId="{CE9B0419-8561-4196-9FDB-B85F086EC084}" dt="2020-04-12T12:03:57.419" v="2374" actId="1076"/>
+          <ac:picMkLst>
+            <pc:docMk/>
+            <pc:sldMk cId="101318829" sldId="273"/>
+            <ac:picMk id="3" creationId="{7B2ACB0F-A855-407F-85C0-A1844E78571D}"/>
+          </ac:picMkLst>
+        </pc:picChg>
+      </pc:sldChg>
+      <pc:sldChg chg="addSp modSp add modNotesTx">
+        <pc:chgData name="kaihua tang" userId="22376ffad72c4b64" providerId="LiveId" clId="{CE9B0419-8561-4196-9FDB-B85F086EC084}" dt="2020-04-14T14:28:53.861" v="19483" actId="5793"/>
+        <pc:sldMkLst>
+          <pc:docMk/>
+          <pc:sldMk cId="2234235777" sldId="274"/>
+        </pc:sldMkLst>
+        <pc:spChg chg="mod">
+          <ac:chgData name="kaihua tang" userId="22376ffad72c4b64" providerId="LiveId" clId="{CE9B0419-8561-4196-9FDB-B85F086EC084}" dt="2020-04-12T12:05:13.403" v="2404" actId="20577"/>
+          <ac:spMkLst>
+            <pc:docMk/>
+            <pc:sldMk cId="2234235777" sldId="274"/>
+            <ac:spMk id="2" creationId="{A6460565-4BDF-4657-B003-727A8985171B}"/>
+          </ac:spMkLst>
+        </pc:spChg>
+        <pc:spChg chg="mod">
+          <ac:chgData name="kaihua tang" userId="22376ffad72c4b64" providerId="LiveId" clId="{CE9B0419-8561-4196-9FDB-B85F086EC084}" dt="2020-04-12T12:08:21.370" v="2476" actId="20577"/>
+          <ac:spMkLst>
+            <pc:docMk/>
+            <pc:sldMk cId="2234235777" sldId="274"/>
+            <ac:spMk id="3" creationId="{C7AA2FD6-9336-49B8-A42F-47EDDB178CE1}"/>
+          </ac:spMkLst>
+        </pc:spChg>
+        <pc:spChg chg="add mod">
+          <ac:chgData name="kaihua tang" userId="22376ffad72c4b64" providerId="LiveId" clId="{CE9B0419-8561-4196-9FDB-B85F086EC084}" dt="2020-04-12T12:06:38.850" v="2406" actId="1076"/>
+          <ac:spMkLst>
+            <pc:docMk/>
+            <pc:sldMk cId="2234235777" sldId="274"/>
+            <ac:spMk id="5" creationId="{F8AF0E03-3929-4DF6-8031-F0E0F197638C}"/>
+          </ac:spMkLst>
+        </pc:spChg>
+        <pc:spChg chg="add mod">
+          <ac:chgData name="kaihua tang" userId="22376ffad72c4b64" providerId="LiveId" clId="{CE9B0419-8561-4196-9FDB-B85F086EC084}" dt="2020-04-12T12:06:38.850" v="2406" actId="1076"/>
+          <ac:spMkLst>
+            <pc:docMk/>
+            <pc:sldMk cId="2234235777" sldId="274"/>
+            <ac:spMk id="6" creationId="{5F8D4FED-6559-44B1-B9F8-4C0EE97ECEA1}"/>
+          </ac:spMkLst>
+        </pc:spChg>
+        <pc:spChg chg="add mod">
+          <ac:chgData name="kaihua tang" userId="22376ffad72c4b64" providerId="LiveId" clId="{CE9B0419-8561-4196-9FDB-B85F086EC084}" dt="2020-04-12T12:06:38.850" v="2406" actId="1076"/>
+          <ac:spMkLst>
+            <pc:docMk/>
+            <pc:sldMk cId="2234235777" sldId="274"/>
+            <ac:spMk id="7" creationId="{75C10423-B834-4F0F-B0A5-5F49EEADF983}"/>
+          </ac:spMkLst>
+        </pc:spChg>
+        <pc:spChg chg="add mod">
+          <ac:chgData name="kaihua tang" userId="22376ffad72c4b64" providerId="LiveId" clId="{CE9B0419-8561-4196-9FDB-B85F086EC084}" dt="2020-04-12T12:06:38.850" v="2406" actId="1076"/>
+          <ac:spMkLst>
+            <pc:docMk/>
+            <pc:sldMk cId="2234235777" sldId="274"/>
+            <ac:spMk id="8" creationId="{298AABC7-710F-41C6-8EB0-6F821CB3E040}"/>
+          </ac:spMkLst>
+        </pc:spChg>
+        <pc:spChg chg="add mod">
+          <ac:chgData name="kaihua tang" userId="22376ffad72c4b64" providerId="LiveId" clId="{CE9B0419-8561-4196-9FDB-B85F086EC084}" dt="2020-04-12T12:06:38.850" v="2406" actId="1076"/>
+          <ac:spMkLst>
+            <pc:docMk/>
+            <pc:sldMk cId="2234235777" sldId="274"/>
+            <ac:spMk id="9" creationId="{67F77AFD-42E8-4DCA-B9A9-437018405522}"/>
+          </ac:spMkLst>
+        </pc:spChg>
+        <pc:spChg chg="add mod">
+          <ac:chgData name="kaihua tang" userId="22376ffad72c4b64" providerId="LiveId" clId="{CE9B0419-8561-4196-9FDB-B85F086EC084}" dt="2020-04-12T12:06:38.850" v="2406" actId="1076"/>
+          <ac:spMkLst>
+            <pc:docMk/>
+            <pc:sldMk cId="2234235777" sldId="274"/>
+            <ac:spMk id="10" creationId="{163D7C91-4B15-4DE5-9802-29CD06529F45}"/>
+          </ac:spMkLst>
+        </pc:spChg>
+        <pc:spChg chg="add mod">
+          <ac:chgData name="kaihua tang" userId="22376ffad72c4b64" providerId="LiveId" clId="{CE9B0419-8561-4196-9FDB-B85F086EC084}" dt="2020-04-12T12:06:38.850" v="2406" actId="1076"/>
+          <ac:spMkLst>
+            <pc:docMk/>
+            <pc:sldMk cId="2234235777" sldId="274"/>
+            <ac:spMk id="11" creationId="{DB824A7F-A35C-4445-88A5-469E33B4C8F8}"/>
+          </ac:spMkLst>
+        </pc:spChg>
+        <pc:spChg chg="add mod">
+          <ac:chgData name="kaihua tang" userId="22376ffad72c4b64" providerId="LiveId" clId="{CE9B0419-8561-4196-9FDB-B85F086EC084}" dt="2020-04-12T12:13:57.426" v="2526" actId="20577"/>
+          <ac:spMkLst>
+            <pc:docMk/>
+            <pc:sldMk cId="2234235777" sldId="274"/>
+            <ac:spMk id="12" creationId="{CCEAAE54-3307-47DE-9F05-020A8386CDE0}"/>
+          </ac:spMkLst>
+        </pc:spChg>
+        <pc:picChg chg="add mod">
+          <ac:chgData name="kaihua tang" userId="22376ffad72c4b64" providerId="LiveId" clId="{CE9B0419-8561-4196-9FDB-B85F086EC084}" dt="2020-04-12T12:06:38.850" v="2406" actId="1076"/>
+          <ac:picMkLst>
+            <pc:docMk/>
+            <pc:sldMk cId="2234235777" sldId="274"/>
+            <ac:picMk id="4" creationId="{704AE255-21F1-4940-BA59-C6A128930515}"/>
+          </ac:picMkLst>
+        </pc:picChg>
+      </pc:sldChg>
+      <pc:sldChg chg="addSp delSp modSp add modNotesTx">
+        <pc:chgData name="kaihua tang" userId="22376ffad72c4b64" providerId="LiveId" clId="{CE9B0419-8561-4196-9FDB-B85F086EC084}" dt="2020-04-14T05:22:22.685" v="16193" actId="20577"/>
+        <pc:sldMkLst>
+          <pc:docMk/>
+          <pc:sldMk cId="3513435067" sldId="275"/>
+        </pc:sldMkLst>
+        <pc:spChg chg="del">
+          <ac:chgData name="kaihua tang" userId="22376ffad72c4b64" providerId="LiveId" clId="{CE9B0419-8561-4196-9FDB-B85F086EC084}" dt="2020-04-12T12:08:47.192" v="2478"/>
+          <ac:spMkLst>
+            <pc:docMk/>
+            <pc:sldMk cId="3513435067" sldId="275"/>
+            <ac:spMk id="2" creationId="{4F7FDD12-6373-437E-BCF9-D03FDE52EE9C}"/>
+          </ac:spMkLst>
+        </pc:spChg>
+        <pc:spChg chg="del">
+          <ac:chgData name="kaihua tang" userId="22376ffad72c4b64" providerId="LiveId" clId="{CE9B0419-8561-4196-9FDB-B85F086EC084}" dt="2020-04-12T12:17:13.922" v="2528" actId="478"/>
+          <ac:spMkLst>
+            <pc:docMk/>
+            <pc:sldMk cId="3513435067" sldId="275"/>
+            <ac:spMk id="3" creationId="{C7787686-FE8D-4B71-9AF8-E29C48734680}"/>
+          </ac:spMkLst>
+        </pc:spChg>
+        <pc:spChg chg="add mod">
+          <ac:chgData name="kaihua tang" userId="22376ffad72c4b64" providerId="LiveId" clId="{CE9B0419-8561-4196-9FDB-B85F086EC084}" dt="2020-04-12T12:09:05.332" v="2496" actId="20577"/>
+          <ac:spMkLst>
+            <pc:docMk/>
+            <pc:sldMk cId="3513435067" sldId="275"/>
+            <ac:spMk id="4" creationId="{46B53FEA-26C8-470B-A511-0C2D1951532B}"/>
+          </ac:spMkLst>
+        </pc:spChg>
+        <pc:spChg chg="add mod">
+          <ac:chgData name="kaihua tang" userId="22376ffad72c4b64" providerId="LiveId" clId="{CE9B0419-8561-4196-9FDB-B85F086EC084}" dt="2020-04-12T12:10:46.745" v="2520" actId="1076"/>
+          <ac:spMkLst>
+            <pc:docMk/>
+            <pc:sldMk cId="3513435067" sldId="275"/>
+            <ac:spMk id="5" creationId="{A2667DCB-D671-46AC-9514-FDB6783AA665}"/>
+          </ac:spMkLst>
+        </pc:spChg>
+        <pc:picChg chg="add mod">
+          <ac:chgData name="kaihua tang" userId="22376ffad72c4b64" providerId="LiveId" clId="{CE9B0419-8561-4196-9FDB-B85F086EC084}" dt="2020-04-12T12:25:46.345" v="2624" actId="1076"/>
+          <ac:picMkLst>
+            <pc:docMk/>
+            <pc:sldMk cId="3513435067" sldId="275"/>
+            <ac:picMk id="6" creationId="{AA0FE39C-5C1E-4A29-B82C-1C417C9D63C1}"/>
+          </ac:picMkLst>
+        </pc:picChg>
+        <pc:picChg chg="add mod">
+          <ac:chgData name="kaihua tang" userId="22376ffad72c4b64" providerId="LiveId" clId="{CE9B0419-8561-4196-9FDB-B85F086EC084}" dt="2020-04-12T12:18:35.289" v="2537" actId="1076"/>
+          <ac:picMkLst>
+            <pc:docMk/>
+            <pc:sldMk cId="3513435067" sldId="275"/>
+            <ac:picMk id="7" creationId="{84B7D006-4ED8-48D2-85F8-24C485B77A9A}"/>
+          </ac:picMkLst>
+        </pc:picChg>
+      </pc:sldChg>
+      <pc:sldChg chg="modSp add del">
+        <pc:chgData name="kaihua tang" userId="22376ffad72c4b64" providerId="LiveId" clId="{CE9B0419-8561-4196-9FDB-B85F086EC084}" dt="2020-04-14T14:45:44.740" v="19738" actId="47"/>
+        <pc:sldMkLst>
+          <pc:docMk/>
+          <pc:sldMk cId="2772890113" sldId="276"/>
+        </pc:sldMkLst>
+        <pc:picChg chg="mod">
+          <ac:chgData name="kaihua tang" userId="22376ffad72c4b64" providerId="LiveId" clId="{CE9B0419-8561-4196-9FDB-B85F086EC084}" dt="2020-04-12T12:19:22.186" v="2539" actId="1076"/>
+          <ac:picMkLst>
+            <pc:docMk/>
+            <pc:sldMk cId="2772890113" sldId="276"/>
+            <ac:picMk id="10" creationId="{516994F8-418B-4944-A97B-84B75B6DC395}"/>
+          </ac:picMkLst>
+        </pc:picChg>
+      </pc:sldChg>
+      <pc:sldChg chg="addSp modSp add modAnim modNotesTx">
+        <pc:chgData name="kaihua tang" userId="22376ffad72c4b64" providerId="LiveId" clId="{CE9B0419-8561-4196-9FDB-B85F086EC084}" dt="2020-04-14T14:35:53.389" v="19685" actId="20577"/>
+        <pc:sldMkLst>
+          <pc:docMk/>
+          <pc:sldMk cId="2655690936" sldId="277"/>
+        </pc:sldMkLst>
+        <pc:spChg chg="add mod">
+          <ac:chgData name="kaihua tang" userId="22376ffad72c4b64" providerId="LiveId" clId="{CE9B0419-8561-4196-9FDB-B85F086EC084}" dt="2020-04-12T12:21:03.374" v="2542"/>
+          <ac:spMkLst>
+            <pc:docMk/>
+            <pc:sldMk cId="2655690936" sldId="277"/>
+            <ac:spMk id="3" creationId="{B5DD4A4D-9F8E-453C-9526-C25581E7081B}"/>
+          </ac:spMkLst>
+        </pc:spChg>
+      </pc:sldChg>
+      <pc:sldChg chg="addSp delSp modSp add addAnim delAnim modAnim modNotesTx">
+        <pc:chgData name="kaihua tang" userId="22376ffad72c4b64" providerId="LiveId" clId="{CE9B0419-8561-4196-9FDB-B85F086EC084}" dt="2020-04-14T07:56:00.001" v="17901" actId="1076"/>
+        <pc:sldMkLst>
+          <pc:docMk/>
+          <pc:sldMk cId="1539338024" sldId="278"/>
+        </pc:sldMkLst>
+        <pc:spChg chg="add del mod">
+          <ac:chgData name="kaihua tang" userId="22376ffad72c4b64" providerId="LiveId" clId="{CE9B0419-8561-4196-9FDB-B85F086EC084}" dt="2020-04-14T07:55:31.865" v="17893" actId="478"/>
+          <ac:spMkLst>
+            <pc:docMk/>
+            <pc:sldMk cId="1539338024" sldId="278"/>
+            <ac:spMk id="3" creationId="{4E5A1453-8BCE-49A4-B871-56D79DB0F2C7}"/>
+          </ac:spMkLst>
+        </pc:spChg>
+        <pc:spChg chg="add del">
+          <ac:chgData name="kaihua tang" userId="22376ffad72c4b64" providerId="LiveId" clId="{CE9B0419-8561-4196-9FDB-B85F086EC084}" dt="2020-04-14T07:55:29.776" v="17892" actId="478"/>
+          <ac:spMkLst>
+            <pc:docMk/>
+            <pc:sldMk cId="1539338024" sldId="278"/>
+            <ac:spMk id="9" creationId="{9827998D-AE54-4250-A659-CE84A82BDED1}"/>
+          </ac:spMkLst>
+        </pc:spChg>
+        <pc:picChg chg="mod">
+          <ac:chgData name="kaihua tang" userId="22376ffad72c4b64" providerId="LiveId" clId="{CE9B0419-8561-4196-9FDB-B85F086EC084}" dt="2020-04-14T07:56:00.001" v="17901" actId="1076"/>
+          <ac:picMkLst>
+            <pc:docMk/>
+            <pc:sldMk cId="1539338024" sldId="278"/>
+            <ac:picMk id="15" creationId="{1FB67762-38A7-4782-B1E4-DF4EA4B790EF}"/>
+          </ac:picMkLst>
+        </pc:picChg>
+      </pc:sldChg>
+      <pc:sldChg chg="modSp add modNotesTx">
+        <pc:chgData name="kaihua tang" userId="22376ffad72c4b64" providerId="LiveId" clId="{CE9B0419-8561-4196-9FDB-B85F086EC084}" dt="2020-04-14T14:44:47.933" v="19735" actId="20577"/>
+        <pc:sldMkLst>
+          <pc:docMk/>
+          <pc:sldMk cId="3025595293" sldId="285"/>
+        </pc:sldMkLst>
+        <pc:graphicFrameChg chg="mod">
+          <ac:chgData name="kaihua tang" userId="22376ffad72c4b64" providerId="LiveId" clId="{CE9B0419-8561-4196-9FDB-B85F086EC084}" dt="2020-04-12T12:49:14.479" v="2765" actId="1076"/>
+          <ac:graphicFrameMkLst>
+            <pc:docMk/>
+            <pc:sldMk cId="3025595293" sldId="285"/>
+            <ac:graphicFrameMk id="6" creationId="{63095A23-3315-425F-B66F-4CB27447DD0D}"/>
+          </ac:graphicFrameMkLst>
+        </pc:graphicFrameChg>
+      </pc:sldChg>
+      <pc:sldChg chg="modSp add modNotesTx">
+        <pc:chgData name="kaihua tang" userId="22376ffad72c4b64" providerId="LiveId" clId="{CE9B0419-8561-4196-9FDB-B85F086EC084}" dt="2020-04-14T14:37:38.661" v="19715" actId="20577"/>
+        <pc:sldMkLst>
+          <pc:docMk/>
+          <pc:sldMk cId="2915492888" sldId="294"/>
+        </pc:sldMkLst>
+        <pc:spChg chg="mod">
+          <ac:chgData name="kaihua tang" userId="22376ffad72c4b64" providerId="LiveId" clId="{CE9B0419-8561-4196-9FDB-B85F086EC084}" dt="2020-04-12T12:21:55.361" v="2549" actId="1076"/>
+          <ac:spMkLst>
+            <pc:docMk/>
+            <pc:sldMk cId="2915492888" sldId="294"/>
+            <ac:spMk id="5" creationId="{5039696B-DC7F-47BF-98A1-BCC07874C286}"/>
+          </ac:spMkLst>
+        </pc:spChg>
+        <pc:picChg chg="mod">
+          <ac:chgData name="kaihua tang" userId="22376ffad72c4b64" providerId="LiveId" clId="{CE9B0419-8561-4196-9FDB-B85F086EC084}" dt="2020-04-12T12:22:40.865" v="2550" actId="1076"/>
+          <ac:picMkLst>
+            <pc:docMk/>
+            <pc:sldMk cId="2915492888" sldId="294"/>
+            <ac:picMk id="4" creationId="{70AC865D-4711-4EDF-8D11-E488557458E9}"/>
+          </ac:picMkLst>
+        </pc:picChg>
+      </pc:sldChg>
+      <pc:sldChg chg="addSp modSp add modAnim modNotesTx">
+        <pc:chgData name="kaihua tang" userId="22376ffad72c4b64" providerId="LiveId" clId="{CE9B0419-8561-4196-9FDB-B85F086EC084}" dt="2020-04-14T16:09:15.509" v="20372" actId="20577"/>
+        <pc:sldMkLst>
+          <pc:docMk/>
+          <pc:sldMk cId="3778937634" sldId="295"/>
+        </pc:sldMkLst>
+        <pc:spChg chg="add mod">
+          <ac:chgData name="kaihua tang" userId="22376ffad72c4b64" providerId="LiveId" clId="{CE9B0419-8561-4196-9FDB-B85F086EC084}" dt="2020-04-12T12:23:06.297" v="2552"/>
+          <ac:spMkLst>
+            <pc:docMk/>
+            <pc:sldMk cId="3778937634" sldId="295"/>
+            <ac:spMk id="7" creationId="{C70B5A54-A161-42AF-92FC-5C679D42A36F}"/>
+          </ac:spMkLst>
+        </pc:spChg>
+      </pc:sldChg>
+      <pc:sldChg chg="addSp modSp add modNotesTx">
+        <pc:chgData name="kaihua tang" userId="22376ffad72c4b64" providerId="LiveId" clId="{CE9B0419-8561-4196-9FDB-B85F086EC084}" dt="2020-04-13T15:24:35.671" v="10743" actId="20577"/>
+        <pc:sldMkLst>
+          <pc:docMk/>
+          <pc:sldMk cId="783336585" sldId="298"/>
+        </pc:sldMkLst>
+        <pc:spChg chg="mod">
+          <ac:chgData name="kaihua tang" userId="22376ffad72c4b64" providerId="LiveId" clId="{CE9B0419-8561-4196-9FDB-B85F086EC084}" dt="2020-04-12T12:26:52.824" v="2668" actId="14100"/>
+          <ac:spMkLst>
+            <pc:docMk/>
+            <pc:sldMk cId="783336585" sldId="298"/>
+            <ac:spMk id="2" creationId="{11FEBF47-62E2-48EE-81B7-B1ACED29D233}"/>
+          </ac:spMkLst>
+        </pc:spChg>
+        <pc:spChg chg="add mod">
+          <ac:chgData name="kaihua tang" userId="22376ffad72c4b64" providerId="LiveId" clId="{CE9B0419-8561-4196-9FDB-B85F086EC084}" dt="2020-04-12T12:26:57.907" v="2669"/>
+          <ac:spMkLst>
+            <pc:docMk/>
+            <pc:sldMk cId="783336585" sldId="298"/>
+            <ac:spMk id="3" creationId="{4472B3F4-7FE4-4316-ACEC-77BC2B94B317}"/>
+          </ac:spMkLst>
+        </pc:spChg>
+        <pc:spChg chg="mod">
+          <ac:chgData name="kaihua tang" userId="22376ffad72c4b64" providerId="LiveId" clId="{CE9B0419-8561-4196-9FDB-B85F086EC084}" dt="2020-04-12T12:29:54.577" v="2720" actId="20577"/>
+          <ac:spMkLst>
+            <pc:docMk/>
+            <pc:sldMk cId="783336585" sldId="298"/>
+            <ac:spMk id="73" creationId="{7CC92B66-AA5E-4D0B-A48A-7B301CF85AC0}"/>
+          </ac:spMkLst>
+        </pc:spChg>
+        <pc:spChg chg="mod">
+          <ac:chgData name="kaihua tang" userId="22376ffad72c4b64" providerId="LiveId" clId="{CE9B0419-8561-4196-9FDB-B85F086EC084}" dt="2020-04-13T15:23:46.364" v="10586" actId="20577"/>
+          <ac:spMkLst>
+            <pc:docMk/>
+            <pc:sldMk cId="783336585" sldId="298"/>
+            <ac:spMk id="74" creationId="{F516E5D0-D5A8-4FB4-8C00-5C712822B810}"/>
+          </ac:spMkLst>
+        </pc:spChg>
+      </pc:sldChg>
+      <pc:sldChg chg="add del ord">
+        <pc:chgData name="kaihua tang" userId="22376ffad72c4b64" providerId="LiveId" clId="{CE9B0419-8561-4196-9FDB-B85F086EC084}" dt="2020-04-12T12:28:10.259" v="2673" actId="47"/>
+        <pc:sldMkLst>
+          <pc:docMk/>
+          <pc:sldMk cId="1205282070" sldId="299"/>
+        </pc:sldMkLst>
+      </pc:sldChg>
+      <pc:sldChg chg="addSp modSp add ord modAnim modNotesTx">
+        <pc:chgData name="kaihua tang" userId="22376ffad72c4b64" providerId="LiveId" clId="{CE9B0419-8561-4196-9FDB-B85F086EC084}" dt="2020-04-14T14:42:18.549" v="19734" actId="20577"/>
+        <pc:sldMkLst>
+          <pc:docMk/>
+          <pc:sldMk cId="1211280162" sldId="299"/>
+        </pc:sldMkLst>
+        <pc:spChg chg="add mod">
+          <ac:chgData name="kaihua tang" userId="22376ffad72c4b64" providerId="LiveId" clId="{CE9B0419-8561-4196-9FDB-B85F086EC084}" dt="2020-04-12T12:28:22.482" v="2677"/>
+          <ac:spMkLst>
+            <pc:docMk/>
+            <pc:sldMk cId="1211280162" sldId="299"/>
+            <ac:spMk id="3" creationId="{C0B63CF0-5C26-41E8-BC3A-868571272D86}"/>
+          </ac:spMkLst>
+        </pc:spChg>
+      </pc:sldChg>
+      <pc:sldChg chg="add del">
+        <pc:chgData name="kaihua tang" userId="22376ffad72c4b64" providerId="LiveId" clId="{CE9B0419-8561-4196-9FDB-B85F086EC084}" dt="2020-04-12T12:31:46.674" v="2730" actId="47"/>
+        <pc:sldMkLst>
+          <pc:docMk/>
+          <pc:sldMk cId="111292254" sldId="300"/>
+        </pc:sldMkLst>
+      </pc:sldChg>
+      <pc:sldChg chg="modSp add">
+        <pc:chgData name="kaihua tang" userId="22376ffad72c4b64" providerId="LiveId" clId="{CE9B0419-8561-4196-9FDB-B85F086EC084}" dt="2020-04-13T02:47:19.136" v="3930" actId="1037"/>
+        <pc:sldMkLst>
+          <pc:docMk/>
+          <pc:sldMk cId="2969154670" sldId="300"/>
+        </pc:sldMkLst>
+        <pc:spChg chg="mod">
+          <ac:chgData name="kaihua tang" userId="22376ffad72c4b64" providerId="LiveId" clId="{CE9B0419-8561-4196-9FDB-B85F086EC084}" dt="2020-04-13T02:47:19.136" v="3930" actId="1037"/>
+          <ac:spMkLst>
+            <pc:docMk/>
+            <pc:sldMk cId="2969154670" sldId="300"/>
+            <ac:spMk id="7" creationId="{B476363F-D6DA-44D8-B56F-271A9A46661C}"/>
+          </ac:spMkLst>
+        </pc:spChg>
+        <pc:grpChg chg="mod">
+          <ac:chgData name="kaihua tang" userId="22376ffad72c4b64" providerId="LiveId" clId="{CE9B0419-8561-4196-9FDB-B85F086EC084}" dt="2020-04-13T02:47:19.136" v="3930" actId="1037"/>
+          <ac:grpSpMkLst>
+            <pc:docMk/>
+            <pc:sldMk cId="2969154670" sldId="300"/>
+            <ac:grpSpMk id="9" creationId="{5BD644EA-B3AE-4CCC-9595-505B8F5A8EAB}"/>
+          </ac:grpSpMkLst>
+        </pc:grpChg>
+        <pc:picChg chg="mod">
+          <ac:chgData name="kaihua tang" userId="22376ffad72c4b64" providerId="LiveId" clId="{CE9B0419-8561-4196-9FDB-B85F086EC084}" dt="2020-04-13T02:47:19.136" v="3930" actId="1037"/>
+          <ac:picMkLst>
+            <pc:docMk/>
+            <pc:sldMk cId="2969154670" sldId="300"/>
+            <ac:picMk id="6" creationId="{E838B6C2-4A2D-46DA-A0CC-8C73A0843D41}"/>
+          </ac:picMkLst>
+        </pc:picChg>
+        <pc:picChg chg="mod">
+          <ac:chgData name="kaihua tang" userId="22376ffad72c4b64" providerId="LiveId" clId="{CE9B0419-8561-4196-9FDB-B85F086EC084}" dt="2020-04-13T02:47:19.136" v="3930" actId="1037"/>
+          <ac:picMkLst>
+            <pc:docMk/>
+            <pc:sldMk cId="2969154670" sldId="300"/>
+            <ac:picMk id="8" creationId="{C892CC37-0758-4324-900E-9E1F06200FF4}"/>
+          </ac:picMkLst>
+        </pc:picChg>
+        <pc:picChg chg="mod">
+          <ac:chgData name="kaihua tang" userId="22376ffad72c4b64" providerId="LiveId" clId="{CE9B0419-8561-4196-9FDB-B85F086EC084}" dt="2020-04-13T02:47:19.136" v="3930" actId="1037"/>
+          <ac:picMkLst>
+            <pc:docMk/>
+            <pc:sldMk cId="2969154670" sldId="300"/>
+            <ac:picMk id="10" creationId="{E488F7D2-DD3E-4A3F-A664-3F8A6033BC3C}"/>
+          </ac:picMkLst>
+        </pc:picChg>
+        <pc:picChg chg="mod">
+          <ac:chgData name="kaihua tang" userId="22376ffad72c4b64" providerId="LiveId" clId="{CE9B0419-8561-4196-9FDB-B85F086EC084}" dt="2020-04-13T02:47:19.136" v="3930" actId="1037"/>
+          <ac:picMkLst>
+            <pc:docMk/>
+            <pc:sldMk cId="2969154670" sldId="300"/>
+            <ac:picMk id="11" creationId="{CEFC5B7D-73FE-43EC-9CF3-25949FF0515B}"/>
+          </ac:picMkLst>
+        </pc:picChg>
+      </pc:sldChg>
+      <pc:sldChg chg="add del">
+        <pc:chgData name="kaihua tang" userId="22376ffad72c4b64" providerId="LiveId" clId="{CE9B0419-8561-4196-9FDB-B85F086EC084}" dt="2020-04-12T12:49:50.798" v="2772" actId="47"/>
+        <pc:sldMkLst>
+          <pc:docMk/>
+          <pc:sldMk cId="17161091" sldId="301"/>
+        </pc:sldMkLst>
+      </pc:sldChg>
+      <pc:sldChg chg="modSp add del">
+        <pc:chgData name="kaihua tang" userId="22376ffad72c4b64" providerId="LiveId" clId="{CE9B0419-8561-4196-9FDB-B85F086EC084}" dt="2020-04-12T12:30:59.796" v="2725" actId="47"/>
+        <pc:sldMkLst>
+          <pc:docMk/>
+          <pc:sldMk cId="2969154670" sldId="301"/>
+        </pc:sldMkLst>
+        <pc:picChg chg="mod">
+          <ac:chgData name="kaihua tang" userId="22376ffad72c4b64" providerId="LiveId" clId="{CE9B0419-8561-4196-9FDB-B85F086EC084}" dt="2020-04-12T12:30:54.512" v="2724" actId="1076"/>
+          <ac:picMkLst>
+            <pc:docMk/>
+            <pc:sldMk cId="2969154670" sldId="301"/>
+            <ac:picMk id="6" creationId="{E838B6C2-4A2D-46DA-A0CC-8C73A0843D41}"/>
+          </ac:picMkLst>
+        </pc:picChg>
+      </pc:sldChg>
+      <pc:sldChg chg="addSp delSp modSp add del">
+        <pc:chgData name="kaihua tang" userId="22376ffad72c4b64" providerId="LiveId" clId="{CE9B0419-8561-4196-9FDB-B85F086EC084}" dt="2020-04-12T12:31:38.628" v="2729"/>
+        <pc:sldMkLst>
+          <pc:docMk/>
+          <pc:sldMk cId="3095596421" sldId="301"/>
+        </pc:sldMkLst>
+        <pc:spChg chg="add del mod">
+          <ac:chgData name="kaihua tang" userId="22376ffad72c4b64" providerId="LiveId" clId="{CE9B0419-8561-4196-9FDB-B85F086EC084}" dt="2020-04-12T12:31:38.062" v="2728"/>
+          <ac:spMkLst>
+            <pc:docMk/>
+            <pc:sldMk cId="3095596421" sldId="301"/>
+            <ac:spMk id="3" creationId="{FA8AB55B-1D8A-4468-BE0C-2A2C1FB05531}"/>
+          </ac:spMkLst>
+        </pc:spChg>
+      </pc:sldChg>
+      <pc:sldChg chg="addSp modSp add modAnim modNotesTx">
+        <pc:chgData name="kaihua tang" userId="22376ffad72c4b64" providerId="LiveId" clId="{CE9B0419-8561-4196-9FDB-B85F086EC084}" dt="2020-04-14T05:32:19.057" v="16337" actId="20577"/>
+        <pc:sldMkLst>
+          <pc:docMk/>
+          <pc:sldMk cId="296686184" sldId="302"/>
+        </pc:sldMkLst>
+        <pc:spChg chg="mod">
+          <ac:chgData name="kaihua tang" userId="22376ffad72c4b64" providerId="LiveId" clId="{CE9B0419-8561-4196-9FDB-B85F086EC084}" dt="2020-04-12T12:46:32.889" v="2749" actId="404"/>
+          <ac:spMkLst>
+            <pc:docMk/>
+            <pc:sldMk cId="296686184" sldId="302"/>
+            <ac:spMk id="2" creationId="{482AF39A-BDDC-44E5-8277-6A9B2C6A6B1B}"/>
+          </ac:spMkLst>
+        </pc:spChg>
+        <pc:spChg chg="add mod">
+          <ac:chgData name="kaihua tang" userId="22376ffad72c4b64" providerId="LiveId" clId="{CE9B0419-8561-4196-9FDB-B85F086EC084}" dt="2020-04-12T12:46:27.833" v="2747"/>
+          <ac:spMkLst>
+            <pc:docMk/>
+            <pc:sldMk cId="296686184" sldId="302"/>
+            <ac:spMk id="3" creationId="{3800F381-05E5-4F2A-B35D-7BE788A9B271}"/>
+          </ac:spMkLst>
+        </pc:spChg>
+      </pc:sldChg>
+      <pc:sldChg chg="modSp add modAnim modNotesTx">
+        <pc:chgData name="kaihua tang" userId="22376ffad72c4b64" providerId="LiveId" clId="{CE9B0419-8561-4196-9FDB-B85F086EC084}" dt="2020-04-14T05:33:43.841" v="16430" actId="20577"/>
+        <pc:sldMkLst>
+          <pc:docMk/>
+          <pc:sldMk cId="3988042930" sldId="303"/>
+        </pc:sldMkLst>
+        <pc:spChg chg="mod">
+          <ac:chgData name="kaihua tang" userId="22376ffad72c4b64" providerId="LiveId" clId="{CE9B0419-8561-4196-9FDB-B85F086EC084}" dt="2020-04-12T12:47:44.850" v="2755" actId="20577"/>
+          <ac:spMkLst>
+            <pc:docMk/>
+            <pc:sldMk cId="3988042930" sldId="303"/>
+            <ac:spMk id="3" creationId="{481B8BB8-76AF-4A2C-9605-75CBA093622B}"/>
+          </ac:spMkLst>
+        </pc:spChg>
+        <pc:spChg chg="mod">
+          <ac:chgData name="kaihua tang" userId="22376ffad72c4b64" providerId="LiveId" clId="{CE9B0419-8561-4196-9FDB-B85F086EC084}" dt="2020-04-12T12:48:16.560" v="2762" actId="14100"/>
+          <ac:spMkLst>
+            <pc:docMk/>
+            <pc:sldMk cId="3988042930" sldId="303"/>
+            <ac:spMk id="8" creationId="{93AF72DA-EC3B-41CD-A8CB-833C19BC856A}"/>
+          </ac:spMkLst>
+        </pc:spChg>
+        <pc:spChg chg="mod">
+          <ac:chgData name="kaihua tang" userId="22376ffad72c4b64" providerId="LiveId" clId="{CE9B0419-8561-4196-9FDB-B85F086EC084}" dt="2020-04-12T12:47:57.430" v="2759" actId="1076"/>
+          <ac:spMkLst>
+            <pc:docMk/>
+            <pc:sldMk cId="3988042930" sldId="303"/>
+            <ac:spMk id="13" creationId="{EA9CF6EE-2E06-4300-AF76-A7E43D285D8D}"/>
+          </ac:spMkLst>
+        </pc:spChg>
+        <pc:picChg chg="mod">
+          <ac:chgData name="kaihua tang" userId="22376ffad72c4b64" providerId="LiveId" clId="{CE9B0419-8561-4196-9FDB-B85F086EC084}" dt="2020-04-12T12:48:08.399" v="2760" actId="1076"/>
+          <ac:picMkLst>
+            <pc:docMk/>
+            <pc:sldMk cId="3988042930" sldId="303"/>
+            <ac:picMk id="12" creationId="{02C3AC38-9E8F-499F-BCDA-A057D2B4C099}"/>
+          </ac:picMkLst>
+        </pc:picChg>
+      </pc:sldChg>
+      <pc:sldChg chg="modSp add modNotesTx">
+        <pc:chgData name="kaihua tang" userId="22376ffad72c4b64" providerId="LiveId" clId="{CE9B0419-8561-4196-9FDB-B85F086EC084}" dt="2020-04-14T08:16:05.334" v="17995" actId="20577"/>
+        <pc:sldMkLst>
+          <pc:docMk/>
+          <pc:sldMk cId="1740295617" sldId="304"/>
+        </pc:sldMkLst>
+        <pc:spChg chg="mod">
+          <ac:chgData name="kaihua tang" userId="22376ffad72c4b64" providerId="LiveId" clId="{CE9B0419-8561-4196-9FDB-B85F086EC084}" dt="2020-04-12T12:49:44.447" v="2770" actId="1076"/>
+          <ac:spMkLst>
+            <pc:docMk/>
+            <pc:sldMk cId="1740295617" sldId="304"/>
+            <ac:spMk id="8" creationId="{F1CDB029-A281-403C-93CC-3E64B61D942B}"/>
+          </ac:spMkLst>
+        </pc:spChg>
+        <pc:graphicFrameChg chg="mod modGraphic">
+          <ac:chgData name="kaihua tang" userId="22376ffad72c4b64" providerId="LiveId" clId="{CE9B0419-8561-4196-9FDB-B85F086EC084}" dt="2020-04-12T12:49:47.679" v="2771" actId="1076"/>
+          <ac:graphicFrameMkLst>
+            <pc:docMk/>
+            <pc:sldMk cId="1740295617" sldId="304"/>
+            <ac:graphicFrameMk id="7" creationId="{D5774F35-4065-4A9E-A26D-26C0D2B9610D}"/>
+          </ac:graphicFrameMkLst>
+        </pc:graphicFrameChg>
+      </pc:sldChg>
+      <pc:sldChg chg="modSp add del">
+        <pc:chgData name="kaihua tang" userId="22376ffad72c4b64" providerId="LiveId" clId="{CE9B0419-8561-4196-9FDB-B85F086EC084}" dt="2020-04-13T03:22:20.402" v="4423" actId="47"/>
+        <pc:sldMkLst>
+          <pc:docMk/>
+          <pc:sldMk cId="1970930546" sldId="305"/>
+        </pc:sldMkLst>
+        <pc:spChg chg="mod">
+          <ac:chgData name="kaihua tang" userId="22376ffad72c4b64" providerId="LiveId" clId="{CE9B0419-8561-4196-9FDB-B85F086EC084}" dt="2020-04-12T12:50:24.922" v="2776" actId="207"/>
+          <ac:spMkLst>
+            <pc:docMk/>
+            <pc:sldMk cId="1970930546" sldId="305"/>
+            <ac:spMk id="3" creationId="{D86AC0E6-91D3-4E2C-BAE7-1FC17922CA5A}"/>
+          </ac:spMkLst>
+        </pc:spChg>
+      </pc:sldChg>
+      <pc:sldChg chg="modSp add del">
+        <pc:chgData name="kaihua tang" userId="22376ffad72c4b64" providerId="LiveId" clId="{CE9B0419-8561-4196-9FDB-B85F086EC084}" dt="2020-04-13T03:20:31.869" v="4399" actId="2696"/>
+        <pc:sldMkLst>
+          <pc:docMk/>
+          <pc:sldMk cId="913262501" sldId="306"/>
+        </pc:sldMkLst>
+        <pc:spChg chg="mod">
+          <ac:chgData name="kaihua tang" userId="22376ffad72c4b64" providerId="LiveId" clId="{CE9B0419-8561-4196-9FDB-B85F086EC084}" dt="2020-04-12T12:50:31.745" v="2778" actId="207"/>
+          <ac:spMkLst>
+            <pc:docMk/>
+            <pc:sldMk cId="913262501" sldId="306"/>
+            <ac:spMk id="3" creationId="{D86AC0E6-91D3-4E2C-BAE7-1FC17922CA5A}"/>
+          </ac:spMkLst>
+        </pc:spChg>
+      </pc:sldChg>
+      <pc:sldChg chg="add del">
+        <pc:chgData name="kaihua tang" userId="22376ffad72c4b64" providerId="LiveId" clId="{CE9B0419-8561-4196-9FDB-B85F086EC084}" dt="2020-04-13T03:21:20.106" v="4410" actId="47"/>
+        <pc:sldMkLst>
+          <pc:docMk/>
+          <pc:sldMk cId="3526011475" sldId="306"/>
+        </pc:sldMkLst>
+      </pc:sldChg>
+      <pc:sldChg chg="modSp add del">
+        <pc:chgData name="kaihua tang" userId="22376ffad72c4b64" providerId="LiveId" clId="{CE9B0419-8561-4196-9FDB-B85F086EC084}" dt="2020-04-13T03:22:28.216" v="4425" actId="47"/>
+        <pc:sldMkLst>
+          <pc:docMk/>
+          <pc:sldMk cId="525664469" sldId="307"/>
+        </pc:sldMkLst>
+        <pc:spChg chg="mod">
+          <ac:chgData name="kaihua tang" userId="22376ffad72c4b64" providerId="LiveId" clId="{CE9B0419-8561-4196-9FDB-B85F086EC084}" dt="2020-04-12T12:50:40.008" v="2780" actId="207"/>
+          <ac:spMkLst>
+            <pc:docMk/>
+            <pc:sldMk cId="525664469" sldId="307"/>
+            <ac:spMk id="3" creationId="{D86AC0E6-91D3-4E2C-BAE7-1FC17922CA5A}"/>
+          </ac:spMkLst>
+        </pc:spChg>
+      </pc:sldChg>
+      <pc:sldChg chg="addSp delSp modSp add modNotesTx">
+        <pc:chgData name="kaihua tang" userId="22376ffad72c4b64" providerId="LiveId" clId="{CE9B0419-8561-4196-9FDB-B85F086EC084}" dt="2020-04-13T16:27:57.816" v="15257" actId="20577"/>
+        <pc:sldMkLst>
+          <pc:docMk/>
+          <pc:sldMk cId="3085640918" sldId="308"/>
+        </pc:sldMkLst>
+        <pc:spChg chg="mod">
+          <ac:chgData name="kaihua tang" userId="22376ffad72c4b64" providerId="LiveId" clId="{CE9B0419-8561-4196-9FDB-B85F086EC084}" dt="2020-04-12T16:30:56.236" v="3256" actId="20577"/>
+          <ac:spMkLst>
+            <pc:docMk/>
+            <pc:sldMk cId="3085640918" sldId="308"/>
+            <ac:spMk id="2" creationId="{A74DD410-46F4-44CE-8C34-A4A9B7DC740E}"/>
+          </ac:spMkLst>
+        </pc:spChg>
+        <pc:spChg chg="del">
+          <ac:chgData name="kaihua tang" userId="22376ffad72c4b64" providerId="LiveId" clId="{CE9B0419-8561-4196-9FDB-B85F086EC084}" dt="2020-04-12T16:30:41.100" v="3237" actId="478"/>
+          <ac:spMkLst>
+            <pc:docMk/>
+            <pc:sldMk cId="3085640918" sldId="308"/>
+            <ac:spMk id="3" creationId="{9D0EDBE9-4AD9-4DCC-B500-7F9CE593ADEE}"/>
+          </ac:spMkLst>
+        </pc:spChg>
+        <pc:spChg chg="add mod">
+          <ac:chgData name="kaihua tang" userId="22376ffad72c4b64" providerId="LiveId" clId="{CE9B0419-8561-4196-9FDB-B85F086EC084}" dt="2020-04-12T16:30:47.492" v="3240"/>
+          <ac:spMkLst>
+            <pc:docMk/>
+            <pc:sldMk cId="3085640918" sldId="308"/>
+            <ac:spMk id="5" creationId="{C7400943-392A-4407-B055-355308EACA6C}"/>
+          </ac:spMkLst>
+        </pc:spChg>
+        <pc:picChg chg="add mod">
+          <ac:chgData name="kaihua tang" userId="22376ffad72c4b64" providerId="LiveId" clId="{CE9B0419-8561-4196-9FDB-B85F086EC084}" dt="2020-04-12T16:30:50.243" v="3241" actId="1076"/>
+          <ac:picMkLst>
+            <pc:docMk/>
+            <pc:sldMk cId="3085640918" sldId="308"/>
+            <ac:picMk id="4" creationId="{98DDED9E-5346-4A21-A11B-4C04DAD56926}"/>
+          </ac:picMkLst>
+        </pc:picChg>
+      </pc:sldChg>
+      <pc:sldChg chg="modSp add modNotesTx">
+        <pc:chgData name="kaihua tang" userId="22376ffad72c4b64" providerId="LiveId" clId="{CE9B0419-8561-4196-9FDB-B85F086EC084}" dt="2020-04-14T14:48:42.974" v="19817" actId="20577"/>
+        <pc:sldMkLst>
+          <pc:docMk/>
+          <pc:sldMk cId="2454127312" sldId="309"/>
+        </pc:sldMkLst>
+        <pc:spChg chg="mod">
+          <ac:chgData name="kaihua tang" userId="22376ffad72c4b64" providerId="LiveId" clId="{CE9B0419-8561-4196-9FDB-B85F086EC084}" dt="2020-04-14T14:14:28.300" v="18745" actId="20577"/>
+          <ac:spMkLst>
+            <pc:docMk/>
+            <pc:sldMk cId="2454127312" sldId="309"/>
+            <ac:spMk id="2" creationId="{ADACF2C9-C78A-43BA-942B-B5B469CE00E8}"/>
+          </ac:spMkLst>
+        </pc:spChg>
+        <pc:spChg chg="mod">
+          <ac:chgData name="kaihua tang" userId="22376ffad72c4b64" providerId="LiveId" clId="{CE9B0419-8561-4196-9FDB-B85F086EC084}" dt="2020-04-12T12:52:12.424" v="2837" actId="20577"/>
+          <ac:spMkLst>
+            <pc:docMk/>
+            <pc:sldMk cId="2454127312" sldId="309"/>
+            <ac:spMk id="3" creationId="{EE81DED3-DDC8-47C2-B95B-C0FFD23B6E2E}"/>
+          </ac:spMkLst>
+        </pc:spChg>
+      </pc:sldChg>
+      <pc:sldChg chg="modSp add modNotesTx">
+        <pc:chgData name="kaihua tang" userId="22376ffad72c4b64" providerId="LiveId" clId="{CE9B0419-8561-4196-9FDB-B85F086EC084}" dt="2020-04-14T14:14:15.117" v="18725" actId="20577"/>
+        <pc:sldMkLst>
+          <pc:docMk/>
+          <pc:sldMk cId="1006945895" sldId="310"/>
+        </pc:sldMkLst>
+        <pc:spChg chg="mod">
+          <ac:chgData name="kaihua tang" userId="22376ffad72c4b64" providerId="LiveId" clId="{CE9B0419-8561-4196-9FDB-B85F086EC084}" dt="2020-04-14T14:14:15.117" v="18725" actId="20577"/>
+          <ac:spMkLst>
+            <pc:docMk/>
+            <pc:sldMk cId="1006945895" sldId="310"/>
+            <ac:spMk id="2" creationId="{ADACF2C9-C78A-43BA-942B-B5B469CE00E8}"/>
+          </ac:spMkLst>
+        </pc:spChg>
+      </pc:sldChg>
+      <pc:sldChg chg="addSp modSp add modAnim modNotesTx">
+        <pc:chgData name="kaihua tang" userId="22376ffad72c4b64" providerId="LiveId" clId="{CE9B0419-8561-4196-9FDB-B85F086EC084}" dt="2020-04-14T05:36:09.833" v="16677"/>
+        <pc:sldMkLst>
+          <pc:docMk/>
+          <pc:sldMk cId="4248729436" sldId="311"/>
+        </pc:sldMkLst>
+        <pc:spChg chg="add mod">
+          <ac:chgData name="kaihua tang" userId="22376ffad72c4b64" providerId="LiveId" clId="{CE9B0419-8561-4196-9FDB-B85F086EC084}" dt="2020-04-12T12:59:41.747" v="2891"/>
+          <ac:spMkLst>
+            <pc:docMk/>
+            <pc:sldMk cId="4248729436" sldId="311"/>
+            <ac:spMk id="3" creationId="{84049A13-094B-4FEC-8DEC-FF780E0C3037}"/>
+          </ac:spMkLst>
+        </pc:spChg>
+      </pc:sldChg>
+      <pc:sldChg chg="addSp modSp add modAnim modNotesTx">
+        <pc:chgData name="kaihua tang" userId="22376ffad72c4b64" providerId="LiveId" clId="{CE9B0419-8561-4196-9FDB-B85F086EC084}" dt="2020-04-14T08:16:49.441" v="18004" actId="20577"/>
+        <pc:sldMkLst>
+          <pc:docMk/>
+          <pc:sldMk cId="824676054" sldId="312"/>
+        </pc:sldMkLst>
+        <pc:spChg chg="add mod">
+          <ac:chgData name="kaihua tang" userId="22376ffad72c4b64" providerId="LiveId" clId="{CE9B0419-8561-4196-9FDB-B85F086EC084}" dt="2020-04-12T12:59:46.689" v="2892"/>
+          <ac:spMkLst>
+            <pc:docMk/>
+            <pc:sldMk cId="824676054" sldId="312"/>
+            <ac:spMk id="3" creationId="{3C2DC286-12B6-4D23-B775-EE5FA14E8230}"/>
+          </ac:spMkLst>
+        </pc:spChg>
+      </pc:sldChg>
+      <pc:sldChg chg="modSp add modNotesTx">
+        <pc:chgData name="kaihua tang" userId="22376ffad72c4b64" providerId="LiveId" clId="{CE9B0419-8561-4196-9FDB-B85F086EC084}" dt="2020-04-14T14:51:42.332" v="20039" actId="20577"/>
+        <pc:sldMkLst>
+          <pc:docMk/>
+          <pc:sldMk cId="2362068444" sldId="313"/>
+        </pc:sldMkLst>
+        <pc:spChg chg="mod">
+          <ac:chgData name="kaihua tang" userId="22376ffad72c4b64" providerId="LiveId" clId="{CE9B0419-8561-4196-9FDB-B85F086EC084}" dt="2020-04-12T15:44:57.958" v="2919" actId="20577"/>
+          <ac:spMkLst>
+            <pc:docMk/>
+            <pc:sldMk cId="2362068444" sldId="313"/>
+            <ac:spMk id="2" creationId="{C72B6DCE-EB09-7649-A26D-98B60808EDF3}"/>
+          </ac:spMkLst>
+        </pc:spChg>
+        <pc:spChg chg="mod">
+          <ac:chgData name="kaihua tang" userId="22376ffad72c4b64" providerId="LiveId" clId="{CE9B0419-8561-4196-9FDB-B85F086EC084}" dt="2020-04-12T15:47:00.036" v="2943" actId="14100"/>
+          <ac:spMkLst>
+            <pc:docMk/>
+            <pc:sldMk cId="2362068444" sldId="313"/>
+            <ac:spMk id="3" creationId="{14061AB4-CA3C-A648-9CC3-5A13A0976A2F}"/>
+          </ac:spMkLst>
+        </pc:spChg>
+        <pc:picChg chg="mod">
+          <ac:chgData name="kaihua tang" userId="22376ffad72c4b64" providerId="LiveId" clId="{CE9B0419-8561-4196-9FDB-B85F086EC084}" dt="2020-04-12T15:47:08.269" v="2946" actId="1076"/>
+          <ac:picMkLst>
+            <pc:docMk/>
+            <pc:sldMk cId="2362068444" sldId="313"/>
+            <ac:picMk id="4" creationId="{796B88ED-D66A-794C-9458-3273C90C5261}"/>
+          </ac:picMkLst>
+        </pc:picChg>
+      </pc:sldChg>
+      <pc:sldChg chg="addSp delSp modSp add ord modNotesTx">
+        <pc:chgData name="kaihua tang" userId="22376ffad72c4b64" providerId="LiveId" clId="{CE9B0419-8561-4196-9FDB-B85F086EC084}" dt="2020-04-14T14:56:14.780" v="20220" actId="20577"/>
+        <pc:sldMkLst>
+          <pc:docMk/>
+          <pc:sldMk cId="1522390516" sldId="314"/>
+        </pc:sldMkLst>
+        <pc:spChg chg="mod">
+          <ac:chgData name="kaihua tang" userId="22376ffad72c4b64" providerId="LiveId" clId="{CE9B0419-8561-4196-9FDB-B85F086EC084}" dt="2020-04-12T15:52:19.094" v="2972" actId="20577"/>
+          <ac:spMkLst>
+            <pc:docMk/>
+            <pc:sldMk cId="1522390516" sldId="314"/>
+            <ac:spMk id="2" creationId="{84E5FBBD-5552-AC48-8A71-41B730CDE07A}"/>
+          </ac:spMkLst>
+        </pc:spChg>
+        <pc:spChg chg="del mod">
+          <ac:chgData name="kaihua tang" userId="22376ffad72c4b64" providerId="LiveId" clId="{CE9B0419-8561-4196-9FDB-B85F086EC084}" dt="2020-04-12T15:45:52.102" v="2924"/>
+          <ac:spMkLst>
+            <pc:docMk/>
+            <pc:sldMk cId="1522390516" sldId="314"/>
+            <ac:spMk id="3" creationId="{2C3BBE2A-C1EA-D946-B2B1-085CD427565A}"/>
+          </ac:spMkLst>
+        </pc:spChg>
+        <pc:spChg chg="add mod">
+          <ac:chgData name="kaihua tang" userId="22376ffad72c4b64" providerId="LiveId" clId="{CE9B0419-8561-4196-9FDB-B85F086EC084}" dt="2020-04-12T15:45:52.102" v="2924"/>
+          <ac:spMkLst>
+            <pc:docMk/>
+            <pc:sldMk cId="1522390516" sldId="314"/>
+            <ac:spMk id="4" creationId="{1B1D42A1-4436-4112-B4AC-4647F5707ECD}"/>
+          </ac:spMkLst>
+        </pc:spChg>
+        <pc:picChg chg="mod">
+          <ac:chgData name="kaihua tang" userId="22376ffad72c4b64" providerId="LiveId" clId="{CE9B0419-8561-4196-9FDB-B85F086EC084}" dt="2020-04-14T07:58:56.281" v="17905" actId="1035"/>
+          <ac:picMkLst>
+            <pc:docMk/>
+            <pc:sldMk cId="1522390516" sldId="314"/>
+            <ac:picMk id="5" creationId="{8AF288B2-0D25-C044-A78E-19599AD4CA2E}"/>
+          </ac:picMkLst>
+        </pc:picChg>
+      </pc:sldChg>
+      <pc:sldChg chg="addSp delSp modSp add modNotesTx">
+        <pc:chgData name="kaihua tang" userId="22376ffad72c4b64" providerId="LiveId" clId="{CE9B0419-8561-4196-9FDB-B85F086EC084}" dt="2020-04-14T14:58:56.573" v="20299" actId="20577"/>
+        <pc:sldMkLst>
+          <pc:docMk/>
+          <pc:sldMk cId="2117283209" sldId="315"/>
+        </pc:sldMkLst>
+        <pc:spChg chg="mod">
+          <ac:chgData name="kaihua tang" userId="22376ffad72c4b64" providerId="LiveId" clId="{CE9B0419-8561-4196-9FDB-B85F086EC084}" dt="2020-04-14T06:12:45.998" v="17304" actId="14100"/>
+          <ac:spMkLst>
+            <pc:docMk/>
+            <pc:sldMk cId="2117283209" sldId="315"/>
+            <ac:spMk id="2" creationId="{1BDDD696-AEA3-5A41-80A5-0BA58C5481DC}"/>
+          </ac:spMkLst>
+        </pc:spChg>
+        <pc:spChg chg="del">
+          <ac:chgData name="kaihua tang" userId="22376ffad72c4b64" providerId="LiveId" clId="{CE9B0419-8561-4196-9FDB-B85F086EC084}" dt="2020-04-12T15:56:59.130" v="2980" actId="478"/>
+          <ac:spMkLst>
+            <pc:docMk/>
+            <pc:sldMk cId="2117283209" sldId="315"/>
+            <ac:spMk id="3" creationId="{113D7980-BA77-9547-A736-3C7ACFC84ACB}"/>
+          </ac:spMkLst>
+        </pc:spChg>
+        <pc:spChg chg="add del mod">
+          <ac:chgData name="kaihua tang" userId="22376ffad72c4b64" providerId="LiveId" clId="{CE9B0419-8561-4196-9FDB-B85F086EC084}" dt="2020-04-12T15:57:01.478" v="2981" actId="478"/>
+          <ac:spMkLst>
+            <pc:docMk/>
+            <pc:sldMk cId="2117283209" sldId="315"/>
+            <ac:spMk id="6" creationId="{8330C0BA-32C1-4501-BC22-196CBBA36D69}"/>
+          </ac:spMkLst>
+        </pc:spChg>
+        <pc:spChg chg="add mod">
+          <ac:chgData name="kaihua tang" userId="22376ffad72c4b64" providerId="LiveId" clId="{CE9B0419-8561-4196-9FDB-B85F086EC084}" dt="2020-04-12T15:57:08.357" v="2983"/>
+          <ac:spMkLst>
+            <pc:docMk/>
+            <pc:sldMk cId="2117283209" sldId="315"/>
+            <ac:spMk id="7" creationId="{9909994C-F9E1-48A5-93F2-E52261A07A0F}"/>
+          </ac:spMkLst>
+        </pc:spChg>
+        <pc:picChg chg="mod">
+          <ac:chgData name="kaihua tang" userId="22376ffad72c4b64" providerId="LiveId" clId="{CE9B0419-8561-4196-9FDB-B85F086EC084}" dt="2020-04-12T15:57:17.292" v="2986" actId="1076"/>
+          <ac:picMkLst>
+            <pc:docMk/>
+            <pc:sldMk cId="2117283209" sldId="315"/>
+            <ac:picMk id="5" creationId="{F02BDC89-83F5-114E-9B86-DA06CDF060DC}"/>
+          </ac:picMkLst>
+        </pc:picChg>
+      </pc:sldChg>
+      <pc:sldChg chg="add del">
+        <pc:chgData name="kaihua tang" userId="22376ffad72c4b64" providerId="LiveId" clId="{CE9B0419-8561-4196-9FDB-B85F086EC084}" dt="2020-04-12T15:56:51.628" v="2978" actId="47"/>
+        <pc:sldMkLst>
+          <pc:docMk/>
+          <pc:sldMk cId="2463965869" sldId="315"/>
+        </pc:sldMkLst>
+      </pc:sldChg>
+      <pc:sldChg chg="addSp delSp modSp add ord modNotesTx">
+        <pc:chgData name="kaihua tang" userId="22376ffad72c4b64" providerId="LiveId" clId="{CE9B0419-8561-4196-9FDB-B85F086EC084}" dt="2020-04-13T16:03:24.738" v="12656" actId="20577"/>
+        <pc:sldMkLst>
+          <pc:docMk/>
+          <pc:sldMk cId="459673245" sldId="316"/>
+        </pc:sldMkLst>
+        <pc:spChg chg="mod">
+          <ac:chgData name="kaihua tang" userId="22376ffad72c4b64" providerId="LiveId" clId="{CE9B0419-8561-4196-9FDB-B85F086EC084}" dt="2020-04-12T16:24:18.771" v="3105" actId="20577"/>
+          <ac:spMkLst>
+            <pc:docMk/>
+            <pc:sldMk cId="459673245" sldId="316"/>
+            <ac:spMk id="2" creationId="{D5C24CF8-820C-42BE-A84F-BF0D9378D4E2}"/>
+          </ac:spMkLst>
+        </pc:spChg>
+        <pc:spChg chg="del mod">
+          <ac:chgData name="kaihua tang" userId="22376ffad72c4b64" providerId="LiveId" clId="{CE9B0419-8561-4196-9FDB-B85F086EC084}" dt="2020-04-12T16:13:42.751" v="3002" actId="478"/>
+          <ac:spMkLst>
+            <pc:docMk/>
+            <pc:sldMk cId="459673245" sldId="316"/>
+            <ac:spMk id="3" creationId="{46ABD430-D9ED-4057-930F-FB269AE165DF}"/>
+          </ac:spMkLst>
+        </pc:spChg>
+        <pc:spChg chg="add mod">
+          <ac:chgData name="kaihua tang" userId="22376ffad72c4b64" providerId="LiveId" clId="{CE9B0419-8561-4196-9FDB-B85F086EC084}" dt="2020-04-12T16:23:05.244" v="3054" actId="13822"/>
+          <ac:spMkLst>
+            <pc:docMk/>
+            <pc:sldMk cId="459673245" sldId="316"/>
+            <ac:spMk id="7" creationId="{70077BD2-6599-4ED3-881F-8422A47378A5}"/>
+          </ac:spMkLst>
+        </pc:spChg>
+        <pc:picChg chg="add del mod">
+          <ac:chgData name="kaihua tang" userId="22376ffad72c4b64" providerId="LiveId" clId="{CE9B0419-8561-4196-9FDB-B85F086EC084}" dt="2020-04-12T16:21:35.820" v="3020" actId="478"/>
+          <ac:picMkLst>
+            <pc:docMk/>
+            <pc:sldMk cId="459673245" sldId="316"/>
+            <ac:picMk id="4" creationId="{9CDC4297-0B3A-4DDC-9D4A-0F23C61B9DCE}"/>
+          </ac:picMkLst>
+        </pc:picChg>
+        <pc:picChg chg="add mod">
+          <ac:chgData name="kaihua tang" userId="22376ffad72c4b64" providerId="LiveId" clId="{CE9B0419-8561-4196-9FDB-B85F086EC084}" dt="2020-04-12T16:22:40.327" v="3046" actId="1037"/>
+          <ac:picMkLst>
+            <pc:docMk/>
+            <pc:sldMk cId="459673245" sldId="316"/>
+            <ac:picMk id="5" creationId="{A6D5DA68-A38E-4E6A-8106-AB495B6157AB}"/>
+          </ac:picMkLst>
+        </pc:picChg>
+        <pc:picChg chg="add mod">
+          <ac:chgData name="kaihua tang" userId="22376ffad72c4b64" providerId="LiveId" clId="{CE9B0419-8561-4196-9FDB-B85F086EC084}" dt="2020-04-12T16:22:48.780" v="3049" actId="1076"/>
+          <ac:picMkLst>
+            <pc:docMk/>
+            <pc:sldMk cId="459673245" sldId="316"/>
+            <ac:picMk id="6" creationId="{CD207F26-9262-4918-8F3E-C606F90512DE}"/>
+          </ac:picMkLst>
+        </pc:picChg>
+      </pc:sldChg>
+      <pc:sldChg chg="modSp add modNotesTx">
+        <pc:chgData name="kaihua tang" userId="22376ffad72c4b64" providerId="LiveId" clId="{CE9B0419-8561-4196-9FDB-B85F086EC084}" dt="2020-04-14T15:01:30.525" v="20341" actId="20577"/>
+        <pc:sldMkLst>
+          <pc:docMk/>
+          <pc:sldMk cId="2185811307" sldId="317"/>
+        </pc:sldMkLst>
+        <pc:spChg chg="mod">
+          <ac:chgData name="kaihua tang" userId="22376ffad72c4b64" providerId="LiveId" clId="{CE9B0419-8561-4196-9FDB-B85F086EC084}" dt="2020-04-12T16:30:28.187" v="3212" actId="20577"/>
+          <ac:spMkLst>
+            <pc:docMk/>
+            <pc:sldMk cId="2185811307" sldId="317"/>
+            <ac:spMk id="2" creationId="{A7105ED7-7BD5-F744-9A21-0B266F0D0A7A}"/>
+          </ac:spMkLst>
+        </pc:spChg>
+        <pc:spChg chg="mod">
+          <ac:chgData name="kaihua tang" userId="22376ffad72c4b64" providerId="LiveId" clId="{CE9B0419-8561-4196-9FDB-B85F086EC084}" dt="2020-04-14T15:01:30.525" v="20341" actId="20577"/>
+          <ac:spMkLst>
+            <pc:docMk/>
+            <pc:sldMk cId="2185811307" sldId="317"/>
+            <ac:spMk id="3" creationId="{D143EA5E-3DB1-8548-84EE-F51E9851DE81}"/>
+          </ac:spMkLst>
+        </pc:spChg>
+        <pc:picChg chg="mod">
+          <ac:chgData name="kaihua tang" userId="22376ffad72c4b64" providerId="LiveId" clId="{CE9B0419-8561-4196-9FDB-B85F086EC084}" dt="2020-04-12T16:25:25.450" v="3122" actId="1076"/>
+          <ac:picMkLst>
+            <pc:docMk/>
+            <pc:sldMk cId="2185811307" sldId="317"/>
+            <ac:picMk id="5" creationId="{1AFE56C4-06AB-A44D-9166-E0D904A2C291}"/>
+          </ac:picMkLst>
+        </pc:picChg>
+      </pc:sldChg>
+      <pc:sldChg chg="addSp delSp modSp add modNotesTx">
+        <pc:chgData name="kaihua tang" userId="22376ffad72c4b64" providerId="LiveId" clId="{CE9B0419-8561-4196-9FDB-B85F086EC084}" dt="2020-04-14T08:24:37.681" v="18275" actId="20577"/>
+        <pc:sldMkLst>
+          <pc:docMk/>
+          <pc:sldMk cId="1340909887" sldId="318"/>
+        </pc:sldMkLst>
+        <pc:spChg chg="mod">
+          <ac:chgData name="kaihua tang" userId="22376ffad72c4b64" providerId="LiveId" clId="{CE9B0419-8561-4196-9FDB-B85F086EC084}" dt="2020-04-12T16:27:24.952" v="3211"/>
+          <ac:spMkLst>
+            <pc:docMk/>
+            <pc:sldMk cId="1340909887" sldId="318"/>
+            <ac:spMk id="2" creationId="{9E60819B-3E80-4DCA-975B-6D41606E5E9F}"/>
+          </ac:spMkLst>
+        </pc:spChg>
+        <pc:spChg chg="del">
+          <ac:chgData name="kaihua tang" userId="22376ffad72c4b64" providerId="LiveId" clId="{CE9B0419-8561-4196-9FDB-B85F086EC084}" dt="2020-04-12T16:26:49.895" v="3124"/>
+          <ac:spMkLst>
+            <pc:docMk/>
+            <pc:sldMk cId="1340909887" sldId="318"/>
+            <ac:spMk id="3" creationId="{32D26A34-35C7-487E-AA20-C4E65440F5EF}"/>
+          </ac:spMkLst>
+        </pc:spChg>
+        <pc:picChg chg="add mod">
+          <ac:chgData name="kaihua tang" userId="22376ffad72c4b64" providerId="LiveId" clId="{CE9B0419-8561-4196-9FDB-B85F086EC084}" dt="2020-04-12T16:27:06.562" v="3131" actId="1076"/>
+          <ac:picMkLst>
+            <pc:docMk/>
+            <pc:sldMk cId="1340909887" sldId="318"/>
+            <ac:picMk id="4" creationId="{FE75245F-6331-414A-9D72-AEFDF7FE31EE}"/>
+          </ac:picMkLst>
+        </pc:picChg>
+      </pc:sldChg>
+      <pc:sldChg chg="addSp delSp modSp add modNotesTx">
+        <pc:chgData name="kaihua tang" userId="22376ffad72c4b64" providerId="LiveId" clId="{CE9B0419-8561-4196-9FDB-B85F086EC084}" dt="2020-04-14T06:13:26.887" v="17359" actId="20577"/>
+        <pc:sldMkLst>
+          <pc:docMk/>
+          <pc:sldMk cId="1629266377" sldId="319"/>
+        </pc:sldMkLst>
+        <pc:spChg chg="mod">
+          <ac:chgData name="kaihua tang" userId="22376ffad72c4b64" providerId="LiveId" clId="{CE9B0419-8561-4196-9FDB-B85F086EC084}" dt="2020-04-12T16:32:15.188" v="3295" actId="404"/>
+          <ac:spMkLst>
+            <pc:docMk/>
+            <pc:sldMk cId="1629266377" sldId="319"/>
+            <ac:spMk id="2" creationId="{C43CC99D-6A57-4D7E-B4FB-CF43AD3B7E4E}"/>
+          </ac:spMkLst>
+        </pc:spChg>
+        <pc:spChg chg="del">
+          <ac:chgData name="kaihua tang" userId="22376ffad72c4b64" providerId="LiveId" clId="{CE9B0419-8561-4196-9FDB-B85F086EC084}" dt="2020-04-12T16:31:44.147" v="3270" actId="478"/>
+          <ac:spMkLst>
+            <pc:docMk/>
+            <pc:sldMk cId="1629266377" sldId="319"/>
+            <ac:spMk id="3" creationId="{26118443-7667-4951-ADBB-B36D179FD0D1}"/>
+          </ac:spMkLst>
+        </pc:spChg>
+        <pc:spChg chg="add mod">
+          <ac:chgData name="kaihua tang" userId="22376ffad72c4b64" providerId="LiveId" clId="{CE9B0419-8561-4196-9FDB-B85F086EC084}" dt="2020-04-12T16:34:11.418" v="3371" actId="1076"/>
+          <ac:spMkLst>
+            <pc:docMk/>
+            <pc:sldMk cId="1629266377" sldId="319"/>
+            <ac:spMk id="6" creationId="{8BBAEEEE-AED3-4D53-8FD8-E66FC20B9EAD}"/>
+          </ac:spMkLst>
+        </pc:spChg>
+        <pc:spChg chg="add mod">
+          <ac:chgData name="kaihua tang" userId="22376ffad72c4b64" providerId="LiveId" clId="{CE9B0419-8561-4196-9FDB-B85F086EC084}" dt="2020-04-12T16:34:32.685" v="3396"/>
+          <ac:spMkLst>
+            <pc:docMk/>
+            <pc:sldMk cId="1629266377" sldId="319"/>
+            <ac:spMk id="7" creationId="{01AE4C99-DBDF-4DBD-9492-1DD23EBAD022}"/>
+          </ac:spMkLst>
+        </pc:spChg>
+        <pc:picChg chg="add mod">
+          <ac:chgData name="kaihua tang" userId="22376ffad72c4b64" providerId="LiveId" clId="{CE9B0419-8561-4196-9FDB-B85F086EC084}" dt="2020-04-12T16:33:35.882" v="3337" actId="1038"/>
+          <ac:picMkLst>
+            <pc:docMk/>
+            <pc:sldMk cId="1629266377" sldId="319"/>
+            <ac:picMk id="4" creationId="{3F65218E-3E4F-490A-8D8F-649DBE19BEC1}"/>
+          </ac:picMkLst>
+        </pc:picChg>
+        <pc:picChg chg="add mod">
+          <ac:chgData name="kaihua tang" userId="22376ffad72c4b64" providerId="LiveId" clId="{CE9B0419-8561-4196-9FDB-B85F086EC084}" dt="2020-04-12T16:33:32.851" v="3332" actId="14100"/>
+          <ac:picMkLst>
+            <pc:docMk/>
+            <pc:sldMk cId="1629266377" sldId="319"/>
+            <ac:picMk id="5" creationId="{2F9CF262-AC2E-4D61-9615-C44D8F86CC91}"/>
+          </ac:picMkLst>
+        </pc:picChg>
+      </pc:sldChg>
+      <pc:sldChg chg="addSp delSp modSp add modNotesTx">
+        <pc:chgData name="kaihua tang" userId="22376ffad72c4b64" providerId="LiveId" clId="{CE9B0419-8561-4196-9FDB-B85F086EC084}" dt="2020-04-14T15:03:40.757" v="20360" actId="20577"/>
+        <pc:sldMkLst>
+          <pc:docMk/>
+          <pc:sldMk cId="3859052323" sldId="320"/>
+        </pc:sldMkLst>
+        <pc:spChg chg="mod">
+          <ac:chgData name="kaihua tang" userId="22376ffad72c4b64" providerId="LiveId" clId="{CE9B0419-8561-4196-9FDB-B85F086EC084}" dt="2020-04-12T16:36:48.992" v="3447" actId="20577"/>
+          <ac:spMkLst>
+            <pc:docMk/>
+            <pc:sldMk cId="3859052323" sldId="320"/>
+            <ac:spMk id="2" creationId="{FA13151A-72A7-4D0C-B4D2-500033ACA18B}"/>
+          </ac:spMkLst>
+        </pc:spChg>
+        <pc:spChg chg="del">
+          <ac:chgData name="kaihua tang" userId="22376ffad72c4b64" providerId="LiveId" clId="{CE9B0419-8561-4196-9FDB-B85F086EC084}" dt="2020-04-12T16:35:29.634" v="3418" actId="478"/>
+          <ac:spMkLst>
+            <pc:docMk/>
+            <pc:sldMk cId="3859052323" sldId="320"/>
+            <ac:spMk id="3" creationId="{9BDD4941-A011-46E2-BECE-0B809650D1A4}"/>
+          </ac:spMkLst>
+        </pc:spChg>
+        <pc:picChg chg="add mod">
+          <ac:chgData name="kaihua tang" userId="22376ffad72c4b64" providerId="LiveId" clId="{CE9B0419-8561-4196-9FDB-B85F086EC084}" dt="2020-04-12T16:36:11.776" v="3438" actId="1035"/>
+          <ac:picMkLst>
+            <pc:docMk/>
+            <pc:sldMk cId="3859052323" sldId="320"/>
+            <ac:picMk id="4" creationId="{40583ACA-4A0D-424E-A95F-227F74CB85A5}"/>
+          </ac:picMkLst>
+        </pc:picChg>
+        <pc:picChg chg="add mod">
+          <ac:chgData name="kaihua tang" userId="22376ffad72c4b64" providerId="LiveId" clId="{CE9B0419-8561-4196-9FDB-B85F086EC084}" dt="2020-04-12T16:36:11.776" v="3438" actId="1035"/>
+          <ac:picMkLst>
+            <pc:docMk/>
+            <pc:sldMk cId="3859052323" sldId="320"/>
+            <ac:picMk id="5" creationId="{0B7DCF0C-DA4E-47F5-B163-FA74422271B5}"/>
+          </ac:picMkLst>
+        </pc:picChg>
+      </pc:sldChg>
+      <pc:sldChg chg="modSp add del">
+        <pc:chgData name="kaihua tang" userId="22376ffad72c4b64" providerId="LiveId" clId="{CE9B0419-8561-4196-9FDB-B85F086EC084}" dt="2020-04-12T16:36:44.972" v="3445" actId="47"/>
+        <pc:sldMkLst>
+          <pc:docMk/>
+          <pc:sldMk cId="459292611" sldId="321"/>
+        </pc:sldMkLst>
+        <pc:spChg chg="mod">
+          <ac:chgData name="kaihua tang" userId="22376ffad72c4b64" providerId="LiveId" clId="{CE9B0419-8561-4196-9FDB-B85F086EC084}" dt="2020-04-12T16:36:20.299" v="3444"/>
+          <ac:spMkLst>
+            <pc:docMk/>
+            <pc:sldMk cId="459292611" sldId="321"/>
+            <ac:spMk id="2" creationId="{FE87A79F-F0CD-4926-A5AB-0887CC77B358}"/>
+          </ac:spMkLst>
+        </pc:spChg>
+      </pc:sldChg>
+      <pc:sldChg chg="addSp delSp modSp add modNotesTx">
+        <pc:chgData name="kaihua tang" userId="22376ffad72c4b64" providerId="LiveId" clId="{CE9B0419-8561-4196-9FDB-B85F086EC084}" dt="2020-04-14T15:00:05.893" v="20339" actId="20577"/>
+        <pc:sldMkLst>
+          <pc:docMk/>
+          <pc:sldMk cId="3345873716" sldId="321"/>
+        </pc:sldMkLst>
+        <pc:spChg chg="mod">
+          <ac:chgData name="kaihua tang" userId="22376ffad72c4b64" providerId="LiveId" clId="{CE9B0419-8561-4196-9FDB-B85F086EC084}" dt="2020-04-13T02:49:27.081" v="3998" actId="404"/>
+          <ac:spMkLst>
+            <pc:docMk/>
+            <pc:sldMk cId="3345873716" sldId="321"/>
+            <ac:spMk id="2" creationId="{4E41504E-2ADF-4001-8F2F-E5B876E0B93F}"/>
+          </ac:spMkLst>
+        </pc:spChg>
+        <pc:spChg chg="del">
+          <ac:chgData name="kaihua tang" userId="22376ffad72c4b64" providerId="LiveId" clId="{CE9B0419-8561-4196-9FDB-B85F086EC084}" dt="2020-04-13T02:52:14.975" v="4021" actId="478"/>
+          <ac:spMkLst>
+            <pc:docMk/>
+            <pc:sldMk cId="3345873716" sldId="321"/>
+            <ac:spMk id="3" creationId="{F67507ED-D67B-45E1-B892-1731DA53F48D}"/>
+          </ac:spMkLst>
+        </pc:spChg>
+        <pc:spChg chg="add del mod">
+          <ac:chgData name="kaihua tang" userId="22376ffad72c4b64" providerId="LiveId" clId="{CE9B0419-8561-4196-9FDB-B85F086EC084}" dt="2020-04-14T06:06:53.215" v="17187" actId="478"/>
+          <ac:spMkLst>
+            <pc:docMk/>
+            <pc:sldMk cId="3345873716" sldId="321"/>
+            <ac:spMk id="4" creationId="{20F65E99-2219-494B-A53D-AD4D851F1E17}"/>
+          </ac:spMkLst>
+        </pc:spChg>
+        <pc:spChg chg="add del mod">
+          <ac:chgData name="kaihua tang" userId="22376ffad72c4b64" providerId="LiveId" clId="{CE9B0419-8561-4196-9FDB-B85F086EC084}" dt="2020-04-14T06:06:53.215" v="17187" actId="478"/>
+          <ac:spMkLst>
+            <pc:docMk/>
+            <pc:sldMk cId="3345873716" sldId="321"/>
+            <ac:spMk id="5" creationId="{56C626A6-34E6-4268-8CEE-27CB03414670}"/>
+          </ac:spMkLst>
+        </pc:spChg>
+        <pc:spChg chg="add del mod">
+          <ac:chgData name="kaihua tang" userId="22376ffad72c4b64" providerId="LiveId" clId="{CE9B0419-8561-4196-9FDB-B85F086EC084}" dt="2020-04-14T06:06:53.215" v="17187" actId="478"/>
+          <ac:spMkLst>
+            <pc:docMk/>
+            <pc:sldMk cId="3345873716" sldId="321"/>
+            <ac:spMk id="6" creationId="{E79B164D-F6A4-4E2C-98C3-B4C40D79E135}"/>
+          </ac:spMkLst>
+        </pc:spChg>
+        <pc:spChg chg="add del mod">
+          <ac:chgData name="kaihua tang" userId="22376ffad72c4b64" providerId="LiveId" clId="{CE9B0419-8561-4196-9FDB-B85F086EC084}" dt="2020-04-14T06:06:53.215" v="17187" actId="478"/>
+          <ac:spMkLst>
+            <pc:docMk/>
+            <pc:sldMk cId="3345873716" sldId="321"/>
+            <ac:spMk id="7" creationId="{9196EA0E-A99F-41A0-B2BF-6652BEB1EED6}"/>
+          </ac:spMkLst>
+        </pc:spChg>
+        <pc:spChg chg="add del mod">
+          <ac:chgData name="kaihua tang" userId="22376ffad72c4b64" providerId="LiveId" clId="{CE9B0419-8561-4196-9FDB-B85F086EC084}" dt="2020-04-14T06:06:53.215" v="17187" actId="478"/>
+          <ac:spMkLst>
+            <pc:docMk/>
+            <pc:sldMk cId="3345873716" sldId="321"/>
+            <ac:spMk id="8" creationId="{9A772D0F-FB43-4CFF-A9AC-144C02B9C828}"/>
+          </ac:spMkLst>
+        </pc:spChg>
+        <pc:spChg chg="add del mod">
+          <ac:chgData name="kaihua tang" userId="22376ffad72c4b64" providerId="LiveId" clId="{CE9B0419-8561-4196-9FDB-B85F086EC084}" dt="2020-04-14T06:06:53.215" v="17187" actId="478"/>
+          <ac:spMkLst>
+            <pc:docMk/>
+            <pc:sldMk cId="3345873716" sldId="321"/>
+            <ac:spMk id="9" creationId="{962C3A87-6174-4A15-876C-4F1877C0C588}"/>
+          </ac:spMkLst>
+        </pc:spChg>
+        <pc:spChg chg="add del mod">
+          <ac:chgData name="kaihua tang" userId="22376ffad72c4b64" providerId="LiveId" clId="{CE9B0419-8561-4196-9FDB-B85F086EC084}" dt="2020-04-14T06:06:53.215" v="17187" actId="478"/>
+          <ac:spMkLst>
+            <pc:docMk/>
+            <pc:sldMk cId="3345873716" sldId="321"/>
+            <ac:spMk id="10" creationId="{EB8D058C-B8B2-4C6D-AA15-CB0AC7DF0527}"/>
+          </ac:spMkLst>
+        </pc:spChg>
+        <pc:spChg chg="add del mod">
+          <ac:chgData name="kaihua tang" userId="22376ffad72c4b64" providerId="LiveId" clId="{CE9B0419-8561-4196-9FDB-B85F086EC084}" dt="2020-04-14T06:06:53.215" v="17187" actId="478"/>
+          <ac:spMkLst>
+            <pc:docMk/>
+            <pc:sldMk cId="3345873716" sldId="321"/>
+            <ac:spMk id="11" creationId="{53E1FBCC-5B97-48BD-B404-EEC57C4FB35F}"/>
+          </ac:spMkLst>
+        </pc:spChg>
+        <pc:spChg chg="add del mod">
+          <ac:chgData name="kaihua tang" userId="22376ffad72c4b64" providerId="LiveId" clId="{CE9B0419-8561-4196-9FDB-B85F086EC084}" dt="2020-04-14T06:06:53.215" v="17187" actId="478"/>
+          <ac:spMkLst>
+            <pc:docMk/>
+            <pc:sldMk cId="3345873716" sldId="321"/>
+            <ac:spMk id="12" creationId="{A0278FF0-A64C-439F-BB12-1F8E1E526FF5}"/>
+          </ac:spMkLst>
+        </pc:spChg>
+        <pc:spChg chg="add del mod">
+          <ac:chgData name="kaihua tang" userId="22376ffad72c4b64" providerId="LiveId" clId="{CE9B0419-8561-4196-9FDB-B85F086EC084}" dt="2020-04-14T06:06:53.215" v="17187" actId="478"/>
+          <ac:spMkLst>
+            <pc:docMk/>
+            <pc:sldMk cId="3345873716" sldId="321"/>
+            <ac:spMk id="13" creationId="{B15DE757-786D-4A3D-8133-848228B458A9}"/>
+          </ac:spMkLst>
+        </pc:spChg>
+        <pc:spChg chg="add del mod">
+          <ac:chgData name="kaihua tang" userId="22376ffad72c4b64" providerId="LiveId" clId="{CE9B0419-8561-4196-9FDB-B85F086EC084}" dt="2020-04-14T06:06:53.215" v="17187" actId="478"/>
+          <ac:spMkLst>
+            <pc:docMk/>
+            <pc:sldMk cId="3345873716" sldId="321"/>
+            <ac:spMk id="14" creationId="{D56F4C47-3449-40EB-968C-3AE9428BCDB2}"/>
+          </ac:spMkLst>
+        </pc:spChg>
+        <pc:spChg chg="add del mod">
+          <ac:chgData name="kaihua tang" userId="22376ffad72c4b64" providerId="LiveId" clId="{CE9B0419-8561-4196-9FDB-B85F086EC084}" dt="2020-04-14T06:06:53.215" v="17187" actId="478"/>
+          <ac:spMkLst>
+            <pc:docMk/>
+            <pc:sldMk cId="3345873716" sldId="321"/>
+            <ac:spMk id="15" creationId="{FFE39770-5CAF-45B5-988C-568338F43C51}"/>
+          </ac:spMkLst>
+        </pc:spChg>
+        <pc:spChg chg="add del mod">
+          <ac:chgData name="kaihua tang" userId="22376ffad72c4b64" providerId="LiveId" clId="{CE9B0419-8561-4196-9FDB-B85F086EC084}" dt="2020-04-14T06:06:53.215" v="17187" actId="478"/>
+          <ac:spMkLst>
+            <pc:docMk/>
+            <pc:sldMk cId="3345873716" sldId="321"/>
+            <ac:spMk id="16" creationId="{40682EF7-301E-420A-8C66-86586822FA0B}"/>
+          </ac:spMkLst>
+        </pc:spChg>
+        <pc:spChg chg="add mod">
+          <ac:chgData name="kaihua tang" userId="22376ffad72c4b64" providerId="LiveId" clId="{CE9B0419-8561-4196-9FDB-B85F086EC084}" dt="2020-04-13T03:20:04.638" v="4396" actId="1037"/>
+          <ac:spMkLst>
+            <pc:docMk/>
+            <pc:sldMk cId="3345873716" sldId="321"/>
+            <ac:spMk id="17" creationId="{B5277FAC-6518-4677-A082-6E2561488D9A}"/>
+          </ac:spMkLst>
+        </pc:spChg>
+        <pc:spChg chg="add mod">
+          <ac:chgData name="kaihua tang" userId="22376ffad72c4b64" providerId="LiveId" clId="{CE9B0419-8561-4196-9FDB-B85F086EC084}" dt="2020-04-14T06:08:59.992" v="17260" actId="1038"/>
+          <ac:spMkLst>
+            <pc:docMk/>
+            <pc:sldMk cId="3345873716" sldId="321"/>
+            <ac:spMk id="18" creationId="{AA99FA11-81C2-4211-8F64-EAAF284EE6B5}"/>
+          </ac:spMkLst>
+        </pc:spChg>
+        <pc:spChg chg="add mod">
+          <ac:chgData name="kaihua tang" userId="22376ffad72c4b64" providerId="LiveId" clId="{CE9B0419-8561-4196-9FDB-B85F086EC084}" dt="2020-04-14T06:08:59.992" v="17260" actId="1038"/>
+          <ac:spMkLst>
+            <pc:docMk/>
+            <pc:sldMk cId="3345873716" sldId="321"/>
+            <ac:spMk id="19" creationId="{4573C209-316B-4DAA-B1A3-755F86CBDB9A}"/>
+          </ac:spMkLst>
+        </pc:spChg>
+        <pc:spChg chg="add mod">
+          <ac:chgData name="kaihua tang" userId="22376ffad72c4b64" providerId="LiveId" clId="{CE9B0419-8561-4196-9FDB-B85F086EC084}" dt="2020-04-14T06:08:59.992" v="17260" actId="1038"/>
+          <ac:spMkLst>
+            <pc:docMk/>
+            <pc:sldMk cId="3345873716" sldId="321"/>
+            <ac:spMk id="20" creationId="{EA4ED566-F085-48D1-8979-0717EDB2792E}"/>
+          </ac:spMkLst>
+        </pc:spChg>
+        <pc:spChg chg="add mod">
+          <ac:chgData name="kaihua tang" userId="22376ffad72c4b64" providerId="LiveId" clId="{CE9B0419-8561-4196-9FDB-B85F086EC084}" dt="2020-04-14T06:08:59.992" v="17260" actId="1038"/>
+          <ac:spMkLst>
+            <pc:docMk/>
+            <pc:sldMk cId="3345873716" sldId="321"/>
+            <ac:spMk id="21" creationId="{C1D57207-6D98-4A29-BFC2-F4ED1AC974CC}"/>
+          </ac:spMkLst>
+        </pc:spChg>
+        <pc:spChg chg="add mod">
+          <ac:chgData name="kaihua tang" userId="22376ffad72c4b64" providerId="LiveId" clId="{CE9B0419-8561-4196-9FDB-B85F086EC084}" dt="2020-04-14T06:08:59.992" v="17260" actId="1038"/>
+          <ac:spMkLst>
+            <pc:docMk/>
+            <pc:sldMk cId="3345873716" sldId="321"/>
+            <ac:spMk id="22" creationId="{6E051024-64E6-45F7-9AE2-2A26C1ACD5FF}"/>
+          </ac:spMkLst>
+        </pc:spChg>
+        <pc:spChg chg="add mod">
+          <ac:chgData name="kaihua tang" userId="22376ffad72c4b64" providerId="LiveId" clId="{CE9B0419-8561-4196-9FDB-B85F086EC084}" dt="2020-04-14T06:08:59.992" v="17260" actId="1038"/>
+          <ac:spMkLst>
+            <pc:docMk/>
+            <pc:sldMk cId="3345873716" sldId="321"/>
+            <ac:spMk id="23" creationId="{A231B386-3B66-487B-A80D-7108EACD2DFD}"/>
+          </ac:spMkLst>
+        </pc:spChg>
+        <pc:spChg chg="add mod">
+          <ac:chgData name="kaihua tang" userId="22376ffad72c4b64" providerId="LiveId" clId="{CE9B0419-8561-4196-9FDB-B85F086EC084}" dt="2020-04-14T06:08:59.992" v="17260" actId="1038"/>
+          <ac:spMkLst>
+            <pc:docMk/>
+            <pc:sldMk cId="3345873716" sldId="321"/>
+            <ac:spMk id="24" creationId="{76A4E8A5-1CD9-48F1-9D0F-BF28CDE7E8F5}"/>
+          </ac:spMkLst>
+        </pc:spChg>
+        <pc:spChg chg="add mod">
+          <ac:chgData name="kaihua tang" userId="22376ffad72c4b64" providerId="LiveId" clId="{CE9B0419-8561-4196-9FDB-B85F086EC084}" dt="2020-04-14T06:08:59.992" v="17260" actId="1038"/>
+          <ac:spMkLst>
+            <pc:docMk/>
+            <pc:sldMk cId="3345873716" sldId="321"/>
+            <ac:spMk id="25" creationId="{7E06C514-103B-44B1-BD6D-7BD92C9DC94C}"/>
+          </ac:spMkLst>
+        </pc:spChg>
+        <pc:spChg chg="add mod">
+          <ac:chgData name="kaihua tang" userId="22376ffad72c4b64" providerId="LiveId" clId="{CE9B0419-8561-4196-9FDB-B85F086EC084}" dt="2020-04-14T06:10:07.146" v="17261" actId="207"/>
+          <ac:spMkLst>
+            <pc:docMk/>
+            <pc:sldMk cId="3345873716" sldId="321"/>
+            <ac:spMk id="26" creationId="{05845DD5-390F-4A47-BA9F-20502D29C305}"/>
+          </ac:spMkLst>
+        </pc:spChg>
+        <pc:spChg chg="add mod">
+          <ac:chgData name="kaihua tang" userId="22376ffad72c4b64" providerId="LiveId" clId="{CE9B0419-8561-4196-9FDB-B85F086EC084}" dt="2020-04-14T06:08:59.992" v="17260" actId="1038"/>
+          <ac:spMkLst>
+            <pc:docMk/>
+            <pc:sldMk cId="3345873716" sldId="321"/>
+            <ac:spMk id="27" creationId="{2587B740-2508-48AA-801D-837B634598EB}"/>
+          </ac:spMkLst>
+        </pc:spChg>
+        <pc:spChg chg="add mod">
+          <ac:chgData name="kaihua tang" userId="22376ffad72c4b64" providerId="LiveId" clId="{CE9B0419-8561-4196-9FDB-B85F086EC084}" dt="2020-04-14T06:08:59.992" v="17260" actId="1038"/>
+          <ac:spMkLst>
+            <pc:docMk/>
+            <pc:sldMk cId="3345873716" sldId="321"/>
+            <ac:spMk id="28" creationId="{59E2A39A-2979-43EF-BDAA-2D48E2B187A2}"/>
+          </ac:spMkLst>
+        </pc:spChg>
+        <pc:spChg chg="add mod">
+          <ac:chgData name="kaihua tang" userId="22376ffad72c4b64" providerId="LiveId" clId="{CE9B0419-8561-4196-9FDB-B85F086EC084}" dt="2020-04-14T06:08:59.992" v="17260" actId="1038"/>
+          <ac:spMkLst>
+            <pc:docMk/>
+            <pc:sldMk cId="3345873716" sldId="321"/>
+            <ac:spMk id="29" creationId="{8A78FD74-7148-4E1E-82CE-95F3AF818E98}"/>
+          </ac:spMkLst>
+        </pc:spChg>
+        <pc:spChg chg="add mod">
+          <ac:chgData name="kaihua tang" userId="22376ffad72c4b64" providerId="LiveId" clId="{CE9B0419-8561-4196-9FDB-B85F086EC084}" dt="2020-04-14T06:08:30.574" v="17220" actId="1076"/>
+          <ac:spMkLst>
+            <pc:docMk/>
+            <pc:sldMk cId="3345873716" sldId="321"/>
+            <ac:spMk id="31" creationId="{4D01DC14-0C37-48F3-AED7-71004AFE3E2C}"/>
+          </ac:spMkLst>
+        </pc:spChg>
+        <pc:spChg chg="add mod">
+          <ac:chgData name="kaihua tang" userId="22376ffad72c4b64" providerId="LiveId" clId="{CE9B0419-8561-4196-9FDB-B85F086EC084}" dt="2020-04-14T06:08:49.679" v="17230" actId="20577"/>
+          <ac:spMkLst>
+            <pc:docMk/>
+            <pc:sldMk cId="3345873716" sldId="321"/>
+            <ac:spMk id="32" creationId="{E9A41BA1-DA3E-44B2-9E79-B0ABC3B635DF}"/>
+          </ac:spMkLst>
+        </pc:spChg>
+        <pc:picChg chg="add mod">
+          <ac:chgData name="kaihua tang" userId="22376ffad72c4b64" providerId="LiveId" clId="{CE9B0419-8561-4196-9FDB-B85F086EC084}" dt="2020-04-14T06:08:04.926" v="17201" actId="1076"/>
+          <ac:picMkLst>
+            <pc:docMk/>
+            <pc:sldMk cId="3345873716" sldId="321"/>
+            <ac:picMk id="3" creationId="{EA847615-1E0B-4EC4-BFF3-CDDD177EFB59}"/>
+          </ac:picMkLst>
+        </pc:picChg>
+        <pc:picChg chg="add mod">
+          <ac:chgData name="kaihua tang" userId="22376ffad72c4b64" providerId="LiveId" clId="{CE9B0419-8561-4196-9FDB-B85F086EC084}" dt="2020-04-14T06:08:07.135" v="17202" actId="1076"/>
+          <ac:picMkLst>
+            <pc:docMk/>
+            <pc:sldMk cId="3345873716" sldId="321"/>
+            <ac:picMk id="30" creationId="{DD678ABD-B384-4A04-A35B-0F5EE9A893BA}"/>
+          </ac:picMkLst>
+        </pc:picChg>
+      </pc:sldChg>
+      <pc:sldChg chg="modSp add modNotesTx">
+        <pc:chgData name="kaihua tang" userId="22376ffad72c4b64" providerId="LiveId" clId="{CE9B0419-8561-4196-9FDB-B85F086EC084}" dt="2020-04-14T14:02:59.493" v="18549" actId="20577"/>
+        <pc:sldMkLst>
+          <pc:docMk/>
+          <pc:sldMk cId="4164155946" sldId="322"/>
+        </pc:sldMkLst>
+        <pc:spChg chg="mod">
+          <ac:chgData name="kaihua tang" userId="22376ffad72c4b64" providerId="LiveId" clId="{CE9B0419-8561-4196-9FDB-B85F086EC084}" dt="2020-04-14T14:02:34.813" v="18514" actId="20577"/>
+          <ac:spMkLst>
+            <pc:docMk/>
+            <pc:sldMk cId="4164155946" sldId="322"/>
+            <ac:spMk id="3" creationId="{D86AC0E6-91D3-4E2C-BAE7-1FC17922CA5A}"/>
+          </ac:spMkLst>
+        </pc:spChg>
+      </pc:sldChg>
+      <pc:sldChg chg="modSp add modNotesTx">
+        <pc:chgData name="kaihua tang" userId="22376ffad72c4b64" providerId="LiveId" clId="{CE9B0419-8561-4196-9FDB-B85F086EC084}" dt="2020-04-14T14:04:00.526" v="18569" actId="20577"/>
+        <pc:sldMkLst>
+          <pc:docMk/>
+          <pc:sldMk cId="3211732115" sldId="323"/>
+        </pc:sldMkLst>
+        <pc:spChg chg="mod">
+          <ac:chgData name="kaihua tang" userId="22376ffad72c4b64" providerId="LiveId" clId="{CE9B0419-8561-4196-9FDB-B85F086EC084}" dt="2020-04-14T14:03:50.390" v="18567" actId="20577"/>
+          <ac:spMkLst>
+            <pc:docMk/>
+            <pc:sldMk cId="3211732115" sldId="323"/>
+            <ac:spMk id="3" creationId="{D86AC0E6-91D3-4E2C-BAE7-1FC17922CA5A}"/>
+          </ac:spMkLst>
+        </pc:spChg>
+      </pc:sldChg>
+      <pc:sldChg chg="modSp add modNotesTx">
+        <pc:chgData name="kaihua tang" userId="22376ffad72c4b64" providerId="LiveId" clId="{CE9B0419-8561-4196-9FDB-B85F086EC084}" dt="2020-04-14T14:07:58.597" v="18698" actId="20577"/>
+        <pc:sldMkLst>
+          <pc:docMk/>
+          <pc:sldMk cId="3569790183" sldId="324"/>
+        </pc:sldMkLst>
+        <pc:spChg chg="mod">
+          <ac:chgData name="kaihua tang" userId="22376ffad72c4b64" providerId="LiveId" clId="{CE9B0419-8561-4196-9FDB-B85F086EC084}" dt="2020-04-14T14:07:58.597" v="18698" actId="20577"/>
+          <ac:spMkLst>
+            <pc:docMk/>
+            <pc:sldMk cId="3569790183" sldId="324"/>
+            <ac:spMk id="3" creationId="{D86AC0E6-91D3-4E2C-BAE7-1FC17922CA5A}"/>
+          </ac:spMkLst>
+        </pc:spChg>
+      </pc:sldChg>
+      <pc:sldChg chg="modSp add modNotesTx">
+        <pc:chgData name="kaihua tang" userId="22376ffad72c4b64" providerId="LiveId" clId="{CE9B0419-8561-4196-9FDB-B85F086EC084}" dt="2020-04-14T14:09:42.293" v="18707" actId="20577"/>
+        <pc:sldMkLst>
+          <pc:docMk/>
+          <pc:sldMk cId="4126836907" sldId="325"/>
+        </pc:sldMkLst>
+        <pc:spChg chg="mod">
+          <ac:chgData name="kaihua tang" userId="22376ffad72c4b64" providerId="LiveId" clId="{CE9B0419-8561-4196-9FDB-B85F086EC084}" dt="2020-04-14T14:09:42.293" v="18707" actId="20577"/>
+          <ac:spMkLst>
+            <pc:docMk/>
+            <pc:sldMk cId="4126836907" sldId="325"/>
+            <ac:spMk id="3" creationId="{D86AC0E6-91D3-4E2C-BAE7-1FC17922CA5A}"/>
+          </ac:spMkLst>
+        </pc:spChg>
+      </pc:sldChg>
+      <pc:sldChg chg="modSp add modNotesTx">
+        <pc:chgData name="kaihua tang" userId="22376ffad72c4b64" providerId="LiveId" clId="{CE9B0419-8561-4196-9FDB-B85F086EC084}" dt="2020-04-14T14:09:52.406" v="18716" actId="20577"/>
+        <pc:sldMkLst>
+          <pc:docMk/>
+          <pc:sldMk cId="2963477027" sldId="326"/>
+        </pc:sldMkLst>
+        <pc:spChg chg="mod">
+          <ac:chgData name="kaihua tang" userId="22376ffad72c4b64" providerId="LiveId" clId="{CE9B0419-8561-4196-9FDB-B85F086EC084}" dt="2020-04-14T14:09:52.406" v="18716" actId="20577"/>
+          <ac:spMkLst>
+            <pc:docMk/>
+            <pc:sldMk cId="2963477027" sldId="326"/>
+            <ac:spMk id="3" creationId="{D86AC0E6-91D3-4E2C-BAE7-1FC17922CA5A}"/>
+          </ac:spMkLst>
+        </pc:spChg>
+      </pc:sldChg>
+      <pc:sldChg chg="modSp add modNotesTx">
+        <pc:chgData name="kaihua tang" userId="22376ffad72c4b64" providerId="LiveId" clId="{CE9B0419-8561-4196-9FDB-B85F086EC084}" dt="2020-04-14T14:14:44.790" v="18754" actId="20577"/>
+        <pc:sldMkLst>
+          <pc:docMk/>
+          <pc:sldMk cId="1236483967" sldId="327"/>
+        </pc:sldMkLst>
+        <pc:spChg chg="mod">
+          <ac:chgData name="kaihua tang" userId="22376ffad72c4b64" providerId="LiveId" clId="{CE9B0419-8561-4196-9FDB-B85F086EC084}" dt="2020-04-14T14:14:44.790" v="18754" actId="20577"/>
+          <ac:spMkLst>
+            <pc:docMk/>
+            <pc:sldMk cId="1236483967" sldId="327"/>
+            <ac:spMk id="3" creationId="{D86AC0E6-91D3-4E2C-BAE7-1FC17922CA5A}"/>
+          </ac:spMkLst>
+        </pc:spChg>
+      </pc:sldChg>
+      <pc:sldChg chg="add del">
+        <pc:chgData name="kaihua tang" userId="22376ffad72c4b64" providerId="LiveId" clId="{CE9B0419-8561-4196-9FDB-B85F086EC084}" dt="2020-04-13T03:23:31.546" v="4440" actId="47"/>
+        <pc:sldMkLst>
+          <pc:docMk/>
+          <pc:sldMk cId="1143352253" sldId="328"/>
+        </pc:sldMkLst>
+      </pc:sldChg>
+      <pc:sldChg chg="addSp delSp modSp add modAnim modNotesTx">
+        <pc:chgData name="kaihua tang" userId="22376ffad72c4b64" providerId="LiveId" clId="{CE9B0419-8561-4196-9FDB-B85F086EC084}" dt="2020-04-14T14:24:17.973" v="19143" actId="20577"/>
+        <pc:sldMkLst>
+          <pc:docMk/>
+          <pc:sldMk cId="1756973237" sldId="328"/>
+        </pc:sldMkLst>
+        <pc:spChg chg="mod">
+          <ac:chgData name="kaihua tang" userId="22376ffad72c4b64" providerId="LiveId" clId="{CE9B0419-8561-4196-9FDB-B85F086EC084}" dt="2020-04-13T13:34:03.151" v="6272" actId="20577"/>
+          <ac:spMkLst>
+            <pc:docMk/>
+            <pc:sldMk cId="1756973237" sldId="328"/>
+            <ac:spMk id="2" creationId="{C19866F1-74AF-4E16-8198-08831C81B0A6}"/>
+          </ac:spMkLst>
+        </pc:spChg>
+        <pc:spChg chg="del mod">
+          <ac:chgData name="kaihua tang" userId="22376ffad72c4b64" providerId="LiveId" clId="{CE9B0419-8561-4196-9FDB-B85F086EC084}" dt="2020-04-13T13:36:21.610" v="6335" actId="478"/>
+          <ac:spMkLst>
+            <pc:docMk/>
+            <pc:sldMk cId="1756973237" sldId="328"/>
+            <ac:spMk id="3" creationId="{500438E5-AEF8-423D-AFF5-0C533BFB2215}"/>
+          </ac:spMkLst>
+        </pc:spChg>
+        <pc:spChg chg="add del mod">
+          <ac:chgData name="kaihua tang" userId="22376ffad72c4b64" providerId="LiveId" clId="{CE9B0419-8561-4196-9FDB-B85F086EC084}" dt="2020-04-14T05:17:18.498" v="16048"/>
+          <ac:spMkLst>
+            <pc:docMk/>
+            <pc:sldMk cId="1756973237" sldId="328"/>
+            <ac:spMk id="3" creationId="{58BCFB19-051F-41A4-AB5F-229ECF7C3A40}"/>
+          </ac:spMkLst>
+        </pc:spChg>
+        <pc:spChg chg="add mod">
+          <ac:chgData name="kaihua tang" userId="22376ffad72c4b64" providerId="LiveId" clId="{CE9B0419-8561-4196-9FDB-B85F086EC084}" dt="2020-04-13T13:37:51.774" v="6386" actId="1036"/>
+          <ac:spMkLst>
+            <pc:docMk/>
+            <pc:sldMk cId="1756973237" sldId="328"/>
+            <ac:spMk id="4" creationId="{CAF9CE4D-3824-44D3-9294-DC3239A5EC91}"/>
+          </ac:spMkLst>
+        </pc:spChg>
+        <pc:spChg chg="add mod">
+          <ac:chgData name="kaihua tang" userId="22376ffad72c4b64" providerId="LiveId" clId="{CE9B0419-8561-4196-9FDB-B85F086EC084}" dt="2020-04-13T13:37:51.774" v="6386" actId="1036"/>
+          <ac:spMkLst>
+            <pc:docMk/>
+            <pc:sldMk cId="1756973237" sldId="328"/>
+            <ac:spMk id="5" creationId="{7A427B0E-76C4-4DDA-BFA5-65D034E7EDFF}"/>
+          </ac:spMkLst>
+        </pc:spChg>
+        <pc:spChg chg="add mod">
+          <ac:chgData name="kaihua tang" userId="22376ffad72c4b64" providerId="LiveId" clId="{CE9B0419-8561-4196-9FDB-B85F086EC084}" dt="2020-04-13T13:37:51.774" v="6386" actId="1036"/>
+          <ac:spMkLst>
+            <pc:docMk/>
+            <pc:sldMk cId="1756973237" sldId="328"/>
+            <ac:spMk id="6" creationId="{C8CE20FD-1B90-476A-A084-94C4146C6282}"/>
+          </ac:spMkLst>
+        </pc:spChg>
+        <pc:spChg chg="add mod">
+          <ac:chgData name="kaihua tang" userId="22376ffad72c4b64" providerId="LiveId" clId="{CE9B0419-8561-4196-9FDB-B85F086EC084}" dt="2020-04-14T14:07:49.974" v="18689" actId="20577"/>
+          <ac:spMkLst>
+            <pc:docMk/>
+            <pc:sldMk cId="1756973237" sldId="328"/>
+            <ac:spMk id="7" creationId="{ED6CA93E-C2A7-4DEC-9DD2-A82D1602BDAF}"/>
+          </ac:spMkLst>
+        </pc:spChg>
+        <pc:spChg chg="add del mod">
+          <ac:chgData name="kaihua tang" userId="22376ffad72c4b64" providerId="LiveId" clId="{CE9B0419-8561-4196-9FDB-B85F086EC084}" dt="2020-04-13T13:37:19.930" v="6348" actId="11529"/>
+          <ac:spMkLst>
+            <pc:docMk/>
+            <pc:sldMk cId="1756973237" sldId="328"/>
+            <ac:spMk id="8" creationId="{2C941A8B-2630-43A0-BB27-E50B0F7895B2}"/>
+          </ac:spMkLst>
+        </pc:spChg>
+        <pc:spChg chg="add mod">
+          <ac:chgData name="kaihua tang" userId="22376ffad72c4b64" providerId="LiveId" clId="{CE9B0419-8561-4196-9FDB-B85F086EC084}" dt="2020-04-14T05:17:08.050" v="16045" actId="1076"/>
+          <ac:spMkLst>
+            <pc:docMk/>
+            <pc:sldMk cId="1756973237" sldId="328"/>
+            <ac:spMk id="8" creationId="{6B2B96F2-8119-47B9-916B-400D50B3448D}"/>
+          </ac:spMkLst>
+        </pc:spChg>
+        <pc:spChg chg="add mod">
+          <ac:chgData name="kaihua tang" userId="22376ffad72c4b64" providerId="LiveId" clId="{CE9B0419-8561-4196-9FDB-B85F086EC084}" dt="2020-04-13T13:37:51.774" v="6386" actId="1036"/>
+          <ac:spMkLst>
+            <pc:docMk/>
+            <pc:sldMk cId="1756973237" sldId="328"/>
+            <ac:spMk id="9" creationId="{DD22FE32-3569-4D20-B000-747731D53EEA}"/>
+          </ac:spMkLst>
+        </pc:spChg>
+        <pc:spChg chg="add mod">
+          <ac:chgData name="kaihua tang" userId="22376ffad72c4b64" providerId="LiveId" clId="{CE9B0419-8561-4196-9FDB-B85F086EC084}" dt="2020-04-13T13:37:51.774" v="6386" actId="1036"/>
+          <ac:spMkLst>
+            <pc:docMk/>
+            <pc:sldMk cId="1756973237" sldId="328"/>
+            <ac:spMk id="10" creationId="{5EA95255-E66D-45EE-A280-DB21D238D4C4}"/>
+          </ac:spMkLst>
+        </pc:spChg>
+      </pc:sldChg>
+      <pc:sldChg chg="modSp add modNotesTx">
+        <pc:chgData name="kaihua tang" userId="22376ffad72c4b64" providerId="LiveId" clId="{CE9B0419-8561-4196-9FDB-B85F086EC084}" dt="2020-04-14T14:27:34.237" v="19472" actId="20577"/>
+        <pc:sldMkLst>
+          <pc:docMk/>
+          <pc:sldMk cId="674036432" sldId="329"/>
+        </pc:sldMkLst>
+        <pc:spChg chg="mod">
+          <ac:chgData name="kaihua tang" userId="22376ffad72c4b64" providerId="LiveId" clId="{CE9B0419-8561-4196-9FDB-B85F086EC084}" dt="2020-04-13T14:23:18.769" v="7800" actId="404"/>
+          <ac:spMkLst>
+            <pc:docMk/>
+            <pc:sldMk cId="674036432" sldId="329"/>
+            <ac:spMk id="2" creationId="{CB502ABA-D8C0-4380-9D6E-80943C72FEF4}"/>
+          </ac:spMkLst>
+        </pc:spChg>
+        <pc:spChg chg="mod">
+          <ac:chgData name="kaihua tang" userId="22376ffad72c4b64" providerId="LiveId" clId="{CE9B0419-8561-4196-9FDB-B85F086EC084}" dt="2020-04-14T05:20:44.208" v="16128" actId="20577"/>
+          <ac:spMkLst>
+            <pc:docMk/>
+            <pc:sldMk cId="674036432" sldId="329"/>
+            <ac:spMk id="3" creationId="{0A51D9CB-F4FE-47DC-ACED-0D0108F42E4C}"/>
+          </ac:spMkLst>
+        </pc:spChg>
+      </pc:sldChg>
+      <pc:sldMasterChg chg="modSldLayout">
+        <pc:chgData name="kaihua tang" userId="22376ffad72c4b64" providerId="LiveId" clId="{CE9B0419-8561-4196-9FDB-B85F086EC084}" dt="2020-04-12T12:25:07.237" v="2618"/>
+        <pc:sldMasterMkLst>
+          <pc:docMk/>
+          <pc:sldMasterMk cId="3632467626" sldId="2147483648"/>
+        </pc:sldMasterMkLst>
+        <pc:sldLayoutChg chg="addSp delSp">
+          <pc:chgData name="kaihua tang" userId="22376ffad72c4b64" providerId="LiveId" clId="{CE9B0419-8561-4196-9FDB-B85F086EC084}" dt="2020-04-12T12:25:03.949" v="2616"/>
+          <pc:sldLayoutMkLst>
+            <pc:docMk/>
+            <pc:sldMasterMk cId="3632467626" sldId="2147483648"/>
+            <pc:sldLayoutMk cId="298551546" sldId="2147483650"/>
+          </pc:sldLayoutMkLst>
+          <pc:cxnChg chg="add del">
+            <ac:chgData name="kaihua tang" userId="22376ffad72c4b64" providerId="LiveId" clId="{CE9B0419-8561-4196-9FDB-B85F086EC084}" dt="2020-04-12T12:24:18.376" v="2571" actId="478"/>
+            <ac:cxnSpMkLst>
+              <pc:docMk/>
+              <pc:sldMasterMk cId="3632467626" sldId="2147483648"/>
+              <pc:sldLayoutMk cId="298551546" sldId="2147483650"/>
+              <ac:cxnSpMk id="10" creationId="{9DC000FB-2B34-49B2-8714-9EA438AA2173}"/>
+            </ac:cxnSpMkLst>
+          </pc:cxnChg>
+          <pc:cxnChg chg="add del">
+            <ac:chgData name="kaihua tang" userId="22376ffad72c4b64" providerId="LiveId" clId="{CE9B0419-8561-4196-9FDB-B85F086EC084}" dt="2020-04-12T12:25:03.753" v="2615" actId="478"/>
+            <ac:cxnSpMkLst>
+              <pc:docMk/>
+              <pc:sldMasterMk cId="3632467626" sldId="2147483648"/>
+              <pc:sldLayoutMk cId="298551546" sldId="2147483650"/>
+              <ac:cxnSpMk id="11" creationId="{A954107C-1E5A-4E9C-B81C-04DEC4F2743B}"/>
+            </ac:cxnSpMkLst>
+          </pc:cxnChg>
+          <pc:cxnChg chg="add">
+            <ac:chgData name="kaihua tang" userId="22376ffad72c4b64" providerId="LiveId" clId="{CE9B0419-8561-4196-9FDB-B85F086EC084}" dt="2020-04-12T12:25:03.949" v="2616"/>
+            <ac:cxnSpMkLst>
+              <pc:docMk/>
+              <pc:sldMasterMk cId="3632467626" sldId="2147483648"/>
+              <pc:sldLayoutMk cId="298551546" sldId="2147483650"/>
+              <ac:cxnSpMk id="12" creationId="{C3A7323C-CD7D-414A-9B6A-760A1ECD6A96}"/>
+            </ac:cxnSpMkLst>
+          </pc:cxnChg>
+        </pc:sldLayoutChg>
+        <pc:sldLayoutChg chg="addSp delSp">
+          <pc:chgData name="kaihua tang" userId="22376ffad72c4b64" providerId="LiveId" clId="{CE9B0419-8561-4196-9FDB-B85F086EC084}" dt="2020-04-12T12:25:07.237" v="2618"/>
+          <pc:sldLayoutMkLst>
+            <pc:docMk/>
+            <pc:sldMasterMk cId="3632467626" sldId="2147483648"/>
+            <pc:sldLayoutMk cId="3211848148" sldId="2147483652"/>
+          </pc:sldLayoutMkLst>
+          <pc:cxnChg chg="add del">
+            <ac:chgData name="kaihua tang" userId="22376ffad72c4b64" providerId="LiveId" clId="{CE9B0419-8561-4196-9FDB-B85F086EC084}" dt="2020-04-12T12:24:21.769" v="2573" actId="478"/>
+            <ac:cxnSpMkLst>
+              <pc:docMk/>
+              <pc:sldMasterMk cId="3632467626" sldId="2147483648"/>
+              <pc:sldLayoutMk cId="3211848148" sldId="2147483652"/>
+              <ac:cxnSpMk id="10" creationId="{E960C411-27AE-45B9-8B5C-5E11D329F500}"/>
+            </ac:cxnSpMkLst>
+          </pc:cxnChg>
+          <pc:cxnChg chg="add del">
+            <ac:chgData name="kaihua tang" userId="22376ffad72c4b64" providerId="LiveId" clId="{CE9B0419-8561-4196-9FDB-B85F086EC084}" dt="2020-04-12T12:25:06.953" v="2617" actId="478"/>
+            <ac:cxnSpMkLst>
+              <pc:docMk/>
+              <pc:sldMasterMk cId="3632467626" sldId="2147483648"/>
+              <pc:sldLayoutMk cId="3211848148" sldId="2147483652"/>
+              <ac:cxnSpMk id="11" creationId="{FB9003F1-8C69-425F-9723-1CBC886B5F5C}"/>
+            </ac:cxnSpMkLst>
+          </pc:cxnChg>
+          <pc:cxnChg chg="add">
+            <ac:chgData name="kaihua tang" userId="22376ffad72c4b64" providerId="LiveId" clId="{CE9B0419-8561-4196-9FDB-B85F086EC084}" dt="2020-04-12T12:25:07.237" v="2618"/>
+            <ac:cxnSpMkLst>
+              <pc:docMk/>
+              <pc:sldMasterMk cId="3632467626" sldId="2147483648"/>
+              <pc:sldLayoutMk cId="3211848148" sldId="2147483652"/>
+              <ac:cxnSpMk id="12" creationId="{69D1EBDE-D827-49D0-A682-4C35910AD038}"/>
+            </ac:cxnSpMkLst>
+          </pc:cxnChg>
+        </pc:sldLayoutChg>
+        <pc:sldLayoutChg chg="addSp modSp">
+          <pc:chgData name="kaihua tang" userId="22376ffad72c4b64" providerId="LiveId" clId="{CE9B0419-8561-4196-9FDB-B85F086EC084}" dt="2020-04-12T12:24:59.785" v="2614" actId="1035"/>
+          <pc:sldLayoutMkLst>
+            <pc:docMk/>
+            <pc:sldMasterMk cId="3632467626" sldId="2147483648"/>
+            <pc:sldLayoutMk cId="1780902756" sldId="2147483653"/>
+          </pc:sldLayoutMkLst>
+          <pc:spChg chg="mod">
+            <ac:chgData name="kaihua tang" userId="22376ffad72c4b64" providerId="LiveId" clId="{CE9B0419-8561-4196-9FDB-B85F086EC084}" dt="2020-04-12T12:24:51.241" v="2591" actId="20577"/>
+            <ac:spMkLst>
+              <pc:docMk/>
+              <pc:sldMasterMk cId="3632467626" sldId="2147483648"/>
+              <pc:sldLayoutMk cId="1780902756" sldId="2147483653"/>
+              <ac:spMk id="2" creationId="{64331DF7-8CF8-42F3-ACFD-B3756D50117F}"/>
+            </ac:spMkLst>
+          </pc:spChg>
+          <pc:cxnChg chg="add mod">
+            <ac:chgData name="kaihua tang" userId="22376ffad72c4b64" providerId="LiveId" clId="{CE9B0419-8561-4196-9FDB-B85F086EC084}" dt="2020-04-12T12:24:59.785" v="2614" actId="1035"/>
+            <ac:cxnSpMkLst>
+              <pc:docMk/>
+              <pc:sldMasterMk cId="3632467626" sldId="2147483648"/>
+              <pc:sldLayoutMk cId="1780902756" sldId="2147483653"/>
+              <ac:cxnSpMk id="10" creationId="{A045FB28-9458-4138-95A2-10262DAC7404}"/>
+            </ac:cxnSpMkLst>
+          </pc:cxnChg>
+        </pc:sldLayoutChg>
+      </pc:sldMasterChg>
     </pc:docChg>
   </pc:docChgLst>
 </pc:chgInfo>
@@ -6990,7 +6990,7 @@
           <a:p>
             <a:fld id="{F47793D6-5F4D-43E0-8427-47F61C759DBC}" type="datetimeFigureOut">
               <a:rPr lang="zh-CN" altLang="en-US" smtClean="0"/>
-              <a:t>2020/10/20</a:t>
+              <a:t>2020/12/21</a:t>
             </a:fld>
             <a:endParaRPr lang="zh-CN" altLang="en-US"/>
           </a:p>
@@ -7167,7 +7167,7 @@
           <a:p>
             <a:fld id="{24398AFC-FB8F-488D-993F-0FE78FD61E84}" type="datetimeFigureOut">
               <a:rPr lang="zh-CN" altLang="en-US" smtClean="0"/>
-              <a:t>2020/10/20</a:t>
+              <a:t>2020/12/21</a:t>
             </a:fld>
             <a:endParaRPr lang="zh-CN" altLang="en-US"/>
           </a:p>
@@ -9002,7 +9002,7 @@
           <a:p>
             <a:fld id="{D448101C-F29A-455A-B28B-711B0C114954}" type="datetimeFigureOut">
               <a:rPr lang="zh-CN" altLang="en-US" smtClean="0"/>
-              <a:t>2020/10/20</a:t>
+              <a:t>2020/12/21</a:t>
             </a:fld>
             <a:endParaRPr lang="zh-CN" altLang="en-US" dirty="0"/>
           </a:p>
@@ -9299,7 +9299,7 @@
           <a:p>
             <a:fld id="{D448101C-F29A-455A-B28B-711B0C114954}" type="datetimeFigureOut">
               <a:rPr lang="zh-CN" altLang="en-US" smtClean="0"/>
-              <a:t>2020/10/20</a:t>
+              <a:t>2020/12/21</a:t>
             </a:fld>
             <a:endParaRPr lang="zh-CN" altLang="en-US"/>
           </a:p>
@@ -9674,7 +9674,7 @@
           <a:p>
             <a:fld id="{D448101C-F29A-455A-B28B-711B0C114954}" type="datetimeFigureOut">
               <a:rPr lang="zh-CN" altLang="en-US" smtClean="0"/>
-              <a:t>2020/10/20</a:t>
+              <a:t>2020/12/21</a:t>
             </a:fld>
             <a:endParaRPr lang="zh-CN" altLang="en-US"/>
           </a:p>
@@ -10049,7 +10049,7 @@
           <a:p>
             <a:fld id="{D448101C-F29A-455A-B28B-711B0C114954}" type="datetimeFigureOut">
               <a:rPr lang="zh-CN" altLang="en-US" smtClean="0"/>
-              <a:t>2020/10/20</a:t>
+              <a:t>2020/12/21</a:t>
             </a:fld>
             <a:endParaRPr lang="zh-CN" altLang="en-US"/>
           </a:p>
@@ -10393,7 +10393,7 @@
           <a:p>
             <a:fld id="{D448101C-F29A-455A-B28B-711B0C114954}" type="datetimeFigureOut">
               <a:rPr lang="zh-CN" altLang="en-US" smtClean="0"/>
-              <a:t>2020/10/20</a:t>
+              <a:t>2020/12/21</a:t>
             </a:fld>
             <a:endParaRPr lang="zh-CN" altLang="en-US"/>
           </a:p>
@@ -10764,7 +10764,7 @@
           <a:p>
             <a:fld id="{D448101C-F29A-455A-B28B-711B0C114954}" type="datetimeFigureOut">
               <a:rPr lang="zh-CN" altLang="en-US" smtClean="0"/>
-              <a:t>2020/10/20</a:t>
+              <a:t>2020/12/21</a:t>
             </a:fld>
             <a:endParaRPr lang="zh-CN" altLang="en-US"/>
           </a:p>
@@ -14628,7 +14628,7 @@
                 <a:effectLst/>
                 <a:latin typeface="+mj-lt"/>
               </a:rPr>
-              <a:t>. 2019.</a:t>
+              <a:t>. 2020.</a:t>
             </a:r>
           </a:p>
           <a:p>
@@ -16941,7 +16941,7 @@
                 <a:effectLst/>
                 <a:latin typeface="+mj-lt"/>
               </a:rPr>
-              <a:t>. 2019.</a:t>
+              <a:t>. 2020.</a:t>
             </a:r>
             <a:endParaRPr lang="en-US" sz="1400" dirty="0">
               <a:latin typeface="+mj-lt"/>
